--- a/module-1/01-06 Developing the API Endpoints/01-06 Developing the Web API endpoints.pptx
+++ b/module-1/01-06 Developing the API Endpoints/01-06 Developing the Web API endpoints.pptx
@@ -2,7 +2,7 @@
 <file path=ppt/presentation.xml><?xml version="1.0" encoding="utf-8"?>
 <p:presentation xmlns:a="http://schemas.openxmlformats.org/drawingml/2006/main" xmlns:r="http://schemas.openxmlformats.org/officeDocument/2006/relationships" xmlns:p="http://schemas.openxmlformats.org/presentationml/2006/main" saveSubsetFonts="1">
   <p:sldMasterIdLst>
-    <p:sldMasterId id="2147483660" r:id="rId1"/>
+    <p:sldMasterId id="2147483672" r:id="rId1"/>
   </p:sldMasterIdLst>
   <p:sldIdLst>
     <p:sldId id="256" r:id="rId2"/>
@@ -104,6 +104,11 @@
       </a:defRPr>
     </a:lvl9pPr>
   </p:defaultTextStyle>
+  <p:extLst>
+    <p:ext uri="{EFAFB233-063F-42B5-8137-9DF3F51BA10A}">
+      <p15:sldGuideLst xmlns:p15="http://schemas.microsoft.com/office/powerpoint/2012/main"/>
+    </p:ext>
+  </p:extLst>
 </p:presentation>
 </file>
 
@@ -139,7 +144,9 @@
             <a:avLst/>
           </a:prstGeom>
           <a:solidFill>
-            <a:schemeClr val="accent2"/>
+            <a:schemeClr val="accent1">
+              <a:lumMod val="75000"/>
+            </a:schemeClr>
           </a:solidFill>
           <a:ln>
             <a:noFill/>
@@ -256,7 +263,7 @@
         </p:nvSpPr>
         <p:spPr>
           <a:xfrm>
-            <a:off x="1100051" y="4455620"/>
+            <a:off x="1100051" y="4455621"/>
             <a:ext cx="10058400" cy="1143000"/>
           </a:xfrm>
         </p:spPr>
@@ -333,7 +340,7 @@
           <a:p>
             <a:fld id="{59197A79-E6B2-4AB0-908B-22D89AAD388B}" type="datetimeFigureOut">
               <a:rPr lang="en-US" smtClean="0"/>
-              <a:t>8/30/2021</a:t>
+              <a:t>9/14/2021</a:t>
             </a:fld>
             <a:endParaRPr lang="en-US"/>
           </a:p>
@@ -422,7 +429,7 @@
     </p:spTree>
     <p:extLst>
       <p:ext uri="{BB962C8B-B14F-4D97-AF65-F5344CB8AC3E}">
-        <p14:creationId xmlns:p14="http://schemas.microsoft.com/office/powerpoint/2010/main" val="3996425416"/>
+        <p14:creationId xmlns:p14="http://schemas.microsoft.com/office/powerpoint/2010/main" val="1831590651"/>
       </p:ext>
     </p:extLst>
   </p:cSld>
@@ -541,7 +548,7 @@
           <a:p>
             <a:fld id="{59197A79-E6B2-4AB0-908B-22D89AAD388B}" type="datetimeFigureOut">
               <a:rPr lang="en-US" smtClean="0"/>
-              <a:t>8/30/2021</a:t>
+              <a:t>9/14/2021</a:t>
             </a:fld>
             <a:endParaRPr lang="en-US"/>
           </a:p>
@@ -592,7 +599,7 @@
     </p:spTree>
     <p:extLst>
       <p:ext uri="{BB962C8B-B14F-4D97-AF65-F5344CB8AC3E}">
-        <p14:creationId xmlns:p14="http://schemas.microsoft.com/office/powerpoint/2010/main" val="2026534823"/>
+        <p14:creationId xmlns:p14="http://schemas.microsoft.com/office/powerpoint/2010/main" val="2935465468"/>
       </p:ext>
     </p:extLst>
   </p:cSld>
@@ -634,7 +641,9 @@
             <a:avLst/>
           </a:prstGeom>
           <a:solidFill>
-            <a:schemeClr val="accent2"/>
+            <a:schemeClr val="accent1">
+              <a:lumMod val="75000"/>
+            </a:schemeClr>
           </a:solidFill>
           <a:ln>
             <a:noFill/>
@@ -707,8 +716,8 @@
         </p:nvSpPr>
         <p:spPr>
           <a:xfrm>
-            <a:off x="8724900" y="414778"/>
-            <a:ext cx="2628900" cy="5757421"/>
+            <a:off x="8724900" y="412302"/>
+            <a:ext cx="2628900" cy="5759898"/>
           </a:xfrm>
         </p:spPr>
         <p:txBody>
@@ -735,8 +744,8 @@
         </p:nvSpPr>
         <p:spPr>
           <a:xfrm>
-            <a:off x="838200" y="414778"/>
-            <a:ext cx="7734300" cy="5757422"/>
+            <a:off x="838200" y="412302"/>
+            <a:ext cx="7734300" cy="5759898"/>
           </a:xfrm>
         </p:spPr>
         <p:txBody>
@@ -797,7 +806,7 @@
           <a:p>
             <a:fld id="{59197A79-E6B2-4AB0-908B-22D89AAD388B}" type="datetimeFigureOut">
               <a:rPr lang="en-US" smtClean="0"/>
-              <a:t>8/30/2021</a:t>
+              <a:t>9/14/2021</a:t>
             </a:fld>
             <a:endParaRPr lang="en-US"/>
           </a:p>
@@ -848,7 +857,7 @@
     </p:spTree>
     <p:extLst>
       <p:ext uri="{BB962C8B-B14F-4D97-AF65-F5344CB8AC3E}">
-        <p14:creationId xmlns:p14="http://schemas.microsoft.com/office/powerpoint/2010/main" val="4161102347"/>
+        <p14:creationId xmlns:p14="http://schemas.microsoft.com/office/powerpoint/2010/main" val="2076136422"/>
       </p:ext>
     </p:extLst>
   </p:cSld>
@@ -888,11 +897,7 @@
         <p:spPr/>
         <p:txBody>
           <a:bodyPr/>
-          <a:lstStyle>
-            <a:lvl1pPr marL="0">
-              <a:defRPr/>
-            </a:lvl1pPr>
-          </a:lstStyle>
+          <a:lstStyle/>
           <a:p>
             <a:r>
               <a:rPr lang="en-US"/>
@@ -971,7 +976,7 @@
           <a:p>
             <a:fld id="{59197A79-E6B2-4AB0-908B-22D89AAD388B}" type="datetimeFigureOut">
               <a:rPr lang="en-US" smtClean="0"/>
-              <a:t>8/30/2021</a:t>
+              <a:t>9/14/2021</a:t>
             </a:fld>
             <a:endParaRPr lang="en-US"/>
           </a:p>
@@ -1022,7 +1027,7 @@
     </p:spTree>
     <p:extLst>
       <p:ext uri="{BB962C8B-B14F-4D97-AF65-F5344CB8AC3E}">
-        <p14:creationId xmlns:p14="http://schemas.microsoft.com/office/powerpoint/2010/main" val="2965463135"/>
+        <p14:creationId xmlns:p14="http://schemas.microsoft.com/office/powerpoint/2010/main" val="3625000296"/>
       </p:ext>
     </p:extLst>
   </p:cSld>
@@ -1035,14 +1040,6 @@
 <file path=ppt/slideLayouts/slideLayout3.xml><?xml version="1.0" encoding="utf-8"?>
 <p:sldLayout xmlns:a="http://schemas.openxmlformats.org/drawingml/2006/main" xmlns:r="http://schemas.openxmlformats.org/officeDocument/2006/relationships" xmlns:p="http://schemas.openxmlformats.org/presentationml/2006/main" showMasterSp="0" type="secHead" preserve="1">
   <p:cSld name="Section Header">
-    <p:bg>
-      <p:bgPr>
-        <a:solidFill>
-          <a:schemeClr val="bg1"/>
-        </a:solidFill>
-        <a:effectLst/>
-      </p:bgPr>
-    </p:bg>
     <p:spTree>
       <p:nvGrpSpPr>
         <p:cNvPr id="1" name=""/>
@@ -1072,7 +1069,9 @@
             <a:avLst/>
           </a:prstGeom>
           <a:solidFill>
-            <a:schemeClr val="accent2"/>
+            <a:schemeClr val="accent1">
+              <a:lumMod val="75000"/>
+            </a:schemeClr>
           </a:solidFill>
           <a:ln>
             <a:noFill/>
@@ -1314,7 +1313,7 @@
           <a:p>
             <a:fld id="{59197A79-E6B2-4AB0-908B-22D89AAD388B}" type="datetimeFigureOut">
               <a:rPr lang="en-US" smtClean="0"/>
-              <a:t>8/30/2021</a:t>
+              <a:t>9/14/2021</a:t>
             </a:fld>
             <a:endParaRPr lang="en-US"/>
           </a:p>
@@ -1403,7 +1402,7 @@
     </p:spTree>
     <p:extLst>
       <p:ext uri="{BB962C8B-B14F-4D97-AF65-F5344CB8AC3E}">
-        <p14:creationId xmlns:p14="http://schemas.microsoft.com/office/powerpoint/2010/main" val="2119464088"/>
+        <p14:creationId xmlns:p14="http://schemas.microsoft.com/office/powerpoint/2010/main" val="3631512361"/>
       </p:ext>
     </p:extLst>
   </p:cSld>
@@ -1470,8 +1469,8 @@
         </p:nvSpPr>
         <p:spPr>
           <a:xfrm>
-            <a:off x="1097279" y="1845734"/>
-            <a:ext cx="4937760" cy="4023360"/>
+            <a:off x="1097278" y="1845734"/>
+            <a:ext cx="4937760" cy="4023359"/>
           </a:xfrm>
         </p:spPr>
         <p:txBody>
@@ -1589,7 +1588,7 @@
           <a:p>
             <a:fld id="{59197A79-E6B2-4AB0-908B-22D89AAD388B}" type="datetimeFigureOut">
               <a:rPr lang="en-US" smtClean="0"/>
-              <a:t>8/30/2021</a:t>
+              <a:t>9/14/2021</a:t>
             </a:fld>
             <a:endParaRPr lang="en-US"/>
           </a:p>
@@ -1640,7 +1639,7 @@
     </p:spTree>
     <p:extLst>
       <p:ext uri="{BB962C8B-B14F-4D97-AF65-F5344CB8AC3E}">
-        <p14:creationId xmlns:p14="http://schemas.microsoft.com/office/powerpoint/2010/main" val="1600932637"/>
+        <p14:creationId xmlns:p14="http://schemas.microsoft.com/office/powerpoint/2010/main" val="2424570192"/>
       </p:ext>
     </p:extLst>
   </p:cSld>
@@ -1720,7 +1719,9 @@
               <a:buNone/>
               <a:defRPr sz="2000" b="0" cap="all" baseline="0">
                 <a:solidFill>
-                  <a:schemeClr val="tx2"/>
+                  <a:schemeClr val="tx2">
+                    <a:lumMod val="90000"/>
+                  </a:schemeClr>
                 </a:solidFill>
               </a:defRPr>
             </a:lvl1pPr>
@@ -1848,7 +1849,9 @@
               <a:buNone/>
               <a:defRPr sz="2000" b="0" cap="all" baseline="0">
                 <a:solidFill>
-                  <a:schemeClr val="tx2"/>
+                  <a:schemeClr val="tx2">
+                    <a:lumMod val="90000"/>
+                  </a:schemeClr>
                 </a:solidFill>
               </a:defRPr>
             </a:lvl1pPr>
@@ -1968,7 +1971,7 @@
           <a:p>
             <a:fld id="{59197A79-E6B2-4AB0-908B-22D89AAD388B}" type="datetimeFigureOut">
               <a:rPr lang="en-US" smtClean="0"/>
-              <a:t>8/30/2021</a:t>
+              <a:t>9/14/2021</a:t>
             </a:fld>
             <a:endParaRPr lang="en-US"/>
           </a:p>
@@ -2019,7 +2022,7 @@
     </p:spTree>
     <p:extLst>
       <p:ext uri="{BB962C8B-B14F-4D97-AF65-F5344CB8AC3E}">
-        <p14:creationId xmlns:p14="http://schemas.microsoft.com/office/powerpoint/2010/main" val="2202250604"/>
+        <p14:creationId xmlns:p14="http://schemas.microsoft.com/office/powerpoint/2010/main" val="3954981900"/>
       </p:ext>
     </p:extLst>
   </p:cSld>
@@ -2086,7 +2089,7 @@
           <a:p>
             <a:fld id="{59197A79-E6B2-4AB0-908B-22D89AAD388B}" type="datetimeFigureOut">
               <a:rPr lang="en-US" smtClean="0"/>
-              <a:t>8/30/2021</a:t>
+              <a:t>9/14/2021</a:t>
             </a:fld>
             <a:endParaRPr lang="en-US"/>
           </a:p>
@@ -2137,7 +2140,7 @@
     </p:spTree>
     <p:extLst>
       <p:ext uri="{BB962C8B-B14F-4D97-AF65-F5344CB8AC3E}">
-        <p14:creationId xmlns:p14="http://schemas.microsoft.com/office/powerpoint/2010/main" val="3620471858"/>
+        <p14:creationId xmlns:p14="http://schemas.microsoft.com/office/powerpoint/2010/main" val="2026131269"/>
       </p:ext>
     </p:extLst>
   </p:cSld>
@@ -2179,7 +2182,9 @@
             <a:avLst/>
           </a:prstGeom>
           <a:solidFill>
-            <a:schemeClr val="accent2"/>
+            <a:schemeClr val="accent1">
+              <a:lumMod val="75000"/>
+            </a:schemeClr>
           </a:solidFill>
           <a:ln>
             <a:noFill/>
@@ -2257,7 +2262,7 @@
           <a:p>
             <a:fld id="{59197A79-E6B2-4AB0-908B-22D89AAD388B}" type="datetimeFigureOut">
               <a:rPr lang="en-US" smtClean="0"/>
-              <a:t>8/30/2021</a:t>
+              <a:t>9/14/2021</a:t>
             </a:fld>
             <a:endParaRPr lang="en-US"/>
           </a:p>
@@ -2316,7 +2321,7 @@
     </p:spTree>
     <p:extLst>
       <p:ext uri="{BB962C8B-B14F-4D97-AF65-F5344CB8AC3E}">
-        <p14:creationId xmlns:p14="http://schemas.microsoft.com/office/powerpoint/2010/main" val="3259437015"/>
+        <p14:creationId xmlns:p14="http://schemas.microsoft.com/office/powerpoint/2010/main" val="2942118514"/>
       </p:ext>
     </p:extLst>
   </p:cSld>
@@ -2351,14 +2356,16 @@
         </p:nvSpPr>
         <p:spPr>
           <a:xfrm>
-            <a:off x="16" y="0"/>
+            <a:off x="0" y="0"/>
             <a:ext cx="4050791" cy="6858000"/>
           </a:xfrm>
           <a:prstGeom prst="rect">
             <a:avLst/>
           </a:prstGeom>
           <a:solidFill>
-            <a:schemeClr val="accent2"/>
+            <a:schemeClr val="accent1">
+              <a:lumMod val="75000"/>
+            </a:schemeClr>
           </a:solidFill>
           <a:ln>
             <a:noFill/>
@@ -2611,7 +2618,7 @@
           <a:p>
             <a:fld id="{59197A79-E6B2-4AB0-908B-22D89AAD388B}" type="datetimeFigureOut">
               <a:rPr lang="en-US" smtClean="0"/>
-              <a:t>8/30/2021</a:t>
+              <a:t>9/14/2021</a:t>
             </a:fld>
             <a:endParaRPr lang="en-US"/>
           </a:p>
@@ -2683,7 +2690,7 @@
     </p:spTree>
     <p:extLst>
       <p:ext uri="{BB962C8B-B14F-4D97-AF65-F5344CB8AC3E}">
-        <p14:creationId xmlns:p14="http://schemas.microsoft.com/office/powerpoint/2010/main" val="1268422464"/>
+        <p14:creationId xmlns:p14="http://schemas.microsoft.com/office/powerpoint/2010/main" val="4062411845"/>
       </p:ext>
     </p:extLst>
   </p:cSld>
@@ -2712,20 +2719,20 @@
       </p:grpSpPr>
       <p:sp>
         <p:nvSpPr>
-          <p:cNvPr id="8" name="Rectangle 7"/>
+          <p:cNvPr id="9" name="Rectangle 8"/>
           <p:cNvSpPr/>
           <p:nvPr/>
         </p:nvSpPr>
         <p:spPr>
           <a:xfrm>
-            <a:off x="0" y="4953000"/>
-            <a:ext cx="12188825" cy="1905000"/>
+            <a:off x="15" y="4915076"/>
+            <a:ext cx="12188825" cy="64008"/>
           </a:xfrm>
           <a:prstGeom prst="rect">
             <a:avLst/>
           </a:prstGeom>
           <a:solidFill>
-            <a:schemeClr val="accent2"/>
+            <a:schemeClr val="accent1"/>
           </a:solidFill>
           <a:ln>
             <a:noFill/>
@@ -2750,20 +2757,338 @@
       </p:sp>
       <p:sp>
         <p:nvSpPr>
-          <p:cNvPr id="9" name="Rectangle 8"/>
+          <p:cNvPr id="2" name="Title 1"/>
+          <p:cNvSpPr>
+            <a:spLocks noGrp="1"/>
+          </p:cNvSpPr>
+          <p:nvPr>
+            <p:ph type="title"/>
+          </p:nvPr>
+        </p:nvSpPr>
+        <p:spPr>
+          <a:xfrm>
+            <a:off x="1097280" y="5074920"/>
+            <a:ext cx="10113645" cy="822960"/>
+          </a:xfrm>
+        </p:spPr>
+        <p:txBody>
+          <a:bodyPr tIns="0" bIns="0" anchor="b">
+            <a:noAutofit/>
+          </a:bodyPr>
+          <a:lstStyle>
+            <a:lvl1pPr>
+              <a:defRPr sz="3600" b="0">
+                <a:solidFill>
+                  <a:schemeClr val="tx1"/>
+                </a:solidFill>
+              </a:defRPr>
+            </a:lvl1pPr>
+          </a:lstStyle>
+          <a:p>
+            <a:r>
+              <a:rPr lang="en-US"/>
+              <a:t>Click to edit Master title style</a:t>
+            </a:r>
+            <a:endParaRPr lang="en-US" dirty="0"/>
+          </a:p>
+        </p:txBody>
+      </p:sp>
+      <p:sp>
+        <p:nvSpPr>
+          <p:cNvPr id="3" name="Picture Placeholder 2"/>
+          <p:cNvSpPr>
+            <a:spLocks noGrp="1" noChangeAspect="1"/>
+          </p:cNvSpPr>
+          <p:nvPr>
+            <p:ph type="pic" idx="1"/>
+          </p:nvPr>
+        </p:nvSpPr>
+        <p:spPr>
+          <a:xfrm>
+            <a:off x="15" y="0"/>
+            <a:ext cx="12191985" cy="4915076"/>
+          </a:xfrm>
+          <a:solidFill>
+            <a:schemeClr val="bg1">
+              <a:lumMod val="50000"/>
+              <a:lumOff val="50000"/>
+            </a:schemeClr>
+          </a:solidFill>
+        </p:spPr>
+        <p:txBody>
+          <a:bodyPr lIns="457200" tIns="457200" anchor="t"/>
+          <a:lstStyle>
+            <a:lvl1pPr marL="0" indent="0">
+              <a:buNone/>
+              <a:defRPr sz="3200"/>
+            </a:lvl1pPr>
+            <a:lvl2pPr marL="457200" indent="0">
+              <a:buNone/>
+              <a:defRPr sz="2800"/>
+            </a:lvl2pPr>
+            <a:lvl3pPr marL="914400" indent="0">
+              <a:buNone/>
+              <a:defRPr sz="2400"/>
+            </a:lvl3pPr>
+            <a:lvl4pPr marL="1371600" indent="0">
+              <a:buNone/>
+              <a:defRPr sz="2000"/>
+            </a:lvl4pPr>
+            <a:lvl5pPr marL="1828800" indent="0">
+              <a:buNone/>
+              <a:defRPr sz="2000"/>
+            </a:lvl5pPr>
+            <a:lvl6pPr marL="2286000" indent="0">
+              <a:buNone/>
+              <a:defRPr sz="2000"/>
+            </a:lvl6pPr>
+            <a:lvl7pPr marL="2743200" indent="0">
+              <a:buNone/>
+              <a:defRPr sz="2000"/>
+            </a:lvl7pPr>
+            <a:lvl8pPr marL="3200400" indent="0">
+              <a:buNone/>
+              <a:defRPr sz="2000"/>
+            </a:lvl8pPr>
+            <a:lvl9pPr marL="3657600" indent="0">
+              <a:buNone/>
+              <a:defRPr sz="2000"/>
+            </a:lvl9pPr>
+          </a:lstStyle>
+          <a:p>
+            <a:r>
+              <a:rPr lang="en-US"/>
+              <a:t>Click icon to add picture</a:t>
+            </a:r>
+            <a:endParaRPr lang="en-US" dirty="0"/>
+          </a:p>
+        </p:txBody>
+      </p:sp>
+      <p:sp>
+        <p:nvSpPr>
+          <p:cNvPr id="4" name="Text Placeholder 3"/>
+          <p:cNvSpPr>
+            <a:spLocks noGrp="1"/>
+          </p:cNvSpPr>
+          <p:nvPr>
+            <p:ph type="body" sz="half" idx="2"/>
+          </p:nvPr>
+        </p:nvSpPr>
+        <p:spPr>
+          <a:xfrm>
+            <a:off x="1097280" y="5907024"/>
+            <a:ext cx="10113264" cy="594360"/>
+          </a:xfrm>
+        </p:spPr>
+        <p:txBody>
+          <a:bodyPr lIns="91440" tIns="0" rIns="91440" bIns="0">
+            <a:normAutofit/>
+          </a:bodyPr>
+          <a:lstStyle>
+            <a:lvl1pPr marL="0" indent="0">
+              <a:spcBef>
+                <a:spcPts val="0"/>
+              </a:spcBef>
+              <a:spcAft>
+                <a:spcPts val="600"/>
+              </a:spcAft>
+              <a:buNone/>
+              <a:defRPr sz="1500">
+                <a:solidFill>
+                  <a:schemeClr val="tx1"/>
+                </a:solidFill>
+              </a:defRPr>
+            </a:lvl1pPr>
+            <a:lvl2pPr marL="457200" indent="0">
+              <a:buNone/>
+              <a:defRPr sz="1200"/>
+            </a:lvl2pPr>
+            <a:lvl3pPr marL="914400" indent="0">
+              <a:buNone/>
+              <a:defRPr sz="1000"/>
+            </a:lvl3pPr>
+            <a:lvl4pPr marL="1371600" indent="0">
+              <a:buNone/>
+              <a:defRPr sz="900"/>
+            </a:lvl4pPr>
+            <a:lvl5pPr marL="1828800" indent="0">
+              <a:buNone/>
+              <a:defRPr sz="900"/>
+            </a:lvl5pPr>
+            <a:lvl6pPr marL="2286000" indent="0">
+              <a:buNone/>
+              <a:defRPr sz="900"/>
+            </a:lvl6pPr>
+            <a:lvl7pPr marL="2743200" indent="0">
+              <a:buNone/>
+              <a:defRPr sz="900"/>
+            </a:lvl7pPr>
+            <a:lvl8pPr marL="3200400" indent="0">
+              <a:buNone/>
+              <a:defRPr sz="900"/>
+            </a:lvl8pPr>
+            <a:lvl9pPr marL="3657600" indent="0">
+              <a:buNone/>
+              <a:defRPr sz="900"/>
+            </a:lvl9pPr>
+          </a:lstStyle>
+          <a:p>
+            <a:pPr lvl="0"/>
+            <a:r>
+              <a:rPr lang="en-US"/>
+              <a:t>Click to edit Master text styles</a:t>
+            </a:r>
+          </a:p>
+        </p:txBody>
+      </p:sp>
+      <p:sp>
+        <p:nvSpPr>
+          <p:cNvPr id="5" name="Date Placeholder 4"/>
+          <p:cNvSpPr>
+            <a:spLocks noGrp="1"/>
+          </p:cNvSpPr>
+          <p:nvPr>
+            <p:ph type="dt" sz="half" idx="10"/>
+          </p:nvPr>
+        </p:nvSpPr>
+        <p:spPr/>
+        <p:txBody>
+          <a:bodyPr/>
+          <a:lstStyle>
+            <a:lvl1pPr>
+              <a:defRPr>
+                <a:solidFill>
+                  <a:schemeClr val="tx2"/>
+                </a:solidFill>
+              </a:defRPr>
+            </a:lvl1pPr>
+          </a:lstStyle>
+          <a:p>
+            <a:fld id="{59197A79-E6B2-4AB0-908B-22D89AAD388B}" type="datetimeFigureOut">
+              <a:rPr lang="en-US" smtClean="0"/>
+              <a:t>9/14/2021</a:t>
+            </a:fld>
+            <a:endParaRPr lang="en-US"/>
+          </a:p>
+        </p:txBody>
+      </p:sp>
+      <p:sp>
+        <p:nvSpPr>
+          <p:cNvPr id="6" name="Footer Placeholder 5"/>
+          <p:cNvSpPr>
+            <a:spLocks noGrp="1"/>
+          </p:cNvSpPr>
+          <p:nvPr>
+            <p:ph type="ftr" sz="quarter" idx="11"/>
+          </p:nvPr>
+        </p:nvSpPr>
+        <p:spPr/>
+        <p:txBody>
+          <a:bodyPr/>
+          <a:lstStyle>
+            <a:lvl1pPr>
+              <a:defRPr>
+                <a:solidFill>
+                  <a:schemeClr val="tx2"/>
+                </a:solidFill>
+              </a:defRPr>
+            </a:lvl1pPr>
+          </a:lstStyle>
+          <a:p>
+            <a:endParaRPr lang="en-US"/>
+          </a:p>
+        </p:txBody>
+      </p:sp>
+      <p:sp>
+        <p:nvSpPr>
+          <p:cNvPr id="7" name="Slide Number Placeholder 6"/>
+          <p:cNvSpPr>
+            <a:spLocks noGrp="1"/>
+          </p:cNvSpPr>
+          <p:nvPr>
+            <p:ph type="sldNum" sz="quarter" idx="12"/>
+          </p:nvPr>
+        </p:nvSpPr>
+        <p:spPr/>
+        <p:txBody>
+          <a:bodyPr/>
+          <a:lstStyle>
+            <a:lvl1pPr>
+              <a:defRPr>
+                <a:solidFill>
+                  <a:schemeClr val="tx2"/>
+                </a:solidFill>
+              </a:defRPr>
+            </a:lvl1pPr>
+          </a:lstStyle>
+          <a:p>
+            <a:fld id="{21CFE651-863E-4EAB-8311-213506460D6F}" type="slidenum">
+              <a:rPr lang="en-US" smtClean="0"/>
+              <a:t>‹#›</a:t>
+            </a:fld>
+            <a:endParaRPr lang="en-US"/>
+          </a:p>
+        </p:txBody>
+      </p:sp>
+    </p:spTree>
+    <p:extLst>
+      <p:ext uri="{BB962C8B-B14F-4D97-AF65-F5344CB8AC3E}">
+        <p14:creationId xmlns:p14="http://schemas.microsoft.com/office/powerpoint/2010/main" val="655983778"/>
+      </p:ext>
+    </p:extLst>
+  </p:cSld>
+  <p:clrMapOvr>
+    <a:masterClrMapping/>
+  </p:clrMapOvr>
+</p:sldLayout>
+</file>
+
+<file path=ppt/slideMasters/slideMaster1.xml><?xml version="1.0" encoding="utf-8"?>
+<p:sldMaster xmlns:a="http://schemas.openxmlformats.org/drawingml/2006/main" xmlns:r="http://schemas.openxmlformats.org/officeDocument/2006/relationships" xmlns:p="http://schemas.openxmlformats.org/presentationml/2006/main">
+  <p:cSld>
+    <p:bg>
+      <p:bgPr>
+        <a:solidFill>
+          <a:schemeClr val="bg1">
+            <a:lumMod val="75000"/>
+            <a:lumOff val="25000"/>
+          </a:schemeClr>
+        </a:solidFill>
+        <a:effectLst/>
+      </p:bgPr>
+    </p:bg>
+    <p:spTree>
+      <p:nvGrpSpPr>
+        <p:cNvPr id="1" name=""/>
+        <p:cNvGrpSpPr/>
+        <p:nvPr/>
+      </p:nvGrpSpPr>
+      <p:grpSpPr>
+        <a:xfrm>
+          <a:off x="0" y="0"/>
+          <a:ext cx="0" cy="0"/>
+          <a:chOff x="0" y="0"/>
+          <a:chExt cx="0" cy="0"/>
+        </a:xfrm>
+      </p:grpSpPr>
+      <p:sp>
+        <p:nvSpPr>
+          <p:cNvPr id="7" name="Rectangle 6"/>
           <p:cNvSpPr/>
           <p:nvPr/>
         </p:nvSpPr>
         <p:spPr>
           <a:xfrm>
-            <a:off x="15" y="4915076"/>
-            <a:ext cx="12188825" cy="64008"/>
+            <a:off x="1" y="6400800"/>
+            <a:ext cx="12192000" cy="457200"/>
           </a:xfrm>
           <a:prstGeom prst="rect">
             <a:avLst/>
           </a:prstGeom>
           <a:solidFill>
-            <a:schemeClr val="accent1"/>
+            <a:schemeClr val="accent1">
+              <a:lumMod val="75000"/>
+            </a:schemeClr>
           </a:solidFill>
           <a:ln>
             <a:noFill/>
@@ -2788,310 +3113,20 @@
       </p:sp>
       <p:sp>
         <p:nvSpPr>
-          <p:cNvPr id="2" name="Title 1"/>
-          <p:cNvSpPr>
-            <a:spLocks noGrp="1"/>
-          </p:cNvSpPr>
-          <p:nvPr>
-            <p:ph type="title"/>
-          </p:nvPr>
-        </p:nvSpPr>
-        <p:spPr>
-          <a:xfrm>
-            <a:off x="1097280" y="5074920"/>
-            <a:ext cx="10113264" cy="822960"/>
-          </a:xfrm>
-        </p:spPr>
-        <p:txBody>
-          <a:bodyPr lIns="91440" tIns="0" rIns="91440" bIns="0" anchor="b">
-            <a:noAutofit/>
-          </a:bodyPr>
-          <a:lstStyle>
-            <a:lvl1pPr>
-              <a:defRPr sz="3600" b="0">
-                <a:solidFill>
-                  <a:srgbClr val="FFFFFF"/>
-                </a:solidFill>
-              </a:defRPr>
-            </a:lvl1pPr>
-          </a:lstStyle>
-          <a:p>
-            <a:r>
-              <a:rPr lang="en-US"/>
-              <a:t>Click to edit Master title style</a:t>
-            </a:r>
-            <a:endParaRPr lang="en-US" dirty="0"/>
-          </a:p>
-        </p:txBody>
-      </p:sp>
-      <p:sp>
-        <p:nvSpPr>
-          <p:cNvPr id="3" name="Picture Placeholder 2"/>
-          <p:cNvSpPr>
-            <a:spLocks noGrp="1" noChangeAspect="1"/>
-          </p:cNvSpPr>
-          <p:nvPr>
-            <p:ph type="pic" idx="1"/>
-          </p:nvPr>
-        </p:nvSpPr>
-        <p:spPr>
-          <a:xfrm>
-            <a:off x="15" y="0"/>
-            <a:ext cx="12191985" cy="4915076"/>
-          </a:xfrm>
-          <a:blipFill>
-            <a:blip r:embed="rId2"/>
-            <a:stretch>
-              <a:fillRect/>
-            </a:stretch>
-          </a:blipFill>
-        </p:spPr>
-        <p:txBody>
-          <a:bodyPr lIns="457200" tIns="457200" anchor="t"/>
-          <a:lstStyle>
-            <a:lvl1pPr marL="0" indent="0">
-              <a:buNone/>
-              <a:defRPr sz="3200">
-                <a:solidFill>
-                  <a:schemeClr val="bg1"/>
-                </a:solidFill>
-              </a:defRPr>
-            </a:lvl1pPr>
-            <a:lvl2pPr marL="457200" indent="0">
-              <a:buNone/>
-              <a:defRPr sz="2800"/>
-            </a:lvl2pPr>
-            <a:lvl3pPr marL="914400" indent="0">
-              <a:buNone/>
-              <a:defRPr sz="2400"/>
-            </a:lvl3pPr>
-            <a:lvl4pPr marL="1371600" indent="0">
-              <a:buNone/>
-              <a:defRPr sz="2000"/>
-            </a:lvl4pPr>
-            <a:lvl5pPr marL="1828800" indent="0">
-              <a:buNone/>
-              <a:defRPr sz="2000"/>
-            </a:lvl5pPr>
-            <a:lvl6pPr marL="2286000" indent="0">
-              <a:buNone/>
-              <a:defRPr sz="2000"/>
-            </a:lvl6pPr>
-            <a:lvl7pPr marL="2743200" indent="0">
-              <a:buNone/>
-              <a:defRPr sz="2000"/>
-            </a:lvl7pPr>
-            <a:lvl8pPr marL="3200400" indent="0">
-              <a:buNone/>
-              <a:defRPr sz="2000"/>
-            </a:lvl8pPr>
-            <a:lvl9pPr marL="3657600" indent="0">
-              <a:buNone/>
-              <a:defRPr sz="2000"/>
-            </a:lvl9pPr>
-          </a:lstStyle>
-          <a:p>
-            <a:r>
-              <a:rPr lang="en-US"/>
-              <a:t>Click icon to add picture</a:t>
-            </a:r>
-            <a:endParaRPr lang="en-US" dirty="0"/>
-          </a:p>
-        </p:txBody>
-      </p:sp>
-      <p:sp>
-        <p:nvSpPr>
-          <p:cNvPr id="4" name="Text Placeholder 3"/>
-          <p:cNvSpPr>
-            <a:spLocks noGrp="1"/>
-          </p:cNvSpPr>
-          <p:nvPr>
-            <p:ph type="body" sz="half" idx="2"/>
-          </p:nvPr>
-        </p:nvSpPr>
-        <p:spPr>
-          <a:xfrm>
-            <a:off x="1097280" y="5907023"/>
-            <a:ext cx="10113264" cy="594360"/>
-          </a:xfrm>
-        </p:spPr>
-        <p:txBody>
-          <a:bodyPr lIns="91440" tIns="0" rIns="91440" bIns="0">
-            <a:normAutofit/>
-          </a:bodyPr>
-          <a:lstStyle>
-            <a:lvl1pPr marL="0" indent="0">
-              <a:spcBef>
-                <a:spcPts val="0"/>
-              </a:spcBef>
-              <a:spcAft>
-                <a:spcPts val="600"/>
-              </a:spcAft>
-              <a:buNone/>
-              <a:defRPr sz="1500">
-                <a:solidFill>
-                  <a:srgbClr val="FFFFFF"/>
-                </a:solidFill>
-              </a:defRPr>
-            </a:lvl1pPr>
-            <a:lvl2pPr marL="457200" indent="0">
-              <a:buNone/>
-              <a:defRPr sz="1200"/>
-            </a:lvl2pPr>
-            <a:lvl3pPr marL="914400" indent="0">
-              <a:buNone/>
-              <a:defRPr sz="1000"/>
-            </a:lvl3pPr>
-            <a:lvl4pPr marL="1371600" indent="0">
-              <a:buNone/>
-              <a:defRPr sz="900"/>
-            </a:lvl4pPr>
-            <a:lvl5pPr marL="1828800" indent="0">
-              <a:buNone/>
-              <a:defRPr sz="900"/>
-            </a:lvl5pPr>
-            <a:lvl6pPr marL="2286000" indent="0">
-              <a:buNone/>
-              <a:defRPr sz="900"/>
-            </a:lvl6pPr>
-            <a:lvl7pPr marL="2743200" indent="0">
-              <a:buNone/>
-              <a:defRPr sz="900"/>
-            </a:lvl7pPr>
-            <a:lvl8pPr marL="3200400" indent="0">
-              <a:buNone/>
-              <a:defRPr sz="900"/>
-            </a:lvl8pPr>
-            <a:lvl9pPr marL="3657600" indent="0">
-              <a:buNone/>
-              <a:defRPr sz="900"/>
-            </a:lvl9pPr>
-          </a:lstStyle>
-          <a:p>
-            <a:pPr lvl="0"/>
-            <a:r>
-              <a:rPr lang="en-US"/>
-              <a:t>Click to edit Master text styles</a:t>
-            </a:r>
-          </a:p>
-        </p:txBody>
-      </p:sp>
-      <p:sp>
-        <p:nvSpPr>
-          <p:cNvPr id="5" name="Date Placeholder 4"/>
-          <p:cNvSpPr>
-            <a:spLocks noGrp="1"/>
-          </p:cNvSpPr>
-          <p:nvPr>
-            <p:ph type="dt" sz="half" idx="10"/>
-          </p:nvPr>
-        </p:nvSpPr>
-        <p:spPr/>
-        <p:txBody>
-          <a:bodyPr/>
-          <a:lstStyle/>
-          <a:p>
-            <a:fld id="{59197A79-E6B2-4AB0-908B-22D89AAD388B}" type="datetimeFigureOut">
-              <a:rPr lang="en-US" smtClean="0"/>
-              <a:t>8/30/2021</a:t>
-            </a:fld>
-            <a:endParaRPr lang="en-US"/>
-          </a:p>
-        </p:txBody>
-      </p:sp>
-      <p:sp>
-        <p:nvSpPr>
-          <p:cNvPr id="6" name="Footer Placeholder 5"/>
-          <p:cNvSpPr>
-            <a:spLocks noGrp="1"/>
-          </p:cNvSpPr>
-          <p:nvPr>
-            <p:ph type="ftr" sz="quarter" idx="11"/>
-          </p:nvPr>
-        </p:nvSpPr>
-        <p:spPr/>
-        <p:txBody>
-          <a:bodyPr/>
-          <a:lstStyle/>
-          <a:p>
-            <a:endParaRPr lang="en-US"/>
-          </a:p>
-        </p:txBody>
-      </p:sp>
-      <p:sp>
-        <p:nvSpPr>
-          <p:cNvPr id="7" name="Slide Number Placeholder 6"/>
-          <p:cNvSpPr>
-            <a:spLocks noGrp="1"/>
-          </p:cNvSpPr>
-          <p:nvPr>
-            <p:ph type="sldNum" sz="quarter" idx="12"/>
-          </p:nvPr>
-        </p:nvSpPr>
-        <p:spPr/>
-        <p:txBody>
-          <a:bodyPr/>
-          <a:lstStyle/>
-          <a:p>
-            <a:fld id="{21CFE651-863E-4EAB-8311-213506460D6F}" type="slidenum">
-              <a:rPr lang="en-US" smtClean="0"/>
-              <a:t>‹#›</a:t>
-            </a:fld>
-            <a:endParaRPr lang="en-US"/>
-          </a:p>
-        </p:txBody>
-      </p:sp>
-    </p:spTree>
-    <p:extLst>
-      <p:ext uri="{BB962C8B-B14F-4D97-AF65-F5344CB8AC3E}">
-        <p14:creationId xmlns:p14="http://schemas.microsoft.com/office/powerpoint/2010/main" val="2028228909"/>
-      </p:ext>
-    </p:extLst>
-  </p:cSld>
-  <p:clrMapOvr>
-    <a:masterClrMapping/>
-  </p:clrMapOvr>
-</p:sldLayout>
-</file>
-
-<file path=ppt/slideMasters/slideMaster1.xml><?xml version="1.0" encoding="utf-8"?>
-<p:sldMaster xmlns:a="http://schemas.openxmlformats.org/drawingml/2006/main" xmlns:r="http://schemas.openxmlformats.org/officeDocument/2006/relationships" xmlns:p="http://schemas.openxmlformats.org/presentationml/2006/main">
-  <p:cSld>
-    <p:bg>
-      <p:bgRef idx="1001">
-        <a:schemeClr val="bg1"/>
-      </p:bgRef>
-    </p:bg>
-    <p:spTree>
-      <p:nvGrpSpPr>
-        <p:cNvPr id="1" name=""/>
-        <p:cNvGrpSpPr/>
-        <p:nvPr/>
-      </p:nvGrpSpPr>
-      <p:grpSpPr>
-        <a:xfrm>
-          <a:off x="0" y="0"/>
-          <a:ext cx="0" cy="0"/>
-          <a:chOff x="0" y="0"/>
-          <a:chExt cx="0" cy="0"/>
-        </a:xfrm>
-      </p:grpSpPr>
-      <p:sp>
-        <p:nvSpPr>
-          <p:cNvPr id="7" name="Rectangle 6"/>
+          <p:cNvPr id="9" name="Rectangle 8"/>
           <p:cNvSpPr/>
           <p:nvPr/>
         </p:nvSpPr>
         <p:spPr>
           <a:xfrm>
-            <a:off x="1" y="6400800"/>
-            <a:ext cx="12192000" cy="457200"/>
+            <a:off x="1" y="6334316"/>
+            <a:ext cx="12192000" cy="66484"/>
           </a:xfrm>
           <a:prstGeom prst="rect">
             <a:avLst/>
           </a:prstGeom>
           <a:solidFill>
-            <a:schemeClr val="accent2"/>
+            <a:schemeClr val="accent1"/>
           </a:solidFill>
           <a:ln>
             <a:noFill/>
@@ -3116,44 +3151,6 @@
       </p:sp>
       <p:sp>
         <p:nvSpPr>
-          <p:cNvPr id="9" name="Rectangle 8"/>
-          <p:cNvSpPr/>
-          <p:nvPr/>
-        </p:nvSpPr>
-        <p:spPr>
-          <a:xfrm>
-            <a:off x="0" y="6334316"/>
-            <a:ext cx="12192001" cy="65998"/>
-          </a:xfrm>
-          <a:prstGeom prst="rect">
-            <a:avLst/>
-          </a:prstGeom>
-          <a:solidFill>
-            <a:schemeClr val="accent1"/>
-          </a:solidFill>
-          <a:ln>
-            <a:noFill/>
-          </a:ln>
-        </p:spPr>
-        <p:style>
-          <a:lnRef idx="2">
-            <a:schemeClr val="accent1">
-              <a:shade val="50000"/>
-            </a:schemeClr>
-          </a:lnRef>
-          <a:fillRef idx="1">
-            <a:schemeClr val="accent1"/>
-          </a:fillRef>
-          <a:effectRef idx="0">
-            <a:schemeClr val="accent1"/>
-          </a:effectRef>
-          <a:fontRef idx="minor">
-            <a:schemeClr val="lt1"/>
-          </a:fontRef>
-        </p:style>
-      </p:sp>
-      <p:sp>
-        <p:nvSpPr>
           <p:cNvPr id="2" name="Title Placeholder 1"/>
           <p:cNvSpPr>
             <a:spLocks noGrp="1"/>
@@ -3280,7 +3277,7 @@
           <a:p>
             <a:fld id="{59197A79-E6B2-4AB0-908B-22D89AAD388B}" type="datetimeFigureOut">
               <a:rPr lang="en-US" smtClean="0"/>
-              <a:t>8/30/2021</a:t>
+              <a:t>9/14/2021</a:t>
             </a:fld>
             <a:endParaRPr lang="en-US"/>
           </a:p>
@@ -3401,23 +3398,23 @@
     </p:spTree>
     <p:extLst>
       <p:ext uri="{BB962C8B-B14F-4D97-AF65-F5344CB8AC3E}">
-        <p14:creationId xmlns:p14="http://schemas.microsoft.com/office/powerpoint/2010/main" val="1180594728"/>
+        <p14:creationId xmlns:p14="http://schemas.microsoft.com/office/powerpoint/2010/main" val="1921426485"/>
       </p:ext>
     </p:extLst>
   </p:cSld>
-  <p:clrMap bg1="lt1" tx1="dk1" bg2="lt2" tx2="dk2" accent1="accent1" accent2="accent2" accent3="accent3" accent4="accent4" accent5="accent5" accent6="accent6" hlink="hlink" folHlink="folHlink"/>
+  <p:clrMap bg1="dk1" tx1="lt1" bg2="dk2" tx2="lt2" accent1="accent1" accent2="accent2" accent3="accent3" accent4="accent4" accent5="accent5" accent6="accent6" hlink="hlink" folHlink="folHlink"/>
   <p:sldLayoutIdLst>
-    <p:sldLayoutId id="2147483661" r:id="rId1"/>
-    <p:sldLayoutId id="2147483662" r:id="rId2"/>
-    <p:sldLayoutId id="2147483663" r:id="rId3"/>
-    <p:sldLayoutId id="2147483664" r:id="rId4"/>
-    <p:sldLayoutId id="2147483665" r:id="rId5"/>
-    <p:sldLayoutId id="2147483666" r:id="rId6"/>
-    <p:sldLayoutId id="2147483667" r:id="rId7"/>
-    <p:sldLayoutId id="2147483668" r:id="rId8"/>
-    <p:sldLayoutId id="2147483669" r:id="rId9"/>
-    <p:sldLayoutId id="2147483670" r:id="rId10"/>
-    <p:sldLayoutId id="2147483671" r:id="rId11"/>
+    <p:sldLayoutId id="2147483673" r:id="rId1"/>
+    <p:sldLayoutId id="2147483674" r:id="rId2"/>
+    <p:sldLayoutId id="2147483675" r:id="rId3"/>
+    <p:sldLayoutId id="2147483676" r:id="rId4"/>
+    <p:sldLayoutId id="2147483677" r:id="rId5"/>
+    <p:sldLayoutId id="2147483678" r:id="rId6"/>
+    <p:sldLayoutId id="2147483679" r:id="rId7"/>
+    <p:sldLayoutId id="2147483680" r:id="rId8"/>
+    <p:sldLayoutId id="2147483681" r:id="rId9"/>
+    <p:sldLayoutId id="2147483682" r:id="rId10"/>
+    <p:sldLayoutId id="2147483683" r:id="rId11"/>
   </p:sldLayoutIdLst>
   <p:txStyles>
     <p:titleStyle>
@@ -3454,7 +3451,7 @@
           <a:spcPts val="200"/>
         </a:spcAft>
         <a:buClr>
-          <a:schemeClr val="accent1"/>
+          <a:schemeClr val="accent3"/>
         </a:buClr>
         <a:buSzPct val="100000"/>
         <a:buFont typeface="Calibri" panose="020F0502020204030204" pitchFamily="34" charset="0"/>
@@ -3482,7 +3479,7 @@
           <a:spcPts val="400"/>
         </a:spcAft>
         <a:buClr>
-          <a:schemeClr val="accent1"/>
+          <a:schemeClr val="accent3"/>
         </a:buClr>
         <a:buFont typeface="Calibri" pitchFamily="34" charset="0"/>
         <a:buChar char="◦"/>
@@ -3509,7 +3506,7 @@
           <a:spcPts val="400"/>
         </a:spcAft>
         <a:buClr>
-          <a:schemeClr val="accent1"/>
+          <a:schemeClr val="accent3"/>
         </a:buClr>
         <a:buFont typeface="Calibri" pitchFamily="34" charset="0"/>
         <a:buChar char="◦"/>
@@ -3536,7 +3533,7 @@
           <a:spcPts val="400"/>
         </a:spcAft>
         <a:buClr>
-          <a:schemeClr val="accent1"/>
+          <a:schemeClr val="accent3"/>
         </a:buClr>
         <a:buFont typeface="Calibri" pitchFamily="34" charset="0"/>
         <a:buChar char="◦"/>
@@ -3563,7 +3560,7 @@
           <a:spcPts val="400"/>
         </a:spcAft>
         <a:buClr>
-          <a:schemeClr val="accent1"/>
+          <a:schemeClr val="accent3"/>
         </a:buClr>
         <a:buFont typeface="Calibri" pitchFamily="34" charset="0"/>
         <a:buChar char="◦"/>
@@ -3590,7 +3587,7 @@
           <a:spcPts val="400"/>
         </a:spcAft>
         <a:buClr>
-          <a:schemeClr val="accent1"/>
+          <a:schemeClr val="accent3"/>
         </a:buClr>
         <a:buFont typeface="Calibri" pitchFamily="34" charset="0"/>
         <a:buChar char="◦"/>
@@ -3617,7 +3614,7 @@
           <a:spcPts val="400"/>
         </a:spcAft>
         <a:buClr>
-          <a:schemeClr val="accent1"/>
+          <a:schemeClr val="accent3"/>
         </a:buClr>
         <a:buFont typeface="Calibri" pitchFamily="34" charset="0"/>
         <a:buChar char="◦"/>
@@ -3644,7 +3641,7 @@
           <a:spcPts val="400"/>
         </a:spcAft>
         <a:buClr>
-          <a:schemeClr val="accent1"/>
+          <a:schemeClr val="accent3"/>
         </a:buClr>
         <a:buFont typeface="Calibri" pitchFamily="34" charset="0"/>
         <a:buChar char="◦"/>
@@ -3671,7 +3668,7 @@
           <a:spcPts val="400"/>
         </a:spcAft>
         <a:buClr>
-          <a:schemeClr val="accent1"/>
+          <a:schemeClr val="accent3"/>
         </a:buClr>
         <a:buFont typeface="Calibri" pitchFamily="34" charset="0"/>
         <a:buChar char="◦"/>
@@ -3858,19 +3855,17 @@
             <p:ph type="ctrTitle"/>
           </p:nvPr>
         </p:nvSpPr>
-        <p:spPr>
-          <a:xfrm>
-            <a:off x="1097280" y="758952"/>
-            <a:ext cx="10058400" cy="3566160"/>
-          </a:xfrm>
-        </p:spPr>
+        <p:spPr/>
         <p:txBody>
           <a:bodyPr>
             <a:normAutofit/>
           </a:bodyPr>
           <a:lstStyle/>
           <a:p>
-            <a:endParaRPr lang="en-US"/>
+            <a:r>
+              <a:rPr lang="en-US" dirty="0"/>
+              <a:t>Developing the API Endpoints </a:t>
+            </a:r>
           </a:p>
         </p:txBody>
       </p:sp>
@@ -3890,19 +3885,48 @@
             <p:ph type="subTitle" idx="1"/>
           </p:nvPr>
         </p:nvSpPr>
-        <p:spPr>
-          <a:xfrm>
-            <a:off x="1100051" y="4455621"/>
-            <a:ext cx="10058400" cy="1143000"/>
-          </a:xfrm>
-        </p:spPr>
+        <p:spPr/>
         <p:txBody>
           <a:bodyPr>
             <a:normAutofit/>
           </a:bodyPr>
           <a:lstStyle/>
           <a:p>
-            <a:endParaRPr lang="en-US"/>
+            <a:r>
+              <a:rPr lang="en-US" b="0" i="0" dirty="0">
+                <a:solidFill>
+                  <a:schemeClr val="tx1"/>
+                </a:solidFill>
+                <a:effectLst/>
+                <a:latin typeface="Roboto" panose="02000000000000000000" pitchFamily="2" charset="0"/>
+              </a:rPr>
+              <a:t>Learn to Produce Effective</a:t>
+            </a:r>
+            <a:br>
+              <a:rPr lang="en-US" dirty="0">
+                <a:solidFill>
+                  <a:schemeClr val="tx1"/>
+                </a:solidFill>
+              </a:rPr>
+            </a:br>
+            <a:r>
+              <a:rPr lang="en-US" b="0" i="0" dirty="0">
+                <a:solidFill>
+                  <a:schemeClr val="tx1"/>
+                </a:solidFill>
+                <a:effectLst/>
+                <a:latin typeface="Roboto" panose="02000000000000000000" pitchFamily="2" charset="0"/>
+              </a:rPr>
+              <a:t>Web APIs with ASP.NET 5</a:t>
+            </a:r>
+            <a:endParaRPr lang="en-US" dirty="0">
+              <a:solidFill>
+                <a:schemeClr val="tx1"/>
+              </a:solidFill>
+            </a:endParaRPr>
+          </a:p>
+          <a:p>
+            <a:endParaRPr lang="en-US" dirty="0"/>
           </a:p>
         </p:txBody>
       </p:sp>
@@ -3924,40 +3948,40 @@
   <a:themeElements>
     <a:clrScheme name="Retrospect">
       <a:dk1>
-        <a:srgbClr val="000000"/>
+        <a:sysClr val="windowText" lastClr="000000"/>
       </a:dk1>
       <a:lt1>
         <a:sysClr val="window" lastClr="FFFFFF"/>
       </a:lt1>
       <a:dk2>
-        <a:srgbClr val="637052"/>
+        <a:srgbClr val="564B3C"/>
       </a:dk2>
       <a:lt2>
-        <a:srgbClr val="CCDDEA"/>
+        <a:srgbClr val="ECEDD1"/>
       </a:lt2>
       <a:accent1>
-        <a:srgbClr val="E48312"/>
+        <a:srgbClr val="93A299"/>
       </a:accent1>
       <a:accent2>
-        <a:srgbClr val="BD582C"/>
+        <a:srgbClr val="CF543F"/>
       </a:accent2>
       <a:accent3>
-        <a:srgbClr val="865640"/>
+        <a:srgbClr val="B5AE53"/>
       </a:accent3>
       <a:accent4>
-        <a:srgbClr val="9B8357"/>
+        <a:srgbClr val="848058"/>
       </a:accent4>
       <a:accent5>
-        <a:srgbClr val="C2BC80"/>
+        <a:srgbClr val="E8B54D"/>
       </a:accent5>
       <a:accent6>
-        <a:srgbClr val="94A088"/>
+        <a:srgbClr val="786C71"/>
       </a:accent6>
       <a:hlink>
-        <a:srgbClr val="2998E3"/>
+        <a:srgbClr val="CCCC00"/>
       </a:hlink>
       <a:folHlink>
-        <a:srgbClr val="8C8C8C"/>
+        <a:srgbClr val="B2B2B2"/>
       </a:folHlink>
     </a:clrScheme>
     <a:fontScheme name="Retrospect">
@@ -4196,7 +4220,7 @@
   <a:extraClrSchemeLst/>
   <a:extLst>
     <a:ext uri="{05A4C25C-085E-4340-85A3-A5531E510DB2}">
-      <thm15:themeFamily xmlns:thm15="http://schemas.microsoft.com/office/thememl/2012/main" name="Retrospect" id="{5F128B03-DCCA-4EEB-AB3B-CF2899314A46}" vid="{3F1AAB62-24C6-49D2-8E01-B56FAC9A3DCD}"/>
+      <thm15:themeFamily xmlns:thm15="http://schemas.microsoft.com/office/thememl/2012/main" name="Retrospect" id="{5F128B03-DCCA-4EEB-AB3B-CF2899314A46}" vid="{E3DA18C2-75F1-4980-A5F0-165F6F71DE6D}"/>
     </a:ext>
   </a:extLst>
 </a:theme>

--- a/module-1/01-06 Developing the API Endpoints/01-06 Developing the Web API endpoints.pptx
+++ b/module-1/01-06 Developing the API Endpoints/01-06 Developing the Web API endpoints.pptx
@@ -3,9 +3,14 @@
 <p:presentation xmlns:a="http://schemas.openxmlformats.org/drawingml/2006/main" xmlns:r="http://schemas.openxmlformats.org/officeDocument/2006/relationships" xmlns:p="http://schemas.openxmlformats.org/presentationml/2006/main" saveSubsetFonts="1">
   <p:sldMasterIdLst>
     <p:sldMasterId id="2147483672" r:id="rId1"/>
+    <p:sldMasterId id="2147483684" r:id="rId2"/>
   </p:sldMasterIdLst>
+  <p:notesMasterIdLst>
+    <p:notesMasterId r:id="rId5"/>
+  </p:notesMasterIdLst>
   <p:sldIdLst>
-    <p:sldId id="256" r:id="rId2"/>
+    <p:sldId id="261" r:id="rId3"/>
+    <p:sldId id="256" r:id="rId4"/>
   </p:sldIdLst>
   <p:sldSz cx="12192000" cy="6858000"/>
   <p:notesSz cx="6858000" cy="9144000"/>
@@ -112,6 +117,507 @@
 </p:presentation>
 </file>
 
+<file path=ppt/notesMasters/notesMaster1.xml><?xml version="1.0" encoding="utf-8"?>
+<p:notesMaster xmlns:a="http://schemas.openxmlformats.org/drawingml/2006/main" xmlns:r="http://schemas.openxmlformats.org/officeDocument/2006/relationships" xmlns:p="http://schemas.openxmlformats.org/presentationml/2006/main">
+  <p:cSld>
+    <p:bg>
+      <p:bgRef idx="1001">
+        <a:schemeClr val="bg1"/>
+      </p:bgRef>
+    </p:bg>
+    <p:spTree>
+      <p:nvGrpSpPr>
+        <p:cNvPr id="1" name=""/>
+        <p:cNvGrpSpPr/>
+        <p:nvPr/>
+      </p:nvGrpSpPr>
+      <p:grpSpPr>
+        <a:xfrm>
+          <a:off x="0" y="0"/>
+          <a:ext cx="0" cy="0"/>
+          <a:chOff x="0" y="0"/>
+          <a:chExt cx="0" cy="0"/>
+        </a:xfrm>
+      </p:grpSpPr>
+      <p:sp>
+        <p:nvSpPr>
+          <p:cNvPr id="2" name="Header Placeholder 1"/>
+          <p:cNvSpPr>
+            <a:spLocks noGrp="1"/>
+          </p:cNvSpPr>
+          <p:nvPr>
+            <p:ph type="hdr" sz="quarter"/>
+          </p:nvPr>
+        </p:nvSpPr>
+        <p:spPr>
+          <a:xfrm>
+            <a:off x="0" y="0"/>
+            <a:ext cx="2971800" cy="458788"/>
+          </a:xfrm>
+          <a:prstGeom prst="rect">
+            <a:avLst/>
+          </a:prstGeom>
+        </p:spPr>
+        <p:txBody>
+          <a:bodyPr vert="horz" lIns="91440" tIns="45720" rIns="91440" bIns="45720" rtlCol="0"/>
+          <a:lstStyle>
+            <a:lvl1pPr algn="l">
+              <a:defRPr sz="1200"/>
+            </a:lvl1pPr>
+          </a:lstStyle>
+          <a:p>
+            <a:endParaRPr lang="en-US"/>
+          </a:p>
+        </p:txBody>
+      </p:sp>
+      <p:sp>
+        <p:nvSpPr>
+          <p:cNvPr id="3" name="Date Placeholder 2"/>
+          <p:cNvSpPr>
+            <a:spLocks noGrp="1"/>
+          </p:cNvSpPr>
+          <p:nvPr>
+            <p:ph type="dt" idx="1"/>
+          </p:nvPr>
+        </p:nvSpPr>
+        <p:spPr>
+          <a:xfrm>
+            <a:off x="3884613" y="0"/>
+            <a:ext cx="2971800" cy="458788"/>
+          </a:xfrm>
+          <a:prstGeom prst="rect">
+            <a:avLst/>
+          </a:prstGeom>
+        </p:spPr>
+        <p:txBody>
+          <a:bodyPr vert="horz" lIns="91440" tIns="45720" rIns="91440" bIns="45720" rtlCol="0"/>
+          <a:lstStyle>
+            <a:lvl1pPr algn="r">
+              <a:defRPr sz="1200"/>
+            </a:lvl1pPr>
+          </a:lstStyle>
+          <a:p>
+            <a:fld id="{44460345-7E30-425F-A93D-E48BE08458AD}" type="datetimeFigureOut">
+              <a:rPr lang="en-US" smtClean="0"/>
+              <a:t>9/22/2021</a:t>
+            </a:fld>
+            <a:endParaRPr lang="en-US"/>
+          </a:p>
+        </p:txBody>
+      </p:sp>
+      <p:sp>
+        <p:nvSpPr>
+          <p:cNvPr id="4" name="Slide Image Placeholder 3"/>
+          <p:cNvSpPr>
+            <a:spLocks noGrp="1" noRot="1" noChangeAspect="1"/>
+          </p:cNvSpPr>
+          <p:nvPr>
+            <p:ph type="sldImg" idx="2"/>
+          </p:nvPr>
+        </p:nvSpPr>
+        <p:spPr>
+          <a:xfrm>
+            <a:off x="685800" y="1143000"/>
+            <a:ext cx="5486400" cy="3086100"/>
+          </a:xfrm>
+          <a:prstGeom prst="rect">
+            <a:avLst/>
+          </a:prstGeom>
+          <a:noFill/>
+          <a:ln w="12700">
+            <a:solidFill>
+              <a:prstClr val="black"/>
+            </a:solidFill>
+          </a:ln>
+        </p:spPr>
+        <p:txBody>
+          <a:bodyPr vert="horz" lIns="91440" tIns="45720" rIns="91440" bIns="45720" rtlCol="0" anchor="ctr"/>
+          <a:lstStyle/>
+          <a:p>
+            <a:endParaRPr lang="en-US"/>
+          </a:p>
+        </p:txBody>
+      </p:sp>
+      <p:sp>
+        <p:nvSpPr>
+          <p:cNvPr id="5" name="Notes Placeholder 4"/>
+          <p:cNvSpPr>
+            <a:spLocks noGrp="1"/>
+          </p:cNvSpPr>
+          <p:nvPr>
+            <p:ph type="body" sz="quarter" idx="3"/>
+          </p:nvPr>
+        </p:nvSpPr>
+        <p:spPr>
+          <a:xfrm>
+            <a:off x="685800" y="4400550"/>
+            <a:ext cx="5486400" cy="3600450"/>
+          </a:xfrm>
+          <a:prstGeom prst="rect">
+            <a:avLst/>
+          </a:prstGeom>
+        </p:spPr>
+        <p:txBody>
+          <a:bodyPr vert="horz" lIns="91440" tIns="45720" rIns="91440" bIns="45720" rtlCol="0"/>
+          <a:lstStyle/>
+          <a:p>
+            <a:pPr lvl="0"/>
+            <a:r>
+              <a:rPr lang="en-US"/>
+              <a:t>Click to edit Master text styles</a:t>
+            </a:r>
+          </a:p>
+          <a:p>
+            <a:pPr lvl="1"/>
+            <a:r>
+              <a:rPr lang="en-US"/>
+              <a:t>Second level</a:t>
+            </a:r>
+          </a:p>
+          <a:p>
+            <a:pPr lvl="2"/>
+            <a:r>
+              <a:rPr lang="en-US"/>
+              <a:t>Third level</a:t>
+            </a:r>
+          </a:p>
+          <a:p>
+            <a:pPr lvl="3"/>
+            <a:r>
+              <a:rPr lang="en-US"/>
+              <a:t>Fourth level</a:t>
+            </a:r>
+          </a:p>
+          <a:p>
+            <a:pPr lvl="4"/>
+            <a:r>
+              <a:rPr lang="en-US"/>
+              <a:t>Fifth level</a:t>
+            </a:r>
+          </a:p>
+        </p:txBody>
+      </p:sp>
+      <p:sp>
+        <p:nvSpPr>
+          <p:cNvPr id="6" name="Footer Placeholder 5"/>
+          <p:cNvSpPr>
+            <a:spLocks noGrp="1"/>
+          </p:cNvSpPr>
+          <p:nvPr>
+            <p:ph type="ftr" sz="quarter" idx="4"/>
+          </p:nvPr>
+        </p:nvSpPr>
+        <p:spPr>
+          <a:xfrm>
+            <a:off x="0" y="8685213"/>
+            <a:ext cx="2971800" cy="458787"/>
+          </a:xfrm>
+          <a:prstGeom prst="rect">
+            <a:avLst/>
+          </a:prstGeom>
+        </p:spPr>
+        <p:txBody>
+          <a:bodyPr vert="horz" lIns="91440" tIns="45720" rIns="91440" bIns="45720" rtlCol="0" anchor="b"/>
+          <a:lstStyle>
+            <a:lvl1pPr algn="l">
+              <a:defRPr sz="1200"/>
+            </a:lvl1pPr>
+          </a:lstStyle>
+          <a:p>
+            <a:endParaRPr lang="en-US"/>
+          </a:p>
+        </p:txBody>
+      </p:sp>
+      <p:sp>
+        <p:nvSpPr>
+          <p:cNvPr id="7" name="Slide Number Placeholder 6"/>
+          <p:cNvSpPr>
+            <a:spLocks noGrp="1"/>
+          </p:cNvSpPr>
+          <p:nvPr>
+            <p:ph type="sldNum" sz="quarter" idx="5"/>
+          </p:nvPr>
+        </p:nvSpPr>
+        <p:spPr>
+          <a:xfrm>
+            <a:off x="3884613" y="8685213"/>
+            <a:ext cx="2971800" cy="458787"/>
+          </a:xfrm>
+          <a:prstGeom prst="rect">
+            <a:avLst/>
+          </a:prstGeom>
+        </p:spPr>
+        <p:txBody>
+          <a:bodyPr vert="horz" lIns="91440" tIns="45720" rIns="91440" bIns="45720" rtlCol="0" anchor="b"/>
+          <a:lstStyle>
+            <a:lvl1pPr algn="r">
+              <a:defRPr sz="1200"/>
+            </a:lvl1pPr>
+          </a:lstStyle>
+          <a:p>
+            <a:fld id="{F7F124E6-F234-43F9-97AF-28F76855A982}" type="slidenum">
+              <a:rPr lang="en-US" smtClean="0"/>
+              <a:t>‹#›</a:t>
+            </a:fld>
+            <a:endParaRPr lang="en-US"/>
+          </a:p>
+        </p:txBody>
+      </p:sp>
+    </p:spTree>
+    <p:extLst>
+      <p:ext uri="{BB962C8B-B14F-4D97-AF65-F5344CB8AC3E}">
+        <p14:creationId xmlns:p14="http://schemas.microsoft.com/office/powerpoint/2010/main" val="581437127"/>
+      </p:ext>
+    </p:extLst>
+  </p:cSld>
+  <p:clrMap bg1="lt1" tx1="dk1" bg2="lt2" tx2="dk2" accent1="accent1" accent2="accent2" accent3="accent3" accent4="accent4" accent5="accent5" accent6="accent6" hlink="hlink" folHlink="folHlink"/>
+  <p:notesStyle>
+    <a:lvl1pPr marL="0" algn="l" defTabSz="914400" rtl="0" eaLnBrk="1" latinLnBrk="0" hangingPunct="1">
+      <a:defRPr sz="1200" kern="1200">
+        <a:solidFill>
+          <a:schemeClr val="tx1"/>
+        </a:solidFill>
+        <a:latin typeface="+mn-lt"/>
+        <a:ea typeface="+mn-ea"/>
+        <a:cs typeface="+mn-cs"/>
+      </a:defRPr>
+    </a:lvl1pPr>
+    <a:lvl2pPr marL="457200" algn="l" defTabSz="914400" rtl="0" eaLnBrk="1" latinLnBrk="0" hangingPunct="1">
+      <a:defRPr sz="1200" kern="1200">
+        <a:solidFill>
+          <a:schemeClr val="tx1"/>
+        </a:solidFill>
+        <a:latin typeface="+mn-lt"/>
+        <a:ea typeface="+mn-ea"/>
+        <a:cs typeface="+mn-cs"/>
+      </a:defRPr>
+    </a:lvl2pPr>
+    <a:lvl3pPr marL="914400" algn="l" defTabSz="914400" rtl="0" eaLnBrk="1" latinLnBrk="0" hangingPunct="1">
+      <a:defRPr sz="1200" kern="1200">
+        <a:solidFill>
+          <a:schemeClr val="tx1"/>
+        </a:solidFill>
+        <a:latin typeface="+mn-lt"/>
+        <a:ea typeface="+mn-ea"/>
+        <a:cs typeface="+mn-cs"/>
+      </a:defRPr>
+    </a:lvl3pPr>
+    <a:lvl4pPr marL="1371600" algn="l" defTabSz="914400" rtl="0" eaLnBrk="1" latinLnBrk="0" hangingPunct="1">
+      <a:defRPr sz="1200" kern="1200">
+        <a:solidFill>
+          <a:schemeClr val="tx1"/>
+        </a:solidFill>
+        <a:latin typeface="+mn-lt"/>
+        <a:ea typeface="+mn-ea"/>
+        <a:cs typeface="+mn-cs"/>
+      </a:defRPr>
+    </a:lvl4pPr>
+    <a:lvl5pPr marL="1828800" algn="l" defTabSz="914400" rtl="0" eaLnBrk="1" latinLnBrk="0" hangingPunct="1">
+      <a:defRPr sz="1200" kern="1200">
+        <a:solidFill>
+          <a:schemeClr val="tx1"/>
+        </a:solidFill>
+        <a:latin typeface="+mn-lt"/>
+        <a:ea typeface="+mn-ea"/>
+        <a:cs typeface="+mn-cs"/>
+      </a:defRPr>
+    </a:lvl5pPr>
+    <a:lvl6pPr marL="2286000" algn="l" defTabSz="914400" rtl="0" eaLnBrk="1" latinLnBrk="0" hangingPunct="1">
+      <a:defRPr sz="1200" kern="1200">
+        <a:solidFill>
+          <a:schemeClr val="tx1"/>
+        </a:solidFill>
+        <a:latin typeface="+mn-lt"/>
+        <a:ea typeface="+mn-ea"/>
+        <a:cs typeface="+mn-cs"/>
+      </a:defRPr>
+    </a:lvl6pPr>
+    <a:lvl7pPr marL="2743200" algn="l" defTabSz="914400" rtl="0" eaLnBrk="1" latinLnBrk="0" hangingPunct="1">
+      <a:defRPr sz="1200" kern="1200">
+        <a:solidFill>
+          <a:schemeClr val="tx1"/>
+        </a:solidFill>
+        <a:latin typeface="+mn-lt"/>
+        <a:ea typeface="+mn-ea"/>
+        <a:cs typeface="+mn-cs"/>
+      </a:defRPr>
+    </a:lvl7pPr>
+    <a:lvl8pPr marL="3200400" algn="l" defTabSz="914400" rtl="0" eaLnBrk="1" latinLnBrk="0" hangingPunct="1">
+      <a:defRPr sz="1200" kern="1200">
+        <a:solidFill>
+          <a:schemeClr val="tx1"/>
+        </a:solidFill>
+        <a:latin typeface="+mn-lt"/>
+        <a:ea typeface="+mn-ea"/>
+        <a:cs typeface="+mn-cs"/>
+      </a:defRPr>
+    </a:lvl8pPr>
+    <a:lvl9pPr marL="3657600" algn="l" defTabSz="914400" rtl="0" eaLnBrk="1" latinLnBrk="0" hangingPunct="1">
+      <a:defRPr sz="1200" kern="1200">
+        <a:solidFill>
+          <a:schemeClr val="tx1"/>
+        </a:solidFill>
+        <a:latin typeface="+mn-lt"/>
+        <a:ea typeface="+mn-ea"/>
+        <a:cs typeface="+mn-cs"/>
+      </a:defRPr>
+    </a:lvl9pPr>
+  </p:notesStyle>
+</p:notesMaster>
+</file>
+
+<file path=ppt/notesSlides/notesSlide1.xml><?xml version="1.0" encoding="utf-8"?>
+<p:notes xmlns:a="http://schemas.openxmlformats.org/drawingml/2006/main" xmlns:r="http://schemas.openxmlformats.org/officeDocument/2006/relationships" xmlns:p="http://schemas.openxmlformats.org/presentationml/2006/main">
+  <p:cSld>
+    <p:spTree>
+      <p:nvGrpSpPr>
+        <p:cNvPr id="1" name=""/>
+        <p:cNvGrpSpPr/>
+        <p:nvPr/>
+      </p:nvGrpSpPr>
+      <p:grpSpPr>
+        <a:xfrm>
+          <a:off x="0" y="0"/>
+          <a:ext cx="0" cy="0"/>
+          <a:chOff x="0" y="0"/>
+          <a:chExt cx="0" cy="0"/>
+        </a:xfrm>
+      </p:grpSpPr>
+      <p:sp>
+        <p:nvSpPr>
+          <p:cNvPr id="2" name="Slide Image Placeholder 1"/>
+          <p:cNvSpPr>
+            <a:spLocks noGrp="1" noRot="1" noChangeAspect="1"/>
+          </p:cNvSpPr>
+          <p:nvPr>
+            <p:ph type="sldImg"/>
+          </p:nvPr>
+        </p:nvSpPr>
+        <p:spPr/>
+      </p:sp>
+      <p:sp>
+        <p:nvSpPr>
+          <p:cNvPr id="3" name="Notes Placeholder 2"/>
+          <p:cNvSpPr>
+            <a:spLocks noGrp="1"/>
+          </p:cNvSpPr>
+          <p:nvPr>
+            <p:ph type="body" idx="1"/>
+          </p:nvPr>
+        </p:nvSpPr>
+        <p:spPr/>
+        <p:txBody>
+          <a:bodyPr/>
+          <a:lstStyle/>
+          <a:p>
+            <a:endParaRPr lang="en-US" dirty="0"/>
+          </a:p>
+        </p:txBody>
+      </p:sp>
+      <p:sp>
+        <p:nvSpPr>
+          <p:cNvPr id="4" name="Slide Number Placeholder 3"/>
+          <p:cNvSpPr>
+            <a:spLocks noGrp="1"/>
+          </p:cNvSpPr>
+          <p:nvPr>
+            <p:ph type="sldNum" sz="quarter" idx="10"/>
+          </p:nvPr>
+        </p:nvSpPr>
+        <p:spPr>
+          <a:xfrm>
+            <a:off x="3884613" y="8685213"/>
+            <a:ext cx="2971800" cy="457200"/>
+          </a:xfrm>
+          <a:prstGeom prst="rect">
+            <a:avLst/>
+          </a:prstGeom>
+        </p:spPr>
+        <p:txBody>
+          <a:bodyPr/>
+          <a:lstStyle/>
+          <a:p>
+            <a:pPr marL="0" marR="0" lvl="0" indent="0" algn="l" defTabSz="914400" rtl="0" eaLnBrk="1" fontAlgn="auto" latinLnBrk="0" hangingPunct="1">
+              <a:lnSpc>
+                <a:spcPct val="100000"/>
+              </a:lnSpc>
+              <a:spcBef>
+                <a:spcPts val="0"/>
+              </a:spcBef>
+              <a:spcAft>
+                <a:spcPts val="0"/>
+              </a:spcAft>
+              <a:buClrTx/>
+              <a:buSzTx/>
+              <a:buFontTx/>
+              <a:buNone/>
+              <a:tabLst/>
+              <a:defRPr/>
+            </a:pPr>
+            <a:fld id="{DE326DE0-BACA-4EA0-B73F-CC7DC1D7F4A1}" type="slidenum">
+              <a:rPr kumimoji="0" lang="en-US" sz="1800" b="0" i="0" u="none" strike="noStrike" kern="1200" cap="none" spc="0" normalizeH="0" baseline="0" noProof="0" smtClean="0">
+                <a:ln>
+                  <a:noFill/>
+                </a:ln>
+                <a:solidFill>
+                  <a:prstClr val="black"/>
+                </a:solidFill>
+                <a:effectLst/>
+                <a:uLnTx/>
+                <a:uFillTx/>
+                <a:latin typeface="Calibri"/>
+                <a:ea typeface="+mn-ea"/>
+                <a:cs typeface="+mn-cs"/>
+              </a:rPr>
+              <a:pPr marL="0" marR="0" lvl="0" indent="0" algn="l" defTabSz="914400" rtl="0" eaLnBrk="1" fontAlgn="auto" latinLnBrk="0" hangingPunct="1">
+                <a:lnSpc>
+                  <a:spcPct val="100000"/>
+                </a:lnSpc>
+                <a:spcBef>
+                  <a:spcPts val="0"/>
+                </a:spcBef>
+                <a:spcAft>
+                  <a:spcPts val="0"/>
+                </a:spcAft>
+                <a:buClrTx/>
+                <a:buSzTx/>
+                <a:buFontTx/>
+                <a:buNone/>
+                <a:tabLst/>
+                <a:defRPr/>
+              </a:pPr>
+              <a:t>1</a:t>
+            </a:fld>
+            <a:endParaRPr kumimoji="0" lang="en-US" sz="1800" b="0" i="0" u="none" strike="noStrike" kern="1200" cap="none" spc="0" normalizeH="0" baseline="0" noProof="0">
+              <a:ln>
+                <a:noFill/>
+              </a:ln>
+              <a:solidFill>
+                <a:prstClr val="black"/>
+              </a:solidFill>
+              <a:effectLst/>
+              <a:uLnTx/>
+              <a:uFillTx/>
+              <a:latin typeface="Calibri"/>
+              <a:ea typeface="+mn-ea"/>
+              <a:cs typeface="+mn-cs"/>
+            </a:endParaRPr>
+          </a:p>
+        </p:txBody>
+      </p:sp>
+    </p:spTree>
+    <p:extLst>
+      <p:ext uri="{BB962C8B-B14F-4D97-AF65-F5344CB8AC3E}">
+        <p14:creationId xmlns:p14="http://schemas.microsoft.com/office/powerpoint/2010/main" val="4261198586"/>
+      </p:ext>
+    </p:extLst>
+  </p:cSld>
+  <p:clrMapOvr>
+    <a:masterClrMapping/>
+  </p:clrMapOvr>
+</p:notes>
+</file>
+
 <file path=ppt/slideLayouts/slideLayout1.xml><?xml version="1.0" encoding="utf-8"?>
 <p:sldLayout xmlns:a="http://schemas.openxmlformats.org/drawingml/2006/main" xmlns:r="http://schemas.openxmlformats.org/officeDocument/2006/relationships" xmlns:p="http://schemas.openxmlformats.org/presentationml/2006/main" showMasterSp="0" type="title" preserve="1">
   <p:cSld name="Title Slide">
@@ -340,7 +846,7 @@
           <a:p>
             <a:fld id="{59197A79-E6B2-4AB0-908B-22D89AAD388B}" type="datetimeFigureOut">
               <a:rPr lang="en-US" smtClean="0"/>
-              <a:t>9/14/2021</a:t>
+              <a:t>9/22/2021</a:t>
             </a:fld>
             <a:endParaRPr lang="en-US"/>
           </a:p>
@@ -548,7 +1054,7 @@
           <a:p>
             <a:fld id="{59197A79-E6B2-4AB0-908B-22D89AAD388B}" type="datetimeFigureOut">
               <a:rPr lang="en-US" smtClean="0"/>
-              <a:t>9/14/2021</a:t>
+              <a:t>9/22/2021</a:t>
             </a:fld>
             <a:endParaRPr lang="en-US"/>
           </a:p>
@@ -806,7 +1312,7 @@
           <a:p>
             <a:fld id="{59197A79-E6B2-4AB0-908B-22D89AAD388B}" type="datetimeFigureOut">
               <a:rPr lang="en-US" smtClean="0"/>
-              <a:t>9/14/2021</a:t>
+              <a:t>9/22/2021</a:t>
             </a:fld>
             <a:endParaRPr lang="en-US"/>
           </a:p>
@@ -858,6 +1364,1850 @@
     <p:extLst>
       <p:ext uri="{BB962C8B-B14F-4D97-AF65-F5344CB8AC3E}">
         <p14:creationId xmlns:p14="http://schemas.microsoft.com/office/powerpoint/2010/main" val="2076136422"/>
+      </p:ext>
+    </p:extLst>
+  </p:cSld>
+  <p:clrMapOvr>
+    <a:masterClrMapping/>
+  </p:clrMapOvr>
+</p:sldLayout>
+</file>
+
+<file path=ppt/slideLayouts/slideLayout12.xml><?xml version="1.0" encoding="utf-8"?>
+<p:sldLayout xmlns:a="http://schemas.openxmlformats.org/drawingml/2006/main" xmlns:r="http://schemas.openxmlformats.org/officeDocument/2006/relationships" xmlns:p="http://schemas.openxmlformats.org/presentationml/2006/main" type="title" preserve="1">
+  <p:cSld name="Title Slide">
+    <p:spTree>
+      <p:nvGrpSpPr>
+        <p:cNvPr id="1" name=""/>
+        <p:cNvGrpSpPr/>
+        <p:nvPr/>
+      </p:nvGrpSpPr>
+      <p:grpSpPr>
+        <a:xfrm>
+          <a:off x="0" y="0"/>
+          <a:ext cx="0" cy="0"/>
+          <a:chOff x="0" y="0"/>
+          <a:chExt cx="0" cy="0"/>
+        </a:xfrm>
+      </p:grpSpPr>
+      <p:sp>
+        <p:nvSpPr>
+          <p:cNvPr id="2" name="Title 1"/>
+          <p:cNvSpPr>
+            <a:spLocks noGrp="1"/>
+          </p:cNvSpPr>
+          <p:nvPr>
+            <p:ph type="ctrTitle"/>
+          </p:nvPr>
+        </p:nvSpPr>
+        <p:spPr>
+          <a:xfrm>
+            <a:off x="914400" y="2131485"/>
+            <a:ext cx="10363200" cy="1468967"/>
+          </a:xfrm>
+        </p:spPr>
+        <p:txBody>
+          <a:bodyPr/>
+          <a:lstStyle/>
+          <a:p>
+            <a:r>
+              <a:rPr lang="en-US"/>
+              <a:t>Click to edit Master title style</a:t>
+            </a:r>
+          </a:p>
+        </p:txBody>
+      </p:sp>
+      <p:sp>
+        <p:nvSpPr>
+          <p:cNvPr id="3" name="Subtitle 2"/>
+          <p:cNvSpPr>
+            <a:spLocks noGrp="1"/>
+          </p:cNvSpPr>
+          <p:nvPr>
+            <p:ph type="subTitle" idx="1"/>
+          </p:nvPr>
+        </p:nvSpPr>
+        <p:spPr>
+          <a:xfrm>
+            <a:off x="1828800" y="3886200"/>
+            <a:ext cx="8534400" cy="1752600"/>
+          </a:xfrm>
+        </p:spPr>
+        <p:txBody>
+          <a:bodyPr/>
+          <a:lstStyle>
+            <a:lvl1pPr marL="0" indent="0" algn="ctr">
+              <a:buNone/>
+              <a:defRPr>
+                <a:solidFill>
+                  <a:schemeClr val="tx1">
+                    <a:tint val="75000"/>
+                  </a:schemeClr>
+                </a:solidFill>
+              </a:defRPr>
+            </a:lvl1pPr>
+            <a:lvl2pPr marL="609585" indent="0" algn="ctr">
+              <a:buNone/>
+              <a:defRPr>
+                <a:solidFill>
+                  <a:schemeClr val="tx1">
+                    <a:tint val="75000"/>
+                  </a:schemeClr>
+                </a:solidFill>
+              </a:defRPr>
+            </a:lvl2pPr>
+            <a:lvl3pPr marL="1219170" indent="0" algn="ctr">
+              <a:buNone/>
+              <a:defRPr>
+                <a:solidFill>
+                  <a:schemeClr val="tx1">
+                    <a:tint val="75000"/>
+                  </a:schemeClr>
+                </a:solidFill>
+              </a:defRPr>
+            </a:lvl3pPr>
+            <a:lvl4pPr marL="1828754" indent="0" algn="ctr">
+              <a:buNone/>
+              <a:defRPr>
+                <a:solidFill>
+                  <a:schemeClr val="tx1">
+                    <a:tint val="75000"/>
+                  </a:schemeClr>
+                </a:solidFill>
+              </a:defRPr>
+            </a:lvl4pPr>
+            <a:lvl5pPr marL="2438339" indent="0" algn="ctr">
+              <a:buNone/>
+              <a:defRPr>
+                <a:solidFill>
+                  <a:schemeClr val="tx1">
+                    <a:tint val="75000"/>
+                  </a:schemeClr>
+                </a:solidFill>
+              </a:defRPr>
+            </a:lvl5pPr>
+            <a:lvl6pPr marL="3047924" indent="0" algn="ctr">
+              <a:buNone/>
+              <a:defRPr>
+                <a:solidFill>
+                  <a:schemeClr val="tx1">
+                    <a:tint val="75000"/>
+                  </a:schemeClr>
+                </a:solidFill>
+              </a:defRPr>
+            </a:lvl6pPr>
+            <a:lvl7pPr marL="3657509" indent="0" algn="ctr">
+              <a:buNone/>
+              <a:defRPr>
+                <a:solidFill>
+                  <a:schemeClr val="tx1">
+                    <a:tint val="75000"/>
+                  </a:schemeClr>
+                </a:solidFill>
+              </a:defRPr>
+            </a:lvl7pPr>
+            <a:lvl8pPr marL="4267093" indent="0" algn="ctr">
+              <a:buNone/>
+              <a:defRPr>
+                <a:solidFill>
+                  <a:schemeClr val="tx1">
+                    <a:tint val="75000"/>
+                  </a:schemeClr>
+                </a:solidFill>
+              </a:defRPr>
+            </a:lvl8pPr>
+            <a:lvl9pPr marL="4876678" indent="0" algn="ctr">
+              <a:buNone/>
+              <a:defRPr>
+                <a:solidFill>
+                  <a:schemeClr val="tx1">
+                    <a:tint val="75000"/>
+                  </a:schemeClr>
+                </a:solidFill>
+              </a:defRPr>
+            </a:lvl9pPr>
+          </a:lstStyle>
+          <a:p>
+            <a:r>
+              <a:rPr lang="en-US"/>
+              <a:t>Click to edit Master subtitle style</a:t>
+            </a:r>
+          </a:p>
+        </p:txBody>
+      </p:sp>
+      <p:sp>
+        <p:nvSpPr>
+          <p:cNvPr id="4" name="Date Placeholder 3"/>
+          <p:cNvSpPr>
+            <a:spLocks noGrp="1"/>
+          </p:cNvSpPr>
+          <p:nvPr>
+            <p:ph type="dt" sz="half" idx="10"/>
+          </p:nvPr>
+        </p:nvSpPr>
+        <p:spPr/>
+        <p:txBody>
+          <a:bodyPr/>
+          <a:lstStyle/>
+          <a:p>
+            <a:fld id="{D088F999-7A4E-6B4F-9FED-EF75B73AD044}" type="datetimeFigureOut">
+              <a:rPr lang="en-US" smtClean="0"/>
+              <a:t>9/22/2021</a:t>
+            </a:fld>
+            <a:endParaRPr lang="en-US"/>
+          </a:p>
+        </p:txBody>
+      </p:sp>
+      <p:sp>
+        <p:nvSpPr>
+          <p:cNvPr id="5" name="Footer Placeholder 4"/>
+          <p:cNvSpPr>
+            <a:spLocks noGrp="1"/>
+          </p:cNvSpPr>
+          <p:nvPr>
+            <p:ph type="ftr" sz="quarter" idx="11"/>
+          </p:nvPr>
+        </p:nvSpPr>
+        <p:spPr/>
+        <p:txBody>
+          <a:bodyPr/>
+          <a:lstStyle/>
+          <a:p>
+            <a:endParaRPr lang="en-US"/>
+          </a:p>
+        </p:txBody>
+      </p:sp>
+      <p:sp>
+        <p:nvSpPr>
+          <p:cNvPr id="6" name="Slide Number Placeholder 5"/>
+          <p:cNvSpPr>
+            <a:spLocks noGrp="1"/>
+          </p:cNvSpPr>
+          <p:nvPr>
+            <p:ph type="sldNum" sz="quarter" idx="12"/>
+          </p:nvPr>
+        </p:nvSpPr>
+        <p:spPr/>
+        <p:txBody>
+          <a:bodyPr/>
+          <a:lstStyle/>
+          <a:p>
+            <a:fld id="{5D024AAD-DF78-DE44-A1F3-EEB19EDC9165}" type="slidenum">
+              <a:rPr lang="en-US" smtClean="0"/>
+              <a:t>‹#›</a:t>
+            </a:fld>
+            <a:endParaRPr lang="en-US"/>
+          </a:p>
+        </p:txBody>
+      </p:sp>
+    </p:spTree>
+    <p:extLst>
+      <p:ext uri="{BB962C8B-B14F-4D97-AF65-F5344CB8AC3E}">
+        <p14:creationId xmlns:p14="http://schemas.microsoft.com/office/powerpoint/2010/main" val="3402760086"/>
+      </p:ext>
+    </p:extLst>
+  </p:cSld>
+  <p:clrMapOvr>
+    <a:masterClrMapping/>
+  </p:clrMapOvr>
+</p:sldLayout>
+</file>
+
+<file path=ppt/slideLayouts/slideLayout13.xml><?xml version="1.0" encoding="utf-8"?>
+<p:sldLayout xmlns:a="http://schemas.openxmlformats.org/drawingml/2006/main" xmlns:r="http://schemas.openxmlformats.org/officeDocument/2006/relationships" xmlns:p="http://schemas.openxmlformats.org/presentationml/2006/main" type="obj" preserve="1">
+  <p:cSld name="Title and Content">
+    <p:spTree>
+      <p:nvGrpSpPr>
+        <p:cNvPr id="1" name=""/>
+        <p:cNvGrpSpPr/>
+        <p:nvPr/>
+      </p:nvGrpSpPr>
+      <p:grpSpPr>
+        <a:xfrm>
+          <a:off x="0" y="0"/>
+          <a:ext cx="0" cy="0"/>
+          <a:chOff x="0" y="0"/>
+          <a:chExt cx="0" cy="0"/>
+        </a:xfrm>
+      </p:grpSpPr>
+      <p:sp>
+        <p:nvSpPr>
+          <p:cNvPr id="2" name="Title 1"/>
+          <p:cNvSpPr>
+            <a:spLocks noGrp="1"/>
+          </p:cNvSpPr>
+          <p:nvPr>
+            <p:ph type="title"/>
+          </p:nvPr>
+        </p:nvSpPr>
+        <p:spPr/>
+        <p:txBody>
+          <a:bodyPr/>
+          <a:lstStyle/>
+          <a:p>
+            <a:r>
+              <a:rPr lang="en-US"/>
+              <a:t>Click to edit Master title style</a:t>
+            </a:r>
+          </a:p>
+        </p:txBody>
+      </p:sp>
+      <p:sp>
+        <p:nvSpPr>
+          <p:cNvPr id="3" name="Content Placeholder 2"/>
+          <p:cNvSpPr>
+            <a:spLocks noGrp="1"/>
+          </p:cNvSpPr>
+          <p:nvPr>
+            <p:ph idx="1"/>
+          </p:nvPr>
+        </p:nvSpPr>
+        <p:spPr/>
+        <p:txBody>
+          <a:bodyPr/>
+          <a:lstStyle/>
+          <a:p>
+            <a:pPr lvl="0"/>
+            <a:r>
+              <a:rPr lang="en-US"/>
+              <a:t>Click to edit Master text styles</a:t>
+            </a:r>
+          </a:p>
+          <a:p>
+            <a:pPr lvl="1"/>
+            <a:r>
+              <a:rPr lang="en-US"/>
+              <a:t>Second level</a:t>
+            </a:r>
+          </a:p>
+          <a:p>
+            <a:pPr lvl="2"/>
+            <a:r>
+              <a:rPr lang="en-US"/>
+              <a:t>Third level</a:t>
+            </a:r>
+          </a:p>
+          <a:p>
+            <a:pPr lvl="3"/>
+            <a:r>
+              <a:rPr lang="en-US"/>
+              <a:t>Fourth level</a:t>
+            </a:r>
+          </a:p>
+          <a:p>
+            <a:pPr lvl="4"/>
+            <a:r>
+              <a:rPr lang="en-US"/>
+              <a:t>Fifth level</a:t>
+            </a:r>
+          </a:p>
+        </p:txBody>
+      </p:sp>
+      <p:sp>
+        <p:nvSpPr>
+          <p:cNvPr id="4" name="Date Placeholder 3"/>
+          <p:cNvSpPr>
+            <a:spLocks noGrp="1"/>
+          </p:cNvSpPr>
+          <p:nvPr>
+            <p:ph type="dt" sz="half" idx="10"/>
+          </p:nvPr>
+        </p:nvSpPr>
+        <p:spPr/>
+        <p:txBody>
+          <a:bodyPr/>
+          <a:lstStyle/>
+          <a:p>
+            <a:fld id="{D088F999-7A4E-6B4F-9FED-EF75B73AD044}" type="datetimeFigureOut">
+              <a:rPr lang="en-US" smtClean="0"/>
+              <a:t>9/22/2021</a:t>
+            </a:fld>
+            <a:endParaRPr lang="en-US"/>
+          </a:p>
+        </p:txBody>
+      </p:sp>
+      <p:sp>
+        <p:nvSpPr>
+          <p:cNvPr id="5" name="Footer Placeholder 4"/>
+          <p:cNvSpPr>
+            <a:spLocks noGrp="1"/>
+          </p:cNvSpPr>
+          <p:nvPr>
+            <p:ph type="ftr" sz="quarter" idx="11"/>
+          </p:nvPr>
+        </p:nvSpPr>
+        <p:spPr/>
+        <p:txBody>
+          <a:bodyPr/>
+          <a:lstStyle/>
+          <a:p>
+            <a:endParaRPr lang="en-US"/>
+          </a:p>
+        </p:txBody>
+      </p:sp>
+      <p:sp>
+        <p:nvSpPr>
+          <p:cNvPr id="6" name="Slide Number Placeholder 5"/>
+          <p:cNvSpPr>
+            <a:spLocks noGrp="1"/>
+          </p:cNvSpPr>
+          <p:nvPr>
+            <p:ph type="sldNum" sz="quarter" idx="12"/>
+          </p:nvPr>
+        </p:nvSpPr>
+        <p:spPr/>
+        <p:txBody>
+          <a:bodyPr/>
+          <a:lstStyle/>
+          <a:p>
+            <a:fld id="{5D024AAD-DF78-DE44-A1F3-EEB19EDC9165}" type="slidenum">
+              <a:rPr lang="en-US" smtClean="0"/>
+              <a:t>‹#›</a:t>
+            </a:fld>
+            <a:endParaRPr lang="en-US"/>
+          </a:p>
+        </p:txBody>
+      </p:sp>
+    </p:spTree>
+    <p:extLst>
+      <p:ext uri="{BB962C8B-B14F-4D97-AF65-F5344CB8AC3E}">
+        <p14:creationId xmlns:p14="http://schemas.microsoft.com/office/powerpoint/2010/main" val="2698346197"/>
+      </p:ext>
+    </p:extLst>
+  </p:cSld>
+  <p:clrMapOvr>
+    <a:masterClrMapping/>
+  </p:clrMapOvr>
+</p:sldLayout>
+</file>
+
+<file path=ppt/slideLayouts/slideLayout14.xml><?xml version="1.0" encoding="utf-8"?>
+<p:sldLayout xmlns:a="http://schemas.openxmlformats.org/drawingml/2006/main" xmlns:r="http://schemas.openxmlformats.org/officeDocument/2006/relationships" xmlns:p="http://schemas.openxmlformats.org/presentationml/2006/main" type="secHead" preserve="1">
+  <p:cSld name="Section Header">
+    <p:spTree>
+      <p:nvGrpSpPr>
+        <p:cNvPr id="1" name=""/>
+        <p:cNvGrpSpPr/>
+        <p:nvPr/>
+      </p:nvGrpSpPr>
+      <p:grpSpPr>
+        <a:xfrm>
+          <a:off x="0" y="0"/>
+          <a:ext cx="0" cy="0"/>
+          <a:chOff x="0" y="0"/>
+          <a:chExt cx="0" cy="0"/>
+        </a:xfrm>
+      </p:grpSpPr>
+      <p:sp>
+        <p:nvSpPr>
+          <p:cNvPr id="2" name="Title 1"/>
+          <p:cNvSpPr>
+            <a:spLocks noGrp="1"/>
+          </p:cNvSpPr>
+          <p:nvPr>
+            <p:ph type="title"/>
+          </p:nvPr>
+        </p:nvSpPr>
+        <p:spPr>
+          <a:xfrm>
+            <a:off x="963084" y="4406900"/>
+            <a:ext cx="10363200" cy="1363133"/>
+          </a:xfrm>
+        </p:spPr>
+        <p:txBody>
+          <a:bodyPr anchor="t"/>
+          <a:lstStyle>
+            <a:lvl1pPr algn="l">
+              <a:defRPr sz="5333" b="1" cap="all"/>
+            </a:lvl1pPr>
+          </a:lstStyle>
+          <a:p>
+            <a:r>
+              <a:rPr lang="en-US"/>
+              <a:t>Click to edit Master title style</a:t>
+            </a:r>
+          </a:p>
+        </p:txBody>
+      </p:sp>
+      <p:sp>
+        <p:nvSpPr>
+          <p:cNvPr id="3" name="Text Placeholder 2"/>
+          <p:cNvSpPr>
+            <a:spLocks noGrp="1"/>
+          </p:cNvSpPr>
+          <p:nvPr>
+            <p:ph type="body" idx="1"/>
+          </p:nvPr>
+        </p:nvSpPr>
+        <p:spPr>
+          <a:xfrm>
+            <a:off x="963084" y="2906185"/>
+            <a:ext cx="10363200" cy="1500716"/>
+          </a:xfrm>
+        </p:spPr>
+        <p:txBody>
+          <a:bodyPr anchor="b"/>
+          <a:lstStyle>
+            <a:lvl1pPr marL="0" indent="0">
+              <a:buNone/>
+              <a:defRPr sz="2667">
+                <a:solidFill>
+                  <a:schemeClr val="tx1">
+                    <a:tint val="75000"/>
+                  </a:schemeClr>
+                </a:solidFill>
+              </a:defRPr>
+            </a:lvl1pPr>
+            <a:lvl2pPr marL="609585" indent="0">
+              <a:buNone/>
+              <a:defRPr sz="2400">
+                <a:solidFill>
+                  <a:schemeClr val="tx1">
+                    <a:tint val="75000"/>
+                  </a:schemeClr>
+                </a:solidFill>
+              </a:defRPr>
+            </a:lvl2pPr>
+            <a:lvl3pPr marL="1219170" indent="0">
+              <a:buNone/>
+              <a:defRPr sz="2133">
+                <a:solidFill>
+                  <a:schemeClr val="tx1">
+                    <a:tint val="75000"/>
+                  </a:schemeClr>
+                </a:solidFill>
+              </a:defRPr>
+            </a:lvl3pPr>
+            <a:lvl4pPr marL="1828754" indent="0">
+              <a:buNone/>
+              <a:defRPr sz="1867">
+                <a:solidFill>
+                  <a:schemeClr val="tx1">
+                    <a:tint val="75000"/>
+                  </a:schemeClr>
+                </a:solidFill>
+              </a:defRPr>
+            </a:lvl4pPr>
+            <a:lvl5pPr marL="2438339" indent="0">
+              <a:buNone/>
+              <a:defRPr sz="1867">
+                <a:solidFill>
+                  <a:schemeClr val="tx1">
+                    <a:tint val="75000"/>
+                  </a:schemeClr>
+                </a:solidFill>
+              </a:defRPr>
+            </a:lvl5pPr>
+            <a:lvl6pPr marL="3047924" indent="0">
+              <a:buNone/>
+              <a:defRPr sz="1867">
+                <a:solidFill>
+                  <a:schemeClr val="tx1">
+                    <a:tint val="75000"/>
+                  </a:schemeClr>
+                </a:solidFill>
+              </a:defRPr>
+            </a:lvl6pPr>
+            <a:lvl7pPr marL="3657509" indent="0">
+              <a:buNone/>
+              <a:defRPr sz="1867">
+                <a:solidFill>
+                  <a:schemeClr val="tx1">
+                    <a:tint val="75000"/>
+                  </a:schemeClr>
+                </a:solidFill>
+              </a:defRPr>
+            </a:lvl7pPr>
+            <a:lvl8pPr marL="4267093" indent="0">
+              <a:buNone/>
+              <a:defRPr sz="1867">
+                <a:solidFill>
+                  <a:schemeClr val="tx1">
+                    <a:tint val="75000"/>
+                  </a:schemeClr>
+                </a:solidFill>
+              </a:defRPr>
+            </a:lvl8pPr>
+            <a:lvl9pPr marL="4876678" indent="0">
+              <a:buNone/>
+              <a:defRPr sz="1867">
+                <a:solidFill>
+                  <a:schemeClr val="tx1">
+                    <a:tint val="75000"/>
+                  </a:schemeClr>
+                </a:solidFill>
+              </a:defRPr>
+            </a:lvl9pPr>
+          </a:lstStyle>
+          <a:p>
+            <a:pPr lvl="0"/>
+            <a:r>
+              <a:rPr lang="en-US"/>
+              <a:t>Click to edit Master text styles</a:t>
+            </a:r>
+          </a:p>
+        </p:txBody>
+      </p:sp>
+      <p:sp>
+        <p:nvSpPr>
+          <p:cNvPr id="4" name="Date Placeholder 3"/>
+          <p:cNvSpPr>
+            <a:spLocks noGrp="1"/>
+          </p:cNvSpPr>
+          <p:nvPr>
+            <p:ph type="dt" sz="half" idx="10"/>
+          </p:nvPr>
+        </p:nvSpPr>
+        <p:spPr/>
+        <p:txBody>
+          <a:bodyPr/>
+          <a:lstStyle/>
+          <a:p>
+            <a:fld id="{D088F999-7A4E-6B4F-9FED-EF75B73AD044}" type="datetimeFigureOut">
+              <a:rPr lang="en-US" smtClean="0"/>
+              <a:t>9/22/2021</a:t>
+            </a:fld>
+            <a:endParaRPr lang="en-US"/>
+          </a:p>
+        </p:txBody>
+      </p:sp>
+      <p:sp>
+        <p:nvSpPr>
+          <p:cNvPr id="5" name="Footer Placeholder 4"/>
+          <p:cNvSpPr>
+            <a:spLocks noGrp="1"/>
+          </p:cNvSpPr>
+          <p:nvPr>
+            <p:ph type="ftr" sz="quarter" idx="11"/>
+          </p:nvPr>
+        </p:nvSpPr>
+        <p:spPr/>
+        <p:txBody>
+          <a:bodyPr/>
+          <a:lstStyle/>
+          <a:p>
+            <a:endParaRPr lang="en-US"/>
+          </a:p>
+        </p:txBody>
+      </p:sp>
+      <p:sp>
+        <p:nvSpPr>
+          <p:cNvPr id="6" name="Slide Number Placeholder 5"/>
+          <p:cNvSpPr>
+            <a:spLocks noGrp="1"/>
+          </p:cNvSpPr>
+          <p:nvPr>
+            <p:ph type="sldNum" sz="quarter" idx="12"/>
+          </p:nvPr>
+        </p:nvSpPr>
+        <p:spPr/>
+        <p:txBody>
+          <a:bodyPr/>
+          <a:lstStyle/>
+          <a:p>
+            <a:fld id="{5D024AAD-DF78-DE44-A1F3-EEB19EDC9165}" type="slidenum">
+              <a:rPr lang="en-US" smtClean="0"/>
+              <a:t>‹#›</a:t>
+            </a:fld>
+            <a:endParaRPr lang="en-US"/>
+          </a:p>
+        </p:txBody>
+      </p:sp>
+    </p:spTree>
+    <p:extLst>
+      <p:ext uri="{BB962C8B-B14F-4D97-AF65-F5344CB8AC3E}">
+        <p14:creationId xmlns:p14="http://schemas.microsoft.com/office/powerpoint/2010/main" val="3707431280"/>
+      </p:ext>
+    </p:extLst>
+  </p:cSld>
+  <p:clrMapOvr>
+    <a:masterClrMapping/>
+  </p:clrMapOvr>
+</p:sldLayout>
+</file>
+
+<file path=ppt/slideLayouts/slideLayout15.xml><?xml version="1.0" encoding="utf-8"?>
+<p:sldLayout xmlns:a="http://schemas.openxmlformats.org/drawingml/2006/main" xmlns:r="http://schemas.openxmlformats.org/officeDocument/2006/relationships" xmlns:p="http://schemas.openxmlformats.org/presentationml/2006/main" type="twoObj" preserve="1">
+  <p:cSld name="Two Content">
+    <p:spTree>
+      <p:nvGrpSpPr>
+        <p:cNvPr id="1" name=""/>
+        <p:cNvGrpSpPr/>
+        <p:nvPr/>
+      </p:nvGrpSpPr>
+      <p:grpSpPr>
+        <a:xfrm>
+          <a:off x="0" y="0"/>
+          <a:ext cx="0" cy="0"/>
+          <a:chOff x="0" y="0"/>
+          <a:chExt cx="0" cy="0"/>
+        </a:xfrm>
+      </p:grpSpPr>
+      <p:sp>
+        <p:nvSpPr>
+          <p:cNvPr id="2" name="Title 1"/>
+          <p:cNvSpPr>
+            <a:spLocks noGrp="1"/>
+          </p:cNvSpPr>
+          <p:nvPr>
+            <p:ph type="title"/>
+          </p:nvPr>
+        </p:nvSpPr>
+        <p:spPr/>
+        <p:txBody>
+          <a:bodyPr/>
+          <a:lstStyle/>
+          <a:p>
+            <a:r>
+              <a:rPr lang="en-US"/>
+              <a:t>Click to edit Master title style</a:t>
+            </a:r>
+          </a:p>
+        </p:txBody>
+      </p:sp>
+      <p:sp>
+        <p:nvSpPr>
+          <p:cNvPr id="3" name="Content Placeholder 2"/>
+          <p:cNvSpPr>
+            <a:spLocks noGrp="1"/>
+          </p:cNvSpPr>
+          <p:nvPr>
+            <p:ph sz="half" idx="1"/>
+          </p:nvPr>
+        </p:nvSpPr>
+        <p:spPr>
+          <a:xfrm>
+            <a:off x="609600" y="1600201"/>
+            <a:ext cx="5384800" cy="4525433"/>
+          </a:xfrm>
+        </p:spPr>
+        <p:txBody>
+          <a:bodyPr/>
+          <a:lstStyle>
+            <a:lvl1pPr>
+              <a:defRPr sz="3733"/>
+            </a:lvl1pPr>
+            <a:lvl2pPr>
+              <a:defRPr sz="3200"/>
+            </a:lvl2pPr>
+            <a:lvl3pPr>
+              <a:defRPr sz="2667"/>
+            </a:lvl3pPr>
+            <a:lvl4pPr>
+              <a:defRPr sz="2400"/>
+            </a:lvl4pPr>
+            <a:lvl5pPr>
+              <a:defRPr sz="2400"/>
+            </a:lvl5pPr>
+            <a:lvl6pPr>
+              <a:defRPr sz="2400"/>
+            </a:lvl6pPr>
+            <a:lvl7pPr>
+              <a:defRPr sz="2400"/>
+            </a:lvl7pPr>
+            <a:lvl8pPr>
+              <a:defRPr sz="2400"/>
+            </a:lvl8pPr>
+            <a:lvl9pPr>
+              <a:defRPr sz="2400"/>
+            </a:lvl9pPr>
+          </a:lstStyle>
+          <a:p>
+            <a:pPr lvl="0"/>
+            <a:r>
+              <a:rPr lang="en-US"/>
+              <a:t>Click to edit Master text styles</a:t>
+            </a:r>
+          </a:p>
+          <a:p>
+            <a:pPr lvl="1"/>
+            <a:r>
+              <a:rPr lang="en-US"/>
+              <a:t>Second level</a:t>
+            </a:r>
+          </a:p>
+          <a:p>
+            <a:pPr lvl="2"/>
+            <a:r>
+              <a:rPr lang="en-US"/>
+              <a:t>Third level</a:t>
+            </a:r>
+          </a:p>
+          <a:p>
+            <a:pPr lvl="3"/>
+            <a:r>
+              <a:rPr lang="en-US"/>
+              <a:t>Fourth level</a:t>
+            </a:r>
+          </a:p>
+          <a:p>
+            <a:pPr lvl="4"/>
+            <a:r>
+              <a:rPr lang="en-US"/>
+              <a:t>Fifth level</a:t>
+            </a:r>
+          </a:p>
+        </p:txBody>
+      </p:sp>
+      <p:sp>
+        <p:nvSpPr>
+          <p:cNvPr id="4" name="Content Placeholder 3"/>
+          <p:cNvSpPr>
+            <a:spLocks noGrp="1"/>
+          </p:cNvSpPr>
+          <p:nvPr>
+            <p:ph sz="half" idx="2"/>
+          </p:nvPr>
+        </p:nvSpPr>
+        <p:spPr>
+          <a:xfrm>
+            <a:off x="6197600" y="1600201"/>
+            <a:ext cx="5384800" cy="4525433"/>
+          </a:xfrm>
+        </p:spPr>
+        <p:txBody>
+          <a:bodyPr/>
+          <a:lstStyle>
+            <a:lvl1pPr>
+              <a:defRPr sz="3733"/>
+            </a:lvl1pPr>
+            <a:lvl2pPr>
+              <a:defRPr sz="3200"/>
+            </a:lvl2pPr>
+            <a:lvl3pPr>
+              <a:defRPr sz="2667"/>
+            </a:lvl3pPr>
+            <a:lvl4pPr>
+              <a:defRPr sz="2400"/>
+            </a:lvl4pPr>
+            <a:lvl5pPr>
+              <a:defRPr sz="2400"/>
+            </a:lvl5pPr>
+            <a:lvl6pPr>
+              <a:defRPr sz="2400"/>
+            </a:lvl6pPr>
+            <a:lvl7pPr>
+              <a:defRPr sz="2400"/>
+            </a:lvl7pPr>
+            <a:lvl8pPr>
+              <a:defRPr sz="2400"/>
+            </a:lvl8pPr>
+            <a:lvl9pPr>
+              <a:defRPr sz="2400"/>
+            </a:lvl9pPr>
+          </a:lstStyle>
+          <a:p>
+            <a:pPr lvl="0"/>
+            <a:r>
+              <a:rPr lang="en-US"/>
+              <a:t>Click to edit Master text styles</a:t>
+            </a:r>
+          </a:p>
+          <a:p>
+            <a:pPr lvl="1"/>
+            <a:r>
+              <a:rPr lang="en-US"/>
+              <a:t>Second level</a:t>
+            </a:r>
+          </a:p>
+          <a:p>
+            <a:pPr lvl="2"/>
+            <a:r>
+              <a:rPr lang="en-US"/>
+              <a:t>Third level</a:t>
+            </a:r>
+          </a:p>
+          <a:p>
+            <a:pPr lvl="3"/>
+            <a:r>
+              <a:rPr lang="en-US"/>
+              <a:t>Fourth level</a:t>
+            </a:r>
+          </a:p>
+          <a:p>
+            <a:pPr lvl="4"/>
+            <a:r>
+              <a:rPr lang="en-US"/>
+              <a:t>Fifth level</a:t>
+            </a:r>
+          </a:p>
+        </p:txBody>
+      </p:sp>
+      <p:sp>
+        <p:nvSpPr>
+          <p:cNvPr id="5" name="Date Placeholder 4"/>
+          <p:cNvSpPr>
+            <a:spLocks noGrp="1"/>
+          </p:cNvSpPr>
+          <p:nvPr>
+            <p:ph type="dt" sz="half" idx="10"/>
+          </p:nvPr>
+        </p:nvSpPr>
+        <p:spPr/>
+        <p:txBody>
+          <a:bodyPr/>
+          <a:lstStyle/>
+          <a:p>
+            <a:fld id="{D088F999-7A4E-6B4F-9FED-EF75B73AD044}" type="datetimeFigureOut">
+              <a:rPr lang="en-US" smtClean="0"/>
+              <a:t>9/22/2021</a:t>
+            </a:fld>
+            <a:endParaRPr lang="en-US"/>
+          </a:p>
+        </p:txBody>
+      </p:sp>
+      <p:sp>
+        <p:nvSpPr>
+          <p:cNvPr id="6" name="Footer Placeholder 5"/>
+          <p:cNvSpPr>
+            <a:spLocks noGrp="1"/>
+          </p:cNvSpPr>
+          <p:nvPr>
+            <p:ph type="ftr" sz="quarter" idx="11"/>
+          </p:nvPr>
+        </p:nvSpPr>
+        <p:spPr/>
+        <p:txBody>
+          <a:bodyPr/>
+          <a:lstStyle/>
+          <a:p>
+            <a:endParaRPr lang="en-US"/>
+          </a:p>
+        </p:txBody>
+      </p:sp>
+      <p:sp>
+        <p:nvSpPr>
+          <p:cNvPr id="7" name="Slide Number Placeholder 6"/>
+          <p:cNvSpPr>
+            <a:spLocks noGrp="1"/>
+          </p:cNvSpPr>
+          <p:nvPr>
+            <p:ph type="sldNum" sz="quarter" idx="12"/>
+          </p:nvPr>
+        </p:nvSpPr>
+        <p:spPr/>
+        <p:txBody>
+          <a:bodyPr/>
+          <a:lstStyle/>
+          <a:p>
+            <a:fld id="{5D024AAD-DF78-DE44-A1F3-EEB19EDC9165}" type="slidenum">
+              <a:rPr lang="en-US" smtClean="0"/>
+              <a:t>‹#›</a:t>
+            </a:fld>
+            <a:endParaRPr lang="en-US"/>
+          </a:p>
+        </p:txBody>
+      </p:sp>
+    </p:spTree>
+    <p:extLst>
+      <p:ext uri="{BB962C8B-B14F-4D97-AF65-F5344CB8AC3E}">
+        <p14:creationId xmlns:p14="http://schemas.microsoft.com/office/powerpoint/2010/main" val="2180425293"/>
+      </p:ext>
+    </p:extLst>
+  </p:cSld>
+  <p:clrMapOvr>
+    <a:masterClrMapping/>
+  </p:clrMapOvr>
+</p:sldLayout>
+</file>
+
+<file path=ppt/slideLayouts/slideLayout16.xml><?xml version="1.0" encoding="utf-8"?>
+<p:sldLayout xmlns:a="http://schemas.openxmlformats.org/drawingml/2006/main" xmlns:r="http://schemas.openxmlformats.org/officeDocument/2006/relationships" xmlns:p="http://schemas.openxmlformats.org/presentationml/2006/main" type="twoTxTwoObj" preserve="1">
+  <p:cSld name="Comparison">
+    <p:spTree>
+      <p:nvGrpSpPr>
+        <p:cNvPr id="1" name=""/>
+        <p:cNvGrpSpPr/>
+        <p:nvPr/>
+      </p:nvGrpSpPr>
+      <p:grpSpPr>
+        <a:xfrm>
+          <a:off x="0" y="0"/>
+          <a:ext cx="0" cy="0"/>
+          <a:chOff x="0" y="0"/>
+          <a:chExt cx="0" cy="0"/>
+        </a:xfrm>
+      </p:grpSpPr>
+      <p:sp>
+        <p:nvSpPr>
+          <p:cNvPr id="2" name="Title 1"/>
+          <p:cNvSpPr>
+            <a:spLocks noGrp="1"/>
+          </p:cNvSpPr>
+          <p:nvPr>
+            <p:ph type="title"/>
+          </p:nvPr>
+        </p:nvSpPr>
+        <p:spPr/>
+        <p:txBody>
+          <a:bodyPr/>
+          <a:lstStyle>
+            <a:lvl1pPr>
+              <a:defRPr/>
+            </a:lvl1pPr>
+          </a:lstStyle>
+          <a:p>
+            <a:r>
+              <a:rPr lang="en-US"/>
+              <a:t>Click to edit Master title style</a:t>
+            </a:r>
+          </a:p>
+        </p:txBody>
+      </p:sp>
+      <p:sp>
+        <p:nvSpPr>
+          <p:cNvPr id="3" name="Text Placeholder 2"/>
+          <p:cNvSpPr>
+            <a:spLocks noGrp="1"/>
+          </p:cNvSpPr>
+          <p:nvPr>
+            <p:ph type="body" idx="1"/>
+          </p:nvPr>
+        </p:nvSpPr>
+        <p:spPr>
+          <a:xfrm>
+            <a:off x="609600" y="1534584"/>
+            <a:ext cx="5386917" cy="641349"/>
+          </a:xfrm>
+        </p:spPr>
+        <p:txBody>
+          <a:bodyPr anchor="b"/>
+          <a:lstStyle>
+            <a:lvl1pPr marL="0" indent="0">
+              <a:buNone/>
+              <a:defRPr sz="3200" b="1"/>
+            </a:lvl1pPr>
+            <a:lvl2pPr marL="609585" indent="0">
+              <a:buNone/>
+              <a:defRPr sz="2667" b="1"/>
+            </a:lvl2pPr>
+            <a:lvl3pPr marL="1219170" indent="0">
+              <a:buNone/>
+              <a:defRPr sz="2400" b="1"/>
+            </a:lvl3pPr>
+            <a:lvl4pPr marL="1828754" indent="0">
+              <a:buNone/>
+              <a:defRPr sz="2133" b="1"/>
+            </a:lvl4pPr>
+            <a:lvl5pPr marL="2438339" indent="0">
+              <a:buNone/>
+              <a:defRPr sz="2133" b="1"/>
+            </a:lvl5pPr>
+            <a:lvl6pPr marL="3047924" indent="0">
+              <a:buNone/>
+              <a:defRPr sz="2133" b="1"/>
+            </a:lvl6pPr>
+            <a:lvl7pPr marL="3657509" indent="0">
+              <a:buNone/>
+              <a:defRPr sz="2133" b="1"/>
+            </a:lvl7pPr>
+            <a:lvl8pPr marL="4267093" indent="0">
+              <a:buNone/>
+              <a:defRPr sz="2133" b="1"/>
+            </a:lvl8pPr>
+            <a:lvl9pPr marL="4876678" indent="0">
+              <a:buNone/>
+              <a:defRPr sz="2133" b="1"/>
+            </a:lvl9pPr>
+          </a:lstStyle>
+          <a:p>
+            <a:pPr lvl="0"/>
+            <a:r>
+              <a:rPr lang="en-US"/>
+              <a:t>Click to edit Master text styles</a:t>
+            </a:r>
+          </a:p>
+        </p:txBody>
+      </p:sp>
+      <p:sp>
+        <p:nvSpPr>
+          <p:cNvPr id="4" name="Content Placeholder 3"/>
+          <p:cNvSpPr>
+            <a:spLocks noGrp="1"/>
+          </p:cNvSpPr>
+          <p:nvPr>
+            <p:ph sz="half" idx="2"/>
+          </p:nvPr>
+        </p:nvSpPr>
+        <p:spPr>
+          <a:xfrm>
+            <a:off x="609600" y="2175934"/>
+            <a:ext cx="5386917" cy="3949700"/>
+          </a:xfrm>
+        </p:spPr>
+        <p:txBody>
+          <a:bodyPr/>
+          <a:lstStyle>
+            <a:lvl1pPr>
+              <a:defRPr sz="3200"/>
+            </a:lvl1pPr>
+            <a:lvl2pPr>
+              <a:defRPr sz="2667"/>
+            </a:lvl2pPr>
+            <a:lvl3pPr>
+              <a:defRPr sz="2400"/>
+            </a:lvl3pPr>
+            <a:lvl4pPr>
+              <a:defRPr sz="2133"/>
+            </a:lvl4pPr>
+            <a:lvl5pPr>
+              <a:defRPr sz="2133"/>
+            </a:lvl5pPr>
+            <a:lvl6pPr>
+              <a:defRPr sz="2133"/>
+            </a:lvl6pPr>
+            <a:lvl7pPr>
+              <a:defRPr sz="2133"/>
+            </a:lvl7pPr>
+            <a:lvl8pPr>
+              <a:defRPr sz="2133"/>
+            </a:lvl8pPr>
+            <a:lvl9pPr>
+              <a:defRPr sz="2133"/>
+            </a:lvl9pPr>
+          </a:lstStyle>
+          <a:p>
+            <a:pPr lvl="0"/>
+            <a:r>
+              <a:rPr lang="en-US"/>
+              <a:t>Click to edit Master text styles</a:t>
+            </a:r>
+          </a:p>
+          <a:p>
+            <a:pPr lvl="1"/>
+            <a:r>
+              <a:rPr lang="en-US"/>
+              <a:t>Second level</a:t>
+            </a:r>
+          </a:p>
+          <a:p>
+            <a:pPr lvl="2"/>
+            <a:r>
+              <a:rPr lang="en-US"/>
+              <a:t>Third level</a:t>
+            </a:r>
+          </a:p>
+          <a:p>
+            <a:pPr lvl="3"/>
+            <a:r>
+              <a:rPr lang="en-US"/>
+              <a:t>Fourth level</a:t>
+            </a:r>
+          </a:p>
+          <a:p>
+            <a:pPr lvl="4"/>
+            <a:r>
+              <a:rPr lang="en-US"/>
+              <a:t>Fifth level</a:t>
+            </a:r>
+          </a:p>
+        </p:txBody>
+      </p:sp>
+      <p:sp>
+        <p:nvSpPr>
+          <p:cNvPr id="5" name="Text Placeholder 4"/>
+          <p:cNvSpPr>
+            <a:spLocks noGrp="1"/>
+          </p:cNvSpPr>
+          <p:nvPr>
+            <p:ph type="body" sz="quarter" idx="3"/>
+          </p:nvPr>
+        </p:nvSpPr>
+        <p:spPr>
+          <a:xfrm>
+            <a:off x="6193368" y="1534584"/>
+            <a:ext cx="5389033" cy="641349"/>
+          </a:xfrm>
+        </p:spPr>
+        <p:txBody>
+          <a:bodyPr anchor="b"/>
+          <a:lstStyle>
+            <a:lvl1pPr marL="0" indent="0">
+              <a:buNone/>
+              <a:defRPr sz="3200" b="1"/>
+            </a:lvl1pPr>
+            <a:lvl2pPr marL="609585" indent="0">
+              <a:buNone/>
+              <a:defRPr sz="2667" b="1"/>
+            </a:lvl2pPr>
+            <a:lvl3pPr marL="1219170" indent="0">
+              <a:buNone/>
+              <a:defRPr sz="2400" b="1"/>
+            </a:lvl3pPr>
+            <a:lvl4pPr marL="1828754" indent="0">
+              <a:buNone/>
+              <a:defRPr sz="2133" b="1"/>
+            </a:lvl4pPr>
+            <a:lvl5pPr marL="2438339" indent="0">
+              <a:buNone/>
+              <a:defRPr sz="2133" b="1"/>
+            </a:lvl5pPr>
+            <a:lvl6pPr marL="3047924" indent="0">
+              <a:buNone/>
+              <a:defRPr sz="2133" b="1"/>
+            </a:lvl6pPr>
+            <a:lvl7pPr marL="3657509" indent="0">
+              <a:buNone/>
+              <a:defRPr sz="2133" b="1"/>
+            </a:lvl7pPr>
+            <a:lvl8pPr marL="4267093" indent="0">
+              <a:buNone/>
+              <a:defRPr sz="2133" b="1"/>
+            </a:lvl8pPr>
+            <a:lvl9pPr marL="4876678" indent="0">
+              <a:buNone/>
+              <a:defRPr sz="2133" b="1"/>
+            </a:lvl9pPr>
+          </a:lstStyle>
+          <a:p>
+            <a:pPr lvl="0"/>
+            <a:r>
+              <a:rPr lang="en-US"/>
+              <a:t>Click to edit Master text styles</a:t>
+            </a:r>
+          </a:p>
+        </p:txBody>
+      </p:sp>
+      <p:sp>
+        <p:nvSpPr>
+          <p:cNvPr id="6" name="Content Placeholder 5"/>
+          <p:cNvSpPr>
+            <a:spLocks noGrp="1"/>
+          </p:cNvSpPr>
+          <p:nvPr>
+            <p:ph sz="quarter" idx="4"/>
+          </p:nvPr>
+        </p:nvSpPr>
+        <p:spPr>
+          <a:xfrm>
+            <a:off x="6193368" y="2175934"/>
+            <a:ext cx="5389033" cy="3949700"/>
+          </a:xfrm>
+        </p:spPr>
+        <p:txBody>
+          <a:bodyPr/>
+          <a:lstStyle>
+            <a:lvl1pPr>
+              <a:defRPr sz="3200"/>
+            </a:lvl1pPr>
+            <a:lvl2pPr>
+              <a:defRPr sz="2667"/>
+            </a:lvl2pPr>
+            <a:lvl3pPr>
+              <a:defRPr sz="2400"/>
+            </a:lvl3pPr>
+            <a:lvl4pPr>
+              <a:defRPr sz="2133"/>
+            </a:lvl4pPr>
+            <a:lvl5pPr>
+              <a:defRPr sz="2133"/>
+            </a:lvl5pPr>
+            <a:lvl6pPr>
+              <a:defRPr sz="2133"/>
+            </a:lvl6pPr>
+            <a:lvl7pPr>
+              <a:defRPr sz="2133"/>
+            </a:lvl7pPr>
+            <a:lvl8pPr>
+              <a:defRPr sz="2133"/>
+            </a:lvl8pPr>
+            <a:lvl9pPr>
+              <a:defRPr sz="2133"/>
+            </a:lvl9pPr>
+          </a:lstStyle>
+          <a:p>
+            <a:pPr lvl="0"/>
+            <a:r>
+              <a:rPr lang="en-US"/>
+              <a:t>Click to edit Master text styles</a:t>
+            </a:r>
+          </a:p>
+          <a:p>
+            <a:pPr lvl="1"/>
+            <a:r>
+              <a:rPr lang="en-US"/>
+              <a:t>Second level</a:t>
+            </a:r>
+          </a:p>
+          <a:p>
+            <a:pPr lvl="2"/>
+            <a:r>
+              <a:rPr lang="en-US"/>
+              <a:t>Third level</a:t>
+            </a:r>
+          </a:p>
+          <a:p>
+            <a:pPr lvl="3"/>
+            <a:r>
+              <a:rPr lang="en-US"/>
+              <a:t>Fourth level</a:t>
+            </a:r>
+          </a:p>
+          <a:p>
+            <a:pPr lvl="4"/>
+            <a:r>
+              <a:rPr lang="en-US"/>
+              <a:t>Fifth level</a:t>
+            </a:r>
+          </a:p>
+        </p:txBody>
+      </p:sp>
+      <p:sp>
+        <p:nvSpPr>
+          <p:cNvPr id="7" name="Date Placeholder 6"/>
+          <p:cNvSpPr>
+            <a:spLocks noGrp="1"/>
+          </p:cNvSpPr>
+          <p:nvPr>
+            <p:ph type="dt" sz="half" idx="10"/>
+          </p:nvPr>
+        </p:nvSpPr>
+        <p:spPr/>
+        <p:txBody>
+          <a:bodyPr/>
+          <a:lstStyle/>
+          <a:p>
+            <a:fld id="{D088F999-7A4E-6B4F-9FED-EF75B73AD044}" type="datetimeFigureOut">
+              <a:rPr lang="en-US" smtClean="0"/>
+              <a:t>9/22/2021</a:t>
+            </a:fld>
+            <a:endParaRPr lang="en-US"/>
+          </a:p>
+        </p:txBody>
+      </p:sp>
+      <p:sp>
+        <p:nvSpPr>
+          <p:cNvPr id="8" name="Footer Placeholder 7"/>
+          <p:cNvSpPr>
+            <a:spLocks noGrp="1"/>
+          </p:cNvSpPr>
+          <p:nvPr>
+            <p:ph type="ftr" sz="quarter" idx="11"/>
+          </p:nvPr>
+        </p:nvSpPr>
+        <p:spPr/>
+        <p:txBody>
+          <a:bodyPr/>
+          <a:lstStyle/>
+          <a:p>
+            <a:endParaRPr lang="en-US"/>
+          </a:p>
+        </p:txBody>
+      </p:sp>
+      <p:sp>
+        <p:nvSpPr>
+          <p:cNvPr id="9" name="Slide Number Placeholder 8"/>
+          <p:cNvSpPr>
+            <a:spLocks noGrp="1"/>
+          </p:cNvSpPr>
+          <p:nvPr>
+            <p:ph type="sldNum" sz="quarter" idx="12"/>
+          </p:nvPr>
+        </p:nvSpPr>
+        <p:spPr/>
+        <p:txBody>
+          <a:bodyPr/>
+          <a:lstStyle/>
+          <a:p>
+            <a:fld id="{5D024AAD-DF78-DE44-A1F3-EEB19EDC9165}" type="slidenum">
+              <a:rPr lang="en-US" smtClean="0"/>
+              <a:t>‹#›</a:t>
+            </a:fld>
+            <a:endParaRPr lang="en-US"/>
+          </a:p>
+        </p:txBody>
+      </p:sp>
+    </p:spTree>
+    <p:extLst>
+      <p:ext uri="{BB962C8B-B14F-4D97-AF65-F5344CB8AC3E}">
+        <p14:creationId xmlns:p14="http://schemas.microsoft.com/office/powerpoint/2010/main" val="2545667793"/>
+      </p:ext>
+    </p:extLst>
+  </p:cSld>
+  <p:clrMapOvr>
+    <a:masterClrMapping/>
+  </p:clrMapOvr>
+</p:sldLayout>
+</file>
+
+<file path=ppt/slideLayouts/slideLayout17.xml><?xml version="1.0" encoding="utf-8"?>
+<p:sldLayout xmlns:a="http://schemas.openxmlformats.org/drawingml/2006/main" xmlns:r="http://schemas.openxmlformats.org/officeDocument/2006/relationships" xmlns:p="http://schemas.openxmlformats.org/presentationml/2006/main" type="titleOnly" preserve="1">
+  <p:cSld name="Title Only">
+    <p:spTree>
+      <p:nvGrpSpPr>
+        <p:cNvPr id="1" name=""/>
+        <p:cNvGrpSpPr/>
+        <p:nvPr/>
+      </p:nvGrpSpPr>
+      <p:grpSpPr>
+        <a:xfrm>
+          <a:off x="0" y="0"/>
+          <a:ext cx="0" cy="0"/>
+          <a:chOff x="0" y="0"/>
+          <a:chExt cx="0" cy="0"/>
+        </a:xfrm>
+      </p:grpSpPr>
+      <p:sp>
+        <p:nvSpPr>
+          <p:cNvPr id="2" name="Title 1"/>
+          <p:cNvSpPr>
+            <a:spLocks noGrp="1"/>
+          </p:cNvSpPr>
+          <p:nvPr>
+            <p:ph type="title"/>
+          </p:nvPr>
+        </p:nvSpPr>
+        <p:spPr/>
+        <p:txBody>
+          <a:bodyPr/>
+          <a:lstStyle/>
+          <a:p>
+            <a:r>
+              <a:rPr lang="en-US"/>
+              <a:t>Click to edit Master title style</a:t>
+            </a:r>
+          </a:p>
+        </p:txBody>
+      </p:sp>
+      <p:sp>
+        <p:nvSpPr>
+          <p:cNvPr id="3" name="Date Placeholder 2"/>
+          <p:cNvSpPr>
+            <a:spLocks noGrp="1"/>
+          </p:cNvSpPr>
+          <p:nvPr>
+            <p:ph type="dt" sz="half" idx="10"/>
+          </p:nvPr>
+        </p:nvSpPr>
+        <p:spPr/>
+        <p:txBody>
+          <a:bodyPr/>
+          <a:lstStyle/>
+          <a:p>
+            <a:fld id="{D088F999-7A4E-6B4F-9FED-EF75B73AD044}" type="datetimeFigureOut">
+              <a:rPr lang="en-US" smtClean="0"/>
+              <a:t>9/22/2021</a:t>
+            </a:fld>
+            <a:endParaRPr lang="en-US"/>
+          </a:p>
+        </p:txBody>
+      </p:sp>
+      <p:sp>
+        <p:nvSpPr>
+          <p:cNvPr id="4" name="Footer Placeholder 3"/>
+          <p:cNvSpPr>
+            <a:spLocks noGrp="1"/>
+          </p:cNvSpPr>
+          <p:nvPr>
+            <p:ph type="ftr" sz="quarter" idx="11"/>
+          </p:nvPr>
+        </p:nvSpPr>
+        <p:spPr/>
+        <p:txBody>
+          <a:bodyPr/>
+          <a:lstStyle/>
+          <a:p>
+            <a:endParaRPr lang="en-US"/>
+          </a:p>
+        </p:txBody>
+      </p:sp>
+      <p:sp>
+        <p:nvSpPr>
+          <p:cNvPr id="5" name="Slide Number Placeholder 4"/>
+          <p:cNvSpPr>
+            <a:spLocks noGrp="1"/>
+          </p:cNvSpPr>
+          <p:nvPr>
+            <p:ph type="sldNum" sz="quarter" idx="12"/>
+          </p:nvPr>
+        </p:nvSpPr>
+        <p:spPr/>
+        <p:txBody>
+          <a:bodyPr/>
+          <a:lstStyle/>
+          <a:p>
+            <a:fld id="{5D024AAD-DF78-DE44-A1F3-EEB19EDC9165}" type="slidenum">
+              <a:rPr lang="en-US" smtClean="0"/>
+              <a:t>‹#›</a:t>
+            </a:fld>
+            <a:endParaRPr lang="en-US"/>
+          </a:p>
+        </p:txBody>
+      </p:sp>
+    </p:spTree>
+    <p:extLst>
+      <p:ext uri="{BB962C8B-B14F-4D97-AF65-F5344CB8AC3E}">
+        <p14:creationId xmlns:p14="http://schemas.microsoft.com/office/powerpoint/2010/main" val="4195496782"/>
+      </p:ext>
+    </p:extLst>
+  </p:cSld>
+  <p:clrMapOvr>
+    <a:masterClrMapping/>
+  </p:clrMapOvr>
+</p:sldLayout>
+</file>
+
+<file path=ppt/slideLayouts/slideLayout18.xml><?xml version="1.0" encoding="utf-8"?>
+<p:sldLayout xmlns:a="http://schemas.openxmlformats.org/drawingml/2006/main" xmlns:r="http://schemas.openxmlformats.org/officeDocument/2006/relationships" xmlns:p="http://schemas.openxmlformats.org/presentationml/2006/main" type="blank" preserve="1">
+  <p:cSld name="Blank">
+    <p:spTree>
+      <p:nvGrpSpPr>
+        <p:cNvPr id="1" name=""/>
+        <p:cNvGrpSpPr/>
+        <p:nvPr/>
+      </p:nvGrpSpPr>
+      <p:grpSpPr>
+        <a:xfrm>
+          <a:off x="0" y="0"/>
+          <a:ext cx="0" cy="0"/>
+          <a:chOff x="0" y="0"/>
+          <a:chExt cx="0" cy="0"/>
+        </a:xfrm>
+      </p:grpSpPr>
+      <p:sp>
+        <p:nvSpPr>
+          <p:cNvPr id="2" name="Date Placeholder 1"/>
+          <p:cNvSpPr>
+            <a:spLocks noGrp="1"/>
+          </p:cNvSpPr>
+          <p:nvPr>
+            <p:ph type="dt" sz="half" idx="10"/>
+          </p:nvPr>
+        </p:nvSpPr>
+        <p:spPr/>
+        <p:txBody>
+          <a:bodyPr/>
+          <a:lstStyle/>
+          <a:p>
+            <a:fld id="{D088F999-7A4E-6B4F-9FED-EF75B73AD044}" type="datetimeFigureOut">
+              <a:rPr lang="en-US" smtClean="0"/>
+              <a:t>9/22/2021</a:t>
+            </a:fld>
+            <a:endParaRPr lang="en-US"/>
+          </a:p>
+        </p:txBody>
+      </p:sp>
+      <p:sp>
+        <p:nvSpPr>
+          <p:cNvPr id="3" name="Footer Placeholder 2"/>
+          <p:cNvSpPr>
+            <a:spLocks noGrp="1"/>
+          </p:cNvSpPr>
+          <p:nvPr>
+            <p:ph type="ftr" sz="quarter" idx="11"/>
+          </p:nvPr>
+        </p:nvSpPr>
+        <p:spPr/>
+        <p:txBody>
+          <a:bodyPr/>
+          <a:lstStyle/>
+          <a:p>
+            <a:endParaRPr lang="en-US"/>
+          </a:p>
+        </p:txBody>
+      </p:sp>
+      <p:sp>
+        <p:nvSpPr>
+          <p:cNvPr id="4" name="Slide Number Placeholder 3"/>
+          <p:cNvSpPr>
+            <a:spLocks noGrp="1"/>
+          </p:cNvSpPr>
+          <p:nvPr>
+            <p:ph type="sldNum" sz="quarter" idx="12"/>
+          </p:nvPr>
+        </p:nvSpPr>
+        <p:spPr/>
+        <p:txBody>
+          <a:bodyPr/>
+          <a:lstStyle/>
+          <a:p>
+            <a:fld id="{5D024AAD-DF78-DE44-A1F3-EEB19EDC9165}" type="slidenum">
+              <a:rPr lang="en-US" smtClean="0"/>
+              <a:t>‹#›</a:t>
+            </a:fld>
+            <a:endParaRPr lang="en-US"/>
+          </a:p>
+        </p:txBody>
+      </p:sp>
+    </p:spTree>
+    <p:extLst>
+      <p:ext uri="{BB962C8B-B14F-4D97-AF65-F5344CB8AC3E}">
+        <p14:creationId xmlns:p14="http://schemas.microsoft.com/office/powerpoint/2010/main" val="534956197"/>
+      </p:ext>
+    </p:extLst>
+  </p:cSld>
+  <p:clrMapOvr>
+    <a:masterClrMapping/>
+  </p:clrMapOvr>
+</p:sldLayout>
+</file>
+
+<file path=ppt/slideLayouts/slideLayout19.xml><?xml version="1.0" encoding="utf-8"?>
+<p:sldLayout xmlns:a="http://schemas.openxmlformats.org/drawingml/2006/main" xmlns:r="http://schemas.openxmlformats.org/officeDocument/2006/relationships" xmlns:p="http://schemas.openxmlformats.org/presentationml/2006/main" type="objTx" preserve="1">
+  <p:cSld name="Content with Caption">
+    <p:spTree>
+      <p:nvGrpSpPr>
+        <p:cNvPr id="1" name=""/>
+        <p:cNvGrpSpPr/>
+        <p:nvPr/>
+      </p:nvGrpSpPr>
+      <p:grpSpPr>
+        <a:xfrm>
+          <a:off x="0" y="0"/>
+          <a:ext cx="0" cy="0"/>
+          <a:chOff x="0" y="0"/>
+          <a:chExt cx="0" cy="0"/>
+        </a:xfrm>
+      </p:grpSpPr>
+      <p:sp>
+        <p:nvSpPr>
+          <p:cNvPr id="2" name="Title 1"/>
+          <p:cNvSpPr>
+            <a:spLocks noGrp="1"/>
+          </p:cNvSpPr>
+          <p:nvPr>
+            <p:ph type="title"/>
+          </p:nvPr>
+        </p:nvSpPr>
+        <p:spPr>
+          <a:xfrm>
+            <a:off x="609601" y="273052"/>
+            <a:ext cx="4011084" cy="1162049"/>
+          </a:xfrm>
+        </p:spPr>
+        <p:txBody>
+          <a:bodyPr anchor="b"/>
+          <a:lstStyle>
+            <a:lvl1pPr algn="l">
+              <a:defRPr sz="2667" b="1"/>
+            </a:lvl1pPr>
+          </a:lstStyle>
+          <a:p>
+            <a:r>
+              <a:rPr lang="en-US"/>
+              <a:t>Click to edit Master title style</a:t>
+            </a:r>
+          </a:p>
+        </p:txBody>
+      </p:sp>
+      <p:sp>
+        <p:nvSpPr>
+          <p:cNvPr id="3" name="Content Placeholder 2"/>
+          <p:cNvSpPr>
+            <a:spLocks noGrp="1"/>
+          </p:cNvSpPr>
+          <p:nvPr>
+            <p:ph idx="1"/>
+          </p:nvPr>
+        </p:nvSpPr>
+        <p:spPr>
+          <a:xfrm>
+            <a:off x="4766733" y="273051"/>
+            <a:ext cx="6815667" cy="5852583"/>
+          </a:xfrm>
+        </p:spPr>
+        <p:txBody>
+          <a:bodyPr/>
+          <a:lstStyle>
+            <a:lvl1pPr>
+              <a:defRPr sz="4267"/>
+            </a:lvl1pPr>
+            <a:lvl2pPr>
+              <a:defRPr sz="3733"/>
+            </a:lvl2pPr>
+            <a:lvl3pPr>
+              <a:defRPr sz="3200"/>
+            </a:lvl3pPr>
+            <a:lvl4pPr>
+              <a:defRPr sz="2667"/>
+            </a:lvl4pPr>
+            <a:lvl5pPr>
+              <a:defRPr sz="2667"/>
+            </a:lvl5pPr>
+            <a:lvl6pPr>
+              <a:defRPr sz="2667"/>
+            </a:lvl6pPr>
+            <a:lvl7pPr>
+              <a:defRPr sz="2667"/>
+            </a:lvl7pPr>
+            <a:lvl8pPr>
+              <a:defRPr sz="2667"/>
+            </a:lvl8pPr>
+            <a:lvl9pPr>
+              <a:defRPr sz="2667"/>
+            </a:lvl9pPr>
+          </a:lstStyle>
+          <a:p>
+            <a:pPr lvl="0"/>
+            <a:r>
+              <a:rPr lang="en-US"/>
+              <a:t>Click to edit Master text styles</a:t>
+            </a:r>
+          </a:p>
+          <a:p>
+            <a:pPr lvl="1"/>
+            <a:r>
+              <a:rPr lang="en-US"/>
+              <a:t>Second level</a:t>
+            </a:r>
+          </a:p>
+          <a:p>
+            <a:pPr lvl="2"/>
+            <a:r>
+              <a:rPr lang="en-US"/>
+              <a:t>Third level</a:t>
+            </a:r>
+          </a:p>
+          <a:p>
+            <a:pPr lvl="3"/>
+            <a:r>
+              <a:rPr lang="en-US"/>
+              <a:t>Fourth level</a:t>
+            </a:r>
+          </a:p>
+          <a:p>
+            <a:pPr lvl="4"/>
+            <a:r>
+              <a:rPr lang="en-US"/>
+              <a:t>Fifth level</a:t>
+            </a:r>
+          </a:p>
+        </p:txBody>
+      </p:sp>
+      <p:sp>
+        <p:nvSpPr>
+          <p:cNvPr id="4" name="Text Placeholder 3"/>
+          <p:cNvSpPr>
+            <a:spLocks noGrp="1"/>
+          </p:cNvSpPr>
+          <p:nvPr>
+            <p:ph type="body" sz="half" idx="2"/>
+          </p:nvPr>
+        </p:nvSpPr>
+        <p:spPr>
+          <a:xfrm>
+            <a:off x="609601" y="1435100"/>
+            <a:ext cx="4011084" cy="4690533"/>
+          </a:xfrm>
+        </p:spPr>
+        <p:txBody>
+          <a:bodyPr/>
+          <a:lstStyle>
+            <a:lvl1pPr marL="0" indent="0">
+              <a:buNone/>
+              <a:defRPr sz="1867"/>
+            </a:lvl1pPr>
+            <a:lvl2pPr marL="609585" indent="0">
+              <a:buNone/>
+              <a:defRPr sz="1600"/>
+            </a:lvl2pPr>
+            <a:lvl3pPr marL="1219170" indent="0">
+              <a:buNone/>
+              <a:defRPr sz="1333"/>
+            </a:lvl3pPr>
+            <a:lvl4pPr marL="1828754" indent="0">
+              <a:buNone/>
+              <a:defRPr sz="1200"/>
+            </a:lvl4pPr>
+            <a:lvl5pPr marL="2438339" indent="0">
+              <a:buNone/>
+              <a:defRPr sz="1200"/>
+            </a:lvl5pPr>
+            <a:lvl6pPr marL="3047924" indent="0">
+              <a:buNone/>
+              <a:defRPr sz="1200"/>
+            </a:lvl6pPr>
+            <a:lvl7pPr marL="3657509" indent="0">
+              <a:buNone/>
+              <a:defRPr sz="1200"/>
+            </a:lvl7pPr>
+            <a:lvl8pPr marL="4267093" indent="0">
+              <a:buNone/>
+              <a:defRPr sz="1200"/>
+            </a:lvl8pPr>
+            <a:lvl9pPr marL="4876678" indent="0">
+              <a:buNone/>
+              <a:defRPr sz="1200"/>
+            </a:lvl9pPr>
+          </a:lstStyle>
+          <a:p>
+            <a:pPr lvl="0"/>
+            <a:r>
+              <a:rPr lang="en-US"/>
+              <a:t>Click to edit Master text styles</a:t>
+            </a:r>
+          </a:p>
+        </p:txBody>
+      </p:sp>
+      <p:sp>
+        <p:nvSpPr>
+          <p:cNvPr id="5" name="Date Placeholder 4"/>
+          <p:cNvSpPr>
+            <a:spLocks noGrp="1"/>
+          </p:cNvSpPr>
+          <p:nvPr>
+            <p:ph type="dt" sz="half" idx="10"/>
+          </p:nvPr>
+        </p:nvSpPr>
+        <p:spPr/>
+        <p:txBody>
+          <a:bodyPr/>
+          <a:lstStyle/>
+          <a:p>
+            <a:fld id="{D088F999-7A4E-6B4F-9FED-EF75B73AD044}" type="datetimeFigureOut">
+              <a:rPr lang="en-US" smtClean="0"/>
+              <a:t>9/22/2021</a:t>
+            </a:fld>
+            <a:endParaRPr lang="en-US"/>
+          </a:p>
+        </p:txBody>
+      </p:sp>
+      <p:sp>
+        <p:nvSpPr>
+          <p:cNvPr id="6" name="Footer Placeholder 5"/>
+          <p:cNvSpPr>
+            <a:spLocks noGrp="1"/>
+          </p:cNvSpPr>
+          <p:nvPr>
+            <p:ph type="ftr" sz="quarter" idx="11"/>
+          </p:nvPr>
+        </p:nvSpPr>
+        <p:spPr/>
+        <p:txBody>
+          <a:bodyPr/>
+          <a:lstStyle/>
+          <a:p>
+            <a:endParaRPr lang="en-US"/>
+          </a:p>
+        </p:txBody>
+      </p:sp>
+      <p:sp>
+        <p:nvSpPr>
+          <p:cNvPr id="7" name="Slide Number Placeholder 6"/>
+          <p:cNvSpPr>
+            <a:spLocks noGrp="1"/>
+          </p:cNvSpPr>
+          <p:nvPr>
+            <p:ph type="sldNum" sz="quarter" idx="12"/>
+          </p:nvPr>
+        </p:nvSpPr>
+        <p:spPr/>
+        <p:txBody>
+          <a:bodyPr/>
+          <a:lstStyle/>
+          <a:p>
+            <a:fld id="{5D024AAD-DF78-DE44-A1F3-EEB19EDC9165}" type="slidenum">
+              <a:rPr lang="en-US" smtClean="0"/>
+              <a:t>‹#›</a:t>
+            </a:fld>
+            <a:endParaRPr lang="en-US"/>
+          </a:p>
+        </p:txBody>
+      </p:sp>
+    </p:spTree>
+    <p:extLst>
+      <p:ext uri="{BB962C8B-B14F-4D97-AF65-F5344CB8AC3E}">
+        <p14:creationId xmlns:p14="http://schemas.microsoft.com/office/powerpoint/2010/main" val="1653347489"/>
       </p:ext>
     </p:extLst>
   </p:cSld>
@@ -976,7 +3326,7 @@
           <a:p>
             <a:fld id="{59197A79-E6B2-4AB0-908B-22D89AAD388B}" type="datetimeFigureOut">
               <a:rPr lang="en-US" smtClean="0"/>
-              <a:t>9/14/2021</a:t>
+              <a:t>9/22/2021</a:t>
             </a:fld>
             <a:endParaRPr lang="en-US"/>
           </a:p>
@@ -1028,6 +3378,604 @@
     <p:extLst>
       <p:ext uri="{BB962C8B-B14F-4D97-AF65-F5344CB8AC3E}">
         <p14:creationId xmlns:p14="http://schemas.microsoft.com/office/powerpoint/2010/main" val="3625000296"/>
+      </p:ext>
+    </p:extLst>
+  </p:cSld>
+  <p:clrMapOvr>
+    <a:masterClrMapping/>
+  </p:clrMapOvr>
+</p:sldLayout>
+</file>
+
+<file path=ppt/slideLayouts/slideLayout20.xml><?xml version="1.0" encoding="utf-8"?>
+<p:sldLayout xmlns:a="http://schemas.openxmlformats.org/drawingml/2006/main" xmlns:r="http://schemas.openxmlformats.org/officeDocument/2006/relationships" xmlns:p="http://schemas.openxmlformats.org/presentationml/2006/main" type="picTx" preserve="1">
+  <p:cSld name="Picture with Caption">
+    <p:spTree>
+      <p:nvGrpSpPr>
+        <p:cNvPr id="1" name=""/>
+        <p:cNvGrpSpPr/>
+        <p:nvPr/>
+      </p:nvGrpSpPr>
+      <p:grpSpPr>
+        <a:xfrm>
+          <a:off x="0" y="0"/>
+          <a:ext cx="0" cy="0"/>
+          <a:chOff x="0" y="0"/>
+          <a:chExt cx="0" cy="0"/>
+        </a:xfrm>
+      </p:grpSpPr>
+      <p:sp>
+        <p:nvSpPr>
+          <p:cNvPr id="2" name="Title 1"/>
+          <p:cNvSpPr>
+            <a:spLocks noGrp="1"/>
+          </p:cNvSpPr>
+          <p:nvPr>
+            <p:ph type="title"/>
+          </p:nvPr>
+        </p:nvSpPr>
+        <p:spPr>
+          <a:xfrm>
+            <a:off x="2389717" y="4800600"/>
+            <a:ext cx="7315200" cy="567267"/>
+          </a:xfrm>
+        </p:spPr>
+        <p:txBody>
+          <a:bodyPr anchor="b"/>
+          <a:lstStyle>
+            <a:lvl1pPr algn="l">
+              <a:defRPr sz="2667" b="1"/>
+            </a:lvl1pPr>
+          </a:lstStyle>
+          <a:p>
+            <a:r>
+              <a:rPr lang="en-US"/>
+              <a:t>Click to edit Master title style</a:t>
+            </a:r>
+          </a:p>
+        </p:txBody>
+      </p:sp>
+      <p:sp>
+        <p:nvSpPr>
+          <p:cNvPr id="3" name="Picture Placeholder 2"/>
+          <p:cNvSpPr>
+            <a:spLocks noGrp="1"/>
+          </p:cNvSpPr>
+          <p:nvPr>
+            <p:ph type="pic" idx="1"/>
+          </p:nvPr>
+        </p:nvSpPr>
+        <p:spPr>
+          <a:xfrm>
+            <a:off x="2389717" y="613833"/>
+            <a:ext cx="7315200" cy="4114800"/>
+          </a:xfrm>
+        </p:spPr>
+        <p:txBody>
+          <a:bodyPr/>
+          <a:lstStyle>
+            <a:lvl1pPr marL="0" indent="0">
+              <a:buNone/>
+              <a:defRPr sz="4267"/>
+            </a:lvl1pPr>
+            <a:lvl2pPr marL="609585" indent="0">
+              <a:buNone/>
+              <a:defRPr sz="3733"/>
+            </a:lvl2pPr>
+            <a:lvl3pPr marL="1219170" indent="0">
+              <a:buNone/>
+              <a:defRPr sz="3200"/>
+            </a:lvl3pPr>
+            <a:lvl4pPr marL="1828754" indent="0">
+              <a:buNone/>
+              <a:defRPr sz="2667"/>
+            </a:lvl4pPr>
+            <a:lvl5pPr marL="2438339" indent="0">
+              <a:buNone/>
+              <a:defRPr sz="2667"/>
+            </a:lvl5pPr>
+            <a:lvl6pPr marL="3047924" indent="0">
+              <a:buNone/>
+              <a:defRPr sz="2667"/>
+            </a:lvl6pPr>
+            <a:lvl7pPr marL="3657509" indent="0">
+              <a:buNone/>
+              <a:defRPr sz="2667"/>
+            </a:lvl7pPr>
+            <a:lvl8pPr marL="4267093" indent="0">
+              <a:buNone/>
+              <a:defRPr sz="2667"/>
+            </a:lvl8pPr>
+            <a:lvl9pPr marL="4876678" indent="0">
+              <a:buNone/>
+              <a:defRPr sz="2667"/>
+            </a:lvl9pPr>
+          </a:lstStyle>
+          <a:p>
+            <a:endParaRPr lang="en-US"/>
+          </a:p>
+        </p:txBody>
+      </p:sp>
+      <p:sp>
+        <p:nvSpPr>
+          <p:cNvPr id="4" name="Text Placeholder 3"/>
+          <p:cNvSpPr>
+            <a:spLocks noGrp="1"/>
+          </p:cNvSpPr>
+          <p:nvPr>
+            <p:ph type="body" sz="half" idx="2"/>
+          </p:nvPr>
+        </p:nvSpPr>
+        <p:spPr>
+          <a:xfrm>
+            <a:off x="2389717" y="5367867"/>
+            <a:ext cx="7315200" cy="804333"/>
+          </a:xfrm>
+        </p:spPr>
+        <p:txBody>
+          <a:bodyPr/>
+          <a:lstStyle>
+            <a:lvl1pPr marL="0" indent="0">
+              <a:buNone/>
+              <a:defRPr sz="1867"/>
+            </a:lvl1pPr>
+            <a:lvl2pPr marL="609585" indent="0">
+              <a:buNone/>
+              <a:defRPr sz="1600"/>
+            </a:lvl2pPr>
+            <a:lvl3pPr marL="1219170" indent="0">
+              <a:buNone/>
+              <a:defRPr sz="1333"/>
+            </a:lvl3pPr>
+            <a:lvl4pPr marL="1828754" indent="0">
+              <a:buNone/>
+              <a:defRPr sz="1200"/>
+            </a:lvl4pPr>
+            <a:lvl5pPr marL="2438339" indent="0">
+              <a:buNone/>
+              <a:defRPr sz="1200"/>
+            </a:lvl5pPr>
+            <a:lvl6pPr marL="3047924" indent="0">
+              <a:buNone/>
+              <a:defRPr sz="1200"/>
+            </a:lvl6pPr>
+            <a:lvl7pPr marL="3657509" indent="0">
+              <a:buNone/>
+              <a:defRPr sz="1200"/>
+            </a:lvl7pPr>
+            <a:lvl8pPr marL="4267093" indent="0">
+              <a:buNone/>
+              <a:defRPr sz="1200"/>
+            </a:lvl8pPr>
+            <a:lvl9pPr marL="4876678" indent="0">
+              <a:buNone/>
+              <a:defRPr sz="1200"/>
+            </a:lvl9pPr>
+          </a:lstStyle>
+          <a:p>
+            <a:pPr lvl="0"/>
+            <a:r>
+              <a:rPr lang="en-US"/>
+              <a:t>Click to edit Master text styles</a:t>
+            </a:r>
+          </a:p>
+        </p:txBody>
+      </p:sp>
+      <p:sp>
+        <p:nvSpPr>
+          <p:cNvPr id="5" name="Date Placeholder 4"/>
+          <p:cNvSpPr>
+            <a:spLocks noGrp="1"/>
+          </p:cNvSpPr>
+          <p:nvPr>
+            <p:ph type="dt" sz="half" idx="10"/>
+          </p:nvPr>
+        </p:nvSpPr>
+        <p:spPr/>
+        <p:txBody>
+          <a:bodyPr/>
+          <a:lstStyle/>
+          <a:p>
+            <a:fld id="{D088F999-7A4E-6B4F-9FED-EF75B73AD044}" type="datetimeFigureOut">
+              <a:rPr lang="en-US" smtClean="0"/>
+              <a:t>9/22/2021</a:t>
+            </a:fld>
+            <a:endParaRPr lang="en-US"/>
+          </a:p>
+        </p:txBody>
+      </p:sp>
+      <p:sp>
+        <p:nvSpPr>
+          <p:cNvPr id="6" name="Footer Placeholder 5"/>
+          <p:cNvSpPr>
+            <a:spLocks noGrp="1"/>
+          </p:cNvSpPr>
+          <p:nvPr>
+            <p:ph type="ftr" sz="quarter" idx="11"/>
+          </p:nvPr>
+        </p:nvSpPr>
+        <p:spPr/>
+        <p:txBody>
+          <a:bodyPr/>
+          <a:lstStyle/>
+          <a:p>
+            <a:endParaRPr lang="en-US"/>
+          </a:p>
+        </p:txBody>
+      </p:sp>
+      <p:sp>
+        <p:nvSpPr>
+          <p:cNvPr id="7" name="Slide Number Placeholder 6"/>
+          <p:cNvSpPr>
+            <a:spLocks noGrp="1"/>
+          </p:cNvSpPr>
+          <p:nvPr>
+            <p:ph type="sldNum" sz="quarter" idx="12"/>
+          </p:nvPr>
+        </p:nvSpPr>
+        <p:spPr/>
+        <p:txBody>
+          <a:bodyPr/>
+          <a:lstStyle/>
+          <a:p>
+            <a:fld id="{5D024AAD-DF78-DE44-A1F3-EEB19EDC9165}" type="slidenum">
+              <a:rPr lang="en-US" smtClean="0"/>
+              <a:t>‹#›</a:t>
+            </a:fld>
+            <a:endParaRPr lang="en-US"/>
+          </a:p>
+        </p:txBody>
+      </p:sp>
+    </p:spTree>
+    <p:extLst>
+      <p:ext uri="{BB962C8B-B14F-4D97-AF65-F5344CB8AC3E}">
+        <p14:creationId xmlns:p14="http://schemas.microsoft.com/office/powerpoint/2010/main" val="226616325"/>
+      </p:ext>
+    </p:extLst>
+  </p:cSld>
+  <p:clrMapOvr>
+    <a:masterClrMapping/>
+  </p:clrMapOvr>
+</p:sldLayout>
+</file>
+
+<file path=ppt/slideLayouts/slideLayout21.xml><?xml version="1.0" encoding="utf-8"?>
+<p:sldLayout xmlns:a="http://schemas.openxmlformats.org/drawingml/2006/main" xmlns:r="http://schemas.openxmlformats.org/officeDocument/2006/relationships" xmlns:p="http://schemas.openxmlformats.org/presentationml/2006/main" type="vertTx" preserve="1">
+  <p:cSld name="Title and Vertical Text">
+    <p:spTree>
+      <p:nvGrpSpPr>
+        <p:cNvPr id="1" name=""/>
+        <p:cNvGrpSpPr/>
+        <p:nvPr/>
+      </p:nvGrpSpPr>
+      <p:grpSpPr>
+        <a:xfrm>
+          <a:off x="0" y="0"/>
+          <a:ext cx="0" cy="0"/>
+          <a:chOff x="0" y="0"/>
+          <a:chExt cx="0" cy="0"/>
+        </a:xfrm>
+      </p:grpSpPr>
+      <p:sp>
+        <p:nvSpPr>
+          <p:cNvPr id="2" name="Title 1"/>
+          <p:cNvSpPr>
+            <a:spLocks noGrp="1"/>
+          </p:cNvSpPr>
+          <p:nvPr>
+            <p:ph type="title"/>
+          </p:nvPr>
+        </p:nvSpPr>
+        <p:spPr/>
+        <p:txBody>
+          <a:bodyPr/>
+          <a:lstStyle/>
+          <a:p>
+            <a:r>
+              <a:rPr lang="en-US"/>
+              <a:t>Click to edit Master title style</a:t>
+            </a:r>
+          </a:p>
+        </p:txBody>
+      </p:sp>
+      <p:sp>
+        <p:nvSpPr>
+          <p:cNvPr id="3" name="Vertical Text Placeholder 2"/>
+          <p:cNvSpPr>
+            <a:spLocks noGrp="1"/>
+          </p:cNvSpPr>
+          <p:nvPr>
+            <p:ph type="body" orient="vert" idx="1"/>
+          </p:nvPr>
+        </p:nvSpPr>
+        <p:spPr/>
+        <p:txBody>
+          <a:bodyPr vert="eaVert"/>
+          <a:lstStyle/>
+          <a:p>
+            <a:pPr lvl="0"/>
+            <a:r>
+              <a:rPr lang="en-US"/>
+              <a:t>Click to edit Master text styles</a:t>
+            </a:r>
+          </a:p>
+          <a:p>
+            <a:pPr lvl="1"/>
+            <a:r>
+              <a:rPr lang="en-US"/>
+              <a:t>Second level</a:t>
+            </a:r>
+          </a:p>
+          <a:p>
+            <a:pPr lvl="2"/>
+            <a:r>
+              <a:rPr lang="en-US"/>
+              <a:t>Third level</a:t>
+            </a:r>
+          </a:p>
+          <a:p>
+            <a:pPr lvl="3"/>
+            <a:r>
+              <a:rPr lang="en-US"/>
+              <a:t>Fourth level</a:t>
+            </a:r>
+          </a:p>
+          <a:p>
+            <a:pPr lvl="4"/>
+            <a:r>
+              <a:rPr lang="en-US"/>
+              <a:t>Fifth level</a:t>
+            </a:r>
+          </a:p>
+        </p:txBody>
+      </p:sp>
+      <p:sp>
+        <p:nvSpPr>
+          <p:cNvPr id="4" name="Date Placeholder 3"/>
+          <p:cNvSpPr>
+            <a:spLocks noGrp="1"/>
+          </p:cNvSpPr>
+          <p:nvPr>
+            <p:ph type="dt" sz="half" idx="10"/>
+          </p:nvPr>
+        </p:nvSpPr>
+        <p:spPr/>
+        <p:txBody>
+          <a:bodyPr/>
+          <a:lstStyle/>
+          <a:p>
+            <a:fld id="{D088F999-7A4E-6B4F-9FED-EF75B73AD044}" type="datetimeFigureOut">
+              <a:rPr lang="en-US" smtClean="0"/>
+              <a:t>9/22/2021</a:t>
+            </a:fld>
+            <a:endParaRPr lang="en-US"/>
+          </a:p>
+        </p:txBody>
+      </p:sp>
+      <p:sp>
+        <p:nvSpPr>
+          <p:cNvPr id="5" name="Footer Placeholder 4"/>
+          <p:cNvSpPr>
+            <a:spLocks noGrp="1"/>
+          </p:cNvSpPr>
+          <p:nvPr>
+            <p:ph type="ftr" sz="quarter" idx="11"/>
+          </p:nvPr>
+        </p:nvSpPr>
+        <p:spPr/>
+        <p:txBody>
+          <a:bodyPr/>
+          <a:lstStyle/>
+          <a:p>
+            <a:endParaRPr lang="en-US"/>
+          </a:p>
+        </p:txBody>
+      </p:sp>
+      <p:sp>
+        <p:nvSpPr>
+          <p:cNvPr id="6" name="Slide Number Placeholder 5"/>
+          <p:cNvSpPr>
+            <a:spLocks noGrp="1"/>
+          </p:cNvSpPr>
+          <p:nvPr>
+            <p:ph type="sldNum" sz="quarter" idx="12"/>
+          </p:nvPr>
+        </p:nvSpPr>
+        <p:spPr/>
+        <p:txBody>
+          <a:bodyPr/>
+          <a:lstStyle/>
+          <a:p>
+            <a:fld id="{5D024AAD-DF78-DE44-A1F3-EEB19EDC9165}" type="slidenum">
+              <a:rPr lang="en-US" smtClean="0"/>
+              <a:t>‹#›</a:t>
+            </a:fld>
+            <a:endParaRPr lang="en-US"/>
+          </a:p>
+        </p:txBody>
+      </p:sp>
+    </p:spTree>
+    <p:extLst>
+      <p:ext uri="{BB962C8B-B14F-4D97-AF65-F5344CB8AC3E}">
+        <p14:creationId xmlns:p14="http://schemas.microsoft.com/office/powerpoint/2010/main" val="2086167227"/>
+      </p:ext>
+    </p:extLst>
+  </p:cSld>
+  <p:clrMapOvr>
+    <a:masterClrMapping/>
+  </p:clrMapOvr>
+</p:sldLayout>
+</file>
+
+<file path=ppt/slideLayouts/slideLayout22.xml><?xml version="1.0" encoding="utf-8"?>
+<p:sldLayout xmlns:a="http://schemas.openxmlformats.org/drawingml/2006/main" xmlns:r="http://schemas.openxmlformats.org/officeDocument/2006/relationships" xmlns:p="http://schemas.openxmlformats.org/presentationml/2006/main" type="vertTitleAndTx" preserve="1">
+  <p:cSld name="Vertical Title and Text">
+    <p:spTree>
+      <p:nvGrpSpPr>
+        <p:cNvPr id="1" name=""/>
+        <p:cNvGrpSpPr/>
+        <p:nvPr/>
+      </p:nvGrpSpPr>
+      <p:grpSpPr>
+        <a:xfrm>
+          <a:off x="0" y="0"/>
+          <a:ext cx="0" cy="0"/>
+          <a:chOff x="0" y="0"/>
+          <a:chExt cx="0" cy="0"/>
+        </a:xfrm>
+      </p:grpSpPr>
+      <p:sp>
+        <p:nvSpPr>
+          <p:cNvPr id="2" name="Vertical Title 1"/>
+          <p:cNvSpPr>
+            <a:spLocks noGrp="1"/>
+          </p:cNvSpPr>
+          <p:nvPr>
+            <p:ph type="title" orient="vert"/>
+          </p:nvPr>
+        </p:nvSpPr>
+        <p:spPr>
+          <a:xfrm>
+            <a:off x="8839200" y="275167"/>
+            <a:ext cx="2743200" cy="5850467"/>
+          </a:xfrm>
+        </p:spPr>
+        <p:txBody>
+          <a:bodyPr vert="eaVert"/>
+          <a:lstStyle/>
+          <a:p>
+            <a:r>
+              <a:rPr lang="en-US"/>
+              <a:t>Click to edit Master title style</a:t>
+            </a:r>
+          </a:p>
+        </p:txBody>
+      </p:sp>
+      <p:sp>
+        <p:nvSpPr>
+          <p:cNvPr id="3" name="Vertical Text Placeholder 2"/>
+          <p:cNvSpPr>
+            <a:spLocks noGrp="1"/>
+          </p:cNvSpPr>
+          <p:nvPr>
+            <p:ph type="body" orient="vert" idx="1"/>
+          </p:nvPr>
+        </p:nvSpPr>
+        <p:spPr>
+          <a:xfrm>
+            <a:off x="609600" y="275167"/>
+            <a:ext cx="8026400" cy="5850467"/>
+          </a:xfrm>
+        </p:spPr>
+        <p:txBody>
+          <a:bodyPr vert="eaVert"/>
+          <a:lstStyle/>
+          <a:p>
+            <a:pPr lvl="0"/>
+            <a:r>
+              <a:rPr lang="en-US"/>
+              <a:t>Click to edit Master text styles</a:t>
+            </a:r>
+          </a:p>
+          <a:p>
+            <a:pPr lvl="1"/>
+            <a:r>
+              <a:rPr lang="en-US"/>
+              <a:t>Second level</a:t>
+            </a:r>
+          </a:p>
+          <a:p>
+            <a:pPr lvl="2"/>
+            <a:r>
+              <a:rPr lang="en-US"/>
+              <a:t>Third level</a:t>
+            </a:r>
+          </a:p>
+          <a:p>
+            <a:pPr lvl="3"/>
+            <a:r>
+              <a:rPr lang="en-US"/>
+              <a:t>Fourth level</a:t>
+            </a:r>
+          </a:p>
+          <a:p>
+            <a:pPr lvl="4"/>
+            <a:r>
+              <a:rPr lang="en-US"/>
+              <a:t>Fifth level</a:t>
+            </a:r>
+          </a:p>
+        </p:txBody>
+      </p:sp>
+      <p:sp>
+        <p:nvSpPr>
+          <p:cNvPr id="4" name="Date Placeholder 3"/>
+          <p:cNvSpPr>
+            <a:spLocks noGrp="1"/>
+          </p:cNvSpPr>
+          <p:nvPr>
+            <p:ph type="dt" sz="half" idx="10"/>
+          </p:nvPr>
+        </p:nvSpPr>
+        <p:spPr/>
+        <p:txBody>
+          <a:bodyPr/>
+          <a:lstStyle/>
+          <a:p>
+            <a:fld id="{D088F999-7A4E-6B4F-9FED-EF75B73AD044}" type="datetimeFigureOut">
+              <a:rPr lang="en-US" smtClean="0"/>
+              <a:t>9/22/2021</a:t>
+            </a:fld>
+            <a:endParaRPr lang="en-US"/>
+          </a:p>
+        </p:txBody>
+      </p:sp>
+      <p:sp>
+        <p:nvSpPr>
+          <p:cNvPr id="5" name="Footer Placeholder 4"/>
+          <p:cNvSpPr>
+            <a:spLocks noGrp="1"/>
+          </p:cNvSpPr>
+          <p:nvPr>
+            <p:ph type="ftr" sz="quarter" idx="11"/>
+          </p:nvPr>
+        </p:nvSpPr>
+        <p:spPr/>
+        <p:txBody>
+          <a:bodyPr/>
+          <a:lstStyle/>
+          <a:p>
+            <a:endParaRPr lang="en-US"/>
+          </a:p>
+        </p:txBody>
+      </p:sp>
+      <p:sp>
+        <p:nvSpPr>
+          <p:cNvPr id="6" name="Slide Number Placeholder 5"/>
+          <p:cNvSpPr>
+            <a:spLocks noGrp="1"/>
+          </p:cNvSpPr>
+          <p:nvPr>
+            <p:ph type="sldNum" sz="quarter" idx="12"/>
+          </p:nvPr>
+        </p:nvSpPr>
+        <p:spPr/>
+        <p:txBody>
+          <a:bodyPr/>
+          <a:lstStyle/>
+          <a:p>
+            <a:fld id="{5D024AAD-DF78-DE44-A1F3-EEB19EDC9165}" type="slidenum">
+              <a:rPr lang="en-US" smtClean="0"/>
+              <a:t>‹#›</a:t>
+            </a:fld>
+            <a:endParaRPr lang="en-US"/>
+          </a:p>
+        </p:txBody>
+      </p:sp>
+    </p:spTree>
+    <p:extLst>
+      <p:ext uri="{BB962C8B-B14F-4D97-AF65-F5344CB8AC3E}">
+        <p14:creationId xmlns:p14="http://schemas.microsoft.com/office/powerpoint/2010/main" val="1223164055"/>
       </p:ext>
     </p:extLst>
   </p:cSld>
@@ -1313,7 +4261,7 @@
           <a:p>
             <a:fld id="{59197A79-E6B2-4AB0-908B-22D89AAD388B}" type="datetimeFigureOut">
               <a:rPr lang="en-US" smtClean="0"/>
-              <a:t>9/14/2021</a:t>
+              <a:t>9/22/2021</a:t>
             </a:fld>
             <a:endParaRPr lang="en-US"/>
           </a:p>
@@ -1588,7 +4536,7 @@
           <a:p>
             <a:fld id="{59197A79-E6B2-4AB0-908B-22D89AAD388B}" type="datetimeFigureOut">
               <a:rPr lang="en-US" smtClean="0"/>
-              <a:t>9/14/2021</a:t>
+              <a:t>9/22/2021</a:t>
             </a:fld>
             <a:endParaRPr lang="en-US"/>
           </a:p>
@@ -1971,7 +4919,7 @@
           <a:p>
             <a:fld id="{59197A79-E6B2-4AB0-908B-22D89AAD388B}" type="datetimeFigureOut">
               <a:rPr lang="en-US" smtClean="0"/>
-              <a:t>9/14/2021</a:t>
+              <a:t>9/22/2021</a:t>
             </a:fld>
             <a:endParaRPr lang="en-US"/>
           </a:p>
@@ -2089,7 +5037,7 @@
           <a:p>
             <a:fld id="{59197A79-E6B2-4AB0-908B-22D89AAD388B}" type="datetimeFigureOut">
               <a:rPr lang="en-US" smtClean="0"/>
-              <a:t>9/14/2021</a:t>
+              <a:t>9/22/2021</a:t>
             </a:fld>
             <a:endParaRPr lang="en-US"/>
           </a:p>
@@ -2262,7 +5210,7 @@
           <a:p>
             <a:fld id="{59197A79-E6B2-4AB0-908B-22D89AAD388B}" type="datetimeFigureOut">
               <a:rPr lang="en-US" smtClean="0"/>
-              <a:t>9/14/2021</a:t>
+              <a:t>9/22/2021</a:t>
             </a:fld>
             <a:endParaRPr lang="en-US"/>
           </a:p>
@@ -2618,7 +5566,7 @@
           <a:p>
             <a:fld id="{59197A79-E6B2-4AB0-908B-22D89AAD388B}" type="datetimeFigureOut">
               <a:rPr lang="en-US" smtClean="0"/>
-              <a:t>9/14/2021</a:t>
+              <a:t>9/22/2021</a:t>
             </a:fld>
             <a:endParaRPr lang="en-US"/>
           </a:p>
@@ -2966,7 +5914,7 @@
           <a:p>
             <a:fld id="{59197A79-E6B2-4AB0-908B-22D89AAD388B}" type="datetimeFigureOut">
               <a:rPr lang="en-US" smtClean="0"/>
-              <a:t>9/14/2021</a:t>
+              <a:t>9/22/2021</a:t>
             </a:fld>
             <a:endParaRPr lang="en-US"/>
           </a:p>
@@ -3277,7 +6225,7 @@
           <a:p>
             <a:fld id="{59197A79-E6B2-4AB0-908B-22D89AAD388B}" type="datetimeFigureOut">
               <a:rPr lang="en-US" smtClean="0"/>
-              <a:t>9/14/2021</a:t>
+              <a:t>9/22/2021</a:t>
             </a:fld>
             <a:endParaRPr lang="en-US"/>
           </a:p>
@@ -3784,7 +6732,941 @@
 </p:sldMaster>
 </file>
 
+<file path=ppt/slideMasters/slideMaster2.xml><?xml version="1.0" encoding="utf-8"?>
+<p:sldMaster xmlns:a="http://schemas.openxmlformats.org/drawingml/2006/main" xmlns:r="http://schemas.openxmlformats.org/officeDocument/2006/relationships" xmlns:p="http://schemas.openxmlformats.org/presentationml/2006/main" preserve="1">
+  <p:cSld>
+    <p:bg>
+      <p:bgPr>
+        <a:blipFill dpi="0" rotWithShape="1">
+          <a:blip r:embed="rId13">
+            <a:lum/>
+          </a:blip>
+          <a:srcRect/>
+          <a:stretch>
+            <a:fillRect/>
+          </a:stretch>
+        </a:blipFill>
+        <a:effectLst/>
+      </p:bgPr>
+    </p:bg>
+    <p:spTree>
+      <p:nvGrpSpPr>
+        <p:cNvPr id="1" name=""/>
+        <p:cNvGrpSpPr/>
+        <p:nvPr/>
+      </p:nvGrpSpPr>
+      <p:grpSpPr>
+        <a:xfrm>
+          <a:off x="0" y="0"/>
+          <a:ext cx="0" cy="0"/>
+          <a:chOff x="0" y="0"/>
+          <a:chExt cx="0" cy="0"/>
+        </a:xfrm>
+      </p:grpSpPr>
+      <p:sp>
+        <p:nvSpPr>
+          <p:cNvPr id="2" name="Title Placeholder 1"/>
+          <p:cNvSpPr>
+            <a:spLocks noGrp="1"/>
+          </p:cNvSpPr>
+          <p:nvPr>
+            <p:ph type="title"/>
+          </p:nvPr>
+        </p:nvSpPr>
+        <p:spPr>
+          <a:xfrm>
+            <a:off x="609600" y="275167"/>
+            <a:ext cx="10972800" cy="1143000"/>
+          </a:xfrm>
+          <a:prstGeom prst="rect">
+            <a:avLst/>
+          </a:prstGeom>
+        </p:spPr>
+        <p:txBody>
+          <a:bodyPr vert="horz" lIns="91440" tIns="45720" rIns="91440" bIns="45720" rtlCol="0" anchor="ctr">
+            <a:normAutofit/>
+          </a:bodyPr>
+          <a:lstStyle/>
+          <a:p>
+            <a:r>
+              <a:rPr lang="en-US"/>
+              <a:t>Click to edit Master title style</a:t>
+            </a:r>
+          </a:p>
+        </p:txBody>
+      </p:sp>
+      <p:sp>
+        <p:nvSpPr>
+          <p:cNvPr id="3" name="Text Placeholder 2"/>
+          <p:cNvSpPr>
+            <a:spLocks noGrp="1"/>
+          </p:cNvSpPr>
+          <p:nvPr>
+            <p:ph type="body" idx="1"/>
+          </p:nvPr>
+        </p:nvSpPr>
+        <p:spPr>
+          <a:xfrm>
+            <a:off x="609600" y="1600201"/>
+            <a:ext cx="10972800" cy="4525433"/>
+          </a:xfrm>
+          <a:prstGeom prst="rect">
+            <a:avLst/>
+          </a:prstGeom>
+        </p:spPr>
+        <p:txBody>
+          <a:bodyPr vert="horz" lIns="91440" tIns="45720" rIns="91440" bIns="45720" rtlCol="0">
+            <a:normAutofit/>
+          </a:bodyPr>
+          <a:lstStyle/>
+          <a:p>
+            <a:pPr lvl="0"/>
+            <a:r>
+              <a:rPr lang="en-US"/>
+              <a:t>Click to edit Master text styles</a:t>
+            </a:r>
+          </a:p>
+          <a:p>
+            <a:pPr lvl="1"/>
+            <a:r>
+              <a:rPr lang="en-US"/>
+              <a:t>Second level</a:t>
+            </a:r>
+          </a:p>
+          <a:p>
+            <a:pPr lvl="2"/>
+            <a:r>
+              <a:rPr lang="en-US"/>
+              <a:t>Third level</a:t>
+            </a:r>
+          </a:p>
+          <a:p>
+            <a:pPr lvl="3"/>
+            <a:r>
+              <a:rPr lang="en-US"/>
+              <a:t>Fourth level</a:t>
+            </a:r>
+          </a:p>
+          <a:p>
+            <a:pPr lvl="4"/>
+            <a:r>
+              <a:rPr lang="en-US"/>
+              <a:t>Fifth level</a:t>
+            </a:r>
+          </a:p>
+        </p:txBody>
+      </p:sp>
+      <p:sp>
+        <p:nvSpPr>
+          <p:cNvPr id="4" name="Date Placeholder 3"/>
+          <p:cNvSpPr>
+            <a:spLocks noGrp="1"/>
+          </p:cNvSpPr>
+          <p:nvPr>
+            <p:ph type="dt" sz="half" idx="2"/>
+          </p:nvPr>
+        </p:nvSpPr>
+        <p:spPr>
+          <a:xfrm>
+            <a:off x="609600" y="6356351"/>
+            <a:ext cx="2844800" cy="366183"/>
+          </a:xfrm>
+          <a:prstGeom prst="rect">
+            <a:avLst/>
+          </a:prstGeom>
+        </p:spPr>
+        <p:txBody>
+          <a:bodyPr vert="horz" lIns="91440" tIns="45720" rIns="91440" bIns="45720" rtlCol="0" anchor="ctr"/>
+          <a:lstStyle>
+            <a:lvl1pPr algn="l">
+              <a:defRPr sz="1600">
+                <a:solidFill>
+                  <a:schemeClr val="tx1">
+                    <a:tint val="75000"/>
+                  </a:schemeClr>
+                </a:solidFill>
+              </a:defRPr>
+            </a:lvl1pPr>
+          </a:lstStyle>
+          <a:p>
+            <a:fld id="{D088F999-7A4E-6B4F-9FED-EF75B73AD044}" type="datetimeFigureOut">
+              <a:rPr lang="en-US" smtClean="0"/>
+              <a:t>9/22/2021</a:t>
+            </a:fld>
+            <a:endParaRPr lang="en-US"/>
+          </a:p>
+        </p:txBody>
+      </p:sp>
+      <p:sp>
+        <p:nvSpPr>
+          <p:cNvPr id="5" name="Footer Placeholder 4"/>
+          <p:cNvSpPr>
+            <a:spLocks noGrp="1"/>
+          </p:cNvSpPr>
+          <p:nvPr>
+            <p:ph type="ftr" sz="quarter" idx="3"/>
+          </p:nvPr>
+        </p:nvSpPr>
+        <p:spPr>
+          <a:xfrm>
+            <a:off x="4165600" y="6356351"/>
+            <a:ext cx="3860800" cy="366183"/>
+          </a:xfrm>
+          <a:prstGeom prst="rect">
+            <a:avLst/>
+          </a:prstGeom>
+        </p:spPr>
+        <p:txBody>
+          <a:bodyPr vert="horz" lIns="91440" tIns="45720" rIns="91440" bIns="45720" rtlCol="0" anchor="ctr"/>
+          <a:lstStyle>
+            <a:lvl1pPr algn="ctr">
+              <a:defRPr sz="1600">
+                <a:solidFill>
+                  <a:schemeClr val="tx1">
+                    <a:tint val="75000"/>
+                  </a:schemeClr>
+                </a:solidFill>
+              </a:defRPr>
+            </a:lvl1pPr>
+          </a:lstStyle>
+          <a:p>
+            <a:endParaRPr lang="en-US"/>
+          </a:p>
+        </p:txBody>
+      </p:sp>
+      <p:sp>
+        <p:nvSpPr>
+          <p:cNvPr id="6" name="Slide Number Placeholder 5"/>
+          <p:cNvSpPr>
+            <a:spLocks noGrp="1"/>
+          </p:cNvSpPr>
+          <p:nvPr>
+            <p:ph type="sldNum" sz="quarter" idx="4"/>
+          </p:nvPr>
+        </p:nvSpPr>
+        <p:spPr>
+          <a:xfrm>
+            <a:off x="8737600" y="6356351"/>
+            <a:ext cx="2844800" cy="366183"/>
+          </a:xfrm>
+          <a:prstGeom prst="rect">
+            <a:avLst/>
+          </a:prstGeom>
+        </p:spPr>
+        <p:txBody>
+          <a:bodyPr vert="horz" lIns="91440" tIns="45720" rIns="91440" bIns="45720" rtlCol="0" anchor="ctr"/>
+          <a:lstStyle>
+            <a:lvl1pPr algn="r">
+              <a:defRPr sz="1600">
+                <a:solidFill>
+                  <a:schemeClr val="tx1">
+                    <a:tint val="75000"/>
+                  </a:schemeClr>
+                </a:solidFill>
+              </a:defRPr>
+            </a:lvl1pPr>
+          </a:lstStyle>
+          <a:p>
+            <a:fld id="{5D024AAD-DF78-DE44-A1F3-EEB19EDC9165}" type="slidenum">
+              <a:rPr lang="en-US" smtClean="0"/>
+              <a:t>‹#›</a:t>
+            </a:fld>
+            <a:endParaRPr lang="en-US"/>
+          </a:p>
+        </p:txBody>
+      </p:sp>
+    </p:spTree>
+    <p:extLst>
+      <p:ext uri="{BB962C8B-B14F-4D97-AF65-F5344CB8AC3E}">
+        <p14:creationId xmlns:p14="http://schemas.microsoft.com/office/powerpoint/2010/main" val="1814214414"/>
+      </p:ext>
+    </p:extLst>
+  </p:cSld>
+  <p:clrMap bg1="lt1" tx1="dk1" bg2="lt2" tx2="dk2" accent1="accent1" accent2="accent2" accent3="accent3" accent4="accent4" accent5="accent5" accent6="accent6" hlink="hlink" folHlink="folHlink"/>
+  <p:sldLayoutIdLst>
+    <p:sldLayoutId id="2147483685" r:id="rId1"/>
+    <p:sldLayoutId id="2147483686" r:id="rId2"/>
+    <p:sldLayoutId id="2147483687" r:id="rId3"/>
+    <p:sldLayoutId id="2147483688" r:id="rId4"/>
+    <p:sldLayoutId id="2147483689" r:id="rId5"/>
+    <p:sldLayoutId id="2147483690" r:id="rId6"/>
+    <p:sldLayoutId id="2147483691" r:id="rId7"/>
+    <p:sldLayoutId id="2147483692" r:id="rId8"/>
+    <p:sldLayoutId id="2147483693" r:id="rId9"/>
+    <p:sldLayoutId id="2147483694" r:id="rId10"/>
+    <p:sldLayoutId id="2147483695" r:id="rId11"/>
+  </p:sldLayoutIdLst>
+  <p:txStyles>
+    <p:titleStyle>
+      <a:lvl1pPr algn="ctr" defTabSz="609585" rtl="0" eaLnBrk="1" latinLnBrk="0" hangingPunct="1">
+        <a:spcBef>
+          <a:spcPct val="0"/>
+        </a:spcBef>
+        <a:buNone/>
+        <a:defRPr sz="5867" kern="1200">
+          <a:solidFill>
+            <a:schemeClr val="tx1"/>
+          </a:solidFill>
+          <a:latin typeface="+mj-lt"/>
+          <a:ea typeface="+mj-ea"/>
+          <a:cs typeface="+mj-cs"/>
+        </a:defRPr>
+      </a:lvl1pPr>
+    </p:titleStyle>
+    <p:bodyStyle>
+      <a:lvl1pPr marL="457189" indent="-457189" algn="l" defTabSz="609585" rtl="0" eaLnBrk="1" latinLnBrk="0" hangingPunct="1">
+        <a:spcBef>
+          <a:spcPct val="20000"/>
+        </a:spcBef>
+        <a:buFont typeface="Arial"/>
+        <a:buChar char="•"/>
+        <a:defRPr sz="4267" kern="1200">
+          <a:solidFill>
+            <a:schemeClr val="tx1"/>
+          </a:solidFill>
+          <a:latin typeface="+mn-lt"/>
+          <a:ea typeface="+mn-ea"/>
+          <a:cs typeface="+mn-cs"/>
+        </a:defRPr>
+      </a:lvl1pPr>
+      <a:lvl2pPr marL="990575" indent="-380990" algn="l" defTabSz="609585" rtl="0" eaLnBrk="1" latinLnBrk="0" hangingPunct="1">
+        <a:spcBef>
+          <a:spcPct val="20000"/>
+        </a:spcBef>
+        <a:buFont typeface="Arial"/>
+        <a:buChar char="–"/>
+        <a:defRPr sz="3733" kern="1200">
+          <a:solidFill>
+            <a:schemeClr val="tx1"/>
+          </a:solidFill>
+          <a:latin typeface="+mn-lt"/>
+          <a:ea typeface="+mn-ea"/>
+          <a:cs typeface="+mn-cs"/>
+        </a:defRPr>
+      </a:lvl2pPr>
+      <a:lvl3pPr marL="1523962" indent="-304792" algn="l" defTabSz="609585" rtl="0" eaLnBrk="1" latinLnBrk="0" hangingPunct="1">
+        <a:spcBef>
+          <a:spcPct val="20000"/>
+        </a:spcBef>
+        <a:buFont typeface="Arial"/>
+        <a:buChar char="•"/>
+        <a:defRPr sz="3200" kern="1200">
+          <a:solidFill>
+            <a:schemeClr val="tx1"/>
+          </a:solidFill>
+          <a:latin typeface="+mn-lt"/>
+          <a:ea typeface="+mn-ea"/>
+          <a:cs typeface="+mn-cs"/>
+        </a:defRPr>
+      </a:lvl3pPr>
+      <a:lvl4pPr marL="2133547" indent="-304792" algn="l" defTabSz="609585" rtl="0" eaLnBrk="1" latinLnBrk="0" hangingPunct="1">
+        <a:spcBef>
+          <a:spcPct val="20000"/>
+        </a:spcBef>
+        <a:buFont typeface="Arial"/>
+        <a:buChar char="–"/>
+        <a:defRPr sz="2667" kern="1200">
+          <a:solidFill>
+            <a:schemeClr val="tx1"/>
+          </a:solidFill>
+          <a:latin typeface="+mn-lt"/>
+          <a:ea typeface="+mn-ea"/>
+          <a:cs typeface="+mn-cs"/>
+        </a:defRPr>
+      </a:lvl4pPr>
+      <a:lvl5pPr marL="2743131" indent="-304792" algn="l" defTabSz="609585" rtl="0" eaLnBrk="1" latinLnBrk="0" hangingPunct="1">
+        <a:spcBef>
+          <a:spcPct val="20000"/>
+        </a:spcBef>
+        <a:buFont typeface="Arial"/>
+        <a:buChar char="»"/>
+        <a:defRPr sz="2667" kern="1200">
+          <a:solidFill>
+            <a:schemeClr val="tx1"/>
+          </a:solidFill>
+          <a:latin typeface="+mn-lt"/>
+          <a:ea typeface="+mn-ea"/>
+          <a:cs typeface="+mn-cs"/>
+        </a:defRPr>
+      </a:lvl5pPr>
+      <a:lvl6pPr marL="3352716" indent="-304792" algn="l" defTabSz="609585" rtl="0" eaLnBrk="1" latinLnBrk="0" hangingPunct="1">
+        <a:spcBef>
+          <a:spcPct val="20000"/>
+        </a:spcBef>
+        <a:buFont typeface="Arial"/>
+        <a:buChar char="•"/>
+        <a:defRPr sz="2667" kern="1200">
+          <a:solidFill>
+            <a:schemeClr val="tx1"/>
+          </a:solidFill>
+          <a:latin typeface="+mn-lt"/>
+          <a:ea typeface="+mn-ea"/>
+          <a:cs typeface="+mn-cs"/>
+        </a:defRPr>
+      </a:lvl6pPr>
+      <a:lvl7pPr marL="3962301" indent="-304792" algn="l" defTabSz="609585" rtl="0" eaLnBrk="1" latinLnBrk="0" hangingPunct="1">
+        <a:spcBef>
+          <a:spcPct val="20000"/>
+        </a:spcBef>
+        <a:buFont typeface="Arial"/>
+        <a:buChar char="•"/>
+        <a:defRPr sz="2667" kern="1200">
+          <a:solidFill>
+            <a:schemeClr val="tx1"/>
+          </a:solidFill>
+          <a:latin typeface="+mn-lt"/>
+          <a:ea typeface="+mn-ea"/>
+          <a:cs typeface="+mn-cs"/>
+        </a:defRPr>
+      </a:lvl7pPr>
+      <a:lvl8pPr marL="4571886" indent="-304792" algn="l" defTabSz="609585" rtl="0" eaLnBrk="1" latinLnBrk="0" hangingPunct="1">
+        <a:spcBef>
+          <a:spcPct val="20000"/>
+        </a:spcBef>
+        <a:buFont typeface="Arial"/>
+        <a:buChar char="•"/>
+        <a:defRPr sz="2667" kern="1200">
+          <a:solidFill>
+            <a:schemeClr val="tx1"/>
+          </a:solidFill>
+          <a:latin typeface="+mn-lt"/>
+          <a:ea typeface="+mn-ea"/>
+          <a:cs typeface="+mn-cs"/>
+        </a:defRPr>
+      </a:lvl8pPr>
+      <a:lvl9pPr marL="5181470" indent="-304792" algn="l" defTabSz="609585" rtl="0" eaLnBrk="1" latinLnBrk="0" hangingPunct="1">
+        <a:spcBef>
+          <a:spcPct val="20000"/>
+        </a:spcBef>
+        <a:buFont typeface="Arial"/>
+        <a:buChar char="•"/>
+        <a:defRPr sz="2667" kern="1200">
+          <a:solidFill>
+            <a:schemeClr val="tx1"/>
+          </a:solidFill>
+          <a:latin typeface="+mn-lt"/>
+          <a:ea typeface="+mn-ea"/>
+          <a:cs typeface="+mn-cs"/>
+        </a:defRPr>
+      </a:lvl9pPr>
+    </p:bodyStyle>
+    <p:otherStyle>
+      <a:defPPr>
+        <a:defRPr lang="en-US"/>
+      </a:defPPr>
+      <a:lvl1pPr marL="0" algn="l" defTabSz="609585" rtl="0" eaLnBrk="1" latinLnBrk="0" hangingPunct="1">
+        <a:defRPr sz="2400" kern="1200">
+          <a:solidFill>
+            <a:schemeClr val="tx1"/>
+          </a:solidFill>
+          <a:latin typeface="+mn-lt"/>
+          <a:ea typeface="+mn-ea"/>
+          <a:cs typeface="+mn-cs"/>
+        </a:defRPr>
+      </a:lvl1pPr>
+      <a:lvl2pPr marL="609585" algn="l" defTabSz="609585" rtl="0" eaLnBrk="1" latinLnBrk="0" hangingPunct="1">
+        <a:defRPr sz="2400" kern="1200">
+          <a:solidFill>
+            <a:schemeClr val="tx1"/>
+          </a:solidFill>
+          <a:latin typeface="+mn-lt"/>
+          <a:ea typeface="+mn-ea"/>
+          <a:cs typeface="+mn-cs"/>
+        </a:defRPr>
+      </a:lvl2pPr>
+      <a:lvl3pPr marL="1219170" algn="l" defTabSz="609585" rtl="0" eaLnBrk="1" latinLnBrk="0" hangingPunct="1">
+        <a:defRPr sz="2400" kern="1200">
+          <a:solidFill>
+            <a:schemeClr val="tx1"/>
+          </a:solidFill>
+          <a:latin typeface="+mn-lt"/>
+          <a:ea typeface="+mn-ea"/>
+          <a:cs typeface="+mn-cs"/>
+        </a:defRPr>
+      </a:lvl3pPr>
+      <a:lvl4pPr marL="1828754" algn="l" defTabSz="609585" rtl="0" eaLnBrk="1" latinLnBrk="0" hangingPunct="1">
+        <a:defRPr sz="2400" kern="1200">
+          <a:solidFill>
+            <a:schemeClr val="tx1"/>
+          </a:solidFill>
+          <a:latin typeface="+mn-lt"/>
+          <a:ea typeface="+mn-ea"/>
+          <a:cs typeface="+mn-cs"/>
+        </a:defRPr>
+      </a:lvl4pPr>
+      <a:lvl5pPr marL="2438339" algn="l" defTabSz="609585" rtl="0" eaLnBrk="1" latinLnBrk="0" hangingPunct="1">
+        <a:defRPr sz="2400" kern="1200">
+          <a:solidFill>
+            <a:schemeClr val="tx1"/>
+          </a:solidFill>
+          <a:latin typeface="+mn-lt"/>
+          <a:ea typeface="+mn-ea"/>
+          <a:cs typeface="+mn-cs"/>
+        </a:defRPr>
+      </a:lvl5pPr>
+      <a:lvl6pPr marL="3047924" algn="l" defTabSz="609585" rtl="0" eaLnBrk="1" latinLnBrk="0" hangingPunct="1">
+        <a:defRPr sz="2400" kern="1200">
+          <a:solidFill>
+            <a:schemeClr val="tx1"/>
+          </a:solidFill>
+          <a:latin typeface="+mn-lt"/>
+          <a:ea typeface="+mn-ea"/>
+          <a:cs typeface="+mn-cs"/>
+        </a:defRPr>
+      </a:lvl6pPr>
+      <a:lvl7pPr marL="3657509" algn="l" defTabSz="609585" rtl="0" eaLnBrk="1" latinLnBrk="0" hangingPunct="1">
+        <a:defRPr sz="2400" kern="1200">
+          <a:solidFill>
+            <a:schemeClr val="tx1"/>
+          </a:solidFill>
+          <a:latin typeface="+mn-lt"/>
+          <a:ea typeface="+mn-ea"/>
+          <a:cs typeface="+mn-cs"/>
+        </a:defRPr>
+      </a:lvl7pPr>
+      <a:lvl8pPr marL="4267093" algn="l" defTabSz="609585" rtl="0" eaLnBrk="1" latinLnBrk="0" hangingPunct="1">
+        <a:defRPr sz="2400" kern="1200">
+          <a:solidFill>
+            <a:schemeClr val="tx1"/>
+          </a:solidFill>
+          <a:latin typeface="+mn-lt"/>
+          <a:ea typeface="+mn-ea"/>
+          <a:cs typeface="+mn-cs"/>
+        </a:defRPr>
+      </a:lvl8pPr>
+      <a:lvl9pPr marL="4876678" algn="l" defTabSz="609585" rtl="0" eaLnBrk="1" latinLnBrk="0" hangingPunct="1">
+        <a:defRPr sz="2400" kern="1200">
+          <a:solidFill>
+            <a:schemeClr val="tx1"/>
+          </a:solidFill>
+          <a:latin typeface="+mn-lt"/>
+          <a:ea typeface="+mn-ea"/>
+          <a:cs typeface="+mn-cs"/>
+        </a:defRPr>
+      </a:lvl9pPr>
+    </p:otherStyle>
+  </p:txStyles>
+</p:sldMaster>
+</file>
+
 <file path=ppt/slides/slide1.xml><?xml version="1.0" encoding="utf-8"?>
+<p:sld xmlns:a="http://schemas.openxmlformats.org/drawingml/2006/main" xmlns:r="http://schemas.openxmlformats.org/officeDocument/2006/relationships" xmlns:p="http://schemas.openxmlformats.org/presentationml/2006/main">
+  <p:cSld>
+    <p:spTree>
+      <p:nvGrpSpPr>
+        <p:cNvPr id="1" name=""/>
+        <p:cNvGrpSpPr/>
+        <p:nvPr/>
+      </p:nvGrpSpPr>
+      <p:grpSpPr>
+        <a:xfrm>
+          <a:off x="0" y="0"/>
+          <a:ext cx="0" cy="0"/>
+          <a:chOff x="0" y="0"/>
+          <a:chExt cx="0" cy="0"/>
+        </a:xfrm>
+      </p:grpSpPr>
+      <p:sp>
+        <p:nvSpPr>
+          <p:cNvPr id="4" name="Rectangle 3">
+            <a:extLst>
+              <a:ext uri="{FF2B5EF4-FFF2-40B4-BE49-F238E27FC236}">
+                <a16:creationId xmlns:a16="http://schemas.microsoft.com/office/drawing/2014/main" id="{2DB7453A-5DFD-6B43-9EF9-B4DB30288921}"/>
+              </a:ext>
+            </a:extLst>
+          </p:cNvPr>
+          <p:cNvSpPr/>
+          <p:nvPr/>
+        </p:nvSpPr>
+        <p:spPr>
+          <a:xfrm>
+            <a:off x="0" y="4343400"/>
+            <a:ext cx="12192000" cy="2514600"/>
+          </a:xfrm>
+          <a:prstGeom prst="rect">
+            <a:avLst/>
+          </a:prstGeom>
+          <a:solidFill>
+            <a:srgbClr val="403938"/>
+          </a:solidFill>
+          <a:ln>
+            <a:noFill/>
+          </a:ln>
+        </p:spPr>
+        <p:style>
+          <a:lnRef idx="1">
+            <a:schemeClr val="accent1"/>
+          </a:lnRef>
+          <a:fillRef idx="3">
+            <a:schemeClr val="accent1"/>
+          </a:fillRef>
+          <a:effectRef idx="2">
+            <a:schemeClr val="accent1"/>
+          </a:effectRef>
+          <a:fontRef idx="minor">
+            <a:schemeClr val="lt1"/>
+          </a:fontRef>
+        </p:style>
+        <p:txBody>
+          <a:bodyPr rtlCol="0" anchor="ctr"/>
+          <a:lstStyle/>
+          <a:p>
+            <a:pPr algn="ctr" defTabSz="1219170"/>
+            <a:endParaRPr lang="en-US" sz="2400" dirty="0">
+              <a:solidFill>
+                <a:prstClr val="white"/>
+              </a:solidFill>
+              <a:latin typeface="Calibri"/>
+            </a:endParaRPr>
+          </a:p>
+        </p:txBody>
+      </p:sp>
+      <p:sp>
+        <p:nvSpPr>
+          <p:cNvPr id="6" name="Rectangle 5"/>
+          <p:cNvSpPr>
+            <a:spLocks noChangeArrowheads="1"/>
+          </p:cNvSpPr>
+          <p:nvPr/>
+        </p:nvSpPr>
+        <p:spPr bwMode="auto">
+          <a:xfrm>
+            <a:off x="304800" y="4826683"/>
+            <a:ext cx="5317067" cy="1727200"/>
+          </a:xfrm>
+          <a:prstGeom prst="rect">
+            <a:avLst/>
+          </a:prstGeom>
+          <a:noFill/>
+          <a:ln>
+            <a:noFill/>
+          </a:ln>
+          <a:effectLst/>
+          <a:extLst>
+            <a:ext uri="{909E8E84-426E-40DD-AFC4-6F175D3DCCD1}">
+              <a14:hiddenFill xmlns:a14="http://schemas.microsoft.com/office/drawing/2010/main">
+                <a:solidFill>
+                  <a:schemeClr val="accent1"/>
+                </a:solidFill>
+              </a14:hiddenFill>
+            </a:ext>
+            <a:ext uri="{91240B29-F687-4F45-9708-019B960494DF}">
+              <a14:hiddenLine xmlns:a14="http://schemas.microsoft.com/office/drawing/2010/main" w="9525">
+                <a:solidFill>
+                  <a:schemeClr val="tx1"/>
+                </a:solidFill>
+                <a:miter lim="800000"/>
+                <a:headEnd/>
+                <a:tailEnd/>
+              </a14:hiddenLine>
+            </a:ext>
+            <a:ext uri="{AF507438-7753-43E0-B8FC-AC1667EBCBE1}">
+              <a14:hiddenEffects xmlns:a14="http://schemas.microsoft.com/office/drawing/2010/main">
+                <a:effectLst>
+                  <a:outerShdw dist="35921" dir="2700000" algn="ctr" rotWithShape="0">
+                    <a:schemeClr val="bg2"/>
+                  </a:outerShdw>
+                </a:effectLst>
+              </a14:hiddenEffects>
+            </a:ext>
+          </a:extLst>
+        </p:spPr>
+        <p:txBody>
+          <a:bodyPr lIns="114564" tIns="57283" rIns="114564" bIns="57283"/>
+          <a:lstStyle/>
+          <a:p>
+            <a:pPr defTabSz="1219170">
+              <a:defRPr/>
+            </a:pPr>
+            <a:r>
+              <a:rPr lang="en-US" sz="4267" b="1" dirty="0">
+                <a:solidFill>
+                  <a:prstClr val="white"/>
+                </a:solidFill>
+                <a:latin typeface="Arial" charset="0"/>
+              </a:rPr>
+              <a:t>Chris Woodruff</a:t>
+            </a:r>
+            <a:endParaRPr lang="en-US" sz="3733" b="1" dirty="0">
+              <a:solidFill>
+                <a:prstClr val="white"/>
+              </a:solidFill>
+              <a:latin typeface="Arial" charset="0"/>
+            </a:endParaRPr>
+          </a:p>
+          <a:p>
+            <a:pPr defTabSz="1219170">
+              <a:defRPr/>
+            </a:pPr>
+            <a:r>
+              <a:rPr lang="en-US" sz="3200" b="1" dirty="0" err="1">
+                <a:solidFill>
+                  <a:prstClr val="white"/>
+                </a:solidFill>
+                <a:latin typeface="Arial" charset="0"/>
+              </a:rPr>
+              <a:t>LearningAbout.Dev</a:t>
+            </a:r>
+            <a:endParaRPr lang="en-US" sz="3200" b="1" dirty="0">
+              <a:solidFill>
+                <a:prstClr val="white"/>
+              </a:solidFill>
+              <a:latin typeface="Arial" charset="0"/>
+            </a:endParaRPr>
+          </a:p>
+          <a:p>
+            <a:pPr defTabSz="1219170">
+              <a:defRPr/>
+            </a:pPr>
+            <a:endParaRPr lang="en-US" sz="2400" b="1" dirty="0">
+              <a:solidFill>
+                <a:prstClr val="white"/>
+              </a:solidFill>
+              <a:latin typeface="Arial" charset="0"/>
+            </a:endParaRPr>
+          </a:p>
+          <a:p>
+            <a:pPr defTabSz="1219170">
+              <a:defRPr/>
+            </a:pPr>
+            <a:endParaRPr lang="en-US" sz="1867" dirty="0">
+              <a:solidFill>
+                <a:prstClr val="white"/>
+              </a:solidFill>
+              <a:latin typeface="Times New Roman" pitchFamily="28" charset="0"/>
+            </a:endParaRPr>
+          </a:p>
+        </p:txBody>
+      </p:sp>
+      <p:sp>
+        <p:nvSpPr>
+          <p:cNvPr id="7" name="Text Box 7"/>
+          <p:cNvSpPr txBox="1">
+            <a:spLocks noChangeArrowheads="1"/>
+          </p:cNvSpPr>
+          <p:nvPr/>
+        </p:nvSpPr>
+        <p:spPr bwMode="auto">
+          <a:xfrm>
+            <a:off x="7924801" y="4824276"/>
+            <a:ext cx="4889497" cy="830997"/>
+          </a:xfrm>
+          <a:prstGeom prst="rect">
+            <a:avLst/>
+          </a:prstGeom>
+          <a:noFill/>
+          <a:ln>
+            <a:noFill/>
+          </a:ln>
+          <a:effectLst/>
+          <a:extLst>
+            <a:ext uri="{909E8E84-426E-40DD-AFC4-6F175D3DCCD1}">
+              <a14:hiddenFill xmlns:a14="http://schemas.microsoft.com/office/drawing/2010/main">
+                <a:solidFill>
+                  <a:schemeClr val="accent1"/>
+                </a:solidFill>
+              </a14:hiddenFill>
+            </a:ext>
+            <a:ext uri="{91240B29-F687-4F45-9708-019B960494DF}">
+              <a14:hiddenLine xmlns:a14="http://schemas.microsoft.com/office/drawing/2010/main" w="9525" algn="ctr">
+                <a:solidFill>
+                  <a:schemeClr val="tx1"/>
+                </a:solidFill>
+                <a:miter lim="800000"/>
+                <a:headEnd/>
+                <a:tailEnd/>
+              </a14:hiddenLine>
+            </a:ext>
+            <a:ext uri="{AF507438-7753-43E0-B8FC-AC1667EBCBE1}">
+              <a14:hiddenEffects xmlns:a14="http://schemas.microsoft.com/office/drawing/2010/main">
+                <a:effectLst>
+                  <a:outerShdw dist="35921" dir="2700000" algn="ctr" rotWithShape="0">
+                    <a:schemeClr val="bg2"/>
+                  </a:outerShdw>
+                </a:effectLst>
+              </a14:hiddenEffects>
+            </a:ext>
+          </a:extLst>
+        </p:spPr>
+        <p:txBody>
+          <a:bodyPr wrap="square">
+            <a:spAutoFit/>
+          </a:bodyPr>
+          <a:lstStyle>
+            <a:lvl1pPr>
+              <a:defRPr sz="1600">
+                <a:solidFill>
+                  <a:schemeClr val="tx1"/>
+                </a:solidFill>
+                <a:latin typeface="Lucida Console" pitchFamily="49" charset="0"/>
+                <a:cs typeface="Arial" charset="0"/>
+              </a:defRPr>
+            </a:lvl1pPr>
+            <a:lvl2pPr marL="742950" indent="-285750">
+              <a:defRPr sz="1600">
+                <a:solidFill>
+                  <a:schemeClr val="tx1"/>
+                </a:solidFill>
+                <a:latin typeface="Lucida Console" pitchFamily="49" charset="0"/>
+                <a:cs typeface="Arial" charset="0"/>
+              </a:defRPr>
+            </a:lvl2pPr>
+            <a:lvl3pPr marL="1143000" indent="-228600">
+              <a:defRPr sz="1600">
+                <a:solidFill>
+                  <a:schemeClr val="tx1"/>
+                </a:solidFill>
+                <a:latin typeface="Lucida Console" pitchFamily="49" charset="0"/>
+                <a:cs typeface="Arial" charset="0"/>
+              </a:defRPr>
+            </a:lvl3pPr>
+            <a:lvl4pPr marL="1600200" indent="-228600">
+              <a:defRPr sz="1600">
+                <a:solidFill>
+                  <a:schemeClr val="tx1"/>
+                </a:solidFill>
+                <a:latin typeface="Lucida Console" pitchFamily="49" charset="0"/>
+                <a:cs typeface="Arial" charset="0"/>
+              </a:defRPr>
+            </a:lvl4pPr>
+            <a:lvl5pPr marL="2057400" indent="-228600">
+              <a:defRPr sz="1600">
+                <a:solidFill>
+                  <a:schemeClr val="tx1"/>
+                </a:solidFill>
+                <a:latin typeface="Lucida Console" pitchFamily="49" charset="0"/>
+                <a:cs typeface="Arial" charset="0"/>
+              </a:defRPr>
+            </a:lvl5pPr>
+            <a:lvl6pPr marL="2514600" indent="-228600" eaLnBrk="0" fontAlgn="base" hangingPunct="0">
+              <a:spcBef>
+                <a:spcPct val="0"/>
+              </a:spcBef>
+              <a:spcAft>
+                <a:spcPct val="0"/>
+              </a:spcAft>
+              <a:defRPr sz="1600">
+                <a:solidFill>
+                  <a:schemeClr val="tx1"/>
+                </a:solidFill>
+                <a:latin typeface="Lucida Console" pitchFamily="49" charset="0"/>
+                <a:cs typeface="Arial" charset="0"/>
+              </a:defRPr>
+            </a:lvl6pPr>
+            <a:lvl7pPr marL="2971800" indent="-228600" eaLnBrk="0" fontAlgn="base" hangingPunct="0">
+              <a:spcBef>
+                <a:spcPct val="0"/>
+              </a:spcBef>
+              <a:spcAft>
+                <a:spcPct val="0"/>
+              </a:spcAft>
+              <a:defRPr sz="1600">
+                <a:solidFill>
+                  <a:schemeClr val="tx1"/>
+                </a:solidFill>
+                <a:latin typeface="Lucida Console" pitchFamily="49" charset="0"/>
+                <a:cs typeface="Arial" charset="0"/>
+              </a:defRPr>
+            </a:lvl7pPr>
+            <a:lvl8pPr marL="3429000" indent="-228600" eaLnBrk="0" fontAlgn="base" hangingPunct="0">
+              <a:spcBef>
+                <a:spcPct val="0"/>
+              </a:spcBef>
+              <a:spcAft>
+                <a:spcPct val="0"/>
+              </a:spcAft>
+              <a:defRPr sz="1600">
+                <a:solidFill>
+                  <a:schemeClr val="tx1"/>
+                </a:solidFill>
+                <a:latin typeface="Lucida Console" pitchFamily="49" charset="0"/>
+                <a:cs typeface="Arial" charset="0"/>
+              </a:defRPr>
+            </a:lvl8pPr>
+            <a:lvl9pPr marL="3886200" indent="-228600" eaLnBrk="0" fontAlgn="base" hangingPunct="0">
+              <a:spcBef>
+                <a:spcPct val="0"/>
+              </a:spcBef>
+              <a:spcAft>
+                <a:spcPct val="0"/>
+              </a:spcAft>
+              <a:defRPr sz="1600">
+                <a:solidFill>
+                  <a:schemeClr val="tx1"/>
+                </a:solidFill>
+                <a:latin typeface="Lucida Console" pitchFamily="49" charset="0"/>
+                <a:cs typeface="Arial" charset="0"/>
+              </a:defRPr>
+            </a:lvl9pPr>
+          </a:lstStyle>
+          <a:p>
+            <a:pPr defTabSz="1219170"/>
+            <a:r>
+              <a:rPr lang="en-US" sz="2667" dirty="0">
+                <a:solidFill>
+                  <a:prstClr val="white"/>
+                </a:solidFill>
+                <a:latin typeface="Arial" charset="0"/>
+              </a:rPr>
+              <a:t>Level: Intermediate, etc.</a:t>
+            </a:r>
+          </a:p>
+          <a:p>
+            <a:pPr defTabSz="1219170"/>
+            <a:endParaRPr lang="en-US" sz="2133" b="1" dirty="0">
+              <a:solidFill>
+                <a:prstClr val="white"/>
+              </a:solidFill>
+              <a:latin typeface="Arial" charset="0"/>
+            </a:endParaRPr>
+          </a:p>
+        </p:txBody>
+      </p:sp>
+      <p:pic>
+        <p:nvPicPr>
+          <p:cNvPr id="2" name="Picture 1"/>
+          <p:cNvPicPr>
+            <a:picLocks noChangeAspect="1"/>
+          </p:cNvPicPr>
+          <p:nvPr/>
+        </p:nvPicPr>
+        <p:blipFill>
+          <a:blip r:embed="rId3">
+            <a:extLst>
+              <a:ext uri="{28A0092B-C50C-407E-A947-70E740481C1C}">
+                <a14:useLocalDpi xmlns:a14="http://schemas.microsoft.com/office/drawing/2010/main" val="0"/>
+              </a:ext>
+            </a:extLst>
+          </a:blip>
+          <a:stretch>
+            <a:fillRect/>
+          </a:stretch>
+        </p:blipFill>
+        <p:spPr>
+          <a:xfrm>
+            <a:off x="0" y="-17379"/>
+            <a:ext cx="12192000" cy="4665579"/>
+          </a:xfrm>
+          <a:prstGeom prst="rect">
+            <a:avLst/>
+          </a:prstGeom>
+        </p:spPr>
+      </p:pic>
+    </p:spTree>
+    <p:extLst>
+      <p:ext uri="{BB962C8B-B14F-4D97-AF65-F5344CB8AC3E}">
+        <p14:creationId xmlns:p14="http://schemas.microsoft.com/office/powerpoint/2010/main" val="2277920379"/>
+      </p:ext>
+    </p:extLst>
+  </p:cSld>
+  <p:clrMapOvr>
+    <a:masterClrMapping/>
+  </p:clrMapOvr>
+  <p:transition spd="slow"/>
+</p:sld>
+</file>
+
+<file path=ppt/slides/slide2.xml><?xml version="1.0" encoding="utf-8"?>
 <p:sld xmlns:a="http://schemas.openxmlformats.org/drawingml/2006/main" xmlns:r="http://schemas.openxmlformats.org/officeDocument/2006/relationships" xmlns:p="http://schemas.openxmlformats.org/presentationml/2006/main">
   <p:cSld>
     <p:spTree>
@@ -4224,4 +8106,619 @@
     </a:ext>
   </a:extLst>
 </a:theme>
+</file>
+
+<file path=ppt/theme/theme2.xml><?xml version="1.0" encoding="utf-8"?>
+<a:theme xmlns:a="http://schemas.openxmlformats.org/drawingml/2006/main" name="Custom Design">
+  <a:themeElements>
+    <a:clrScheme name="Office">
+      <a:dk1>
+        <a:sysClr val="windowText" lastClr="000000"/>
+      </a:dk1>
+      <a:lt1>
+        <a:sysClr val="window" lastClr="FFFFFF"/>
+      </a:lt1>
+      <a:dk2>
+        <a:srgbClr val="1F497D"/>
+      </a:dk2>
+      <a:lt2>
+        <a:srgbClr val="EEECE1"/>
+      </a:lt2>
+      <a:accent1>
+        <a:srgbClr val="4F81BD"/>
+      </a:accent1>
+      <a:accent2>
+        <a:srgbClr val="C0504D"/>
+      </a:accent2>
+      <a:accent3>
+        <a:srgbClr val="9BBB59"/>
+      </a:accent3>
+      <a:accent4>
+        <a:srgbClr val="8064A2"/>
+      </a:accent4>
+      <a:accent5>
+        <a:srgbClr val="4BACC6"/>
+      </a:accent5>
+      <a:accent6>
+        <a:srgbClr val="F79646"/>
+      </a:accent6>
+      <a:hlink>
+        <a:srgbClr val="0000FF"/>
+      </a:hlink>
+      <a:folHlink>
+        <a:srgbClr val="800080"/>
+      </a:folHlink>
+    </a:clrScheme>
+    <a:fontScheme name="Office">
+      <a:majorFont>
+        <a:latin typeface="Calibri"/>
+        <a:ea typeface=""/>
+        <a:cs typeface=""/>
+        <a:font script="Jpan" typeface="ＭＳ Ｐゴシック"/>
+        <a:font script="Hang" typeface="맑은 고딕"/>
+        <a:font script="Hans" typeface="宋体"/>
+        <a:font script="Hant" typeface="新細明體"/>
+        <a:font script="Arab" typeface="Times New Roman"/>
+        <a:font script="Hebr" typeface="Times New Roman"/>
+        <a:font script="Thai" typeface="Angsana New"/>
+        <a:font script="Ethi" typeface="Nyala"/>
+        <a:font script="Beng" typeface="Vrinda"/>
+        <a:font script="Gujr" typeface="Shruti"/>
+        <a:font script="Khmr" typeface="MoolBoran"/>
+        <a:font script="Knda" typeface="Tunga"/>
+        <a:font script="Guru" typeface="Raavi"/>
+        <a:font script="Cans" typeface="Euphemia"/>
+        <a:font script="Cher" typeface="Plantagenet Cherokee"/>
+        <a:font script="Yiii" typeface="Microsoft Yi Baiti"/>
+        <a:font script="Tibt" typeface="Microsoft Himalaya"/>
+        <a:font script="Thaa" typeface="MV Boli"/>
+        <a:font script="Deva" typeface="Mangal"/>
+        <a:font script="Telu" typeface="Gautami"/>
+        <a:font script="Taml" typeface="Latha"/>
+        <a:font script="Syrc" typeface="Estrangelo Edessa"/>
+        <a:font script="Orya" typeface="Kalinga"/>
+        <a:font script="Mlym" typeface="Kartika"/>
+        <a:font script="Laoo" typeface="DokChampa"/>
+        <a:font script="Sinh" typeface="Iskoola Pota"/>
+        <a:font script="Mong" typeface="Mongolian Baiti"/>
+        <a:font script="Viet" typeface="Times New Roman"/>
+        <a:font script="Uigh" typeface="Microsoft Uighur"/>
+        <a:font script="Geor" typeface="Sylfaen"/>
+      </a:majorFont>
+      <a:minorFont>
+        <a:latin typeface="Calibri"/>
+        <a:ea typeface=""/>
+        <a:cs typeface=""/>
+        <a:font script="Jpan" typeface="ＭＳ Ｐゴシック"/>
+        <a:font script="Hang" typeface="맑은 고딕"/>
+        <a:font script="Hans" typeface="宋体"/>
+        <a:font script="Hant" typeface="新細明體"/>
+        <a:font script="Arab" typeface="Arial"/>
+        <a:font script="Hebr" typeface="Arial"/>
+        <a:font script="Thai" typeface="Cordia New"/>
+        <a:font script="Ethi" typeface="Nyala"/>
+        <a:font script="Beng" typeface="Vrinda"/>
+        <a:font script="Gujr" typeface="Shruti"/>
+        <a:font script="Khmr" typeface="DaunPenh"/>
+        <a:font script="Knda" typeface="Tunga"/>
+        <a:font script="Guru" typeface="Raavi"/>
+        <a:font script="Cans" typeface="Euphemia"/>
+        <a:font script="Cher" typeface="Plantagenet Cherokee"/>
+        <a:font script="Yiii" typeface="Microsoft Yi Baiti"/>
+        <a:font script="Tibt" typeface="Microsoft Himalaya"/>
+        <a:font script="Thaa" typeface="MV Boli"/>
+        <a:font script="Deva" typeface="Mangal"/>
+        <a:font script="Telu" typeface="Gautami"/>
+        <a:font script="Taml" typeface="Latha"/>
+        <a:font script="Syrc" typeface="Estrangelo Edessa"/>
+        <a:font script="Orya" typeface="Kalinga"/>
+        <a:font script="Mlym" typeface="Kartika"/>
+        <a:font script="Laoo" typeface="DokChampa"/>
+        <a:font script="Sinh" typeface="Iskoola Pota"/>
+        <a:font script="Mong" typeface="Mongolian Baiti"/>
+        <a:font script="Viet" typeface="Arial"/>
+        <a:font script="Uigh" typeface="Microsoft Uighur"/>
+        <a:font script="Geor" typeface="Sylfaen"/>
+      </a:minorFont>
+    </a:fontScheme>
+    <a:fmtScheme name="Office">
+      <a:fillStyleLst>
+        <a:solidFill>
+          <a:schemeClr val="phClr"/>
+        </a:solidFill>
+        <a:gradFill rotWithShape="1">
+          <a:gsLst>
+            <a:gs pos="0">
+              <a:schemeClr val="phClr">
+                <a:tint val="50000"/>
+                <a:satMod val="300000"/>
+              </a:schemeClr>
+            </a:gs>
+            <a:gs pos="35000">
+              <a:schemeClr val="phClr">
+                <a:tint val="37000"/>
+                <a:satMod val="300000"/>
+              </a:schemeClr>
+            </a:gs>
+            <a:gs pos="100000">
+              <a:schemeClr val="phClr">
+                <a:tint val="15000"/>
+                <a:satMod val="350000"/>
+              </a:schemeClr>
+            </a:gs>
+          </a:gsLst>
+          <a:lin ang="16200000" scaled="1"/>
+        </a:gradFill>
+        <a:gradFill rotWithShape="1">
+          <a:gsLst>
+            <a:gs pos="0">
+              <a:schemeClr val="phClr">
+                <a:tint val="100000"/>
+                <a:shade val="100000"/>
+                <a:satMod val="130000"/>
+              </a:schemeClr>
+            </a:gs>
+            <a:gs pos="100000">
+              <a:schemeClr val="phClr">
+                <a:tint val="50000"/>
+                <a:shade val="100000"/>
+                <a:satMod val="350000"/>
+              </a:schemeClr>
+            </a:gs>
+          </a:gsLst>
+          <a:lin ang="16200000" scaled="0"/>
+        </a:gradFill>
+      </a:fillStyleLst>
+      <a:lnStyleLst>
+        <a:ln w="9525" cap="flat" cmpd="sng" algn="ctr">
+          <a:solidFill>
+            <a:schemeClr val="phClr">
+              <a:shade val="95000"/>
+              <a:satMod val="105000"/>
+            </a:schemeClr>
+          </a:solidFill>
+          <a:prstDash val="solid"/>
+        </a:ln>
+        <a:ln w="25400" cap="flat" cmpd="sng" algn="ctr">
+          <a:solidFill>
+            <a:schemeClr val="phClr"/>
+          </a:solidFill>
+          <a:prstDash val="solid"/>
+        </a:ln>
+        <a:ln w="38100" cap="flat" cmpd="sng" algn="ctr">
+          <a:solidFill>
+            <a:schemeClr val="phClr"/>
+          </a:solidFill>
+          <a:prstDash val="solid"/>
+        </a:ln>
+      </a:lnStyleLst>
+      <a:effectStyleLst>
+        <a:effectStyle>
+          <a:effectLst>
+            <a:outerShdw blurRad="40000" dist="20000" dir="5400000" rotWithShape="0">
+              <a:srgbClr val="000000">
+                <a:alpha val="38000"/>
+              </a:srgbClr>
+            </a:outerShdw>
+          </a:effectLst>
+        </a:effectStyle>
+        <a:effectStyle>
+          <a:effectLst>
+            <a:outerShdw blurRad="40000" dist="23000" dir="5400000" rotWithShape="0">
+              <a:srgbClr val="000000">
+                <a:alpha val="35000"/>
+              </a:srgbClr>
+            </a:outerShdw>
+          </a:effectLst>
+        </a:effectStyle>
+        <a:effectStyle>
+          <a:effectLst>
+            <a:outerShdw blurRad="40000" dist="23000" dir="5400000" rotWithShape="0">
+              <a:srgbClr val="000000">
+                <a:alpha val="35000"/>
+              </a:srgbClr>
+            </a:outerShdw>
+          </a:effectLst>
+          <a:scene3d>
+            <a:camera prst="orthographicFront">
+              <a:rot lat="0" lon="0" rev="0"/>
+            </a:camera>
+            <a:lightRig rig="threePt" dir="t">
+              <a:rot lat="0" lon="0" rev="1200000"/>
+            </a:lightRig>
+          </a:scene3d>
+          <a:sp3d>
+            <a:bevelT w="63500" h="25400"/>
+          </a:sp3d>
+        </a:effectStyle>
+      </a:effectStyleLst>
+      <a:bgFillStyleLst>
+        <a:solidFill>
+          <a:schemeClr val="phClr"/>
+        </a:solidFill>
+        <a:gradFill rotWithShape="1">
+          <a:gsLst>
+            <a:gs pos="0">
+              <a:schemeClr val="phClr">
+                <a:tint val="40000"/>
+                <a:satMod val="350000"/>
+              </a:schemeClr>
+            </a:gs>
+            <a:gs pos="40000">
+              <a:schemeClr val="phClr">
+                <a:tint val="45000"/>
+                <a:shade val="99000"/>
+                <a:satMod val="350000"/>
+              </a:schemeClr>
+            </a:gs>
+            <a:gs pos="100000">
+              <a:schemeClr val="phClr">
+                <a:shade val="20000"/>
+                <a:satMod val="255000"/>
+              </a:schemeClr>
+            </a:gs>
+          </a:gsLst>
+          <a:path path="circle">
+            <a:fillToRect l="50000" t="-80000" r="50000" b="180000"/>
+          </a:path>
+        </a:gradFill>
+        <a:gradFill rotWithShape="1">
+          <a:gsLst>
+            <a:gs pos="0">
+              <a:schemeClr val="phClr">
+                <a:tint val="80000"/>
+                <a:satMod val="300000"/>
+              </a:schemeClr>
+            </a:gs>
+            <a:gs pos="100000">
+              <a:schemeClr val="phClr">
+                <a:shade val="30000"/>
+                <a:satMod val="200000"/>
+              </a:schemeClr>
+            </a:gs>
+          </a:gsLst>
+          <a:path path="circle">
+            <a:fillToRect l="50000" t="50000" r="50000" b="50000"/>
+          </a:path>
+        </a:gradFill>
+      </a:bgFillStyleLst>
+    </a:fmtScheme>
+  </a:themeElements>
+  <a:objectDefaults>
+    <a:spDef>
+      <a:spPr/>
+      <a:bodyPr/>
+      <a:lstStyle/>
+      <a:style>
+        <a:lnRef idx="1">
+          <a:schemeClr val="accent1"/>
+        </a:lnRef>
+        <a:fillRef idx="3">
+          <a:schemeClr val="accent1"/>
+        </a:fillRef>
+        <a:effectRef idx="2">
+          <a:schemeClr val="accent1"/>
+        </a:effectRef>
+        <a:fontRef idx="minor">
+          <a:schemeClr val="lt1"/>
+        </a:fontRef>
+      </a:style>
+    </a:spDef>
+    <a:lnDef>
+      <a:spPr/>
+      <a:bodyPr/>
+      <a:lstStyle/>
+      <a:style>
+        <a:lnRef idx="2">
+          <a:schemeClr val="accent1"/>
+        </a:lnRef>
+        <a:fillRef idx="0">
+          <a:schemeClr val="accent1"/>
+        </a:fillRef>
+        <a:effectRef idx="1">
+          <a:schemeClr val="accent1"/>
+        </a:effectRef>
+        <a:fontRef idx="minor">
+          <a:schemeClr val="tx1"/>
+        </a:fontRef>
+      </a:style>
+    </a:lnDef>
+  </a:objectDefaults>
+  <a:extraClrSchemeLst/>
+</a:theme>
+</file>
+
+<file path=ppt/theme/theme3.xml><?xml version="1.0" encoding="utf-8"?>
+<a:theme xmlns:a="http://schemas.openxmlformats.org/drawingml/2006/main" name="Office Theme">
+  <a:themeElements>
+    <a:clrScheme name="Office">
+      <a:dk1>
+        <a:sysClr val="windowText" lastClr="000000"/>
+      </a:dk1>
+      <a:lt1>
+        <a:sysClr val="window" lastClr="FFFFFF"/>
+      </a:lt1>
+      <a:dk2>
+        <a:srgbClr val="44546A"/>
+      </a:dk2>
+      <a:lt2>
+        <a:srgbClr val="E7E6E6"/>
+      </a:lt2>
+      <a:accent1>
+        <a:srgbClr val="4472C4"/>
+      </a:accent1>
+      <a:accent2>
+        <a:srgbClr val="ED7D31"/>
+      </a:accent2>
+      <a:accent3>
+        <a:srgbClr val="A5A5A5"/>
+      </a:accent3>
+      <a:accent4>
+        <a:srgbClr val="FFC000"/>
+      </a:accent4>
+      <a:accent5>
+        <a:srgbClr val="5B9BD5"/>
+      </a:accent5>
+      <a:accent6>
+        <a:srgbClr val="70AD47"/>
+      </a:accent6>
+      <a:hlink>
+        <a:srgbClr val="0563C1"/>
+      </a:hlink>
+      <a:folHlink>
+        <a:srgbClr val="954F72"/>
+      </a:folHlink>
+    </a:clrScheme>
+    <a:fontScheme name="Office">
+      <a:majorFont>
+        <a:latin typeface="Calibri Light" panose="020F0302020204030204"/>
+        <a:ea typeface=""/>
+        <a:cs typeface=""/>
+        <a:font script="Jpan" typeface="游ゴシック Light"/>
+        <a:font script="Hang" typeface="맑은 고딕"/>
+        <a:font script="Hans" typeface="等线 Light"/>
+        <a:font script="Hant" typeface="新細明體"/>
+        <a:font script="Arab" typeface="Times New Roman"/>
+        <a:font script="Hebr" typeface="Times New Roman"/>
+        <a:font script="Thai" typeface="Angsana New"/>
+        <a:font script="Ethi" typeface="Nyala"/>
+        <a:font script="Beng" typeface="Vrinda"/>
+        <a:font script="Gujr" typeface="Shruti"/>
+        <a:font script="Khmr" typeface="MoolBoran"/>
+        <a:font script="Knda" typeface="Tunga"/>
+        <a:font script="Guru" typeface="Raavi"/>
+        <a:font script="Cans" typeface="Euphemia"/>
+        <a:font script="Cher" typeface="Plantagenet Cherokee"/>
+        <a:font script="Yiii" typeface="Microsoft Yi Baiti"/>
+        <a:font script="Tibt" typeface="Microsoft Himalaya"/>
+        <a:font script="Thaa" typeface="MV Boli"/>
+        <a:font script="Deva" typeface="Mangal"/>
+        <a:font script="Telu" typeface="Gautami"/>
+        <a:font script="Taml" typeface="Latha"/>
+        <a:font script="Syrc" typeface="Estrangelo Edessa"/>
+        <a:font script="Orya" typeface="Kalinga"/>
+        <a:font script="Mlym" typeface="Kartika"/>
+        <a:font script="Laoo" typeface="DokChampa"/>
+        <a:font script="Sinh" typeface="Iskoola Pota"/>
+        <a:font script="Mong" typeface="Mongolian Baiti"/>
+        <a:font script="Viet" typeface="Times New Roman"/>
+        <a:font script="Uigh" typeface="Microsoft Uighur"/>
+        <a:font script="Geor" typeface="Sylfaen"/>
+        <a:font script="Armn" typeface="Arial"/>
+        <a:font script="Bugi" typeface="Leelawadee UI"/>
+        <a:font script="Bopo" typeface="Microsoft JhengHei"/>
+        <a:font script="Java" typeface="Javanese Text"/>
+        <a:font script="Lisu" typeface="Segoe UI"/>
+        <a:font script="Mymr" typeface="Myanmar Text"/>
+        <a:font script="Nkoo" typeface="Ebrima"/>
+        <a:font script="Olck" typeface="Nirmala UI"/>
+        <a:font script="Osma" typeface="Ebrima"/>
+        <a:font script="Phag" typeface="Phagspa"/>
+        <a:font script="Syrn" typeface="Estrangelo Edessa"/>
+        <a:font script="Syrj" typeface="Estrangelo Edessa"/>
+        <a:font script="Syre" typeface="Estrangelo Edessa"/>
+        <a:font script="Sora" typeface="Nirmala UI"/>
+        <a:font script="Tale" typeface="Microsoft Tai Le"/>
+        <a:font script="Talu" typeface="Microsoft New Tai Lue"/>
+        <a:font script="Tfng" typeface="Ebrima"/>
+      </a:majorFont>
+      <a:minorFont>
+        <a:latin typeface="Calibri" panose="020F0502020204030204"/>
+        <a:ea typeface=""/>
+        <a:cs typeface=""/>
+        <a:font script="Jpan" typeface="游ゴシック"/>
+        <a:font script="Hang" typeface="맑은 고딕"/>
+        <a:font script="Hans" typeface="等线"/>
+        <a:font script="Hant" typeface="新細明體"/>
+        <a:font script="Arab" typeface="Arial"/>
+        <a:font script="Hebr" typeface="Arial"/>
+        <a:font script="Thai" typeface="Cordia New"/>
+        <a:font script="Ethi" typeface="Nyala"/>
+        <a:font script="Beng" typeface="Vrinda"/>
+        <a:font script="Gujr" typeface="Shruti"/>
+        <a:font script="Khmr" typeface="DaunPenh"/>
+        <a:font script="Knda" typeface="Tunga"/>
+        <a:font script="Guru" typeface="Raavi"/>
+        <a:font script="Cans" typeface="Euphemia"/>
+        <a:font script="Cher" typeface="Plantagenet Cherokee"/>
+        <a:font script="Yiii" typeface="Microsoft Yi Baiti"/>
+        <a:font script="Tibt" typeface="Microsoft Himalaya"/>
+        <a:font script="Thaa" typeface="MV Boli"/>
+        <a:font script="Deva" typeface="Mangal"/>
+        <a:font script="Telu" typeface="Gautami"/>
+        <a:font script="Taml" typeface="Latha"/>
+        <a:font script="Syrc" typeface="Estrangelo Edessa"/>
+        <a:font script="Orya" typeface="Kalinga"/>
+        <a:font script="Mlym" typeface="Kartika"/>
+        <a:font script="Laoo" typeface="DokChampa"/>
+        <a:font script="Sinh" typeface="Iskoola Pota"/>
+        <a:font script="Mong" typeface="Mongolian Baiti"/>
+        <a:font script="Viet" typeface="Arial"/>
+        <a:font script="Uigh" typeface="Microsoft Uighur"/>
+        <a:font script="Geor" typeface="Sylfaen"/>
+        <a:font script="Armn" typeface="Arial"/>
+        <a:font script="Bugi" typeface="Leelawadee UI"/>
+        <a:font script="Bopo" typeface="Microsoft JhengHei"/>
+        <a:font script="Java" typeface="Javanese Text"/>
+        <a:font script="Lisu" typeface="Segoe UI"/>
+        <a:font script="Mymr" typeface="Myanmar Text"/>
+        <a:font script="Nkoo" typeface="Ebrima"/>
+        <a:font script="Olck" typeface="Nirmala UI"/>
+        <a:font script="Osma" typeface="Ebrima"/>
+        <a:font script="Phag" typeface="Phagspa"/>
+        <a:font script="Syrn" typeface="Estrangelo Edessa"/>
+        <a:font script="Syrj" typeface="Estrangelo Edessa"/>
+        <a:font script="Syre" typeface="Estrangelo Edessa"/>
+        <a:font script="Sora" typeface="Nirmala UI"/>
+        <a:font script="Tale" typeface="Microsoft Tai Le"/>
+        <a:font script="Talu" typeface="Microsoft New Tai Lue"/>
+        <a:font script="Tfng" typeface="Ebrima"/>
+      </a:minorFont>
+    </a:fontScheme>
+    <a:fmtScheme name="Office">
+      <a:fillStyleLst>
+        <a:solidFill>
+          <a:schemeClr val="phClr"/>
+        </a:solidFill>
+        <a:gradFill rotWithShape="1">
+          <a:gsLst>
+            <a:gs pos="0">
+              <a:schemeClr val="phClr">
+                <a:lumMod val="110000"/>
+                <a:satMod val="105000"/>
+                <a:tint val="67000"/>
+              </a:schemeClr>
+            </a:gs>
+            <a:gs pos="50000">
+              <a:schemeClr val="phClr">
+                <a:lumMod val="105000"/>
+                <a:satMod val="103000"/>
+                <a:tint val="73000"/>
+              </a:schemeClr>
+            </a:gs>
+            <a:gs pos="100000">
+              <a:schemeClr val="phClr">
+                <a:lumMod val="105000"/>
+                <a:satMod val="109000"/>
+                <a:tint val="81000"/>
+              </a:schemeClr>
+            </a:gs>
+          </a:gsLst>
+          <a:lin ang="5400000" scaled="0"/>
+        </a:gradFill>
+        <a:gradFill rotWithShape="1">
+          <a:gsLst>
+            <a:gs pos="0">
+              <a:schemeClr val="phClr">
+                <a:satMod val="103000"/>
+                <a:lumMod val="102000"/>
+                <a:tint val="94000"/>
+              </a:schemeClr>
+            </a:gs>
+            <a:gs pos="50000">
+              <a:schemeClr val="phClr">
+                <a:satMod val="110000"/>
+                <a:lumMod val="100000"/>
+                <a:shade val="100000"/>
+              </a:schemeClr>
+            </a:gs>
+            <a:gs pos="100000">
+              <a:schemeClr val="phClr">
+                <a:lumMod val="99000"/>
+                <a:satMod val="120000"/>
+                <a:shade val="78000"/>
+              </a:schemeClr>
+            </a:gs>
+          </a:gsLst>
+          <a:lin ang="5400000" scaled="0"/>
+        </a:gradFill>
+      </a:fillStyleLst>
+      <a:lnStyleLst>
+        <a:ln w="6350" cap="flat" cmpd="sng" algn="ctr">
+          <a:solidFill>
+            <a:schemeClr val="phClr"/>
+          </a:solidFill>
+          <a:prstDash val="solid"/>
+          <a:miter lim="800000"/>
+        </a:ln>
+        <a:ln w="12700" cap="flat" cmpd="sng" algn="ctr">
+          <a:solidFill>
+            <a:schemeClr val="phClr"/>
+          </a:solidFill>
+          <a:prstDash val="solid"/>
+          <a:miter lim="800000"/>
+        </a:ln>
+        <a:ln w="19050" cap="flat" cmpd="sng" algn="ctr">
+          <a:solidFill>
+            <a:schemeClr val="phClr"/>
+          </a:solidFill>
+          <a:prstDash val="solid"/>
+          <a:miter lim="800000"/>
+        </a:ln>
+      </a:lnStyleLst>
+      <a:effectStyleLst>
+        <a:effectStyle>
+          <a:effectLst/>
+        </a:effectStyle>
+        <a:effectStyle>
+          <a:effectLst/>
+        </a:effectStyle>
+        <a:effectStyle>
+          <a:effectLst>
+            <a:outerShdw blurRad="57150" dist="19050" dir="5400000" algn="ctr" rotWithShape="0">
+              <a:srgbClr val="000000">
+                <a:alpha val="63000"/>
+              </a:srgbClr>
+            </a:outerShdw>
+          </a:effectLst>
+        </a:effectStyle>
+      </a:effectStyleLst>
+      <a:bgFillStyleLst>
+        <a:solidFill>
+          <a:schemeClr val="phClr"/>
+        </a:solidFill>
+        <a:solidFill>
+          <a:schemeClr val="phClr">
+            <a:tint val="95000"/>
+            <a:satMod val="170000"/>
+          </a:schemeClr>
+        </a:solidFill>
+        <a:gradFill rotWithShape="1">
+          <a:gsLst>
+            <a:gs pos="0">
+              <a:schemeClr val="phClr">
+                <a:tint val="93000"/>
+                <a:satMod val="150000"/>
+                <a:shade val="98000"/>
+                <a:lumMod val="102000"/>
+              </a:schemeClr>
+            </a:gs>
+            <a:gs pos="50000">
+              <a:schemeClr val="phClr">
+                <a:tint val="98000"/>
+                <a:satMod val="130000"/>
+                <a:shade val="90000"/>
+                <a:lumMod val="103000"/>
+              </a:schemeClr>
+            </a:gs>
+            <a:gs pos="100000">
+              <a:schemeClr val="phClr">
+                <a:shade val="63000"/>
+                <a:satMod val="120000"/>
+              </a:schemeClr>
+            </a:gs>
+          </a:gsLst>
+          <a:lin ang="5400000" scaled="0"/>
+        </a:gradFill>
+      </a:bgFillStyleLst>
+    </a:fmtScheme>
+  </a:themeElements>
+  <a:objectDefaults/>
+  <a:extraClrSchemeLst/>
+  <a:extLst>
+    <a:ext uri="{05A4C25C-085E-4340-85A3-A5531E510DB2}">
+      <thm15:themeFamily xmlns:thm15="http://schemas.microsoft.com/office/thememl/2012/main" name="Office Theme" id="{62F939B6-93AF-4DB8-9C6B-D6C7DFDC589F}" vid="{4A3C46E8-61CC-4603-A589-7422A47A8E4A}"/>
+    </a:ext>
+  </a:extLst>
+</a:theme>
 </file>
--- a/module-1/01-06 Developing the API Endpoints/01-06 Developing the Web API endpoints.pptx
+++ b/module-1/01-06 Developing the API Endpoints/01-06 Developing the Web API endpoints.pptx
@@ -6,11 +6,24 @@
     <p:sldMasterId id="2147483684" r:id="rId2"/>
   </p:sldMasterIdLst>
   <p:notesMasterIdLst>
-    <p:notesMasterId r:id="rId5"/>
+    <p:notesMasterId r:id="rId18"/>
   </p:notesMasterIdLst>
   <p:sldIdLst>
     <p:sldId id="261" r:id="rId3"/>
     <p:sldId id="256" r:id="rId4"/>
+    <p:sldId id="262" r:id="rId5"/>
+    <p:sldId id="263" r:id="rId6"/>
+    <p:sldId id="269" r:id="rId7"/>
+    <p:sldId id="270" r:id="rId8"/>
+    <p:sldId id="271" r:id="rId9"/>
+    <p:sldId id="264" r:id="rId10"/>
+    <p:sldId id="268" r:id="rId11"/>
+    <p:sldId id="266" r:id="rId12"/>
+    <p:sldId id="267" r:id="rId13"/>
+    <p:sldId id="265" r:id="rId14"/>
+    <p:sldId id="275" r:id="rId15"/>
+    <p:sldId id="272" r:id="rId16"/>
+    <p:sldId id="274" r:id="rId17"/>
   </p:sldIdLst>
   <p:sldSz cx="12192000" cy="6858000"/>
   <p:notesSz cx="6858000" cy="9144000"/>
@@ -199,7 +212,7 @@
           <a:p>
             <a:fld id="{44460345-7E30-425F-A93D-E48BE08458AD}" type="datetimeFigureOut">
               <a:rPr lang="en-US" smtClean="0"/>
-              <a:t>9/22/2021</a:t>
+              <a:t>9/27/2021</a:t>
             </a:fld>
             <a:endParaRPr lang="en-US"/>
           </a:p>
@@ -846,7 +859,7 @@
           <a:p>
             <a:fld id="{59197A79-E6B2-4AB0-908B-22D89AAD388B}" type="datetimeFigureOut">
               <a:rPr lang="en-US" smtClean="0"/>
-              <a:t>9/22/2021</a:t>
+              <a:t>9/27/2021</a:t>
             </a:fld>
             <a:endParaRPr lang="en-US"/>
           </a:p>
@@ -1054,7 +1067,7 @@
           <a:p>
             <a:fld id="{59197A79-E6B2-4AB0-908B-22D89AAD388B}" type="datetimeFigureOut">
               <a:rPr lang="en-US" smtClean="0"/>
-              <a:t>9/22/2021</a:t>
+              <a:t>9/27/2021</a:t>
             </a:fld>
             <a:endParaRPr lang="en-US"/>
           </a:p>
@@ -1312,7 +1325,7 @@
           <a:p>
             <a:fld id="{59197A79-E6B2-4AB0-908B-22D89AAD388B}" type="datetimeFigureOut">
               <a:rPr lang="en-US" smtClean="0"/>
-              <a:t>9/22/2021</a:t>
+              <a:t>9/27/2021</a:t>
             </a:fld>
             <a:endParaRPr lang="en-US"/>
           </a:p>
@@ -1552,7 +1565,7 @@
           <a:p>
             <a:fld id="{D088F999-7A4E-6B4F-9FED-EF75B73AD044}" type="datetimeFigureOut">
               <a:rPr lang="en-US" smtClean="0"/>
-              <a:t>9/22/2021</a:t>
+              <a:t>9/27/2021</a:t>
             </a:fld>
             <a:endParaRPr lang="en-US"/>
           </a:p>
@@ -1720,7 +1733,7 @@
           <a:p>
             <a:fld id="{D088F999-7A4E-6B4F-9FED-EF75B73AD044}" type="datetimeFigureOut">
               <a:rPr lang="en-US" smtClean="0"/>
-              <a:t>9/22/2021</a:t>
+              <a:t>9/27/2021</a:t>
             </a:fld>
             <a:endParaRPr lang="en-US"/>
           </a:p>
@@ -1965,7 +1978,7 @@
           <a:p>
             <a:fld id="{D088F999-7A4E-6B4F-9FED-EF75B73AD044}" type="datetimeFigureOut">
               <a:rPr lang="en-US" smtClean="0"/>
-              <a:t>9/22/2021</a:t>
+              <a:t>9/27/2021</a:t>
             </a:fld>
             <a:endParaRPr lang="en-US"/>
           </a:p>
@@ -2250,7 +2263,7 @@
           <a:p>
             <a:fld id="{D088F999-7A4E-6B4F-9FED-EF75B73AD044}" type="datetimeFigureOut">
               <a:rPr lang="en-US" smtClean="0"/>
-              <a:t>9/22/2021</a:t>
+              <a:t>9/27/2021</a:t>
             </a:fld>
             <a:endParaRPr lang="en-US"/>
           </a:p>
@@ -2669,7 +2682,7 @@
           <a:p>
             <a:fld id="{D088F999-7A4E-6B4F-9FED-EF75B73AD044}" type="datetimeFigureOut">
               <a:rPr lang="en-US" smtClean="0"/>
-              <a:t>9/22/2021</a:t>
+              <a:t>9/27/2021</a:t>
             </a:fld>
             <a:endParaRPr lang="en-US"/>
           </a:p>
@@ -2786,7 +2799,7 @@
           <a:p>
             <a:fld id="{D088F999-7A4E-6B4F-9FED-EF75B73AD044}" type="datetimeFigureOut">
               <a:rPr lang="en-US" smtClean="0"/>
-              <a:t>9/22/2021</a:t>
+              <a:t>9/27/2021</a:t>
             </a:fld>
             <a:endParaRPr lang="en-US"/>
           </a:p>
@@ -2881,7 +2894,7 @@
           <a:p>
             <a:fld id="{D088F999-7A4E-6B4F-9FED-EF75B73AD044}" type="datetimeFigureOut">
               <a:rPr lang="en-US" smtClean="0"/>
-              <a:t>9/22/2021</a:t>
+              <a:t>9/27/2021</a:t>
             </a:fld>
             <a:endParaRPr lang="en-US"/>
           </a:p>
@@ -3156,7 +3169,7 @@
           <a:p>
             <a:fld id="{D088F999-7A4E-6B4F-9FED-EF75B73AD044}" type="datetimeFigureOut">
               <a:rPr lang="en-US" smtClean="0"/>
-              <a:t>9/22/2021</a:t>
+              <a:t>9/27/2021</a:t>
             </a:fld>
             <a:endParaRPr lang="en-US"/>
           </a:p>
@@ -3326,7 +3339,7 @@
           <a:p>
             <a:fld id="{59197A79-E6B2-4AB0-908B-22D89AAD388B}" type="datetimeFigureOut">
               <a:rPr lang="en-US" smtClean="0"/>
-              <a:t>9/22/2021</a:t>
+              <a:t>9/27/2021</a:t>
             </a:fld>
             <a:endParaRPr lang="en-US"/>
           </a:p>
@@ -3578,7 +3591,7 @@
           <a:p>
             <a:fld id="{D088F999-7A4E-6B4F-9FED-EF75B73AD044}" type="datetimeFigureOut">
               <a:rPr lang="en-US" smtClean="0"/>
-              <a:t>9/22/2021</a:t>
+              <a:t>9/27/2021</a:t>
             </a:fld>
             <a:endParaRPr lang="en-US"/>
           </a:p>
@@ -3746,7 +3759,7 @@
           <a:p>
             <a:fld id="{D088F999-7A4E-6B4F-9FED-EF75B73AD044}" type="datetimeFigureOut">
               <a:rPr lang="en-US" smtClean="0"/>
-              <a:t>9/22/2021</a:t>
+              <a:t>9/27/2021</a:t>
             </a:fld>
             <a:endParaRPr lang="en-US"/>
           </a:p>
@@ -3924,7 +3937,7 @@
           <a:p>
             <a:fld id="{D088F999-7A4E-6B4F-9FED-EF75B73AD044}" type="datetimeFigureOut">
               <a:rPr lang="en-US" smtClean="0"/>
-              <a:t>9/22/2021</a:t>
+              <a:t>9/27/2021</a:t>
             </a:fld>
             <a:endParaRPr lang="en-US"/>
           </a:p>
@@ -4261,7 +4274,7 @@
           <a:p>
             <a:fld id="{59197A79-E6B2-4AB0-908B-22D89AAD388B}" type="datetimeFigureOut">
               <a:rPr lang="en-US" smtClean="0"/>
-              <a:t>9/22/2021</a:t>
+              <a:t>9/27/2021</a:t>
             </a:fld>
             <a:endParaRPr lang="en-US"/>
           </a:p>
@@ -4536,7 +4549,7 @@
           <a:p>
             <a:fld id="{59197A79-E6B2-4AB0-908B-22D89AAD388B}" type="datetimeFigureOut">
               <a:rPr lang="en-US" smtClean="0"/>
-              <a:t>9/22/2021</a:t>
+              <a:t>9/27/2021</a:t>
             </a:fld>
             <a:endParaRPr lang="en-US"/>
           </a:p>
@@ -4919,7 +4932,7 @@
           <a:p>
             <a:fld id="{59197A79-E6B2-4AB0-908B-22D89AAD388B}" type="datetimeFigureOut">
               <a:rPr lang="en-US" smtClean="0"/>
-              <a:t>9/22/2021</a:t>
+              <a:t>9/27/2021</a:t>
             </a:fld>
             <a:endParaRPr lang="en-US"/>
           </a:p>
@@ -5037,7 +5050,7 @@
           <a:p>
             <a:fld id="{59197A79-E6B2-4AB0-908B-22D89AAD388B}" type="datetimeFigureOut">
               <a:rPr lang="en-US" smtClean="0"/>
-              <a:t>9/22/2021</a:t>
+              <a:t>9/27/2021</a:t>
             </a:fld>
             <a:endParaRPr lang="en-US"/>
           </a:p>
@@ -5210,7 +5223,7 @@
           <a:p>
             <a:fld id="{59197A79-E6B2-4AB0-908B-22D89AAD388B}" type="datetimeFigureOut">
               <a:rPr lang="en-US" smtClean="0"/>
-              <a:t>9/22/2021</a:t>
+              <a:t>9/27/2021</a:t>
             </a:fld>
             <a:endParaRPr lang="en-US"/>
           </a:p>
@@ -5566,7 +5579,7 @@
           <a:p>
             <a:fld id="{59197A79-E6B2-4AB0-908B-22D89AAD388B}" type="datetimeFigureOut">
               <a:rPr lang="en-US" smtClean="0"/>
-              <a:t>9/22/2021</a:t>
+              <a:t>9/27/2021</a:t>
             </a:fld>
             <a:endParaRPr lang="en-US"/>
           </a:p>
@@ -5914,7 +5927,7 @@
           <a:p>
             <a:fld id="{59197A79-E6B2-4AB0-908B-22D89AAD388B}" type="datetimeFigureOut">
               <a:rPr lang="en-US" smtClean="0"/>
-              <a:t>9/22/2021</a:t>
+              <a:t>9/27/2021</a:t>
             </a:fld>
             <a:endParaRPr lang="en-US"/>
           </a:p>
@@ -6225,7 +6238,7 @@
           <a:p>
             <a:fld id="{59197A79-E6B2-4AB0-908B-22D89AAD388B}" type="datetimeFigureOut">
               <a:rPr lang="en-US" smtClean="0"/>
-              <a:t>9/22/2021</a:t>
+              <a:t>9/27/2021</a:t>
             </a:fld>
             <a:endParaRPr lang="en-US"/>
           </a:p>
@@ -6891,7 +6904,7 @@
           <a:p>
             <a:fld id="{D088F999-7A4E-6B4F-9FED-EF75B73AD044}" type="datetimeFigureOut">
               <a:rPr lang="en-US" smtClean="0"/>
-              <a:t>9/22/2021</a:t>
+              <a:t>9/27/2021</a:t>
             </a:fld>
             <a:endParaRPr lang="en-US"/>
           </a:p>
@@ -7666,6 +7679,2378 @@
 </p:sld>
 </file>
 
+<file path=ppt/slides/slide10.xml><?xml version="1.0" encoding="utf-8"?>
+<p:sld xmlns:a="http://schemas.openxmlformats.org/drawingml/2006/main" xmlns:r="http://schemas.openxmlformats.org/officeDocument/2006/relationships" xmlns:p="http://schemas.openxmlformats.org/presentationml/2006/main">
+  <p:cSld>
+    <p:spTree>
+      <p:nvGrpSpPr>
+        <p:cNvPr id="1" name=""/>
+        <p:cNvGrpSpPr/>
+        <p:nvPr/>
+      </p:nvGrpSpPr>
+      <p:grpSpPr>
+        <a:xfrm>
+          <a:off x="0" y="0"/>
+          <a:ext cx="0" cy="0"/>
+          <a:chOff x="0" y="0"/>
+          <a:chExt cx="0" cy="0"/>
+        </a:xfrm>
+      </p:grpSpPr>
+      <p:sp>
+        <p:nvSpPr>
+          <p:cNvPr id="2" name="Title 1">
+            <a:extLst>
+              <a:ext uri="{FF2B5EF4-FFF2-40B4-BE49-F238E27FC236}">
+                <a16:creationId xmlns:a16="http://schemas.microsoft.com/office/drawing/2014/main" id="{0E3DF703-5A53-4FB0-9214-8BCC099AD8DE}"/>
+              </a:ext>
+            </a:extLst>
+          </p:cNvPr>
+          <p:cNvSpPr>
+            <a:spLocks noGrp="1"/>
+          </p:cNvSpPr>
+          <p:nvPr>
+            <p:ph type="title"/>
+          </p:nvPr>
+        </p:nvSpPr>
+        <p:spPr/>
+        <p:txBody>
+          <a:bodyPr/>
+          <a:lstStyle/>
+          <a:p>
+            <a:r>
+              <a:rPr lang="en-US" dirty="0"/>
+              <a:t>CORS</a:t>
+            </a:r>
+          </a:p>
+        </p:txBody>
+      </p:sp>
+      <p:pic>
+        <p:nvPicPr>
+          <p:cNvPr id="5" name="Picture 4">
+            <a:extLst>
+              <a:ext uri="{FF2B5EF4-FFF2-40B4-BE49-F238E27FC236}">
+                <a16:creationId xmlns:a16="http://schemas.microsoft.com/office/drawing/2014/main" id="{F4E8F1CB-B81C-4337-9412-9F5487277C83}"/>
+              </a:ext>
+            </a:extLst>
+          </p:cNvPr>
+          <p:cNvPicPr>
+            <a:picLocks noChangeAspect="1"/>
+          </p:cNvPicPr>
+          <p:nvPr/>
+        </p:nvPicPr>
+        <p:blipFill>
+          <a:blip r:embed="rId2"/>
+          <a:stretch>
+            <a:fillRect/>
+          </a:stretch>
+        </p:blipFill>
+        <p:spPr>
+          <a:xfrm>
+            <a:off x="1097280" y="2025016"/>
+            <a:ext cx="10062726" cy="3433675"/>
+          </a:xfrm>
+          <a:prstGeom prst="rect">
+            <a:avLst/>
+          </a:prstGeom>
+        </p:spPr>
+      </p:pic>
+    </p:spTree>
+    <p:extLst>
+      <p:ext uri="{BB962C8B-B14F-4D97-AF65-F5344CB8AC3E}">
+        <p14:creationId xmlns:p14="http://schemas.microsoft.com/office/powerpoint/2010/main" val="4051259291"/>
+      </p:ext>
+    </p:extLst>
+  </p:cSld>
+  <p:clrMapOvr>
+    <a:masterClrMapping/>
+  </p:clrMapOvr>
+</p:sld>
+</file>
+
+<file path=ppt/slides/slide11.xml><?xml version="1.0" encoding="utf-8"?>
+<p:sld xmlns:a="http://schemas.openxmlformats.org/drawingml/2006/main" xmlns:r="http://schemas.openxmlformats.org/officeDocument/2006/relationships" xmlns:p="http://schemas.openxmlformats.org/presentationml/2006/main">
+  <p:cSld>
+    <p:spTree>
+      <p:nvGrpSpPr>
+        <p:cNvPr id="1" name=""/>
+        <p:cNvGrpSpPr/>
+        <p:nvPr/>
+      </p:nvGrpSpPr>
+      <p:grpSpPr>
+        <a:xfrm>
+          <a:off x="0" y="0"/>
+          <a:ext cx="0" cy="0"/>
+          <a:chOff x="0" y="0"/>
+          <a:chExt cx="0" cy="0"/>
+        </a:xfrm>
+      </p:grpSpPr>
+      <p:sp>
+        <p:nvSpPr>
+          <p:cNvPr id="2" name="Title 1">
+            <a:extLst>
+              <a:ext uri="{FF2B5EF4-FFF2-40B4-BE49-F238E27FC236}">
+                <a16:creationId xmlns:a16="http://schemas.microsoft.com/office/drawing/2014/main" id="{A20AC04D-A984-4F23-B555-92E74792A726}"/>
+              </a:ext>
+            </a:extLst>
+          </p:cNvPr>
+          <p:cNvSpPr>
+            <a:spLocks noGrp="1"/>
+          </p:cNvSpPr>
+          <p:nvPr>
+            <p:ph type="title"/>
+          </p:nvPr>
+        </p:nvSpPr>
+        <p:spPr/>
+        <p:txBody>
+          <a:bodyPr/>
+          <a:lstStyle/>
+          <a:p>
+            <a:r>
+              <a:rPr lang="en-US" dirty="0"/>
+              <a:t>CORS Preflight</a:t>
+            </a:r>
+          </a:p>
+        </p:txBody>
+      </p:sp>
+      <p:sp>
+        <p:nvSpPr>
+          <p:cNvPr id="4" name="Content Placeholder 3">
+            <a:extLst>
+              <a:ext uri="{FF2B5EF4-FFF2-40B4-BE49-F238E27FC236}">
+                <a16:creationId xmlns:a16="http://schemas.microsoft.com/office/drawing/2014/main" id="{787E22E6-1EAF-4259-8EC3-8882BB45A969}"/>
+              </a:ext>
+            </a:extLst>
+          </p:cNvPr>
+          <p:cNvSpPr>
+            <a:spLocks noGrp="1"/>
+          </p:cNvSpPr>
+          <p:nvPr>
+            <p:ph sz="half" idx="1"/>
+          </p:nvPr>
+        </p:nvSpPr>
+        <p:spPr>
+          <a:xfrm>
+            <a:off x="1097278" y="1845734"/>
+            <a:ext cx="10058400" cy="2230965"/>
+          </a:xfrm>
+        </p:spPr>
+        <p:txBody>
+          <a:bodyPr>
+            <a:normAutofit/>
+          </a:bodyPr>
+          <a:lstStyle/>
+          <a:p>
+            <a:r>
+              <a:rPr lang="en-US" b="0" i="0" dirty="0">
+                <a:solidFill>
+                  <a:srgbClr val="E6E6E6"/>
+                </a:solidFill>
+                <a:effectLst/>
+                <a:latin typeface="SFMono-Regular"/>
+              </a:rPr>
+              <a:t>OPTIONS https://localhost/api/Albums/1 HTTP/1.1</a:t>
+            </a:r>
+          </a:p>
+          <a:p>
+            <a:r>
+              <a:rPr lang="en-US" b="0" i="0" dirty="0">
+                <a:solidFill>
+                  <a:srgbClr val="E6E6E6"/>
+                </a:solidFill>
+                <a:effectLst/>
+                <a:latin typeface="SFMono-Regular"/>
+              </a:rPr>
+              <a:t>Host: localhost </a:t>
+            </a:r>
+          </a:p>
+          <a:p>
+            <a:r>
+              <a:rPr lang="en-US" b="0" i="0" dirty="0">
+                <a:solidFill>
+                  <a:srgbClr val="E6E6E6"/>
+                </a:solidFill>
+                <a:effectLst/>
+                <a:latin typeface="SFMono-Regular"/>
+              </a:rPr>
+              <a:t>Access-Control-Request-Method: PUT </a:t>
+            </a:r>
+          </a:p>
+          <a:p>
+            <a:r>
+              <a:rPr lang="en-US" b="0" i="0" dirty="0">
+                <a:solidFill>
+                  <a:srgbClr val="E6E6E6"/>
+                </a:solidFill>
+                <a:effectLst/>
+                <a:latin typeface="SFMono-Regular"/>
+              </a:rPr>
+              <a:t>Origin: https://localhost:55912 Access-Control-Request-Headers: content-type </a:t>
+            </a:r>
+          </a:p>
+          <a:p>
+            <a:r>
+              <a:rPr lang="en-US" b="0" i="0" dirty="0">
+                <a:solidFill>
+                  <a:srgbClr val="E6E6E6"/>
+                </a:solidFill>
+                <a:effectLst/>
+                <a:latin typeface="SFMono-Regular"/>
+              </a:rPr>
+              <a:t>Accept: */*</a:t>
+            </a:r>
+            <a:endParaRPr lang="en-US" dirty="0"/>
+          </a:p>
+        </p:txBody>
+      </p:sp>
+      <p:sp>
+        <p:nvSpPr>
+          <p:cNvPr id="5" name="Content Placeholder 4">
+            <a:extLst>
+              <a:ext uri="{FF2B5EF4-FFF2-40B4-BE49-F238E27FC236}">
+                <a16:creationId xmlns:a16="http://schemas.microsoft.com/office/drawing/2014/main" id="{FBE13464-85CA-4466-9C4E-92796CE97E8B}"/>
+              </a:ext>
+            </a:extLst>
+          </p:cNvPr>
+          <p:cNvSpPr>
+            <a:spLocks noGrp="1"/>
+          </p:cNvSpPr>
+          <p:nvPr>
+            <p:ph sz="half" idx="2"/>
+          </p:nvPr>
+        </p:nvSpPr>
+        <p:spPr>
+          <a:xfrm>
+            <a:off x="1097280" y="4429776"/>
+            <a:ext cx="9997440" cy="1450757"/>
+          </a:xfrm>
+        </p:spPr>
+        <p:txBody>
+          <a:bodyPr>
+            <a:normAutofit/>
+          </a:bodyPr>
+          <a:lstStyle/>
+          <a:p>
+            <a:r>
+              <a:rPr lang="en-US" b="1" i="0" dirty="0">
+                <a:solidFill>
+                  <a:srgbClr val="E6E6E6"/>
+                </a:solidFill>
+                <a:effectLst/>
+                <a:latin typeface="SFMono-Regular"/>
+              </a:rPr>
+              <a:t>HTTP/1.1 200 OK Access-Control-Allow-Origin: https://localhost:55912 </a:t>
+            </a:r>
+          </a:p>
+          <a:p>
+            <a:r>
+              <a:rPr lang="en-US" b="1" i="0" dirty="0">
+                <a:solidFill>
+                  <a:srgbClr val="E6E6E6"/>
+                </a:solidFill>
+                <a:effectLst/>
+                <a:latin typeface="SFMono-Regular"/>
+              </a:rPr>
+              <a:t>Access-Control-Allow-Methods: PUT </a:t>
+            </a:r>
+          </a:p>
+          <a:p>
+            <a:r>
+              <a:rPr lang="en-US" b="1" i="0" dirty="0">
+                <a:solidFill>
+                  <a:srgbClr val="E6E6E6"/>
+                </a:solidFill>
+                <a:effectLst/>
+                <a:latin typeface="SFMono-Regular"/>
+              </a:rPr>
+              <a:t>Access-Control-Allow-Headers: content-</a:t>
+            </a:r>
+            <a:r>
+              <a:rPr lang="en-US" b="1" i="0" dirty="0" err="1">
+                <a:solidFill>
+                  <a:srgbClr val="E6E6E6"/>
+                </a:solidFill>
+                <a:effectLst/>
+                <a:latin typeface="SFMono-Regular"/>
+              </a:rPr>
+              <a:t>typeAccess</a:t>
+            </a:r>
+            <a:r>
+              <a:rPr lang="en-US" b="1" i="0" dirty="0">
+                <a:solidFill>
+                  <a:srgbClr val="E6E6E6"/>
+                </a:solidFill>
+                <a:effectLst/>
+                <a:latin typeface="SFMono-Regular"/>
+              </a:rPr>
+              <a:t>-Control-Max-Age: 600</a:t>
+            </a:r>
+            <a:endParaRPr lang="en-US" b="1" dirty="0"/>
+          </a:p>
+        </p:txBody>
+      </p:sp>
+    </p:spTree>
+    <p:extLst>
+      <p:ext uri="{BB962C8B-B14F-4D97-AF65-F5344CB8AC3E}">
+        <p14:creationId xmlns:p14="http://schemas.microsoft.com/office/powerpoint/2010/main" val="874164791"/>
+      </p:ext>
+    </p:extLst>
+  </p:cSld>
+  <p:clrMapOvr>
+    <a:masterClrMapping/>
+  </p:clrMapOvr>
+  <p:timing>
+    <p:tnLst>
+      <p:par>
+        <p:cTn id="1" dur="indefinite" restart="never" nodeType="tmRoot">
+          <p:childTnLst>
+            <p:seq concurrent="1" nextAc="seek">
+              <p:cTn id="2" dur="indefinite" nodeType="mainSeq">
+                <p:childTnLst>
+                  <p:par>
+                    <p:cTn id="3" fill="hold">
+                      <p:stCondLst>
+                        <p:cond delay="indefinite"/>
+                      </p:stCondLst>
+                      <p:childTnLst>
+                        <p:par>
+                          <p:cTn id="4" fill="hold">
+                            <p:stCondLst>
+                              <p:cond delay="0"/>
+                            </p:stCondLst>
+                            <p:childTnLst>
+                              <p:par>
+                                <p:cTn id="5" presetID="1" presetClass="entr" presetSubtype="0" fill="hold" nodeType="clickEffect">
+                                  <p:stCondLst>
+                                    <p:cond delay="0"/>
+                                  </p:stCondLst>
+                                  <p:childTnLst>
+                                    <p:set>
+                                      <p:cBhvr>
+                                        <p:cTn id="6" dur="1" fill="hold">
+                                          <p:stCondLst>
+                                            <p:cond delay="0"/>
+                                          </p:stCondLst>
+                                        </p:cTn>
+                                        <p:tgtEl>
+                                          <p:spTgt spid="4">
+                                            <p:txEl>
+                                              <p:pRg st="0" end="0"/>
+                                            </p:txEl>
+                                          </p:spTgt>
+                                        </p:tgtEl>
+                                        <p:attrNameLst>
+                                          <p:attrName>style.visibility</p:attrName>
+                                        </p:attrNameLst>
+                                      </p:cBhvr>
+                                      <p:to>
+                                        <p:strVal val="visible"/>
+                                      </p:to>
+                                    </p:set>
+                                  </p:childTnLst>
+                                </p:cTn>
+                              </p:par>
+                              <p:par>
+                                <p:cTn id="7" presetID="1" presetClass="entr" presetSubtype="0" fill="hold" nodeType="withEffect">
+                                  <p:stCondLst>
+                                    <p:cond delay="0"/>
+                                  </p:stCondLst>
+                                  <p:childTnLst>
+                                    <p:set>
+                                      <p:cBhvr>
+                                        <p:cTn id="8" dur="1" fill="hold">
+                                          <p:stCondLst>
+                                            <p:cond delay="0"/>
+                                          </p:stCondLst>
+                                        </p:cTn>
+                                        <p:tgtEl>
+                                          <p:spTgt spid="4">
+                                            <p:txEl>
+                                              <p:pRg st="1" end="1"/>
+                                            </p:txEl>
+                                          </p:spTgt>
+                                        </p:tgtEl>
+                                        <p:attrNameLst>
+                                          <p:attrName>style.visibility</p:attrName>
+                                        </p:attrNameLst>
+                                      </p:cBhvr>
+                                      <p:to>
+                                        <p:strVal val="visible"/>
+                                      </p:to>
+                                    </p:set>
+                                  </p:childTnLst>
+                                </p:cTn>
+                              </p:par>
+                              <p:par>
+                                <p:cTn id="9" presetID="1" presetClass="entr" presetSubtype="0" fill="hold" nodeType="withEffect">
+                                  <p:stCondLst>
+                                    <p:cond delay="0"/>
+                                  </p:stCondLst>
+                                  <p:childTnLst>
+                                    <p:set>
+                                      <p:cBhvr>
+                                        <p:cTn id="10" dur="1" fill="hold">
+                                          <p:stCondLst>
+                                            <p:cond delay="0"/>
+                                          </p:stCondLst>
+                                        </p:cTn>
+                                        <p:tgtEl>
+                                          <p:spTgt spid="4">
+                                            <p:txEl>
+                                              <p:pRg st="2" end="2"/>
+                                            </p:txEl>
+                                          </p:spTgt>
+                                        </p:tgtEl>
+                                        <p:attrNameLst>
+                                          <p:attrName>style.visibility</p:attrName>
+                                        </p:attrNameLst>
+                                      </p:cBhvr>
+                                      <p:to>
+                                        <p:strVal val="visible"/>
+                                      </p:to>
+                                    </p:set>
+                                  </p:childTnLst>
+                                </p:cTn>
+                              </p:par>
+                              <p:par>
+                                <p:cTn id="11" presetID="1" presetClass="entr" presetSubtype="0" fill="hold" nodeType="withEffect">
+                                  <p:stCondLst>
+                                    <p:cond delay="0"/>
+                                  </p:stCondLst>
+                                  <p:childTnLst>
+                                    <p:set>
+                                      <p:cBhvr>
+                                        <p:cTn id="12" dur="1" fill="hold">
+                                          <p:stCondLst>
+                                            <p:cond delay="0"/>
+                                          </p:stCondLst>
+                                        </p:cTn>
+                                        <p:tgtEl>
+                                          <p:spTgt spid="4">
+                                            <p:txEl>
+                                              <p:pRg st="3" end="3"/>
+                                            </p:txEl>
+                                          </p:spTgt>
+                                        </p:tgtEl>
+                                        <p:attrNameLst>
+                                          <p:attrName>style.visibility</p:attrName>
+                                        </p:attrNameLst>
+                                      </p:cBhvr>
+                                      <p:to>
+                                        <p:strVal val="visible"/>
+                                      </p:to>
+                                    </p:set>
+                                  </p:childTnLst>
+                                </p:cTn>
+                              </p:par>
+                              <p:par>
+                                <p:cTn id="13" presetID="1" presetClass="entr" presetSubtype="0" fill="hold" nodeType="withEffect">
+                                  <p:stCondLst>
+                                    <p:cond delay="0"/>
+                                  </p:stCondLst>
+                                  <p:childTnLst>
+                                    <p:set>
+                                      <p:cBhvr>
+                                        <p:cTn id="14" dur="1" fill="hold">
+                                          <p:stCondLst>
+                                            <p:cond delay="0"/>
+                                          </p:stCondLst>
+                                        </p:cTn>
+                                        <p:tgtEl>
+                                          <p:spTgt spid="4">
+                                            <p:txEl>
+                                              <p:pRg st="4" end="4"/>
+                                            </p:txEl>
+                                          </p:spTgt>
+                                        </p:tgtEl>
+                                        <p:attrNameLst>
+                                          <p:attrName>style.visibility</p:attrName>
+                                        </p:attrNameLst>
+                                      </p:cBhvr>
+                                      <p:to>
+                                        <p:strVal val="visible"/>
+                                      </p:to>
+                                    </p:set>
+                                  </p:childTnLst>
+                                </p:cTn>
+                              </p:par>
+                            </p:childTnLst>
+                          </p:cTn>
+                        </p:par>
+                      </p:childTnLst>
+                    </p:cTn>
+                  </p:par>
+                  <p:par>
+                    <p:cTn id="15" fill="hold">
+                      <p:stCondLst>
+                        <p:cond delay="indefinite"/>
+                      </p:stCondLst>
+                      <p:childTnLst>
+                        <p:par>
+                          <p:cTn id="16" fill="hold">
+                            <p:stCondLst>
+                              <p:cond delay="0"/>
+                            </p:stCondLst>
+                            <p:childTnLst>
+                              <p:par>
+                                <p:cTn id="17" presetID="1" presetClass="entr" presetSubtype="0" fill="hold" nodeType="clickEffect">
+                                  <p:stCondLst>
+                                    <p:cond delay="0"/>
+                                  </p:stCondLst>
+                                  <p:childTnLst>
+                                    <p:set>
+                                      <p:cBhvr>
+                                        <p:cTn id="18" dur="1" fill="hold">
+                                          <p:stCondLst>
+                                            <p:cond delay="0"/>
+                                          </p:stCondLst>
+                                        </p:cTn>
+                                        <p:tgtEl>
+                                          <p:spTgt spid="5">
+                                            <p:txEl>
+                                              <p:pRg st="0" end="0"/>
+                                            </p:txEl>
+                                          </p:spTgt>
+                                        </p:tgtEl>
+                                        <p:attrNameLst>
+                                          <p:attrName>style.visibility</p:attrName>
+                                        </p:attrNameLst>
+                                      </p:cBhvr>
+                                      <p:to>
+                                        <p:strVal val="visible"/>
+                                      </p:to>
+                                    </p:set>
+                                  </p:childTnLst>
+                                </p:cTn>
+                              </p:par>
+                              <p:par>
+                                <p:cTn id="19" presetID="1" presetClass="entr" presetSubtype="0" fill="hold" nodeType="withEffect">
+                                  <p:stCondLst>
+                                    <p:cond delay="0"/>
+                                  </p:stCondLst>
+                                  <p:childTnLst>
+                                    <p:set>
+                                      <p:cBhvr>
+                                        <p:cTn id="20" dur="1" fill="hold">
+                                          <p:stCondLst>
+                                            <p:cond delay="0"/>
+                                          </p:stCondLst>
+                                        </p:cTn>
+                                        <p:tgtEl>
+                                          <p:spTgt spid="5">
+                                            <p:txEl>
+                                              <p:pRg st="1" end="1"/>
+                                            </p:txEl>
+                                          </p:spTgt>
+                                        </p:tgtEl>
+                                        <p:attrNameLst>
+                                          <p:attrName>style.visibility</p:attrName>
+                                        </p:attrNameLst>
+                                      </p:cBhvr>
+                                      <p:to>
+                                        <p:strVal val="visible"/>
+                                      </p:to>
+                                    </p:set>
+                                  </p:childTnLst>
+                                </p:cTn>
+                              </p:par>
+                              <p:par>
+                                <p:cTn id="21" presetID="1" presetClass="entr" presetSubtype="0" fill="hold" nodeType="withEffect">
+                                  <p:stCondLst>
+                                    <p:cond delay="0"/>
+                                  </p:stCondLst>
+                                  <p:childTnLst>
+                                    <p:set>
+                                      <p:cBhvr>
+                                        <p:cTn id="22" dur="1" fill="hold">
+                                          <p:stCondLst>
+                                            <p:cond delay="0"/>
+                                          </p:stCondLst>
+                                        </p:cTn>
+                                        <p:tgtEl>
+                                          <p:spTgt spid="5">
+                                            <p:txEl>
+                                              <p:pRg st="2" end="2"/>
+                                            </p:txEl>
+                                          </p:spTgt>
+                                        </p:tgtEl>
+                                        <p:attrNameLst>
+                                          <p:attrName>style.visibility</p:attrName>
+                                        </p:attrNameLst>
+                                      </p:cBhvr>
+                                      <p:to>
+                                        <p:strVal val="visible"/>
+                                      </p:to>
+                                    </p:set>
+                                  </p:childTnLst>
+                                </p:cTn>
+                              </p:par>
+                            </p:childTnLst>
+                          </p:cTn>
+                        </p:par>
+                      </p:childTnLst>
+                    </p:cTn>
+                  </p:par>
+                </p:childTnLst>
+              </p:cTn>
+              <p:prevCondLst>
+                <p:cond evt="onPrev" delay="0">
+                  <p:tgtEl>
+                    <p:sldTgt/>
+                  </p:tgtEl>
+                </p:cond>
+              </p:prevCondLst>
+              <p:nextCondLst>
+                <p:cond evt="onNext" delay="0">
+                  <p:tgtEl>
+                    <p:sldTgt/>
+                  </p:tgtEl>
+                </p:cond>
+              </p:nextCondLst>
+            </p:seq>
+          </p:childTnLst>
+        </p:cTn>
+      </p:par>
+    </p:tnLst>
+  </p:timing>
+</p:sld>
+</file>
+
+<file path=ppt/slides/slide12.xml><?xml version="1.0" encoding="utf-8"?>
+<p:sld xmlns:a="http://schemas.openxmlformats.org/drawingml/2006/main" xmlns:r="http://schemas.openxmlformats.org/officeDocument/2006/relationships" xmlns:p="http://schemas.openxmlformats.org/presentationml/2006/main">
+  <p:cSld>
+    <p:bg>
+      <p:bgPr>
+        <a:solidFill>
+          <a:schemeClr val="bg1">
+            <a:lumMod val="75000"/>
+            <a:lumOff val="25000"/>
+          </a:schemeClr>
+        </a:solidFill>
+        <a:effectLst/>
+      </p:bgPr>
+    </p:bg>
+    <p:spTree>
+      <p:nvGrpSpPr>
+        <p:cNvPr id="1" name=""/>
+        <p:cNvGrpSpPr/>
+        <p:nvPr/>
+      </p:nvGrpSpPr>
+      <p:grpSpPr>
+        <a:xfrm>
+          <a:off x="0" y="0"/>
+          <a:ext cx="0" cy="0"/>
+          <a:chOff x="0" y="0"/>
+          <a:chExt cx="0" cy="0"/>
+        </a:xfrm>
+      </p:grpSpPr>
+      <p:sp>
+        <p:nvSpPr>
+          <p:cNvPr id="24" name="Rectangle 9">
+            <a:extLst>
+              <a:ext uri="{FF2B5EF4-FFF2-40B4-BE49-F238E27FC236}">
+                <a16:creationId xmlns:a16="http://schemas.microsoft.com/office/drawing/2014/main" id="{36E6FEC8-170C-492C-84E0-54394629D120}"/>
+              </a:ext>
+              <a:ext uri="{C183D7F6-B498-43B3-948B-1728B52AA6E4}">
+                <adec:decorative xmlns:adec="http://schemas.microsoft.com/office/drawing/2017/decorative" val="1"/>
+              </a:ext>
+            </a:extLst>
+          </p:cNvPr>
+          <p:cNvSpPr>
+            <a:spLocks noGrp="1" noRot="1" noChangeAspect="1" noMove="1" noResize="1" noEditPoints="1" noAdjustHandles="1" noChangeArrowheads="1" noChangeShapeType="1" noTextEdit="1"/>
+          </p:cNvSpPr>
+          <p:nvPr>
+            <p:extLst>
+              <p:ext uri="{386F3935-93C4-4BCD-93E2-E3B085C9AB24}">
+                <p16:designElem xmlns:p16="http://schemas.microsoft.com/office/powerpoint/2015/main" val="1"/>
+              </p:ext>
+            </p:extLst>
+          </p:nvPr>
+        </p:nvSpPr>
+        <p:spPr>
+          <a:xfrm>
+            <a:off x="3175" y="6400800"/>
+            <a:ext cx="12188825" cy="457200"/>
+          </a:xfrm>
+          <a:prstGeom prst="rect">
+            <a:avLst/>
+          </a:prstGeom>
+          <a:solidFill>
+            <a:schemeClr val="accent1">
+              <a:lumMod val="75000"/>
+            </a:schemeClr>
+          </a:solidFill>
+          <a:ln>
+            <a:noFill/>
+          </a:ln>
+        </p:spPr>
+        <p:style>
+          <a:lnRef idx="2">
+            <a:schemeClr val="accent1">
+              <a:shade val="50000"/>
+            </a:schemeClr>
+          </a:lnRef>
+          <a:fillRef idx="1">
+            <a:schemeClr val="accent1"/>
+          </a:fillRef>
+          <a:effectRef idx="0">
+            <a:schemeClr val="accent1"/>
+          </a:effectRef>
+          <a:fontRef idx="minor">
+            <a:schemeClr val="lt1"/>
+          </a:fontRef>
+        </p:style>
+      </p:sp>
+      <p:sp>
+        <p:nvSpPr>
+          <p:cNvPr id="25" name="Rectangle 11">
+            <a:extLst>
+              <a:ext uri="{FF2B5EF4-FFF2-40B4-BE49-F238E27FC236}">
+                <a16:creationId xmlns:a16="http://schemas.microsoft.com/office/drawing/2014/main" id="{DEE940A1-B9E0-4C5D-A55E-B19742379C83}"/>
+              </a:ext>
+              <a:ext uri="{C183D7F6-B498-43B3-948B-1728B52AA6E4}">
+                <adec:decorative xmlns:adec="http://schemas.microsoft.com/office/drawing/2017/decorative" val="1"/>
+              </a:ext>
+            </a:extLst>
+          </p:cNvPr>
+          <p:cNvSpPr>
+            <a:spLocks noGrp="1" noRot="1" noChangeAspect="1" noMove="1" noResize="1" noEditPoints="1" noAdjustHandles="1" noChangeArrowheads="1" noChangeShapeType="1" noTextEdit="1"/>
+          </p:cNvSpPr>
+          <p:nvPr>
+            <p:extLst>
+              <p:ext uri="{386F3935-93C4-4BCD-93E2-E3B085C9AB24}">
+                <p16:designElem xmlns:p16="http://schemas.microsoft.com/office/powerpoint/2015/main" val="1"/>
+              </p:ext>
+            </p:extLst>
+          </p:nvPr>
+        </p:nvSpPr>
+        <p:spPr>
+          <a:xfrm>
+            <a:off x="15" y="6334316"/>
+            <a:ext cx="12188825" cy="64008"/>
+          </a:xfrm>
+          <a:prstGeom prst="rect">
+            <a:avLst/>
+          </a:prstGeom>
+          <a:solidFill>
+            <a:schemeClr val="accent1"/>
+          </a:solidFill>
+          <a:ln>
+            <a:noFill/>
+          </a:ln>
+        </p:spPr>
+        <p:style>
+          <a:lnRef idx="2">
+            <a:schemeClr val="accent1">
+              <a:shade val="50000"/>
+            </a:schemeClr>
+          </a:lnRef>
+          <a:fillRef idx="1">
+            <a:schemeClr val="accent1"/>
+          </a:fillRef>
+          <a:effectRef idx="0">
+            <a:schemeClr val="accent1"/>
+          </a:effectRef>
+          <a:fontRef idx="minor">
+            <a:schemeClr val="lt1"/>
+          </a:fontRef>
+        </p:style>
+      </p:sp>
+      <p:cxnSp>
+        <p:nvCxnSpPr>
+          <p:cNvPr id="26" name="Straight Connector 13">
+            <a:extLst>
+              <a:ext uri="{FF2B5EF4-FFF2-40B4-BE49-F238E27FC236}">
+                <a16:creationId xmlns:a16="http://schemas.microsoft.com/office/drawing/2014/main" id="{81C8E47B-A563-4B44-A9B0-9316605C2E4E}"/>
+              </a:ext>
+              <a:ext uri="{C183D7F6-B498-43B3-948B-1728B52AA6E4}">
+                <adec:decorative xmlns:adec="http://schemas.microsoft.com/office/drawing/2017/decorative" val="1"/>
+              </a:ext>
+            </a:extLst>
+          </p:cNvPr>
+          <p:cNvCxnSpPr>
+            <a:cxnSpLocks noGrp="1" noRot="1" noChangeAspect="1" noMove="1" noResize="1" noEditPoints="1" noAdjustHandles="1" noChangeArrowheads="1" noChangeShapeType="1"/>
+          </p:cNvCxnSpPr>
+          <p:nvPr>
+            <p:extLst>
+              <p:ext uri="{386F3935-93C4-4BCD-93E2-E3B085C9AB24}">
+                <p16:designElem xmlns:p16="http://schemas.microsoft.com/office/powerpoint/2015/main" val="1"/>
+              </p:ext>
+            </p:extLst>
+          </p:nvPr>
+        </p:nvCxnSpPr>
+        <p:spPr>
+          <a:xfrm>
+            <a:off x="1207658" y="4343400"/>
+            <a:ext cx="9875520" cy="0"/>
+          </a:xfrm>
+          <a:prstGeom prst="line">
+            <a:avLst/>
+          </a:prstGeom>
+          <a:ln w="6350">
+            <a:solidFill>
+              <a:schemeClr val="tx1">
+                <a:lumMod val="50000"/>
+                <a:lumOff val="50000"/>
+              </a:schemeClr>
+            </a:solidFill>
+          </a:ln>
+        </p:spPr>
+        <p:style>
+          <a:lnRef idx="1">
+            <a:schemeClr val="accent1"/>
+          </a:lnRef>
+          <a:fillRef idx="0">
+            <a:schemeClr val="accent1"/>
+          </a:fillRef>
+          <a:effectRef idx="0">
+            <a:schemeClr val="accent1"/>
+          </a:effectRef>
+          <a:fontRef idx="minor">
+            <a:schemeClr val="tx1"/>
+          </a:fontRef>
+        </p:style>
+      </p:cxnSp>
+      <p:sp>
+        <p:nvSpPr>
+          <p:cNvPr id="27" name="Rectangle 15">
+            <a:extLst>
+              <a:ext uri="{FF2B5EF4-FFF2-40B4-BE49-F238E27FC236}">
+                <a16:creationId xmlns:a16="http://schemas.microsoft.com/office/drawing/2014/main" id="{89CEF278-62C5-49CA-8BD9-BCDBE9977FF3}"/>
+              </a:ext>
+              <a:ext uri="{C183D7F6-B498-43B3-948B-1728B52AA6E4}">
+                <adec:decorative xmlns:adec="http://schemas.microsoft.com/office/drawing/2017/decorative" val="1"/>
+              </a:ext>
+            </a:extLst>
+          </p:cNvPr>
+          <p:cNvSpPr>
+            <a:spLocks noGrp="1" noRot="1" noChangeAspect="1" noMove="1" noResize="1" noEditPoints="1" noAdjustHandles="1" noChangeArrowheads="1" noChangeShapeType="1" noTextEdit="1"/>
+          </p:cNvSpPr>
+          <p:nvPr>
+            <p:extLst>
+              <p:ext uri="{386F3935-93C4-4BCD-93E2-E3B085C9AB24}">
+                <p16:designElem xmlns:p16="http://schemas.microsoft.com/office/powerpoint/2015/main" val="1"/>
+              </p:ext>
+            </p:extLst>
+          </p:nvPr>
+        </p:nvSpPr>
+        <p:spPr bwMode="white">
+          <a:xfrm>
+            <a:off x="16" y="0"/>
+            <a:ext cx="4584734" cy="6858000"/>
+          </a:xfrm>
+          <a:prstGeom prst="rect">
+            <a:avLst/>
+          </a:prstGeom>
+          <a:solidFill>
+            <a:schemeClr val="accent1">
+              <a:lumMod val="75000"/>
+            </a:schemeClr>
+          </a:solidFill>
+          <a:ln>
+            <a:noFill/>
+          </a:ln>
+        </p:spPr>
+        <p:style>
+          <a:lnRef idx="2">
+            <a:schemeClr val="accent1">
+              <a:shade val="50000"/>
+            </a:schemeClr>
+          </a:lnRef>
+          <a:fillRef idx="1">
+            <a:schemeClr val="accent1"/>
+          </a:fillRef>
+          <a:effectRef idx="0">
+            <a:schemeClr val="accent1"/>
+          </a:effectRef>
+          <a:fontRef idx="minor">
+            <a:schemeClr val="lt1"/>
+          </a:fontRef>
+        </p:style>
+      </p:sp>
+      <p:sp>
+        <p:nvSpPr>
+          <p:cNvPr id="2" name="Title 1">
+            <a:extLst>
+              <a:ext uri="{FF2B5EF4-FFF2-40B4-BE49-F238E27FC236}">
+                <a16:creationId xmlns:a16="http://schemas.microsoft.com/office/drawing/2014/main" id="{63950B4F-5F45-4EFE-877F-E487E96E3B06}"/>
+              </a:ext>
+            </a:extLst>
+          </p:cNvPr>
+          <p:cNvSpPr>
+            <a:spLocks noGrp="1"/>
+          </p:cNvSpPr>
+          <p:nvPr>
+            <p:ph type="title"/>
+          </p:nvPr>
+        </p:nvSpPr>
+        <p:spPr>
+          <a:xfrm>
+            <a:off x="457200" y="640080"/>
+            <a:ext cx="3659246" cy="2926080"/>
+          </a:xfrm>
+        </p:spPr>
+        <p:txBody>
+          <a:bodyPr vert="horz" lIns="91440" tIns="45720" rIns="91440" bIns="45720" rtlCol="0" anchor="b">
+            <a:normAutofit/>
+          </a:bodyPr>
+          <a:lstStyle/>
+          <a:p>
+            <a:r>
+              <a:rPr lang="en-US" sz="4400">
+                <a:solidFill>
+                  <a:srgbClr val="FFFFFF"/>
+                </a:solidFill>
+              </a:rPr>
+              <a:t>Controllers and Actions : Routing</a:t>
+            </a:r>
+          </a:p>
+        </p:txBody>
+      </p:sp>
+      <p:pic>
+        <p:nvPicPr>
+          <p:cNvPr id="5" name="Picture 4">
+            <a:extLst>
+              <a:ext uri="{FF2B5EF4-FFF2-40B4-BE49-F238E27FC236}">
+                <a16:creationId xmlns:a16="http://schemas.microsoft.com/office/drawing/2014/main" id="{3D38F9C3-0F20-4E62-BA55-8340E68FE522}"/>
+              </a:ext>
+            </a:extLst>
+          </p:cNvPr>
+          <p:cNvPicPr>
+            <a:picLocks noChangeAspect="1"/>
+          </p:cNvPicPr>
+          <p:nvPr/>
+        </p:nvPicPr>
+        <p:blipFill rotWithShape="1">
+          <a:blip r:embed="rId2"/>
+          <a:srcRect r="40809" b="1"/>
+          <a:stretch/>
+        </p:blipFill>
+        <p:spPr>
+          <a:xfrm>
+            <a:off x="4639733" y="10"/>
+            <a:ext cx="7552266" cy="6857990"/>
+          </a:xfrm>
+          <a:prstGeom prst="rect">
+            <a:avLst/>
+          </a:prstGeom>
+        </p:spPr>
+      </p:pic>
+      <p:sp>
+        <p:nvSpPr>
+          <p:cNvPr id="28" name="Rectangle 17">
+            <a:extLst>
+              <a:ext uri="{FF2B5EF4-FFF2-40B4-BE49-F238E27FC236}">
+                <a16:creationId xmlns:a16="http://schemas.microsoft.com/office/drawing/2014/main" id="{02E2466B-276C-423A-9377-78508D6A0764}"/>
+              </a:ext>
+              <a:ext uri="{C183D7F6-B498-43B3-948B-1728B52AA6E4}">
+                <adec:decorative xmlns:adec="http://schemas.microsoft.com/office/drawing/2017/decorative" val="1"/>
+              </a:ext>
+            </a:extLst>
+          </p:cNvPr>
+          <p:cNvSpPr>
+            <a:spLocks noGrp="1" noRot="1" noChangeAspect="1" noMove="1" noResize="1" noEditPoints="1" noAdjustHandles="1" noChangeArrowheads="1" noChangeShapeType="1" noTextEdit="1"/>
+          </p:cNvSpPr>
+          <p:nvPr>
+            <p:extLst>
+              <p:ext uri="{386F3935-93C4-4BCD-93E2-E3B085C9AB24}">
+                <p16:designElem xmlns:p16="http://schemas.microsoft.com/office/powerpoint/2015/main" val="1"/>
+              </p:ext>
+            </p:extLst>
+          </p:nvPr>
+        </p:nvSpPr>
+        <p:spPr>
+          <a:xfrm>
+            <a:off x="4584751" y="0"/>
+            <a:ext cx="64008" cy="6858000"/>
+          </a:xfrm>
+          <a:prstGeom prst="rect">
+            <a:avLst/>
+          </a:prstGeom>
+          <a:solidFill>
+            <a:schemeClr val="accent1"/>
+          </a:solidFill>
+          <a:ln>
+            <a:noFill/>
+          </a:ln>
+        </p:spPr>
+        <p:style>
+          <a:lnRef idx="2">
+            <a:schemeClr val="accent1">
+              <a:shade val="50000"/>
+            </a:schemeClr>
+          </a:lnRef>
+          <a:fillRef idx="1">
+            <a:schemeClr val="accent1"/>
+          </a:fillRef>
+          <a:effectRef idx="0">
+            <a:schemeClr val="accent1"/>
+          </a:effectRef>
+          <a:fontRef idx="minor">
+            <a:schemeClr val="lt1"/>
+          </a:fontRef>
+        </p:style>
+      </p:sp>
+    </p:spTree>
+    <p:extLst>
+      <p:ext uri="{BB962C8B-B14F-4D97-AF65-F5344CB8AC3E}">
+        <p14:creationId xmlns:p14="http://schemas.microsoft.com/office/powerpoint/2010/main" val="2202522606"/>
+      </p:ext>
+    </p:extLst>
+  </p:cSld>
+  <p:clrMapOvr>
+    <a:masterClrMapping/>
+  </p:clrMapOvr>
+</p:sld>
+</file>
+
+<file path=ppt/slides/slide13.xml><?xml version="1.0" encoding="utf-8"?>
+<p:sld xmlns:a="http://schemas.openxmlformats.org/drawingml/2006/main" xmlns:r="http://schemas.openxmlformats.org/officeDocument/2006/relationships" xmlns:p="http://schemas.openxmlformats.org/presentationml/2006/main">
+  <p:cSld>
+    <p:bg>
+      <p:bgPr>
+        <a:solidFill>
+          <a:schemeClr val="bg1">
+            <a:lumMod val="75000"/>
+            <a:lumOff val="25000"/>
+          </a:schemeClr>
+        </a:solidFill>
+        <a:effectLst/>
+      </p:bgPr>
+    </p:bg>
+    <p:spTree>
+      <p:nvGrpSpPr>
+        <p:cNvPr id="1" name=""/>
+        <p:cNvGrpSpPr/>
+        <p:nvPr/>
+      </p:nvGrpSpPr>
+      <p:grpSpPr>
+        <a:xfrm>
+          <a:off x="0" y="0"/>
+          <a:ext cx="0" cy="0"/>
+          <a:chOff x="0" y="0"/>
+          <a:chExt cx="0" cy="0"/>
+        </a:xfrm>
+      </p:grpSpPr>
+      <p:sp>
+        <p:nvSpPr>
+          <p:cNvPr id="9" name="Rectangle 8">
+            <a:extLst>
+              <a:ext uri="{FF2B5EF4-FFF2-40B4-BE49-F238E27FC236}">
+                <a16:creationId xmlns:a16="http://schemas.microsoft.com/office/drawing/2014/main" id="{36E6FEC8-170C-492C-84E0-54394629D120}"/>
+              </a:ext>
+              <a:ext uri="{C183D7F6-B498-43B3-948B-1728B52AA6E4}">
+                <adec:decorative xmlns:adec="http://schemas.microsoft.com/office/drawing/2017/decorative" val="1"/>
+              </a:ext>
+            </a:extLst>
+          </p:cNvPr>
+          <p:cNvSpPr>
+            <a:spLocks noGrp="1" noRot="1" noChangeAspect="1" noMove="1" noResize="1" noEditPoints="1" noAdjustHandles="1" noChangeArrowheads="1" noChangeShapeType="1" noTextEdit="1"/>
+          </p:cNvSpPr>
+          <p:nvPr>
+            <p:extLst>
+              <p:ext uri="{386F3935-93C4-4BCD-93E2-E3B085C9AB24}">
+                <p16:designElem xmlns:p16="http://schemas.microsoft.com/office/powerpoint/2015/main" val="1"/>
+              </p:ext>
+            </p:extLst>
+          </p:nvPr>
+        </p:nvSpPr>
+        <p:spPr>
+          <a:xfrm>
+            <a:off x="3175" y="6400800"/>
+            <a:ext cx="12188825" cy="457200"/>
+          </a:xfrm>
+          <a:prstGeom prst="rect">
+            <a:avLst/>
+          </a:prstGeom>
+          <a:solidFill>
+            <a:schemeClr val="accent1">
+              <a:lumMod val="75000"/>
+            </a:schemeClr>
+          </a:solidFill>
+          <a:ln>
+            <a:noFill/>
+          </a:ln>
+        </p:spPr>
+        <p:style>
+          <a:lnRef idx="2">
+            <a:schemeClr val="accent1">
+              <a:shade val="50000"/>
+            </a:schemeClr>
+          </a:lnRef>
+          <a:fillRef idx="1">
+            <a:schemeClr val="accent1"/>
+          </a:fillRef>
+          <a:effectRef idx="0">
+            <a:schemeClr val="accent1"/>
+          </a:effectRef>
+          <a:fontRef idx="minor">
+            <a:schemeClr val="lt1"/>
+          </a:fontRef>
+        </p:style>
+      </p:sp>
+      <p:sp>
+        <p:nvSpPr>
+          <p:cNvPr id="11" name="Rectangle 10">
+            <a:extLst>
+              <a:ext uri="{FF2B5EF4-FFF2-40B4-BE49-F238E27FC236}">
+                <a16:creationId xmlns:a16="http://schemas.microsoft.com/office/drawing/2014/main" id="{DEE940A1-B9E0-4C5D-A55E-B19742379C83}"/>
+              </a:ext>
+              <a:ext uri="{C183D7F6-B498-43B3-948B-1728B52AA6E4}">
+                <adec:decorative xmlns:adec="http://schemas.microsoft.com/office/drawing/2017/decorative" val="1"/>
+              </a:ext>
+            </a:extLst>
+          </p:cNvPr>
+          <p:cNvSpPr>
+            <a:spLocks noGrp="1" noRot="1" noChangeAspect="1" noMove="1" noResize="1" noEditPoints="1" noAdjustHandles="1" noChangeArrowheads="1" noChangeShapeType="1" noTextEdit="1"/>
+          </p:cNvSpPr>
+          <p:nvPr>
+            <p:extLst>
+              <p:ext uri="{386F3935-93C4-4BCD-93E2-E3B085C9AB24}">
+                <p16:designElem xmlns:p16="http://schemas.microsoft.com/office/powerpoint/2015/main" val="1"/>
+              </p:ext>
+            </p:extLst>
+          </p:nvPr>
+        </p:nvSpPr>
+        <p:spPr>
+          <a:xfrm>
+            <a:off x="15" y="6334316"/>
+            <a:ext cx="12188825" cy="64008"/>
+          </a:xfrm>
+          <a:prstGeom prst="rect">
+            <a:avLst/>
+          </a:prstGeom>
+          <a:solidFill>
+            <a:schemeClr val="accent1"/>
+          </a:solidFill>
+          <a:ln>
+            <a:noFill/>
+          </a:ln>
+        </p:spPr>
+        <p:style>
+          <a:lnRef idx="2">
+            <a:schemeClr val="accent1">
+              <a:shade val="50000"/>
+            </a:schemeClr>
+          </a:lnRef>
+          <a:fillRef idx="1">
+            <a:schemeClr val="accent1"/>
+          </a:fillRef>
+          <a:effectRef idx="0">
+            <a:schemeClr val="accent1"/>
+          </a:effectRef>
+          <a:fontRef idx="minor">
+            <a:schemeClr val="lt1"/>
+          </a:fontRef>
+        </p:style>
+      </p:sp>
+      <p:cxnSp>
+        <p:nvCxnSpPr>
+          <p:cNvPr id="13" name="Straight Connector 12">
+            <a:extLst>
+              <a:ext uri="{FF2B5EF4-FFF2-40B4-BE49-F238E27FC236}">
+                <a16:creationId xmlns:a16="http://schemas.microsoft.com/office/drawing/2014/main" id="{81C8E47B-A563-4B44-A9B0-9316605C2E4E}"/>
+              </a:ext>
+              <a:ext uri="{C183D7F6-B498-43B3-948B-1728B52AA6E4}">
+                <adec:decorative xmlns:adec="http://schemas.microsoft.com/office/drawing/2017/decorative" val="1"/>
+              </a:ext>
+            </a:extLst>
+          </p:cNvPr>
+          <p:cNvCxnSpPr>
+            <a:cxnSpLocks noGrp="1" noRot="1" noChangeAspect="1" noMove="1" noResize="1" noEditPoints="1" noAdjustHandles="1" noChangeArrowheads="1" noChangeShapeType="1"/>
+          </p:cNvCxnSpPr>
+          <p:nvPr>
+            <p:extLst>
+              <p:ext uri="{386F3935-93C4-4BCD-93E2-E3B085C9AB24}">
+                <p16:designElem xmlns:p16="http://schemas.microsoft.com/office/powerpoint/2015/main" val="1"/>
+              </p:ext>
+            </p:extLst>
+          </p:nvPr>
+        </p:nvCxnSpPr>
+        <p:spPr>
+          <a:xfrm>
+            <a:off x="1207658" y="4343400"/>
+            <a:ext cx="9875520" cy="0"/>
+          </a:xfrm>
+          <a:prstGeom prst="line">
+            <a:avLst/>
+          </a:prstGeom>
+          <a:ln w="6350">
+            <a:solidFill>
+              <a:schemeClr val="tx1">
+                <a:lumMod val="50000"/>
+                <a:lumOff val="50000"/>
+              </a:schemeClr>
+            </a:solidFill>
+          </a:ln>
+        </p:spPr>
+        <p:style>
+          <a:lnRef idx="1">
+            <a:schemeClr val="accent1"/>
+          </a:lnRef>
+          <a:fillRef idx="0">
+            <a:schemeClr val="accent1"/>
+          </a:fillRef>
+          <a:effectRef idx="0">
+            <a:schemeClr val="accent1"/>
+          </a:effectRef>
+          <a:fontRef idx="minor">
+            <a:schemeClr val="tx1"/>
+          </a:fontRef>
+        </p:style>
+      </p:cxnSp>
+      <p:pic>
+        <p:nvPicPr>
+          <p:cNvPr id="4" name="Picture 3">
+            <a:extLst>
+              <a:ext uri="{FF2B5EF4-FFF2-40B4-BE49-F238E27FC236}">
+                <a16:creationId xmlns:a16="http://schemas.microsoft.com/office/drawing/2014/main" id="{1CCF55AA-2D19-4768-8CAF-EC2CF895994E}"/>
+              </a:ext>
+            </a:extLst>
+          </p:cNvPr>
+          <p:cNvPicPr>
+            <a:picLocks noChangeAspect="1"/>
+          </p:cNvPicPr>
+          <p:nvPr/>
+        </p:nvPicPr>
+        <p:blipFill rotWithShape="1">
+          <a:blip r:embed="rId2"/>
+          <a:srcRect t="1334" b="11028"/>
+          <a:stretch/>
+        </p:blipFill>
+        <p:spPr>
+          <a:xfrm>
+            <a:off x="-32" y="10"/>
+            <a:ext cx="12192031" cy="4915066"/>
+          </a:xfrm>
+          <a:prstGeom prst="rect">
+            <a:avLst/>
+          </a:prstGeom>
+        </p:spPr>
+      </p:pic>
+      <p:sp>
+        <p:nvSpPr>
+          <p:cNvPr id="15" name="Rectangle 14">
+            <a:extLst>
+              <a:ext uri="{FF2B5EF4-FFF2-40B4-BE49-F238E27FC236}">
+                <a16:creationId xmlns:a16="http://schemas.microsoft.com/office/drawing/2014/main" id="{54BFABF9-7D43-458F-B85F-04FF279ACB81}"/>
+              </a:ext>
+              <a:ext uri="{C183D7F6-B498-43B3-948B-1728B52AA6E4}">
+                <adec:decorative xmlns:adec="http://schemas.microsoft.com/office/drawing/2017/decorative" val="1"/>
+              </a:ext>
+            </a:extLst>
+          </p:cNvPr>
+          <p:cNvSpPr>
+            <a:spLocks noGrp="1" noRot="1" noChangeAspect="1" noMove="1" noResize="1" noEditPoints="1" noAdjustHandles="1" noChangeArrowheads="1" noChangeShapeType="1" noTextEdit="1"/>
+          </p:cNvSpPr>
+          <p:nvPr>
+            <p:extLst>
+              <p:ext uri="{386F3935-93C4-4BCD-93E2-E3B085C9AB24}">
+                <p16:designElem xmlns:p16="http://schemas.microsoft.com/office/powerpoint/2015/main" val="1"/>
+              </p:ext>
+            </p:extLst>
+          </p:nvPr>
+        </p:nvSpPr>
+        <p:spPr bwMode="white">
+          <a:xfrm>
+            <a:off x="1507" y="4953000"/>
+            <a:ext cx="12188952" cy="1905000"/>
+          </a:xfrm>
+          <a:prstGeom prst="rect">
+            <a:avLst/>
+          </a:prstGeom>
+          <a:solidFill>
+            <a:schemeClr val="accent1">
+              <a:lumMod val="75000"/>
+            </a:schemeClr>
+          </a:solidFill>
+          <a:ln>
+            <a:noFill/>
+          </a:ln>
+        </p:spPr>
+        <p:style>
+          <a:lnRef idx="2">
+            <a:schemeClr val="accent1">
+              <a:shade val="50000"/>
+            </a:schemeClr>
+          </a:lnRef>
+          <a:fillRef idx="1">
+            <a:schemeClr val="accent1"/>
+          </a:fillRef>
+          <a:effectRef idx="0">
+            <a:schemeClr val="accent1"/>
+          </a:effectRef>
+          <a:fontRef idx="minor">
+            <a:schemeClr val="lt1"/>
+          </a:fontRef>
+        </p:style>
+      </p:sp>
+      <p:sp>
+        <p:nvSpPr>
+          <p:cNvPr id="2" name="Title 1">
+            <a:extLst>
+              <a:ext uri="{FF2B5EF4-FFF2-40B4-BE49-F238E27FC236}">
+                <a16:creationId xmlns:a16="http://schemas.microsoft.com/office/drawing/2014/main" id="{63950B4F-5F45-4EFE-877F-E487E96E3B06}"/>
+              </a:ext>
+            </a:extLst>
+          </p:cNvPr>
+          <p:cNvSpPr>
+            <a:spLocks noGrp="1"/>
+          </p:cNvSpPr>
+          <p:nvPr>
+            <p:ph type="title"/>
+          </p:nvPr>
+        </p:nvSpPr>
+        <p:spPr>
+          <a:xfrm>
+            <a:off x="1065197" y="5120640"/>
+            <a:ext cx="10058400" cy="822960"/>
+          </a:xfrm>
+        </p:spPr>
+        <p:txBody>
+          <a:bodyPr vert="horz" lIns="91440" tIns="45720" rIns="91440" bIns="45720" rtlCol="0" anchor="b">
+            <a:normAutofit/>
+          </a:bodyPr>
+          <a:lstStyle/>
+          <a:p>
+            <a:r>
+              <a:rPr lang="en-US" sz="3600">
+                <a:solidFill>
+                  <a:srgbClr val="FFFFFF"/>
+                </a:solidFill>
+              </a:rPr>
+              <a:t>Controllers and Actions : Routing</a:t>
+            </a:r>
+          </a:p>
+        </p:txBody>
+      </p:sp>
+      <p:sp>
+        <p:nvSpPr>
+          <p:cNvPr id="17" name="Rectangle 16">
+            <a:extLst>
+              <a:ext uri="{FF2B5EF4-FFF2-40B4-BE49-F238E27FC236}">
+                <a16:creationId xmlns:a16="http://schemas.microsoft.com/office/drawing/2014/main" id="{72E64342-BCC2-4FB3-B9DC-14B19B5D7E2B}"/>
+              </a:ext>
+              <a:ext uri="{C183D7F6-B498-43B3-948B-1728B52AA6E4}">
+                <adec:decorative xmlns:adec="http://schemas.microsoft.com/office/drawing/2017/decorative" val="1"/>
+              </a:ext>
+            </a:extLst>
+          </p:cNvPr>
+          <p:cNvSpPr>
+            <a:spLocks noGrp="1" noRot="1" noChangeAspect="1" noMove="1" noResize="1" noEditPoints="1" noAdjustHandles="1" noChangeArrowheads="1" noChangeShapeType="1" noTextEdit="1"/>
+          </p:cNvSpPr>
+          <p:nvPr>
+            <p:extLst>
+              <p:ext uri="{386F3935-93C4-4BCD-93E2-E3B085C9AB24}">
+                <p16:designElem xmlns:p16="http://schemas.microsoft.com/office/powerpoint/2015/main" val="1"/>
+              </p:ext>
+            </p:extLst>
+          </p:nvPr>
+        </p:nvSpPr>
+        <p:spPr>
+          <a:xfrm>
+            <a:off x="1507" y="4906176"/>
+            <a:ext cx="12188952" cy="64008"/>
+          </a:xfrm>
+          <a:prstGeom prst="rect">
+            <a:avLst/>
+          </a:prstGeom>
+          <a:solidFill>
+            <a:schemeClr val="accent1"/>
+          </a:solidFill>
+          <a:ln>
+            <a:noFill/>
+          </a:ln>
+        </p:spPr>
+        <p:style>
+          <a:lnRef idx="2">
+            <a:schemeClr val="accent1">
+              <a:shade val="50000"/>
+            </a:schemeClr>
+          </a:lnRef>
+          <a:fillRef idx="1">
+            <a:schemeClr val="accent1"/>
+          </a:fillRef>
+          <a:effectRef idx="0">
+            <a:schemeClr val="accent1"/>
+          </a:effectRef>
+          <a:fontRef idx="minor">
+            <a:schemeClr val="lt1"/>
+          </a:fontRef>
+        </p:style>
+      </p:sp>
+    </p:spTree>
+    <p:extLst>
+      <p:ext uri="{BB962C8B-B14F-4D97-AF65-F5344CB8AC3E}">
+        <p14:creationId xmlns:p14="http://schemas.microsoft.com/office/powerpoint/2010/main" val="4024183203"/>
+      </p:ext>
+    </p:extLst>
+  </p:cSld>
+  <p:clrMapOvr>
+    <a:masterClrMapping/>
+  </p:clrMapOvr>
+</p:sld>
+</file>
+
+<file path=ppt/slides/slide14.xml><?xml version="1.0" encoding="utf-8"?>
+<p:sld xmlns:a="http://schemas.openxmlformats.org/drawingml/2006/main" xmlns:r="http://schemas.openxmlformats.org/officeDocument/2006/relationships" xmlns:p="http://schemas.openxmlformats.org/presentationml/2006/main">
+  <p:cSld>
+    <p:bg>
+      <p:bgPr>
+        <a:solidFill>
+          <a:schemeClr val="bg1">
+            <a:lumMod val="75000"/>
+            <a:lumOff val="25000"/>
+          </a:schemeClr>
+        </a:solidFill>
+        <a:effectLst/>
+      </p:bgPr>
+    </p:bg>
+    <p:spTree>
+      <p:nvGrpSpPr>
+        <p:cNvPr id="1" name=""/>
+        <p:cNvGrpSpPr/>
+        <p:nvPr/>
+      </p:nvGrpSpPr>
+      <p:grpSpPr>
+        <a:xfrm>
+          <a:off x="0" y="0"/>
+          <a:ext cx="0" cy="0"/>
+          <a:chOff x="0" y="0"/>
+          <a:chExt cx="0" cy="0"/>
+        </a:xfrm>
+      </p:grpSpPr>
+      <p:sp>
+        <p:nvSpPr>
+          <p:cNvPr id="10" name="Rectangle 9">
+            <a:extLst>
+              <a:ext uri="{FF2B5EF4-FFF2-40B4-BE49-F238E27FC236}">
+                <a16:creationId xmlns:a16="http://schemas.microsoft.com/office/drawing/2014/main" id="{36E6FEC8-170C-492C-84E0-54394629D120}"/>
+              </a:ext>
+              <a:ext uri="{C183D7F6-B498-43B3-948B-1728B52AA6E4}">
+                <adec:decorative xmlns:adec="http://schemas.microsoft.com/office/drawing/2017/decorative" val="1"/>
+              </a:ext>
+            </a:extLst>
+          </p:cNvPr>
+          <p:cNvSpPr>
+            <a:spLocks noGrp="1" noRot="1" noChangeAspect="1" noMove="1" noResize="1" noEditPoints="1" noAdjustHandles="1" noChangeArrowheads="1" noChangeShapeType="1" noTextEdit="1"/>
+          </p:cNvSpPr>
+          <p:nvPr>
+            <p:extLst>
+              <p:ext uri="{386F3935-93C4-4BCD-93E2-E3B085C9AB24}">
+                <p16:designElem xmlns:p16="http://schemas.microsoft.com/office/powerpoint/2015/main" val="1"/>
+              </p:ext>
+            </p:extLst>
+          </p:nvPr>
+        </p:nvSpPr>
+        <p:spPr>
+          <a:xfrm>
+            <a:off x="3175" y="6400800"/>
+            <a:ext cx="12188825" cy="457200"/>
+          </a:xfrm>
+          <a:prstGeom prst="rect">
+            <a:avLst/>
+          </a:prstGeom>
+          <a:solidFill>
+            <a:schemeClr val="accent1">
+              <a:lumMod val="75000"/>
+            </a:schemeClr>
+          </a:solidFill>
+          <a:ln>
+            <a:noFill/>
+          </a:ln>
+        </p:spPr>
+        <p:style>
+          <a:lnRef idx="2">
+            <a:schemeClr val="accent1">
+              <a:shade val="50000"/>
+            </a:schemeClr>
+          </a:lnRef>
+          <a:fillRef idx="1">
+            <a:schemeClr val="accent1"/>
+          </a:fillRef>
+          <a:effectRef idx="0">
+            <a:schemeClr val="accent1"/>
+          </a:effectRef>
+          <a:fontRef idx="minor">
+            <a:schemeClr val="lt1"/>
+          </a:fontRef>
+        </p:style>
+      </p:sp>
+      <p:sp>
+        <p:nvSpPr>
+          <p:cNvPr id="12" name="Rectangle 11">
+            <a:extLst>
+              <a:ext uri="{FF2B5EF4-FFF2-40B4-BE49-F238E27FC236}">
+                <a16:creationId xmlns:a16="http://schemas.microsoft.com/office/drawing/2014/main" id="{DEE940A1-B9E0-4C5D-A55E-B19742379C83}"/>
+              </a:ext>
+              <a:ext uri="{C183D7F6-B498-43B3-948B-1728B52AA6E4}">
+                <adec:decorative xmlns:adec="http://schemas.microsoft.com/office/drawing/2017/decorative" val="1"/>
+              </a:ext>
+            </a:extLst>
+          </p:cNvPr>
+          <p:cNvSpPr>
+            <a:spLocks noGrp="1" noRot="1" noChangeAspect="1" noMove="1" noResize="1" noEditPoints="1" noAdjustHandles="1" noChangeArrowheads="1" noChangeShapeType="1" noTextEdit="1"/>
+          </p:cNvSpPr>
+          <p:nvPr>
+            <p:extLst>
+              <p:ext uri="{386F3935-93C4-4BCD-93E2-E3B085C9AB24}">
+                <p16:designElem xmlns:p16="http://schemas.microsoft.com/office/powerpoint/2015/main" val="1"/>
+              </p:ext>
+            </p:extLst>
+          </p:nvPr>
+        </p:nvSpPr>
+        <p:spPr>
+          <a:xfrm>
+            <a:off x="15" y="6334316"/>
+            <a:ext cx="12188825" cy="64008"/>
+          </a:xfrm>
+          <a:prstGeom prst="rect">
+            <a:avLst/>
+          </a:prstGeom>
+          <a:solidFill>
+            <a:schemeClr val="accent1"/>
+          </a:solidFill>
+          <a:ln>
+            <a:noFill/>
+          </a:ln>
+        </p:spPr>
+        <p:style>
+          <a:lnRef idx="2">
+            <a:schemeClr val="accent1">
+              <a:shade val="50000"/>
+            </a:schemeClr>
+          </a:lnRef>
+          <a:fillRef idx="1">
+            <a:schemeClr val="accent1"/>
+          </a:fillRef>
+          <a:effectRef idx="0">
+            <a:schemeClr val="accent1"/>
+          </a:effectRef>
+          <a:fontRef idx="minor">
+            <a:schemeClr val="lt1"/>
+          </a:fontRef>
+        </p:style>
+      </p:sp>
+      <p:cxnSp>
+        <p:nvCxnSpPr>
+          <p:cNvPr id="14" name="Straight Connector 13">
+            <a:extLst>
+              <a:ext uri="{FF2B5EF4-FFF2-40B4-BE49-F238E27FC236}">
+                <a16:creationId xmlns:a16="http://schemas.microsoft.com/office/drawing/2014/main" id="{81C8E47B-A563-4B44-A9B0-9316605C2E4E}"/>
+              </a:ext>
+              <a:ext uri="{C183D7F6-B498-43B3-948B-1728B52AA6E4}">
+                <adec:decorative xmlns:adec="http://schemas.microsoft.com/office/drawing/2017/decorative" val="1"/>
+              </a:ext>
+            </a:extLst>
+          </p:cNvPr>
+          <p:cNvCxnSpPr>
+            <a:cxnSpLocks noGrp="1" noRot="1" noChangeAspect="1" noMove="1" noResize="1" noEditPoints="1" noAdjustHandles="1" noChangeArrowheads="1" noChangeShapeType="1"/>
+          </p:cNvCxnSpPr>
+          <p:nvPr>
+            <p:extLst>
+              <p:ext uri="{386F3935-93C4-4BCD-93E2-E3B085C9AB24}">
+                <p16:designElem xmlns:p16="http://schemas.microsoft.com/office/powerpoint/2015/main" val="1"/>
+              </p:ext>
+            </p:extLst>
+          </p:nvPr>
+        </p:nvCxnSpPr>
+        <p:spPr>
+          <a:xfrm>
+            <a:off x="1207658" y="4343400"/>
+            <a:ext cx="9875520" cy="0"/>
+          </a:xfrm>
+          <a:prstGeom prst="line">
+            <a:avLst/>
+          </a:prstGeom>
+          <a:ln w="6350">
+            <a:solidFill>
+              <a:schemeClr val="tx1">
+                <a:lumMod val="50000"/>
+                <a:lumOff val="50000"/>
+              </a:schemeClr>
+            </a:solidFill>
+          </a:ln>
+        </p:spPr>
+        <p:style>
+          <a:lnRef idx="1">
+            <a:schemeClr val="accent1"/>
+          </a:lnRef>
+          <a:fillRef idx="0">
+            <a:schemeClr val="accent1"/>
+          </a:fillRef>
+          <a:effectRef idx="0">
+            <a:schemeClr val="accent1"/>
+          </a:effectRef>
+          <a:fontRef idx="minor">
+            <a:schemeClr val="tx1"/>
+          </a:fontRef>
+        </p:style>
+      </p:cxnSp>
+      <p:sp>
+        <p:nvSpPr>
+          <p:cNvPr id="16" name="Rectangle 15">
+            <a:extLst>
+              <a:ext uri="{FF2B5EF4-FFF2-40B4-BE49-F238E27FC236}">
+                <a16:creationId xmlns:a16="http://schemas.microsoft.com/office/drawing/2014/main" id="{89CEF278-62C5-49CA-8BD9-BCDBE9977FF3}"/>
+              </a:ext>
+              <a:ext uri="{C183D7F6-B498-43B3-948B-1728B52AA6E4}">
+                <adec:decorative xmlns:adec="http://schemas.microsoft.com/office/drawing/2017/decorative" val="1"/>
+              </a:ext>
+            </a:extLst>
+          </p:cNvPr>
+          <p:cNvSpPr>
+            <a:spLocks noGrp="1" noRot="1" noChangeAspect="1" noMove="1" noResize="1" noEditPoints="1" noAdjustHandles="1" noChangeArrowheads="1" noChangeShapeType="1" noTextEdit="1"/>
+          </p:cNvSpPr>
+          <p:nvPr>
+            <p:extLst>
+              <p:ext uri="{386F3935-93C4-4BCD-93E2-E3B085C9AB24}">
+                <p16:designElem xmlns:p16="http://schemas.microsoft.com/office/powerpoint/2015/main" val="1"/>
+              </p:ext>
+            </p:extLst>
+          </p:nvPr>
+        </p:nvSpPr>
+        <p:spPr bwMode="white">
+          <a:xfrm>
+            <a:off x="16" y="0"/>
+            <a:ext cx="4584734" cy="6858000"/>
+          </a:xfrm>
+          <a:prstGeom prst="rect">
+            <a:avLst/>
+          </a:prstGeom>
+          <a:solidFill>
+            <a:schemeClr val="accent1">
+              <a:lumMod val="75000"/>
+            </a:schemeClr>
+          </a:solidFill>
+          <a:ln>
+            <a:noFill/>
+          </a:ln>
+        </p:spPr>
+        <p:style>
+          <a:lnRef idx="2">
+            <a:schemeClr val="accent1">
+              <a:shade val="50000"/>
+            </a:schemeClr>
+          </a:lnRef>
+          <a:fillRef idx="1">
+            <a:schemeClr val="accent1"/>
+          </a:fillRef>
+          <a:effectRef idx="0">
+            <a:schemeClr val="accent1"/>
+          </a:effectRef>
+          <a:fontRef idx="minor">
+            <a:schemeClr val="lt1"/>
+          </a:fontRef>
+        </p:style>
+      </p:sp>
+      <p:sp>
+        <p:nvSpPr>
+          <p:cNvPr id="2" name="Title 1">
+            <a:extLst>
+              <a:ext uri="{FF2B5EF4-FFF2-40B4-BE49-F238E27FC236}">
+                <a16:creationId xmlns:a16="http://schemas.microsoft.com/office/drawing/2014/main" id="{63950B4F-5F45-4EFE-877F-E487E96E3B06}"/>
+              </a:ext>
+            </a:extLst>
+          </p:cNvPr>
+          <p:cNvSpPr>
+            <a:spLocks noGrp="1"/>
+          </p:cNvSpPr>
+          <p:nvPr>
+            <p:ph type="title"/>
+          </p:nvPr>
+        </p:nvSpPr>
+        <p:spPr>
+          <a:xfrm>
+            <a:off x="457200" y="640080"/>
+            <a:ext cx="3659246" cy="2926080"/>
+          </a:xfrm>
+        </p:spPr>
+        <p:txBody>
+          <a:bodyPr vert="horz" lIns="91440" tIns="45720" rIns="91440" bIns="45720" rtlCol="0" anchor="b">
+            <a:normAutofit/>
+          </a:bodyPr>
+          <a:lstStyle/>
+          <a:p>
+            <a:r>
+              <a:rPr lang="en-US" sz="4400">
+                <a:solidFill>
+                  <a:srgbClr val="FFFFFF"/>
+                </a:solidFill>
+              </a:rPr>
+              <a:t>Controllers and Actions: HTTP Verbs</a:t>
+            </a:r>
+          </a:p>
+        </p:txBody>
+      </p:sp>
+      <p:pic>
+        <p:nvPicPr>
+          <p:cNvPr id="5" name="Picture 4">
+            <a:extLst>
+              <a:ext uri="{FF2B5EF4-FFF2-40B4-BE49-F238E27FC236}">
+                <a16:creationId xmlns:a16="http://schemas.microsoft.com/office/drawing/2014/main" id="{12E7A4C0-D4FF-473E-BD1A-2D16A2D1B7C0}"/>
+              </a:ext>
+            </a:extLst>
+          </p:cNvPr>
+          <p:cNvPicPr>
+            <a:picLocks noChangeAspect="1"/>
+          </p:cNvPicPr>
+          <p:nvPr/>
+        </p:nvPicPr>
+        <p:blipFill rotWithShape="1">
+          <a:blip r:embed="rId2"/>
+          <a:srcRect r="34202" b="2"/>
+          <a:stretch/>
+        </p:blipFill>
+        <p:spPr>
+          <a:xfrm>
+            <a:off x="4639733" y="10"/>
+            <a:ext cx="7552266" cy="6857990"/>
+          </a:xfrm>
+          <a:prstGeom prst="rect">
+            <a:avLst/>
+          </a:prstGeom>
+        </p:spPr>
+      </p:pic>
+      <p:sp>
+        <p:nvSpPr>
+          <p:cNvPr id="18" name="Rectangle 17">
+            <a:extLst>
+              <a:ext uri="{FF2B5EF4-FFF2-40B4-BE49-F238E27FC236}">
+                <a16:creationId xmlns:a16="http://schemas.microsoft.com/office/drawing/2014/main" id="{02E2466B-276C-423A-9377-78508D6A0764}"/>
+              </a:ext>
+              <a:ext uri="{C183D7F6-B498-43B3-948B-1728B52AA6E4}">
+                <adec:decorative xmlns:adec="http://schemas.microsoft.com/office/drawing/2017/decorative" val="1"/>
+              </a:ext>
+            </a:extLst>
+          </p:cNvPr>
+          <p:cNvSpPr>
+            <a:spLocks noGrp="1" noRot="1" noChangeAspect="1" noMove="1" noResize="1" noEditPoints="1" noAdjustHandles="1" noChangeArrowheads="1" noChangeShapeType="1" noTextEdit="1"/>
+          </p:cNvSpPr>
+          <p:nvPr>
+            <p:extLst>
+              <p:ext uri="{386F3935-93C4-4BCD-93E2-E3B085C9AB24}">
+                <p16:designElem xmlns:p16="http://schemas.microsoft.com/office/powerpoint/2015/main" val="1"/>
+              </p:ext>
+            </p:extLst>
+          </p:nvPr>
+        </p:nvSpPr>
+        <p:spPr>
+          <a:xfrm>
+            <a:off x="4584751" y="0"/>
+            <a:ext cx="64008" cy="6858000"/>
+          </a:xfrm>
+          <a:prstGeom prst="rect">
+            <a:avLst/>
+          </a:prstGeom>
+          <a:solidFill>
+            <a:schemeClr val="accent1"/>
+          </a:solidFill>
+          <a:ln>
+            <a:noFill/>
+          </a:ln>
+        </p:spPr>
+        <p:style>
+          <a:lnRef idx="2">
+            <a:schemeClr val="accent1">
+              <a:shade val="50000"/>
+            </a:schemeClr>
+          </a:lnRef>
+          <a:fillRef idx="1">
+            <a:schemeClr val="accent1"/>
+          </a:fillRef>
+          <a:effectRef idx="0">
+            <a:schemeClr val="accent1"/>
+          </a:effectRef>
+          <a:fontRef idx="minor">
+            <a:schemeClr val="lt1"/>
+          </a:fontRef>
+        </p:style>
+      </p:sp>
+    </p:spTree>
+    <p:extLst>
+      <p:ext uri="{BB962C8B-B14F-4D97-AF65-F5344CB8AC3E}">
+        <p14:creationId xmlns:p14="http://schemas.microsoft.com/office/powerpoint/2010/main" val="875478547"/>
+      </p:ext>
+    </p:extLst>
+  </p:cSld>
+  <p:clrMapOvr>
+    <a:masterClrMapping/>
+  </p:clrMapOvr>
+  <p:timing>
+    <p:tnLst>
+      <p:par>
+        <p:cTn id="1" dur="indefinite" restart="never" nodeType="tmRoot">
+          <p:childTnLst>
+            <p:seq concurrent="1" nextAc="seek">
+              <p:cTn id="2" dur="indefinite" nodeType="mainSeq">
+                <p:childTnLst>
+                  <p:par>
+                    <p:cTn id="3" fill="hold">
+                      <p:stCondLst>
+                        <p:cond delay="indefinite"/>
+                        <p:cond evt="onBegin" delay="0">
+                          <p:tn val="2"/>
+                        </p:cond>
+                      </p:stCondLst>
+                      <p:childTnLst>
+                        <p:par>
+                          <p:cTn id="4" fill="hold">
+                            <p:stCondLst>
+                              <p:cond delay="0"/>
+                            </p:stCondLst>
+                            <p:childTnLst>
+                              <p:par>
+                                <p:cTn id="5" presetID="10" presetClass="entr" presetSubtype="0" fill="hold" grpId="0" nodeType="withEffect">
+                                  <p:stCondLst>
+                                    <p:cond delay="1000"/>
+                                  </p:stCondLst>
+                                  <p:iterate type="lt">
+                                    <p:tmPct val="10000"/>
+                                  </p:iterate>
+                                  <p:childTnLst>
+                                    <p:set>
+                                      <p:cBhvr>
+                                        <p:cTn id="6" dur="1" fill="hold">
+                                          <p:stCondLst>
+                                            <p:cond delay="0"/>
+                                          </p:stCondLst>
+                                        </p:cTn>
+                                        <p:tgtEl>
+                                          <p:spTgt spid="2"/>
+                                        </p:tgtEl>
+                                        <p:attrNameLst>
+                                          <p:attrName>style.visibility</p:attrName>
+                                        </p:attrNameLst>
+                                      </p:cBhvr>
+                                      <p:to>
+                                        <p:strVal val="visible"/>
+                                      </p:to>
+                                    </p:set>
+                                    <p:animEffect transition="in" filter="fade">
+                                      <p:cBhvr>
+                                        <p:cTn id="7" dur="400"/>
+                                        <p:tgtEl>
+                                          <p:spTgt spid="2"/>
+                                        </p:tgtEl>
+                                      </p:cBhvr>
+                                    </p:animEffect>
+                                  </p:childTnLst>
+                                </p:cTn>
+                              </p:par>
+                            </p:childTnLst>
+                          </p:cTn>
+                        </p:par>
+                      </p:childTnLst>
+                    </p:cTn>
+                  </p:par>
+                </p:childTnLst>
+              </p:cTn>
+              <p:prevCondLst>
+                <p:cond evt="onPrev" delay="0">
+                  <p:tgtEl>
+                    <p:sldTgt/>
+                  </p:tgtEl>
+                </p:cond>
+              </p:prevCondLst>
+              <p:nextCondLst>
+                <p:cond evt="onNext" delay="0">
+                  <p:tgtEl>
+                    <p:sldTgt/>
+                  </p:tgtEl>
+                </p:cond>
+              </p:nextCondLst>
+            </p:seq>
+          </p:childTnLst>
+        </p:cTn>
+      </p:par>
+    </p:tnLst>
+    <p:bldLst>
+      <p:bldP spid="2" grpId="0"/>
+    </p:bldLst>
+  </p:timing>
+</p:sld>
+</file>
+
+<file path=ppt/slides/slide15.xml><?xml version="1.0" encoding="utf-8"?>
+<p:sld xmlns:a="http://schemas.openxmlformats.org/drawingml/2006/main" xmlns:r="http://schemas.openxmlformats.org/officeDocument/2006/relationships" xmlns:p="http://schemas.openxmlformats.org/presentationml/2006/main">
+  <p:cSld>
+    <p:bg>
+      <p:bgPr>
+        <a:solidFill>
+          <a:schemeClr val="bg1">
+            <a:lumMod val="75000"/>
+            <a:lumOff val="25000"/>
+          </a:schemeClr>
+        </a:solidFill>
+        <a:effectLst/>
+      </p:bgPr>
+    </p:bg>
+    <p:spTree>
+      <p:nvGrpSpPr>
+        <p:cNvPr id="1" name=""/>
+        <p:cNvGrpSpPr/>
+        <p:nvPr/>
+      </p:nvGrpSpPr>
+      <p:grpSpPr>
+        <a:xfrm>
+          <a:off x="0" y="0"/>
+          <a:ext cx="0" cy="0"/>
+          <a:chOff x="0" y="0"/>
+          <a:chExt cx="0" cy="0"/>
+        </a:xfrm>
+      </p:grpSpPr>
+      <p:sp>
+        <p:nvSpPr>
+          <p:cNvPr id="20" name="Rectangle 9">
+            <a:extLst>
+              <a:ext uri="{FF2B5EF4-FFF2-40B4-BE49-F238E27FC236}">
+                <a16:creationId xmlns:a16="http://schemas.microsoft.com/office/drawing/2014/main" id="{36E6FEC8-170C-492C-84E0-54394629D120}"/>
+              </a:ext>
+              <a:ext uri="{C183D7F6-B498-43B3-948B-1728B52AA6E4}">
+                <adec:decorative xmlns:adec="http://schemas.microsoft.com/office/drawing/2017/decorative" val="1"/>
+              </a:ext>
+            </a:extLst>
+          </p:cNvPr>
+          <p:cNvSpPr>
+            <a:spLocks noGrp="1" noRot="1" noChangeAspect="1" noMove="1" noResize="1" noEditPoints="1" noAdjustHandles="1" noChangeArrowheads="1" noChangeShapeType="1" noTextEdit="1"/>
+          </p:cNvSpPr>
+          <p:nvPr>
+            <p:extLst>
+              <p:ext uri="{386F3935-93C4-4BCD-93E2-E3B085C9AB24}">
+                <p16:designElem xmlns:p16="http://schemas.microsoft.com/office/powerpoint/2015/main" val="1"/>
+              </p:ext>
+            </p:extLst>
+          </p:nvPr>
+        </p:nvSpPr>
+        <p:spPr>
+          <a:xfrm>
+            <a:off x="3175" y="6400800"/>
+            <a:ext cx="12188825" cy="457200"/>
+          </a:xfrm>
+          <a:prstGeom prst="rect">
+            <a:avLst/>
+          </a:prstGeom>
+          <a:solidFill>
+            <a:schemeClr val="accent1">
+              <a:lumMod val="75000"/>
+            </a:schemeClr>
+          </a:solidFill>
+          <a:ln>
+            <a:noFill/>
+          </a:ln>
+        </p:spPr>
+        <p:style>
+          <a:lnRef idx="2">
+            <a:schemeClr val="accent1">
+              <a:shade val="50000"/>
+            </a:schemeClr>
+          </a:lnRef>
+          <a:fillRef idx="1">
+            <a:schemeClr val="accent1"/>
+          </a:fillRef>
+          <a:effectRef idx="0">
+            <a:schemeClr val="accent1"/>
+          </a:effectRef>
+          <a:fontRef idx="minor">
+            <a:schemeClr val="lt1"/>
+          </a:fontRef>
+        </p:style>
+      </p:sp>
+      <p:sp>
+        <p:nvSpPr>
+          <p:cNvPr id="21" name="Rectangle 11">
+            <a:extLst>
+              <a:ext uri="{FF2B5EF4-FFF2-40B4-BE49-F238E27FC236}">
+                <a16:creationId xmlns:a16="http://schemas.microsoft.com/office/drawing/2014/main" id="{DEE940A1-B9E0-4C5D-A55E-B19742379C83}"/>
+              </a:ext>
+              <a:ext uri="{C183D7F6-B498-43B3-948B-1728B52AA6E4}">
+                <adec:decorative xmlns:adec="http://schemas.microsoft.com/office/drawing/2017/decorative" val="1"/>
+              </a:ext>
+            </a:extLst>
+          </p:cNvPr>
+          <p:cNvSpPr>
+            <a:spLocks noGrp="1" noRot="1" noChangeAspect="1" noMove="1" noResize="1" noEditPoints="1" noAdjustHandles="1" noChangeArrowheads="1" noChangeShapeType="1" noTextEdit="1"/>
+          </p:cNvSpPr>
+          <p:nvPr>
+            <p:extLst>
+              <p:ext uri="{386F3935-93C4-4BCD-93E2-E3B085C9AB24}">
+                <p16:designElem xmlns:p16="http://schemas.microsoft.com/office/powerpoint/2015/main" val="1"/>
+              </p:ext>
+            </p:extLst>
+          </p:nvPr>
+        </p:nvSpPr>
+        <p:spPr>
+          <a:xfrm>
+            <a:off x="15" y="6334316"/>
+            <a:ext cx="12188825" cy="64008"/>
+          </a:xfrm>
+          <a:prstGeom prst="rect">
+            <a:avLst/>
+          </a:prstGeom>
+          <a:solidFill>
+            <a:schemeClr val="accent1"/>
+          </a:solidFill>
+          <a:ln>
+            <a:noFill/>
+          </a:ln>
+        </p:spPr>
+        <p:style>
+          <a:lnRef idx="2">
+            <a:schemeClr val="accent1">
+              <a:shade val="50000"/>
+            </a:schemeClr>
+          </a:lnRef>
+          <a:fillRef idx="1">
+            <a:schemeClr val="accent1"/>
+          </a:fillRef>
+          <a:effectRef idx="0">
+            <a:schemeClr val="accent1"/>
+          </a:effectRef>
+          <a:fontRef idx="minor">
+            <a:schemeClr val="lt1"/>
+          </a:fontRef>
+        </p:style>
+      </p:sp>
+      <p:cxnSp>
+        <p:nvCxnSpPr>
+          <p:cNvPr id="22" name="Straight Connector 13">
+            <a:extLst>
+              <a:ext uri="{FF2B5EF4-FFF2-40B4-BE49-F238E27FC236}">
+                <a16:creationId xmlns:a16="http://schemas.microsoft.com/office/drawing/2014/main" id="{81C8E47B-A563-4B44-A9B0-9316605C2E4E}"/>
+              </a:ext>
+              <a:ext uri="{C183D7F6-B498-43B3-948B-1728B52AA6E4}">
+                <adec:decorative xmlns:adec="http://schemas.microsoft.com/office/drawing/2017/decorative" val="1"/>
+              </a:ext>
+            </a:extLst>
+          </p:cNvPr>
+          <p:cNvCxnSpPr>
+            <a:cxnSpLocks noGrp="1" noRot="1" noChangeAspect="1" noMove="1" noResize="1" noEditPoints="1" noAdjustHandles="1" noChangeArrowheads="1" noChangeShapeType="1"/>
+          </p:cNvCxnSpPr>
+          <p:nvPr>
+            <p:extLst>
+              <p:ext uri="{386F3935-93C4-4BCD-93E2-E3B085C9AB24}">
+                <p16:designElem xmlns:p16="http://schemas.microsoft.com/office/powerpoint/2015/main" val="1"/>
+              </p:ext>
+            </p:extLst>
+          </p:nvPr>
+        </p:nvCxnSpPr>
+        <p:spPr>
+          <a:xfrm>
+            <a:off x="1207658" y="4343400"/>
+            <a:ext cx="9875520" cy="0"/>
+          </a:xfrm>
+          <a:prstGeom prst="line">
+            <a:avLst/>
+          </a:prstGeom>
+          <a:ln w="6350">
+            <a:solidFill>
+              <a:schemeClr val="tx1">
+                <a:lumMod val="50000"/>
+                <a:lumOff val="50000"/>
+              </a:schemeClr>
+            </a:solidFill>
+          </a:ln>
+        </p:spPr>
+        <p:style>
+          <a:lnRef idx="1">
+            <a:schemeClr val="accent1"/>
+          </a:lnRef>
+          <a:fillRef idx="0">
+            <a:schemeClr val="accent1"/>
+          </a:fillRef>
+          <a:effectRef idx="0">
+            <a:schemeClr val="accent1"/>
+          </a:effectRef>
+          <a:fontRef idx="minor">
+            <a:schemeClr val="tx1"/>
+          </a:fontRef>
+        </p:style>
+      </p:cxnSp>
+      <p:pic>
+        <p:nvPicPr>
+          <p:cNvPr id="5" name="Picture 4">
+            <a:extLst>
+              <a:ext uri="{FF2B5EF4-FFF2-40B4-BE49-F238E27FC236}">
+                <a16:creationId xmlns:a16="http://schemas.microsoft.com/office/drawing/2014/main" id="{9B532AAF-7E8D-4F3B-AA22-6BA9F2F71976}"/>
+              </a:ext>
+            </a:extLst>
+          </p:cNvPr>
+          <p:cNvPicPr>
+            <a:picLocks noChangeAspect="1"/>
+          </p:cNvPicPr>
+          <p:nvPr/>
+        </p:nvPicPr>
+        <p:blipFill rotWithShape="1">
+          <a:blip r:embed="rId2"/>
+          <a:srcRect t="32529"/>
+          <a:stretch/>
+        </p:blipFill>
+        <p:spPr>
+          <a:xfrm>
+            <a:off x="-32" y="10"/>
+            <a:ext cx="12192031" cy="4915066"/>
+          </a:xfrm>
+          <a:prstGeom prst="rect">
+            <a:avLst/>
+          </a:prstGeom>
+        </p:spPr>
+      </p:pic>
+      <p:sp>
+        <p:nvSpPr>
+          <p:cNvPr id="23" name="Rectangle 15">
+            <a:extLst>
+              <a:ext uri="{FF2B5EF4-FFF2-40B4-BE49-F238E27FC236}">
+                <a16:creationId xmlns:a16="http://schemas.microsoft.com/office/drawing/2014/main" id="{54BFABF9-7D43-458F-B85F-04FF279ACB81}"/>
+              </a:ext>
+              <a:ext uri="{C183D7F6-B498-43B3-948B-1728B52AA6E4}">
+                <adec:decorative xmlns:adec="http://schemas.microsoft.com/office/drawing/2017/decorative" val="1"/>
+              </a:ext>
+            </a:extLst>
+          </p:cNvPr>
+          <p:cNvSpPr>
+            <a:spLocks noGrp="1" noRot="1" noChangeAspect="1" noMove="1" noResize="1" noEditPoints="1" noAdjustHandles="1" noChangeArrowheads="1" noChangeShapeType="1" noTextEdit="1"/>
+          </p:cNvSpPr>
+          <p:nvPr>
+            <p:extLst>
+              <p:ext uri="{386F3935-93C4-4BCD-93E2-E3B085C9AB24}">
+                <p16:designElem xmlns:p16="http://schemas.microsoft.com/office/powerpoint/2015/main" val="1"/>
+              </p:ext>
+            </p:extLst>
+          </p:nvPr>
+        </p:nvSpPr>
+        <p:spPr bwMode="white">
+          <a:xfrm>
+            <a:off x="1507" y="4953000"/>
+            <a:ext cx="12188952" cy="1905000"/>
+          </a:xfrm>
+          <a:prstGeom prst="rect">
+            <a:avLst/>
+          </a:prstGeom>
+          <a:solidFill>
+            <a:schemeClr val="accent1">
+              <a:lumMod val="75000"/>
+            </a:schemeClr>
+          </a:solidFill>
+          <a:ln>
+            <a:noFill/>
+          </a:ln>
+        </p:spPr>
+        <p:style>
+          <a:lnRef idx="2">
+            <a:schemeClr val="accent1">
+              <a:shade val="50000"/>
+            </a:schemeClr>
+          </a:lnRef>
+          <a:fillRef idx="1">
+            <a:schemeClr val="accent1"/>
+          </a:fillRef>
+          <a:effectRef idx="0">
+            <a:schemeClr val="accent1"/>
+          </a:effectRef>
+          <a:fontRef idx="minor">
+            <a:schemeClr val="lt1"/>
+          </a:fontRef>
+        </p:style>
+      </p:sp>
+      <p:sp>
+        <p:nvSpPr>
+          <p:cNvPr id="2" name="Title 1">
+            <a:extLst>
+              <a:ext uri="{FF2B5EF4-FFF2-40B4-BE49-F238E27FC236}">
+                <a16:creationId xmlns:a16="http://schemas.microsoft.com/office/drawing/2014/main" id="{63950B4F-5F45-4EFE-877F-E487E96E3B06}"/>
+              </a:ext>
+            </a:extLst>
+          </p:cNvPr>
+          <p:cNvSpPr>
+            <a:spLocks noGrp="1"/>
+          </p:cNvSpPr>
+          <p:nvPr>
+            <p:ph type="title"/>
+          </p:nvPr>
+        </p:nvSpPr>
+        <p:spPr>
+          <a:xfrm>
+            <a:off x="1065197" y="5120640"/>
+            <a:ext cx="10058400" cy="822960"/>
+          </a:xfrm>
+        </p:spPr>
+        <p:txBody>
+          <a:bodyPr vert="horz" lIns="91440" tIns="45720" rIns="91440" bIns="45720" rtlCol="0" anchor="b">
+            <a:normAutofit/>
+          </a:bodyPr>
+          <a:lstStyle/>
+          <a:p>
+            <a:r>
+              <a:rPr lang="en-US" sz="3600">
+                <a:solidFill>
+                  <a:srgbClr val="FFFFFF"/>
+                </a:solidFill>
+              </a:rPr>
+              <a:t>Controllers and Actions: Producing and Consuming</a:t>
+            </a:r>
+          </a:p>
+        </p:txBody>
+      </p:sp>
+      <p:sp>
+        <p:nvSpPr>
+          <p:cNvPr id="24" name="Rectangle 17">
+            <a:extLst>
+              <a:ext uri="{FF2B5EF4-FFF2-40B4-BE49-F238E27FC236}">
+                <a16:creationId xmlns:a16="http://schemas.microsoft.com/office/drawing/2014/main" id="{72E64342-BCC2-4FB3-B9DC-14B19B5D7E2B}"/>
+              </a:ext>
+              <a:ext uri="{C183D7F6-B498-43B3-948B-1728B52AA6E4}">
+                <adec:decorative xmlns:adec="http://schemas.microsoft.com/office/drawing/2017/decorative" val="1"/>
+              </a:ext>
+            </a:extLst>
+          </p:cNvPr>
+          <p:cNvSpPr>
+            <a:spLocks noGrp="1" noRot="1" noChangeAspect="1" noMove="1" noResize="1" noEditPoints="1" noAdjustHandles="1" noChangeArrowheads="1" noChangeShapeType="1" noTextEdit="1"/>
+          </p:cNvSpPr>
+          <p:nvPr>
+            <p:extLst>
+              <p:ext uri="{386F3935-93C4-4BCD-93E2-E3B085C9AB24}">
+                <p16:designElem xmlns:p16="http://schemas.microsoft.com/office/powerpoint/2015/main" val="1"/>
+              </p:ext>
+            </p:extLst>
+          </p:nvPr>
+        </p:nvSpPr>
+        <p:spPr>
+          <a:xfrm>
+            <a:off x="1507" y="4906176"/>
+            <a:ext cx="12188952" cy="64008"/>
+          </a:xfrm>
+          <a:prstGeom prst="rect">
+            <a:avLst/>
+          </a:prstGeom>
+          <a:solidFill>
+            <a:schemeClr val="accent1"/>
+          </a:solidFill>
+          <a:ln>
+            <a:noFill/>
+          </a:ln>
+        </p:spPr>
+        <p:style>
+          <a:lnRef idx="2">
+            <a:schemeClr val="accent1">
+              <a:shade val="50000"/>
+            </a:schemeClr>
+          </a:lnRef>
+          <a:fillRef idx="1">
+            <a:schemeClr val="accent1"/>
+          </a:fillRef>
+          <a:effectRef idx="0">
+            <a:schemeClr val="accent1"/>
+          </a:effectRef>
+          <a:fontRef idx="minor">
+            <a:schemeClr val="lt1"/>
+          </a:fontRef>
+        </p:style>
+      </p:sp>
+    </p:spTree>
+    <p:extLst>
+      <p:ext uri="{BB962C8B-B14F-4D97-AF65-F5344CB8AC3E}">
+        <p14:creationId xmlns:p14="http://schemas.microsoft.com/office/powerpoint/2010/main" val="2402502586"/>
+      </p:ext>
+    </p:extLst>
+  </p:cSld>
+  <p:clrMapOvr>
+    <a:masterClrMapping/>
+  </p:clrMapOvr>
+  <p:timing>
+    <p:tnLst>
+      <p:par>
+        <p:cTn id="1" dur="indefinite" restart="never" nodeType="tmRoot">
+          <p:childTnLst>
+            <p:seq concurrent="1" nextAc="seek">
+              <p:cTn id="2" dur="indefinite" nodeType="mainSeq">
+                <p:childTnLst>
+                  <p:par>
+                    <p:cTn id="3" fill="hold">
+                      <p:stCondLst>
+                        <p:cond delay="indefinite"/>
+                        <p:cond evt="onBegin" delay="0">
+                          <p:tn val="2"/>
+                        </p:cond>
+                      </p:stCondLst>
+                      <p:childTnLst>
+                        <p:par>
+                          <p:cTn id="4" fill="hold">
+                            <p:stCondLst>
+                              <p:cond delay="0"/>
+                            </p:stCondLst>
+                            <p:childTnLst>
+                              <p:par>
+                                <p:cTn id="5" presetID="10" presetClass="entr" presetSubtype="0" fill="hold" grpId="0" nodeType="withEffect">
+                                  <p:stCondLst>
+                                    <p:cond delay="1000"/>
+                                  </p:stCondLst>
+                                  <p:iterate>
+                                    <p:tmPct val="10000"/>
+                                  </p:iterate>
+                                  <p:childTnLst>
+                                    <p:set>
+                                      <p:cBhvr>
+                                        <p:cTn id="6" dur="1" fill="hold">
+                                          <p:stCondLst>
+                                            <p:cond delay="0"/>
+                                          </p:stCondLst>
+                                        </p:cTn>
+                                        <p:tgtEl>
+                                          <p:spTgt spid="2"/>
+                                        </p:tgtEl>
+                                        <p:attrNameLst>
+                                          <p:attrName>style.visibility</p:attrName>
+                                        </p:attrNameLst>
+                                      </p:cBhvr>
+                                      <p:to>
+                                        <p:strVal val="visible"/>
+                                      </p:to>
+                                    </p:set>
+                                    <p:animEffect transition="in" filter="fade">
+                                      <p:cBhvr>
+                                        <p:cTn id="7" dur="700"/>
+                                        <p:tgtEl>
+                                          <p:spTgt spid="2"/>
+                                        </p:tgtEl>
+                                      </p:cBhvr>
+                                    </p:animEffect>
+                                  </p:childTnLst>
+                                </p:cTn>
+                              </p:par>
+                            </p:childTnLst>
+                          </p:cTn>
+                        </p:par>
+                      </p:childTnLst>
+                    </p:cTn>
+                  </p:par>
+                </p:childTnLst>
+              </p:cTn>
+              <p:prevCondLst>
+                <p:cond evt="onPrev" delay="0">
+                  <p:tgtEl>
+                    <p:sldTgt/>
+                  </p:tgtEl>
+                </p:cond>
+              </p:prevCondLst>
+              <p:nextCondLst>
+                <p:cond evt="onNext" delay="0">
+                  <p:tgtEl>
+                    <p:sldTgt/>
+                  </p:tgtEl>
+                </p:cond>
+              </p:nextCondLst>
+            </p:seq>
+          </p:childTnLst>
+        </p:cTn>
+      </p:par>
+    </p:tnLst>
+    <p:bldLst>
+      <p:bldP spid="2" grpId="0"/>
+    </p:bldLst>
+  </p:timing>
+</p:sld>
+</file>
+
 <file path=ppt/slides/slide2.xml><?xml version="1.0" encoding="utf-8"?>
 <p:sld xmlns:a="http://schemas.openxmlformats.org/drawingml/2006/main" xmlns:r="http://schemas.openxmlformats.org/officeDocument/2006/relationships" xmlns:p="http://schemas.openxmlformats.org/presentationml/2006/main">
   <p:cSld>
@@ -7816,6 +10201,1607 @@
     <p:extLst>
       <p:ext uri="{BB962C8B-B14F-4D97-AF65-F5344CB8AC3E}">
         <p14:creationId xmlns:p14="http://schemas.microsoft.com/office/powerpoint/2010/main" val="690398364"/>
+      </p:ext>
+    </p:extLst>
+  </p:cSld>
+  <p:clrMapOvr>
+    <a:masterClrMapping/>
+  </p:clrMapOvr>
+</p:sld>
+</file>
+
+<file path=ppt/slides/slide3.xml><?xml version="1.0" encoding="utf-8"?>
+<p:sld xmlns:a="http://schemas.openxmlformats.org/drawingml/2006/main" xmlns:r="http://schemas.openxmlformats.org/officeDocument/2006/relationships" xmlns:p="http://schemas.openxmlformats.org/presentationml/2006/main">
+  <p:cSld>
+    <p:spTree>
+      <p:nvGrpSpPr>
+        <p:cNvPr id="1" name=""/>
+        <p:cNvGrpSpPr/>
+        <p:nvPr/>
+      </p:nvGrpSpPr>
+      <p:grpSpPr>
+        <a:xfrm>
+          <a:off x="0" y="0"/>
+          <a:ext cx="0" cy="0"/>
+          <a:chOff x="0" y="0"/>
+          <a:chExt cx="0" cy="0"/>
+        </a:xfrm>
+      </p:grpSpPr>
+      <p:sp>
+        <p:nvSpPr>
+          <p:cNvPr id="2" name="Title 1">
+            <a:extLst>
+              <a:ext uri="{FF2B5EF4-FFF2-40B4-BE49-F238E27FC236}">
+                <a16:creationId xmlns:a16="http://schemas.microsoft.com/office/drawing/2014/main" id="{8DAFF95D-85B3-459B-B063-DBD4EC65D0BA}"/>
+              </a:ext>
+            </a:extLst>
+          </p:cNvPr>
+          <p:cNvSpPr>
+            <a:spLocks noGrp="1"/>
+          </p:cNvSpPr>
+          <p:nvPr>
+            <p:ph type="title"/>
+          </p:nvPr>
+        </p:nvSpPr>
+        <p:spPr/>
+        <p:txBody>
+          <a:bodyPr/>
+          <a:lstStyle/>
+          <a:p>
+            <a:r>
+              <a:rPr lang="en-US" dirty="0"/>
+              <a:t>Dependency Injection</a:t>
+            </a:r>
+          </a:p>
+        </p:txBody>
+      </p:sp>
+      <p:pic>
+        <p:nvPicPr>
+          <p:cNvPr id="9" name="Picture 8">
+            <a:extLst>
+              <a:ext uri="{FF2B5EF4-FFF2-40B4-BE49-F238E27FC236}">
+                <a16:creationId xmlns:a16="http://schemas.microsoft.com/office/drawing/2014/main" id="{21B9B9C3-D95C-4F22-A599-7C79D13D6A0D}"/>
+              </a:ext>
+            </a:extLst>
+          </p:cNvPr>
+          <p:cNvPicPr>
+            <a:picLocks noChangeAspect="1"/>
+          </p:cNvPicPr>
+          <p:nvPr/>
+        </p:nvPicPr>
+        <p:blipFill>
+          <a:blip r:embed="rId2"/>
+          <a:stretch>
+            <a:fillRect/>
+          </a:stretch>
+        </p:blipFill>
+        <p:spPr>
+          <a:xfrm>
+            <a:off x="1210975" y="1978242"/>
+            <a:ext cx="10058400" cy="3683507"/>
+          </a:xfrm>
+          <a:prstGeom prst="rect">
+            <a:avLst/>
+          </a:prstGeom>
+        </p:spPr>
+      </p:pic>
+    </p:spTree>
+    <p:extLst>
+      <p:ext uri="{BB962C8B-B14F-4D97-AF65-F5344CB8AC3E}">
+        <p14:creationId xmlns:p14="http://schemas.microsoft.com/office/powerpoint/2010/main" val="3505200444"/>
+      </p:ext>
+    </p:extLst>
+  </p:cSld>
+  <p:clrMapOvr>
+    <a:masterClrMapping/>
+  </p:clrMapOvr>
+</p:sld>
+</file>
+
+<file path=ppt/slides/slide4.xml><?xml version="1.0" encoding="utf-8"?>
+<p:sld xmlns:a="http://schemas.openxmlformats.org/drawingml/2006/main" xmlns:r="http://schemas.openxmlformats.org/officeDocument/2006/relationships" xmlns:p="http://schemas.openxmlformats.org/presentationml/2006/main">
+  <p:cSld>
+    <p:spTree>
+      <p:nvGrpSpPr>
+        <p:cNvPr id="1" name=""/>
+        <p:cNvGrpSpPr/>
+        <p:nvPr/>
+      </p:nvGrpSpPr>
+      <p:grpSpPr>
+        <a:xfrm>
+          <a:off x="0" y="0"/>
+          <a:ext cx="0" cy="0"/>
+          <a:chOff x="0" y="0"/>
+          <a:chExt cx="0" cy="0"/>
+        </a:xfrm>
+      </p:grpSpPr>
+      <p:sp>
+        <p:nvSpPr>
+          <p:cNvPr id="2" name="Title 1">
+            <a:extLst>
+              <a:ext uri="{FF2B5EF4-FFF2-40B4-BE49-F238E27FC236}">
+                <a16:creationId xmlns:a16="http://schemas.microsoft.com/office/drawing/2014/main" id="{83525D30-860A-4FE8-84FE-5405072D3BDE}"/>
+              </a:ext>
+            </a:extLst>
+          </p:cNvPr>
+          <p:cNvSpPr>
+            <a:spLocks noGrp="1"/>
+          </p:cNvSpPr>
+          <p:nvPr>
+            <p:ph type="title"/>
+          </p:nvPr>
+        </p:nvSpPr>
+        <p:spPr/>
+        <p:txBody>
+          <a:bodyPr/>
+          <a:lstStyle/>
+          <a:p>
+            <a:r>
+              <a:rPr lang="en-US" dirty="0"/>
+              <a:t>Dependency Injection</a:t>
+            </a:r>
+          </a:p>
+        </p:txBody>
+      </p:sp>
+      <p:sp>
+        <p:nvSpPr>
+          <p:cNvPr id="3" name="Content Placeholder 2">
+            <a:extLst>
+              <a:ext uri="{FF2B5EF4-FFF2-40B4-BE49-F238E27FC236}">
+                <a16:creationId xmlns:a16="http://schemas.microsoft.com/office/drawing/2014/main" id="{D74E325A-503B-4CFD-804E-4EB2A1EBF6B5}"/>
+              </a:ext>
+            </a:extLst>
+          </p:cNvPr>
+          <p:cNvSpPr>
+            <a:spLocks noGrp="1"/>
+          </p:cNvSpPr>
+          <p:nvPr>
+            <p:ph idx="1"/>
+          </p:nvPr>
+        </p:nvSpPr>
+        <p:spPr>
+          <a:xfrm>
+            <a:off x="1097280" y="2272145"/>
+            <a:ext cx="10058400" cy="609600"/>
+          </a:xfrm>
+        </p:spPr>
+        <p:txBody>
+          <a:bodyPr>
+            <a:normAutofit/>
+          </a:bodyPr>
+          <a:lstStyle/>
+          <a:p>
+            <a:r>
+              <a:rPr lang="en-US" sz="2800" dirty="0" err="1"/>
+              <a:t>services.AddScoped</a:t>
+            </a:r>
+            <a:r>
+              <a:rPr lang="en-US" sz="2800" dirty="0"/>
+              <a:t>&lt;</a:t>
+            </a:r>
+            <a:r>
+              <a:rPr lang="en-US" sz="2800" dirty="0" err="1"/>
+              <a:t>IChinookSupervisor</a:t>
+            </a:r>
+            <a:r>
+              <a:rPr lang="en-US" sz="2800" dirty="0"/>
+              <a:t>, </a:t>
+            </a:r>
+            <a:r>
+              <a:rPr lang="en-US" sz="2800" dirty="0" err="1"/>
+              <a:t>ChinookSupervisor</a:t>
+            </a:r>
+            <a:r>
+              <a:rPr lang="en-US" sz="2800" dirty="0"/>
+              <a:t>&gt;();</a:t>
+            </a:r>
+          </a:p>
+        </p:txBody>
+      </p:sp>
+      <p:sp>
+        <p:nvSpPr>
+          <p:cNvPr id="5" name="Content Placeholder 2">
+            <a:extLst>
+              <a:ext uri="{FF2B5EF4-FFF2-40B4-BE49-F238E27FC236}">
+                <a16:creationId xmlns:a16="http://schemas.microsoft.com/office/drawing/2014/main" id="{6E920B7C-54F9-422F-AA27-2E33C48E8810}"/>
+              </a:ext>
+            </a:extLst>
+          </p:cNvPr>
+          <p:cNvSpPr txBox="1">
+            <a:spLocks/>
+          </p:cNvSpPr>
+          <p:nvPr/>
+        </p:nvSpPr>
+        <p:spPr>
+          <a:xfrm>
+            <a:off x="1097280" y="3297383"/>
+            <a:ext cx="10058400" cy="609600"/>
+          </a:xfrm>
+          <a:prstGeom prst="rect">
+            <a:avLst/>
+          </a:prstGeom>
+        </p:spPr>
+        <p:txBody>
+          <a:bodyPr vert="horz" lIns="0" tIns="45720" rIns="0" bIns="45720" rtlCol="0">
+            <a:normAutofit/>
+          </a:bodyPr>
+          <a:lstStyle>
+            <a:lvl1pPr marL="91440" indent="-91440" algn="l" defTabSz="914400" rtl="0" eaLnBrk="1" latinLnBrk="0" hangingPunct="1">
+              <a:lnSpc>
+                <a:spcPct val="90000"/>
+              </a:lnSpc>
+              <a:spcBef>
+                <a:spcPts val="1200"/>
+              </a:spcBef>
+              <a:spcAft>
+                <a:spcPts val="200"/>
+              </a:spcAft>
+              <a:buClr>
+                <a:schemeClr val="accent3"/>
+              </a:buClr>
+              <a:buSzPct val="100000"/>
+              <a:buFont typeface="Calibri" panose="020F0502020204030204" pitchFamily="34" charset="0"/>
+              <a:buChar char=" "/>
+              <a:defRPr sz="2000" kern="1200">
+                <a:solidFill>
+                  <a:schemeClr val="tx1">
+                    <a:lumMod val="75000"/>
+                    <a:lumOff val="25000"/>
+                  </a:schemeClr>
+                </a:solidFill>
+                <a:latin typeface="+mn-lt"/>
+                <a:ea typeface="+mn-ea"/>
+                <a:cs typeface="+mn-cs"/>
+              </a:defRPr>
+            </a:lvl1pPr>
+            <a:lvl2pPr marL="384048" indent="-182880" algn="l" defTabSz="914400" rtl="0" eaLnBrk="1" latinLnBrk="0" hangingPunct="1">
+              <a:lnSpc>
+                <a:spcPct val="90000"/>
+              </a:lnSpc>
+              <a:spcBef>
+                <a:spcPts val="200"/>
+              </a:spcBef>
+              <a:spcAft>
+                <a:spcPts val="400"/>
+              </a:spcAft>
+              <a:buClr>
+                <a:schemeClr val="accent3"/>
+              </a:buClr>
+              <a:buFont typeface="Calibri" pitchFamily="34" charset="0"/>
+              <a:buChar char="◦"/>
+              <a:defRPr sz="1800" kern="1200">
+                <a:solidFill>
+                  <a:schemeClr val="tx1">
+                    <a:lumMod val="75000"/>
+                    <a:lumOff val="25000"/>
+                  </a:schemeClr>
+                </a:solidFill>
+                <a:latin typeface="+mn-lt"/>
+                <a:ea typeface="+mn-ea"/>
+                <a:cs typeface="+mn-cs"/>
+              </a:defRPr>
+            </a:lvl2pPr>
+            <a:lvl3pPr marL="566928" indent="-182880" algn="l" defTabSz="914400" rtl="0" eaLnBrk="1" latinLnBrk="0" hangingPunct="1">
+              <a:lnSpc>
+                <a:spcPct val="90000"/>
+              </a:lnSpc>
+              <a:spcBef>
+                <a:spcPts val="200"/>
+              </a:spcBef>
+              <a:spcAft>
+                <a:spcPts val="400"/>
+              </a:spcAft>
+              <a:buClr>
+                <a:schemeClr val="accent3"/>
+              </a:buClr>
+              <a:buFont typeface="Calibri" pitchFamily="34" charset="0"/>
+              <a:buChar char="◦"/>
+              <a:defRPr sz="1400" kern="1200">
+                <a:solidFill>
+                  <a:schemeClr val="tx1">
+                    <a:lumMod val="75000"/>
+                    <a:lumOff val="25000"/>
+                  </a:schemeClr>
+                </a:solidFill>
+                <a:latin typeface="+mn-lt"/>
+                <a:ea typeface="+mn-ea"/>
+                <a:cs typeface="+mn-cs"/>
+              </a:defRPr>
+            </a:lvl3pPr>
+            <a:lvl4pPr marL="749808" indent="-182880" algn="l" defTabSz="914400" rtl="0" eaLnBrk="1" latinLnBrk="0" hangingPunct="1">
+              <a:lnSpc>
+                <a:spcPct val="90000"/>
+              </a:lnSpc>
+              <a:spcBef>
+                <a:spcPts val="200"/>
+              </a:spcBef>
+              <a:spcAft>
+                <a:spcPts val="400"/>
+              </a:spcAft>
+              <a:buClr>
+                <a:schemeClr val="accent3"/>
+              </a:buClr>
+              <a:buFont typeface="Calibri" pitchFamily="34" charset="0"/>
+              <a:buChar char="◦"/>
+              <a:defRPr sz="1400" kern="1200">
+                <a:solidFill>
+                  <a:schemeClr val="tx1">
+                    <a:lumMod val="75000"/>
+                    <a:lumOff val="25000"/>
+                  </a:schemeClr>
+                </a:solidFill>
+                <a:latin typeface="+mn-lt"/>
+                <a:ea typeface="+mn-ea"/>
+                <a:cs typeface="+mn-cs"/>
+              </a:defRPr>
+            </a:lvl4pPr>
+            <a:lvl5pPr marL="932688" indent="-182880" algn="l" defTabSz="914400" rtl="0" eaLnBrk="1" latinLnBrk="0" hangingPunct="1">
+              <a:lnSpc>
+                <a:spcPct val="90000"/>
+              </a:lnSpc>
+              <a:spcBef>
+                <a:spcPts val="200"/>
+              </a:spcBef>
+              <a:spcAft>
+                <a:spcPts val="400"/>
+              </a:spcAft>
+              <a:buClr>
+                <a:schemeClr val="accent3"/>
+              </a:buClr>
+              <a:buFont typeface="Calibri" pitchFamily="34" charset="0"/>
+              <a:buChar char="◦"/>
+              <a:defRPr sz="1400" kern="1200">
+                <a:solidFill>
+                  <a:schemeClr val="tx1">
+                    <a:lumMod val="75000"/>
+                    <a:lumOff val="25000"/>
+                  </a:schemeClr>
+                </a:solidFill>
+                <a:latin typeface="+mn-lt"/>
+                <a:ea typeface="+mn-ea"/>
+                <a:cs typeface="+mn-cs"/>
+              </a:defRPr>
+            </a:lvl5pPr>
+            <a:lvl6pPr marL="1100000" indent="-228600" algn="l" defTabSz="914400" rtl="0" eaLnBrk="1" latinLnBrk="0" hangingPunct="1">
+              <a:lnSpc>
+                <a:spcPct val="90000"/>
+              </a:lnSpc>
+              <a:spcBef>
+                <a:spcPts val="200"/>
+              </a:spcBef>
+              <a:spcAft>
+                <a:spcPts val="400"/>
+              </a:spcAft>
+              <a:buClr>
+                <a:schemeClr val="accent3"/>
+              </a:buClr>
+              <a:buFont typeface="Calibri" pitchFamily="34" charset="0"/>
+              <a:buChar char="◦"/>
+              <a:defRPr sz="1400" kern="1200">
+                <a:solidFill>
+                  <a:schemeClr val="tx1">
+                    <a:lumMod val="75000"/>
+                    <a:lumOff val="25000"/>
+                  </a:schemeClr>
+                </a:solidFill>
+                <a:latin typeface="+mn-lt"/>
+                <a:ea typeface="+mn-ea"/>
+                <a:cs typeface="+mn-cs"/>
+              </a:defRPr>
+            </a:lvl6pPr>
+            <a:lvl7pPr marL="1300000" indent="-228600" algn="l" defTabSz="914400" rtl="0" eaLnBrk="1" latinLnBrk="0" hangingPunct="1">
+              <a:lnSpc>
+                <a:spcPct val="90000"/>
+              </a:lnSpc>
+              <a:spcBef>
+                <a:spcPts val="200"/>
+              </a:spcBef>
+              <a:spcAft>
+                <a:spcPts val="400"/>
+              </a:spcAft>
+              <a:buClr>
+                <a:schemeClr val="accent3"/>
+              </a:buClr>
+              <a:buFont typeface="Calibri" pitchFamily="34" charset="0"/>
+              <a:buChar char="◦"/>
+              <a:defRPr sz="1400" kern="1200">
+                <a:solidFill>
+                  <a:schemeClr val="tx1">
+                    <a:lumMod val="75000"/>
+                    <a:lumOff val="25000"/>
+                  </a:schemeClr>
+                </a:solidFill>
+                <a:latin typeface="+mn-lt"/>
+                <a:ea typeface="+mn-ea"/>
+                <a:cs typeface="+mn-cs"/>
+              </a:defRPr>
+            </a:lvl7pPr>
+            <a:lvl8pPr marL="1500000" indent="-228600" algn="l" defTabSz="914400" rtl="0" eaLnBrk="1" latinLnBrk="0" hangingPunct="1">
+              <a:lnSpc>
+                <a:spcPct val="90000"/>
+              </a:lnSpc>
+              <a:spcBef>
+                <a:spcPts val="200"/>
+              </a:spcBef>
+              <a:spcAft>
+                <a:spcPts val="400"/>
+              </a:spcAft>
+              <a:buClr>
+                <a:schemeClr val="accent3"/>
+              </a:buClr>
+              <a:buFont typeface="Calibri" pitchFamily="34" charset="0"/>
+              <a:buChar char="◦"/>
+              <a:defRPr sz="1400" kern="1200">
+                <a:solidFill>
+                  <a:schemeClr val="tx1">
+                    <a:lumMod val="75000"/>
+                    <a:lumOff val="25000"/>
+                  </a:schemeClr>
+                </a:solidFill>
+                <a:latin typeface="+mn-lt"/>
+                <a:ea typeface="+mn-ea"/>
+                <a:cs typeface="+mn-cs"/>
+              </a:defRPr>
+            </a:lvl8pPr>
+            <a:lvl9pPr marL="1700000" indent="-228600" algn="l" defTabSz="914400" rtl="0" eaLnBrk="1" latinLnBrk="0" hangingPunct="1">
+              <a:lnSpc>
+                <a:spcPct val="90000"/>
+              </a:lnSpc>
+              <a:spcBef>
+                <a:spcPts val="200"/>
+              </a:spcBef>
+              <a:spcAft>
+                <a:spcPts val="400"/>
+              </a:spcAft>
+              <a:buClr>
+                <a:schemeClr val="accent3"/>
+              </a:buClr>
+              <a:buFont typeface="Calibri" pitchFamily="34" charset="0"/>
+              <a:buChar char="◦"/>
+              <a:defRPr sz="1400" kern="1200">
+                <a:solidFill>
+                  <a:schemeClr val="tx1">
+                    <a:lumMod val="75000"/>
+                    <a:lumOff val="25000"/>
+                  </a:schemeClr>
+                </a:solidFill>
+                <a:latin typeface="+mn-lt"/>
+                <a:ea typeface="+mn-ea"/>
+                <a:cs typeface="+mn-cs"/>
+              </a:defRPr>
+            </a:lvl9pPr>
+          </a:lstStyle>
+          <a:p>
+            <a:endParaRPr lang="en-US" sz="2800" dirty="0"/>
+          </a:p>
+        </p:txBody>
+      </p:sp>
+      <p:sp>
+        <p:nvSpPr>
+          <p:cNvPr id="7" name="TextBox 6">
+            <a:extLst>
+              <a:ext uri="{FF2B5EF4-FFF2-40B4-BE49-F238E27FC236}">
+                <a16:creationId xmlns:a16="http://schemas.microsoft.com/office/drawing/2014/main" id="{246AF627-9FE0-46A2-A5FF-E6C6702CAD06}"/>
+              </a:ext>
+            </a:extLst>
+          </p:cNvPr>
+          <p:cNvSpPr txBox="1"/>
+          <p:nvPr/>
+        </p:nvSpPr>
+        <p:spPr>
+          <a:xfrm>
+            <a:off x="1097280" y="3297383"/>
+            <a:ext cx="10058400" cy="892552"/>
+          </a:xfrm>
+          <a:prstGeom prst="rect">
+            <a:avLst/>
+          </a:prstGeom>
+          <a:noFill/>
+        </p:spPr>
+        <p:txBody>
+          <a:bodyPr wrap="square">
+            <a:spAutoFit/>
+          </a:bodyPr>
+          <a:lstStyle/>
+          <a:p>
+            <a:r>
+              <a:rPr lang="en-US" sz="2800" dirty="0"/>
+              <a:t>Services can be registered with one of the following lifetimes:</a:t>
+            </a:r>
+          </a:p>
+          <a:p>
+            <a:endParaRPr lang="en-US" sz="2400" dirty="0"/>
+          </a:p>
+        </p:txBody>
+      </p:sp>
+      <p:graphicFrame>
+        <p:nvGraphicFramePr>
+          <p:cNvPr id="8" name="Table 8">
+            <a:extLst>
+              <a:ext uri="{FF2B5EF4-FFF2-40B4-BE49-F238E27FC236}">
+                <a16:creationId xmlns:a16="http://schemas.microsoft.com/office/drawing/2014/main" id="{722D6EC9-25F6-4771-BD7C-01DB1A1FB8B6}"/>
+              </a:ext>
+            </a:extLst>
+          </p:cNvPr>
+          <p:cNvGraphicFramePr>
+            <a:graphicFrameLocks noGrp="1"/>
+          </p:cNvGraphicFramePr>
+          <p:nvPr>
+            <p:extLst>
+              <p:ext uri="{D42A27DB-BD31-4B8C-83A1-F6EECF244321}">
+                <p14:modId xmlns:p14="http://schemas.microsoft.com/office/powerpoint/2010/main" val="1630912833"/>
+              </p:ext>
+            </p:extLst>
+          </p:nvPr>
+        </p:nvGraphicFramePr>
+        <p:xfrm>
+          <a:off x="1231900" y="3906983"/>
+          <a:ext cx="9923780" cy="2291080"/>
+        </p:xfrm>
+        <a:graphic>
+          <a:graphicData uri="http://schemas.openxmlformats.org/drawingml/2006/table">
+            <a:tbl>
+              <a:tblPr firstRow="1" bandRow="1">
+                <a:tableStyleId>{5C22544A-7EE6-4342-B048-85BDC9FD1C3A}</a:tableStyleId>
+              </a:tblPr>
+              <a:tblGrid>
+                <a:gridCol w="2082800">
+                  <a:extLst>
+                    <a:ext uri="{9D8B030D-6E8A-4147-A177-3AD203B41FA5}">
+                      <a16:colId xmlns:a16="http://schemas.microsoft.com/office/drawing/2014/main" val="3194718397"/>
+                    </a:ext>
+                  </a:extLst>
+                </a:gridCol>
+                <a:gridCol w="7840980">
+                  <a:extLst>
+                    <a:ext uri="{9D8B030D-6E8A-4147-A177-3AD203B41FA5}">
+                      <a16:colId xmlns:a16="http://schemas.microsoft.com/office/drawing/2014/main" val="1233141169"/>
+                    </a:ext>
+                  </a:extLst>
+                </a:gridCol>
+              </a:tblGrid>
+              <a:tr h="370840">
+                <a:tc>
+                  <a:txBody>
+                    <a:bodyPr/>
+                    <a:lstStyle/>
+                    <a:p>
+                      <a:r>
+                        <a:rPr lang="en-US" dirty="0"/>
+                        <a:t>Lifetime</a:t>
+                      </a:r>
+                    </a:p>
+                  </a:txBody>
+                  <a:tcPr/>
+                </a:tc>
+                <a:tc>
+                  <a:txBody>
+                    <a:bodyPr/>
+                    <a:lstStyle/>
+                    <a:p>
+                      <a:r>
+                        <a:rPr lang="en-US" dirty="0"/>
+                        <a:t>Details</a:t>
+                      </a:r>
+                    </a:p>
+                  </a:txBody>
+                  <a:tcPr/>
+                </a:tc>
+                <a:extLst>
+                  <a:ext uri="{0D108BD9-81ED-4DB2-BD59-A6C34878D82A}">
+                    <a16:rowId xmlns:a16="http://schemas.microsoft.com/office/drawing/2014/main" val="4003657374"/>
+                  </a:ext>
+                </a:extLst>
+              </a:tr>
+              <a:tr h="370840">
+                <a:tc>
+                  <a:txBody>
+                    <a:bodyPr/>
+                    <a:lstStyle/>
+                    <a:p>
+                      <a:pPr marL="0" marR="0" lvl="0" indent="0" algn="l" defTabSz="914400" rtl="0" eaLnBrk="1" fontAlgn="auto" latinLnBrk="0" hangingPunct="1">
+                        <a:lnSpc>
+                          <a:spcPct val="100000"/>
+                        </a:lnSpc>
+                        <a:spcBef>
+                          <a:spcPts val="0"/>
+                        </a:spcBef>
+                        <a:spcAft>
+                          <a:spcPts val="0"/>
+                        </a:spcAft>
+                        <a:buClrTx/>
+                        <a:buSzTx/>
+                        <a:buFontTx/>
+                        <a:buNone/>
+                        <a:tabLst/>
+                        <a:defRPr/>
+                      </a:pPr>
+                      <a:r>
+                        <a:rPr lang="en-US" sz="1800" b="0" i="0" kern="1200" dirty="0">
+                          <a:solidFill>
+                            <a:schemeClr val="dk1"/>
+                          </a:solidFill>
+                          <a:effectLst/>
+                          <a:latin typeface="+mn-lt"/>
+                          <a:ea typeface="+mn-ea"/>
+                          <a:cs typeface="+mn-cs"/>
+                        </a:rPr>
+                        <a:t>Transient</a:t>
+                      </a:r>
+                    </a:p>
+                  </a:txBody>
+                  <a:tcPr/>
+                </a:tc>
+                <a:tc>
+                  <a:txBody>
+                    <a:bodyPr/>
+                    <a:lstStyle/>
+                    <a:p>
+                      <a:r>
+                        <a:rPr lang="en-US" dirty="0"/>
+                        <a:t>Transient lifetime services are created each time they're requested from the service container.</a:t>
+                      </a:r>
+                    </a:p>
+                  </a:txBody>
+                  <a:tcPr/>
+                </a:tc>
+                <a:extLst>
+                  <a:ext uri="{0D108BD9-81ED-4DB2-BD59-A6C34878D82A}">
+                    <a16:rowId xmlns:a16="http://schemas.microsoft.com/office/drawing/2014/main" val="3653315681"/>
+                  </a:ext>
+                </a:extLst>
+              </a:tr>
+              <a:tr h="370840">
+                <a:tc>
+                  <a:txBody>
+                    <a:bodyPr/>
+                    <a:lstStyle/>
+                    <a:p>
+                      <a:pPr marL="0" marR="0" lvl="0" indent="0" algn="l" defTabSz="914400" rtl="0" eaLnBrk="1" fontAlgn="auto" latinLnBrk="0" hangingPunct="1">
+                        <a:lnSpc>
+                          <a:spcPct val="100000"/>
+                        </a:lnSpc>
+                        <a:spcBef>
+                          <a:spcPts val="0"/>
+                        </a:spcBef>
+                        <a:spcAft>
+                          <a:spcPts val="0"/>
+                        </a:spcAft>
+                        <a:buClrTx/>
+                        <a:buSzTx/>
+                        <a:buFontTx/>
+                        <a:buNone/>
+                        <a:tabLst/>
+                        <a:defRPr/>
+                      </a:pPr>
+                      <a:r>
+                        <a:rPr lang="en-US" sz="1800" b="0" i="0" kern="1200" dirty="0">
+                          <a:solidFill>
+                            <a:schemeClr val="dk1"/>
+                          </a:solidFill>
+                          <a:effectLst/>
+                          <a:latin typeface="+mn-lt"/>
+                          <a:ea typeface="+mn-ea"/>
+                          <a:cs typeface="+mn-cs"/>
+                        </a:rPr>
+                        <a:t>Scoped</a:t>
+                      </a:r>
+                    </a:p>
+                  </a:txBody>
+                  <a:tcPr/>
+                </a:tc>
+                <a:tc>
+                  <a:txBody>
+                    <a:bodyPr/>
+                    <a:lstStyle/>
+                    <a:p>
+                      <a:r>
+                        <a:rPr lang="en-US" sz="1800" b="0" i="0" kern="1200" dirty="0">
+                          <a:solidFill>
+                            <a:schemeClr val="dk1"/>
+                          </a:solidFill>
+                          <a:effectLst/>
+                          <a:latin typeface="+mn-lt"/>
+                          <a:ea typeface="+mn-ea"/>
+                          <a:cs typeface="+mn-cs"/>
+                        </a:rPr>
+                        <a:t>Scoped lifetime indicates that services are created once per client request (connection).</a:t>
+                      </a:r>
+                      <a:endParaRPr lang="en-US" dirty="0"/>
+                    </a:p>
+                  </a:txBody>
+                  <a:tcPr/>
+                </a:tc>
+                <a:extLst>
+                  <a:ext uri="{0D108BD9-81ED-4DB2-BD59-A6C34878D82A}">
+                    <a16:rowId xmlns:a16="http://schemas.microsoft.com/office/drawing/2014/main" val="800917993"/>
+                  </a:ext>
+                </a:extLst>
+              </a:tr>
+              <a:tr h="370840">
+                <a:tc>
+                  <a:txBody>
+                    <a:bodyPr/>
+                    <a:lstStyle/>
+                    <a:p>
+                      <a:pPr marL="0" marR="0" lvl="0" indent="0" algn="l" defTabSz="914400" rtl="0" eaLnBrk="1" fontAlgn="auto" latinLnBrk="0" hangingPunct="1">
+                        <a:lnSpc>
+                          <a:spcPct val="100000"/>
+                        </a:lnSpc>
+                        <a:spcBef>
+                          <a:spcPts val="0"/>
+                        </a:spcBef>
+                        <a:spcAft>
+                          <a:spcPts val="0"/>
+                        </a:spcAft>
+                        <a:buClrTx/>
+                        <a:buSzTx/>
+                        <a:buFontTx/>
+                        <a:buNone/>
+                        <a:tabLst/>
+                        <a:defRPr/>
+                      </a:pPr>
+                      <a:r>
+                        <a:rPr lang="en-US" sz="1800" b="0" i="0" kern="1200" dirty="0">
+                          <a:solidFill>
+                            <a:schemeClr val="dk1"/>
+                          </a:solidFill>
+                          <a:effectLst/>
+                          <a:latin typeface="+mn-lt"/>
+                          <a:ea typeface="+mn-ea"/>
+                          <a:cs typeface="+mn-cs"/>
+                        </a:rPr>
+                        <a:t>Singleton</a:t>
+                      </a:r>
+                    </a:p>
+                  </a:txBody>
+                  <a:tcPr/>
+                </a:tc>
+                <a:tc>
+                  <a:txBody>
+                    <a:bodyPr/>
+                    <a:lstStyle/>
+                    <a:p>
+                      <a:r>
+                        <a:rPr lang="en-US" sz="1800" b="0" i="0" kern="1200" dirty="0">
+                          <a:solidFill>
+                            <a:schemeClr val="dk1"/>
+                          </a:solidFill>
+                          <a:effectLst/>
+                          <a:latin typeface="+mn-lt"/>
+                          <a:ea typeface="+mn-ea"/>
+                          <a:cs typeface="+mn-cs"/>
+                        </a:rPr>
+                        <a:t>The first time the service requested. Every subsequent request of the service implementation from the dependency injection container uses the same instance.</a:t>
+                      </a:r>
+                      <a:endParaRPr lang="en-US" dirty="0"/>
+                    </a:p>
+                  </a:txBody>
+                  <a:tcPr/>
+                </a:tc>
+                <a:extLst>
+                  <a:ext uri="{0D108BD9-81ED-4DB2-BD59-A6C34878D82A}">
+                    <a16:rowId xmlns:a16="http://schemas.microsoft.com/office/drawing/2014/main" val="1910137379"/>
+                  </a:ext>
+                </a:extLst>
+              </a:tr>
+            </a:tbl>
+          </a:graphicData>
+        </a:graphic>
+      </p:graphicFrame>
+    </p:spTree>
+    <p:extLst>
+      <p:ext uri="{BB962C8B-B14F-4D97-AF65-F5344CB8AC3E}">
+        <p14:creationId xmlns:p14="http://schemas.microsoft.com/office/powerpoint/2010/main" val="3299306127"/>
+      </p:ext>
+    </p:extLst>
+  </p:cSld>
+  <p:clrMapOvr>
+    <a:masterClrMapping/>
+  </p:clrMapOvr>
+</p:sld>
+</file>
+
+<file path=ppt/slides/slide5.xml><?xml version="1.0" encoding="utf-8"?>
+<p:sld xmlns:a="http://schemas.openxmlformats.org/drawingml/2006/main" xmlns:r="http://schemas.openxmlformats.org/officeDocument/2006/relationships" xmlns:p="http://schemas.openxmlformats.org/presentationml/2006/main">
+  <p:cSld>
+    <p:spTree>
+      <p:nvGrpSpPr>
+        <p:cNvPr id="1" name=""/>
+        <p:cNvGrpSpPr/>
+        <p:nvPr/>
+      </p:nvGrpSpPr>
+      <p:grpSpPr>
+        <a:xfrm>
+          <a:off x="0" y="0"/>
+          <a:ext cx="0" cy="0"/>
+          <a:chOff x="0" y="0"/>
+          <a:chExt cx="0" cy="0"/>
+        </a:xfrm>
+      </p:grpSpPr>
+      <p:sp>
+        <p:nvSpPr>
+          <p:cNvPr id="2" name="Title 1">
+            <a:extLst>
+              <a:ext uri="{FF2B5EF4-FFF2-40B4-BE49-F238E27FC236}">
+                <a16:creationId xmlns:a16="http://schemas.microsoft.com/office/drawing/2014/main" id="{82E09C43-93CD-427C-B5C4-BF1AF2BF73EC}"/>
+              </a:ext>
+            </a:extLst>
+          </p:cNvPr>
+          <p:cNvSpPr>
+            <a:spLocks noGrp="1"/>
+          </p:cNvSpPr>
+          <p:nvPr>
+            <p:ph type="title"/>
+          </p:nvPr>
+        </p:nvSpPr>
+        <p:spPr/>
+        <p:txBody>
+          <a:bodyPr/>
+          <a:lstStyle/>
+          <a:p>
+            <a:r>
+              <a:rPr lang="en-US" dirty="0"/>
+              <a:t>CORS</a:t>
+            </a:r>
+          </a:p>
+        </p:txBody>
+      </p:sp>
+      <p:sp>
+        <p:nvSpPr>
+          <p:cNvPr id="3" name="Content Placeholder 2">
+            <a:extLst>
+              <a:ext uri="{FF2B5EF4-FFF2-40B4-BE49-F238E27FC236}">
+                <a16:creationId xmlns:a16="http://schemas.microsoft.com/office/drawing/2014/main" id="{39FE521D-A643-4829-AEAA-7F1F49E58D01}"/>
+              </a:ext>
+            </a:extLst>
+          </p:cNvPr>
+          <p:cNvSpPr>
+            <a:spLocks noGrp="1"/>
+          </p:cNvSpPr>
+          <p:nvPr>
+            <p:ph idx="1"/>
+          </p:nvPr>
+        </p:nvSpPr>
+        <p:spPr/>
+        <p:txBody>
+          <a:bodyPr>
+            <a:normAutofit/>
+          </a:bodyPr>
+          <a:lstStyle/>
+          <a:p>
+            <a:r>
+              <a:rPr lang="en-US" sz="4400" dirty="0"/>
+              <a:t>2 Ways to set up CORS in your Web API</a:t>
+            </a:r>
+          </a:p>
+          <a:p>
+            <a:r>
+              <a:rPr lang="en-US" sz="4400" dirty="0">
+                <a:solidFill>
+                  <a:schemeClr val="accent5"/>
+                </a:solidFill>
+              </a:rPr>
+              <a:t>Annotations in your Controllers or Actions</a:t>
+            </a:r>
+          </a:p>
+          <a:p>
+            <a:r>
+              <a:rPr lang="en-US" sz="4400" dirty="0"/>
+              <a:t>or</a:t>
+            </a:r>
+          </a:p>
+          <a:p>
+            <a:r>
+              <a:rPr lang="en-US" sz="4400" dirty="0">
+                <a:solidFill>
+                  <a:schemeClr val="accent2"/>
+                </a:solidFill>
+              </a:rPr>
+              <a:t>Set up a Policy in Startup and assign in Configure().</a:t>
+            </a:r>
+          </a:p>
+        </p:txBody>
+      </p:sp>
+    </p:spTree>
+    <p:extLst>
+      <p:ext uri="{BB962C8B-B14F-4D97-AF65-F5344CB8AC3E}">
+        <p14:creationId xmlns:p14="http://schemas.microsoft.com/office/powerpoint/2010/main" val="299903193"/>
+      </p:ext>
+    </p:extLst>
+  </p:cSld>
+  <p:clrMapOvr>
+    <a:masterClrMapping/>
+  </p:clrMapOvr>
+</p:sld>
+</file>
+
+<file path=ppt/slides/slide6.xml><?xml version="1.0" encoding="utf-8"?>
+<p:sld xmlns:a="http://schemas.openxmlformats.org/drawingml/2006/main" xmlns:r="http://schemas.openxmlformats.org/officeDocument/2006/relationships" xmlns:p="http://schemas.openxmlformats.org/presentationml/2006/main">
+  <p:cSld>
+    <p:spTree>
+      <p:nvGrpSpPr>
+        <p:cNvPr id="1" name=""/>
+        <p:cNvGrpSpPr/>
+        <p:nvPr/>
+      </p:nvGrpSpPr>
+      <p:grpSpPr>
+        <a:xfrm>
+          <a:off x="0" y="0"/>
+          <a:ext cx="0" cy="0"/>
+          <a:chOff x="0" y="0"/>
+          <a:chExt cx="0" cy="0"/>
+        </a:xfrm>
+      </p:grpSpPr>
+      <p:sp>
+        <p:nvSpPr>
+          <p:cNvPr id="2" name="Title 1">
+            <a:extLst>
+              <a:ext uri="{FF2B5EF4-FFF2-40B4-BE49-F238E27FC236}">
+                <a16:creationId xmlns:a16="http://schemas.microsoft.com/office/drawing/2014/main" id="{57804EDB-317F-4E5F-B0DB-F136E4785397}"/>
+              </a:ext>
+            </a:extLst>
+          </p:cNvPr>
+          <p:cNvSpPr>
+            <a:spLocks noGrp="1"/>
+          </p:cNvSpPr>
+          <p:nvPr>
+            <p:ph type="title"/>
+          </p:nvPr>
+        </p:nvSpPr>
+        <p:spPr/>
+        <p:txBody>
+          <a:bodyPr/>
+          <a:lstStyle/>
+          <a:p>
+            <a:r>
+              <a:rPr lang="en-US" dirty="0"/>
+              <a:t>CORS</a:t>
+            </a:r>
+          </a:p>
+        </p:txBody>
+      </p:sp>
+      <p:sp>
+        <p:nvSpPr>
+          <p:cNvPr id="3" name="Content Placeholder 2">
+            <a:extLst>
+              <a:ext uri="{FF2B5EF4-FFF2-40B4-BE49-F238E27FC236}">
+                <a16:creationId xmlns:a16="http://schemas.microsoft.com/office/drawing/2014/main" id="{A3B6E6D2-92B5-4942-A509-D48D995ACAE3}"/>
+              </a:ext>
+            </a:extLst>
+          </p:cNvPr>
+          <p:cNvSpPr>
+            <a:spLocks noGrp="1"/>
+          </p:cNvSpPr>
+          <p:nvPr>
+            <p:ph idx="1"/>
+          </p:nvPr>
+        </p:nvSpPr>
+        <p:spPr/>
+        <p:txBody>
+          <a:bodyPr>
+            <a:normAutofit fontScale="85000" lnSpcReduction="20000"/>
+          </a:bodyPr>
+          <a:lstStyle/>
+          <a:p>
+            <a:r>
+              <a:rPr lang="en-US" dirty="0"/>
+              <a:t>[Route("api/[controller]")]</a:t>
+            </a:r>
+          </a:p>
+          <a:p>
+            <a:r>
+              <a:rPr lang="en-US" dirty="0"/>
+              <a:t>[</a:t>
+            </a:r>
+            <a:r>
+              <a:rPr lang="en-US" dirty="0" err="1"/>
+              <a:t>ApiController</a:t>
+            </a:r>
+            <a:r>
+              <a:rPr lang="en-US" dirty="0"/>
+              <a:t>]</a:t>
+            </a:r>
+          </a:p>
+          <a:p>
+            <a:r>
+              <a:rPr lang="en-US" dirty="0"/>
+              <a:t>public class </a:t>
+            </a:r>
+            <a:r>
+              <a:rPr lang="en-US" dirty="0" err="1"/>
+              <a:t>WidgetController</a:t>
+            </a:r>
+            <a:r>
+              <a:rPr lang="en-US" dirty="0"/>
+              <a:t> : </a:t>
+            </a:r>
+            <a:r>
+              <a:rPr lang="en-US" dirty="0" err="1"/>
+              <a:t>ControllerBase</a:t>
+            </a:r>
+            <a:endParaRPr lang="en-US" dirty="0"/>
+          </a:p>
+          <a:p>
+            <a:r>
+              <a:rPr lang="en-US" dirty="0"/>
+              <a:t>{</a:t>
+            </a:r>
+          </a:p>
+          <a:p>
+            <a:r>
+              <a:rPr lang="en-US" dirty="0"/>
+              <a:t>    // GET api/values</a:t>
+            </a:r>
+          </a:p>
+          <a:p>
+            <a:r>
+              <a:rPr lang="en-US" dirty="0">
+                <a:highlight>
+                  <a:srgbClr val="800000"/>
+                </a:highlight>
+              </a:rPr>
+              <a:t>    [</a:t>
+            </a:r>
+            <a:r>
+              <a:rPr lang="en-US" dirty="0" err="1">
+                <a:highlight>
+                  <a:srgbClr val="800000"/>
+                </a:highlight>
+              </a:rPr>
+              <a:t>EnableCors</a:t>
+            </a:r>
+            <a:r>
+              <a:rPr lang="en-US" dirty="0">
+                <a:highlight>
+                  <a:srgbClr val="800000"/>
+                </a:highlight>
+              </a:rPr>
+              <a:t>("</a:t>
+            </a:r>
+            <a:r>
+              <a:rPr lang="en-US" sz="2000" dirty="0">
+                <a:highlight>
+                  <a:srgbClr val="800000"/>
+                </a:highlight>
+              </a:rPr>
+              <a:t> </a:t>
+            </a:r>
+            <a:r>
+              <a:rPr lang="en-US" sz="2000" dirty="0" err="1">
+                <a:highlight>
+                  <a:srgbClr val="800000"/>
+                </a:highlight>
+              </a:rPr>
+              <a:t>CorsPolicy</a:t>
+            </a:r>
+            <a:r>
+              <a:rPr lang="en-US" sz="2000" dirty="0">
+                <a:highlight>
+                  <a:srgbClr val="800000"/>
+                </a:highlight>
+              </a:rPr>
+              <a:t> </a:t>
+            </a:r>
+            <a:r>
+              <a:rPr lang="en-US" dirty="0">
+                <a:highlight>
+                  <a:srgbClr val="800000"/>
+                </a:highlight>
+              </a:rPr>
+              <a:t>")]</a:t>
+            </a:r>
+          </a:p>
+          <a:p>
+            <a:r>
+              <a:rPr lang="en-US" dirty="0"/>
+              <a:t>    [</a:t>
+            </a:r>
+            <a:r>
+              <a:rPr lang="en-US" dirty="0" err="1"/>
+              <a:t>HttpGet</a:t>
+            </a:r>
+            <a:r>
+              <a:rPr lang="en-US" dirty="0"/>
+              <a:t>]</a:t>
+            </a:r>
+          </a:p>
+          <a:p>
+            <a:r>
+              <a:rPr lang="en-US" dirty="0"/>
+              <a:t>    public </a:t>
+            </a:r>
+            <a:r>
+              <a:rPr lang="en-US" dirty="0" err="1"/>
+              <a:t>ActionResult</a:t>
+            </a:r>
+            <a:r>
+              <a:rPr lang="en-US" dirty="0"/>
+              <a:t>&lt;IEnumerable&lt;string&gt;&gt; Get()</a:t>
+            </a:r>
+          </a:p>
+          <a:p>
+            <a:r>
+              <a:rPr lang="en-US" dirty="0"/>
+              <a:t>    {</a:t>
+            </a:r>
+          </a:p>
+          <a:p>
+            <a:r>
+              <a:rPr lang="en-US" dirty="0"/>
+              <a:t>        return new string[] { "green widget", "red widget" };</a:t>
+            </a:r>
+          </a:p>
+          <a:p>
+            <a:r>
+              <a:rPr lang="en-US" dirty="0"/>
+              <a:t>    }</a:t>
+            </a:r>
+          </a:p>
+        </p:txBody>
+      </p:sp>
+    </p:spTree>
+    <p:extLst>
+      <p:ext uri="{BB962C8B-B14F-4D97-AF65-F5344CB8AC3E}">
+        <p14:creationId xmlns:p14="http://schemas.microsoft.com/office/powerpoint/2010/main" val="3621990842"/>
+      </p:ext>
+    </p:extLst>
+  </p:cSld>
+  <p:clrMapOvr>
+    <a:masterClrMapping/>
+  </p:clrMapOvr>
+</p:sld>
+</file>
+
+<file path=ppt/slides/slide7.xml><?xml version="1.0" encoding="utf-8"?>
+<p:sld xmlns:a="http://schemas.openxmlformats.org/drawingml/2006/main" xmlns:r="http://schemas.openxmlformats.org/officeDocument/2006/relationships" xmlns:p="http://schemas.openxmlformats.org/presentationml/2006/main">
+  <p:cSld>
+    <p:spTree>
+      <p:nvGrpSpPr>
+        <p:cNvPr id="1" name=""/>
+        <p:cNvGrpSpPr/>
+        <p:nvPr/>
+      </p:nvGrpSpPr>
+      <p:grpSpPr>
+        <a:xfrm>
+          <a:off x="0" y="0"/>
+          <a:ext cx="0" cy="0"/>
+          <a:chOff x="0" y="0"/>
+          <a:chExt cx="0" cy="0"/>
+        </a:xfrm>
+      </p:grpSpPr>
+      <p:sp>
+        <p:nvSpPr>
+          <p:cNvPr id="2" name="Title 1">
+            <a:extLst>
+              <a:ext uri="{FF2B5EF4-FFF2-40B4-BE49-F238E27FC236}">
+                <a16:creationId xmlns:a16="http://schemas.microsoft.com/office/drawing/2014/main" id="{B44793D8-FD6E-4A8C-8536-3B28DADC7AEF}"/>
+              </a:ext>
+            </a:extLst>
+          </p:cNvPr>
+          <p:cNvSpPr>
+            <a:spLocks noGrp="1"/>
+          </p:cNvSpPr>
+          <p:nvPr>
+            <p:ph type="title"/>
+          </p:nvPr>
+        </p:nvSpPr>
+        <p:spPr/>
+        <p:txBody>
+          <a:bodyPr/>
+          <a:lstStyle/>
+          <a:p>
+            <a:r>
+              <a:rPr lang="en-US" dirty="0"/>
+              <a:t>CORS</a:t>
+            </a:r>
+          </a:p>
+        </p:txBody>
+      </p:sp>
+      <p:sp>
+        <p:nvSpPr>
+          <p:cNvPr id="3" name="Content Placeholder 2">
+            <a:extLst>
+              <a:ext uri="{FF2B5EF4-FFF2-40B4-BE49-F238E27FC236}">
+                <a16:creationId xmlns:a16="http://schemas.microsoft.com/office/drawing/2014/main" id="{BBFFBDED-74CC-42AF-857B-A1ABEBDC2D7B}"/>
+              </a:ext>
+            </a:extLst>
+          </p:cNvPr>
+          <p:cNvSpPr>
+            <a:spLocks noGrp="1"/>
+          </p:cNvSpPr>
+          <p:nvPr>
+            <p:ph idx="1"/>
+          </p:nvPr>
+        </p:nvSpPr>
+        <p:spPr/>
+        <p:txBody>
+          <a:bodyPr>
+            <a:normAutofit/>
+          </a:bodyPr>
+          <a:lstStyle/>
+          <a:p>
+            <a:r>
+              <a:rPr lang="en-US" sz="2400" dirty="0"/>
+              <a:t> </a:t>
+            </a:r>
+            <a:r>
+              <a:rPr lang="en-US" sz="2400" dirty="0" err="1"/>
+              <a:t>services.AddCors</a:t>
+            </a:r>
+            <a:r>
+              <a:rPr lang="en-US" sz="2400" dirty="0"/>
+              <a:t>(options =&gt;</a:t>
+            </a:r>
+          </a:p>
+          <a:p>
+            <a:r>
+              <a:rPr lang="en-US" sz="2400" dirty="0"/>
+              <a:t>            {</a:t>
+            </a:r>
+          </a:p>
+          <a:p>
+            <a:r>
+              <a:rPr lang="en-US" sz="2400" dirty="0"/>
+              <a:t>                </a:t>
+            </a:r>
+            <a:r>
+              <a:rPr lang="en-US" sz="2400" dirty="0" err="1"/>
+              <a:t>options.AddPolicy</a:t>
+            </a:r>
+            <a:r>
+              <a:rPr lang="en-US" sz="2400" dirty="0"/>
+              <a:t>("</a:t>
+            </a:r>
+            <a:r>
+              <a:rPr lang="en-US" sz="2400" dirty="0" err="1"/>
+              <a:t>CorsPolicy</a:t>
+            </a:r>
+            <a:r>
+              <a:rPr lang="en-US" sz="2400" dirty="0"/>
+              <a:t>",</a:t>
+            </a:r>
+          </a:p>
+          <a:p>
+            <a:r>
+              <a:rPr lang="en-US" sz="2400" dirty="0"/>
+              <a:t>                    builder =&gt; </a:t>
+            </a:r>
+            <a:r>
+              <a:rPr lang="en-US" sz="2400" dirty="0" err="1"/>
+              <a:t>builder.AllowAnyOrigin</a:t>
+            </a:r>
+            <a:r>
+              <a:rPr lang="en-US" sz="2400" dirty="0"/>
+              <a:t>()</a:t>
+            </a:r>
+          </a:p>
+          <a:p>
+            <a:r>
+              <a:rPr lang="en-US" sz="2400" dirty="0"/>
+              <a:t>                        .</a:t>
+            </a:r>
+            <a:r>
+              <a:rPr lang="en-US" sz="2400" dirty="0" err="1"/>
+              <a:t>AllowAnyMethod</a:t>
+            </a:r>
+            <a:r>
+              <a:rPr lang="en-US" sz="2400" dirty="0"/>
+              <a:t>()</a:t>
+            </a:r>
+          </a:p>
+          <a:p>
+            <a:r>
+              <a:rPr lang="en-US" sz="2400" dirty="0"/>
+              <a:t>                        .</a:t>
+            </a:r>
+            <a:r>
+              <a:rPr lang="en-US" sz="2400" dirty="0" err="1"/>
+              <a:t>AllowAnyHeader</a:t>
+            </a:r>
+            <a:r>
+              <a:rPr lang="en-US" sz="2400" dirty="0"/>
+              <a:t>());</a:t>
+            </a:r>
+          </a:p>
+          <a:p>
+            <a:r>
+              <a:rPr lang="en-US" sz="2400" dirty="0"/>
+              <a:t>            });</a:t>
+            </a:r>
+          </a:p>
+        </p:txBody>
+      </p:sp>
+    </p:spTree>
+    <p:extLst>
+      <p:ext uri="{BB962C8B-B14F-4D97-AF65-F5344CB8AC3E}">
+        <p14:creationId xmlns:p14="http://schemas.microsoft.com/office/powerpoint/2010/main" val="2277267245"/>
+      </p:ext>
+    </p:extLst>
+  </p:cSld>
+  <p:clrMapOvr>
+    <a:masterClrMapping/>
+  </p:clrMapOvr>
+</p:sld>
+</file>
+
+<file path=ppt/slides/slide8.xml><?xml version="1.0" encoding="utf-8"?>
+<p:sld xmlns:a="http://schemas.openxmlformats.org/drawingml/2006/main" xmlns:r="http://schemas.openxmlformats.org/officeDocument/2006/relationships" xmlns:p="http://schemas.openxmlformats.org/presentationml/2006/main">
+  <p:cSld>
+    <p:spTree>
+      <p:nvGrpSpPr>
+        <p:cNvPr id="1" name=""/>
+        <p:cNvGrpSpPr/>
+        <p:nvPr/>
+      </p:nvGrpSpPr>
+      <p:grpSpPr>
+        <a:xfrm>
+          <a:off x="0" y="0"/>
+          <a:ext cx="0" cy="0"/>
+          <a:chOff x="0" y="0"/>
+          <a:chExt cx="0" cy="0"/>
+        </a:xfrm>
+      </p:grpSpPr>
+      <p:sp>
+        <p:nvSpPr>
+          <p:cNvPr id="2" name="Title 1">
+            <a:extLst>
+              <a:ext uri="{FF2B5EF4-FFF2-40B4-BE49-F238E27FC236}">
+                <a16:creationId xmlns:a16="http://schemas.microsoft.com/office/drawing/2014/main" id="{A20AC04D-A984-4F23-B555-92E74792A726}"/>
+              </a:ext>
+            </a:extLst>
+          </p:cNvPr>
+          <p:cNvSpPr>
+            <a:spLocks noGrp="1"/>
+          </p:cNvSpPr>
+          <p:nvPr>
+            <p:ph type="title"/>
+          </p:nvPr>
+        </p:nvSpPr>
+        <p:spPr/>
+        <p:txBody>
+          <a:bodyPr/>
+          <a:lstStyle/>
+          <a:p>
+            <a:r>
+              <a:rPr lang="en-US" dirty="0"/>
+              <a:t>CORS</a:t>
+            </a:r>
+          </a:p>
+        </p:txBody>
+      </p:sp>
+      <p:sp>
+        <p:nvSpPr>
+          <p:cNvPr id="3" name="Content Placeholder 2">
+            <a:extLst>
+              <a:ext uri="{FF2B5EF4-FFF2-40B4-BE49-F238E27FC236}">
+                <a16:creationId xmlns:a16="http://schemas.microsoft.com/office/drawing/2014/main" id="{70C9133A-28BF-4F05-8B71-F5AF24A86A1B}"/>
+              </a:ext>
+            </a:extLst>
+          </p:cNvPr>
+          <p:cNvSpPr>
+            <a:spLocks noGrp="1"/>
+          </p:cNvSpPr>
+          <p:nvPr>
+            <p:ph idx="1"/>
+          </p:nvPr>
+        </p:nvSpPr>
+        <p:spPr/>
+        <p:txBody>
+          <a:bodyPr/>
+          <a:lstStyle/>
+          <a:p>
+            <a:r>
+              <a:rPr lang="en-US" dirty="0"/>
+              <a:t>GET http://myserver.chinookmusicstore.net/api/test HTTP/1.1</a:t>
+            </a:r>
+          </a:p>
+          <a:p>
+            <a:r>
+              <a:rPr lang="en-US" dirty="0" err="1"/>
+              <a:t>Referer</a:t>
+            </a:r>
+            <a:r>
+              <a:rPr lang="en-US" dirty="0"/>
+              <a:t>: http://myclient. chinookmusicstore.net/</a:t>
+            </a:r>
+          </a:p>
+          <a:p>
+            <a:r>
+              <a:rPr lang="en-US" dirty="0"/>
+              <a:t>Accept: */*</a:t>
+            </a:r>
+          </a:p>
+          <a:p>
+            <a:r>
+              <a:rPr lang="en-US" dirty="0"/>
+              <a:t>Accept-Language: </a:t>
+            </a:r>
+            <a:r>
+              <a:rPr lang="en-US" dirty="0" err="1"/>
+              <a:t>en</a:t>
+            </a:r>
+            <a:r>
+              <a:rPr lang="en-US" dirty="0"/>
+              <a:t>-US</a:t>
+            </a:r>
+          </a:p>
+          <a:p>
+            <a:r>
+              <a:rPr lang="en-US" dirty="0">
+                <a:highlight>
+                  <a:srgbClr val="800000"/>
+                </a:highlight>
+              </a:rPr>
+              <a:t>Origin: http://myclient. chinookmusicstore.net</a:t>
+            </a:r>
+          </a:p>
+          <a:p>
+            <a:r>
+              <a:rPr lang="en-US" dirty="0"/>
+              <a:t>Accept-Encoding: </a:t>
+            </a:r>
+            <a:r>
+              <a:rPr lang="en-US" dirty="0" err="1"/>
+              <a:t>gzip</a:t>
+            </a:r>
+            <a:r>
+              <a:rPr lang="en-US" dirty="0"/>
+              <a:t>, deflate</a:t>
+            </a:r>
+          </a:p>
+          <a:p>
+            <a:r>
+              <a:rPr lang="en-US" dirty="0"/>
+              <a:t>User-Agent: Mozilla/5.0 (compatible; MSIE 10.0; Windows NT 6.2; WOW64; Trident/6.0)</a:t>
+            </a:r>
+          </a:p>
+          <a:p>
+            <a:r>
+              <a:rPr lang="en-US" dirty="0"/>
+              <a:t>Host: </a:t>
+            </a:r>
+            <a:r>
+              <a:rPr lang="en-US" dirty="0" err="1"/>
+              <a:t>myservice</a:t>
+            </a:r>
+            <a:r>
+              <a:rPr lang="en-US" dirty="0"/>
+              <a:t>. chinookmusicstore.net</a:t>
+            </a:r>
+          </a:p>
+        </p:txBody>
+      </p:sp>
+    </p:spTree>
+    <p:extLst>
+      <p:ext uri="{BB962C8B-B14F-4D97-AF65-F5344CB8AC3E}">
+        <p14:creationId xmlns:p14="http://schemas.microsoft.com/office/powerpoint/2010/main" val="3983395679"/>
+      </p:ext>
+    </p:extLst>
+  </p:cSld>
+  <p:clrMapOvr>
+    <a:masterClrMapping/>
+  </p:clrMapOvr>
+</p:sld>
+</file>
+
+<file path=ppt/slides/slide9.xml><?xml version="1.0" encoding="utf-8"?>
+<p:sld xmlns:a="http://schemas.openxmlformats.org/drawingml/2006/main" xmlns:r="http://schemas.openxmlformats.org/officeDocument/2006/relationships" xmlns:p="http://schemas.openxmlformats.org/presentationml/2006/main">
+  <p:cSld>
+    <p:spTree>
+      <p:nvGrpSpPr>
+        <p:cNvPr id="1" name=""/>
+        <p:cNvGrpSpPr/>
+        <p:nvPr/>
+      </p:nvGrpSpPr>
+      <p:grpSpPr>
+        <a:xfrm>
+          <a:off x="0" y="0"/>
+          <a:ext cx="0" cy="0"/>
+          <a:chOff x="0" y="0"/>
+          <a:chExt cx="0" cy="0"/>
+        </a:xfrm>
+      </p:grpSpPr>
+      <p:sp>
+        <p:nvSpPr>
+          <p:cNvPr id="2" name="Title 1">
+            <a:extLst>
+              <a:ext uri="{FF2B5EF4-FFF2-40B4-BE49-F238E27FC236}">
+                <a16:creationId xmlns:a16="http://schemas.microsoft.com/office/drawing/2014/main" id="{246FF8A7-F88B-4741-8309-0685A260EECE}"/>
+              </a:ext>
+            </a:extLst>
+          </p:cNvPr>
+          <p:cNvSpPr>
+            <a:spLocks noGrp="1"/>
+          </p:cNvSpPr>
+          <p:nvPr>
+            <p:ph type="title"/>
+          </p:nvPr>
+        </p:nvSpPr>
+        <p:spPr/>
+        <p:txBody>
+          <a:bodyPr/>
+          <a:lstStyle/>
+          <a:p>
+            <a:r>
+              <a:rPr lang="en-US" dirty="0"/>
+              <a:t>CORS</a:t>
+            </a:r>
+          </a:p>
+        </p:txBody>
+      </p:sp>
+      <p:sp>
+        <p:nvSpPr>
+          <p:cNvPr id="3" name="Content Placeholder 2">
+            <a:extLst>
+              <a:ext uri="{FF2B5EF4-FFF2-40B4-BE49-F238E27FC236}">
+                <a16:creationId xmlns:a16="http://schemas.microsoft.com/office/drawing/2014/main" id="{0A7A7162-44F8-4A70-8176-8DC015BDCCD8}"/>
+              </a:ext>
+            </a:extLst>
+          </p:cNvPr>
+          <p:cNvSpPr>
+            <a:spLocks noGrp="1"/>
+          </p:cNvSpPr>
+          <p:nvPr>
+            <p:ph idx="1"/>
+          </p:nvPr>
+        </p:nvSpPr>
+        <p:spPr/>
+        <p:txBody>
+          <a:bodyPr/>
+          <a:lstStyle/>
+          <a:p>
+            <a:r>
+              <a:rPr lang="en-US" dirty="0"/>
+              <a:t>HTTP/1.1 200 OK</a:t>
+            </a:r>
+          </a:p>
+          <a:p>
+            <a:r>
+              <a:rPr lang="en-US" dirty="0"/>
+              <a:t>Cache-Control: no-cache</a:t>
+            </a:r>
+          </a:p>
+          <a:p>
+            <a:r>
+              <a:rPr lang="en-US" dirty="0"/>
+              <a:t>Pragma: no-cache</a:t>
+            </a:r>
+          </a:p>
+          <a:p>
+            <a:r>
+              <a:rPr lang="en-US" dirty="0"/>
+              <a:t>Content-Type: text/plain; charset=utf-8</a:t>
+            </a:r>
+          </a:p>
+          <a:p>
+            <a:r>
+              <a:rPr lang="en-US" dirty="0">
+                <a:highlight>
+                  <a:srgbClr val="800000"/>
+                </a:highlight>
+              </a:rPr>
+              <a:t>Access-Control-Allow-Origin: http://myclient. chinookmusicstore.net</a:t>
+            </a:r>
+          </a:p>
+          <a:p>
+            <a:r>
+              <a:rPr lang="en-US" dirty="0"/>
+              <a:t>Date: Wed, 05 Jun 2013 06:27:30 GMT</a:t>
+            </a:r>
+          </a:p>
+          <a:p>
+            <a:r>
+              <a:rPr lang="en-US" dirty="0"/>
+              <a:t>Content-Length: 17</a:t>
+            </a:r>
+          </a:p>
+        </p:txBody>
+      </p:sp>
+    </p:spTree>
+    <p:extLst>
+      <p:ext uri="{BB962C8B-B14F-4D97-AF65-F5344CB8AC3E}">
+        <p14:creationId xmlns:p14="http://schemas.microsoft.com/office/powerpoint/2010/main" val="1956764379"/>
       </p:ext>
     </p:extLst>
   </p:cSld>

--- a/module-1/01-06 Developing the API Endpoints/01-06 Developing the Web API endpoints.pptx
+++ b/module-1/01-06 Developing the API Endpoints/01-06 Developing the Web API endpoints.pptx
@@ -6,24 +6,17 @@
     <p:sldMasterId id="2147483684" r:id="rId2"/>
   </p:sldMasterIdLst>
   <p:notesMasterIdLst>
-    <p:notesMasterId r:id="rId18"/>
+    <p:notesMasterId r:id="rId11"/>
   </p:notesMasterIdLst>
   <p:sldIdLst>
     <p:sldId id="261" r:id="rId3"/>
     <p:sldId id="256" r:id="rId4"/>
     <p:sldId id="262" r:id="rId5"/>
     <p:sldId id="263" r:id="rId6"/>
-    <p:sldId id="269" r:id="rId7"/>
-    <p:sldId id="270" r:id="rId8"/>
-    <p:sldId id="271" r:id="rId9"/>
-    <p:sldId id="264" r:id="rId10"/>
-    <p:sldId id="268" r:id="rId11"/>
-    <p:sldId id="266" r:id="rId12"/>
-    <p:sldId id="267" r:id="rId13"/>
-    <p:sldId id="265" r:id="rId14"/>
-    <p:sldId id="275" r:id="rId15"/>
-    <p:sldId id="272" r:id="rId16"/>
-    <p:sldId id="274" r:id="rId17"/>
+    <p:sldId id="265" r:id="rId7"/>
+    <p:sldId id="275" r:id="rId8"/>
+    <p:sldId id="272" r:id="rId9"/>
+    <p:sldId id="274" r:id="rId10"/>
   </p:sldIdLst>
   <p:sldSz cx="12192000" cy="6858000"/>
   <p:notesSz cx="6858000" cy="9144000"/>
@@ -212,7 +205,7 @@
           <a:p>
             <a:fld id="{44460345-7E30-425F-A93D-E48BE08458AD}" type="datetimeFigureOut">
               <a:rPr lang="en-US" smtClean="0"/>
-              <a:t>9/27/2021</a:t>
+              <a:t>10/4/2021</a:t>
             </a:fld>
             <a:endParaRPr lang="en-US"/>
           </a:p>
@@ -859,7 +852,7 @@
           <a:p>
             <a:fld id="{59197A79-E6B2-4AB0-908B-22D89AAD388B}" type="datetimeFigureOut">
               <a:rPr lang="en-US" smtClean="0"/>
-              <a:t>9/27/2021</a:t>
+              <a:t>10/4/2021</a:t>
             </a:fld>
             <a:endParaRPr lang="en-US"/>
           </a:p>
@@ -1067,7 +1060,7 @@
           <a:p>
             <a:fld id="{59197A79-E6B2-4AB0-908B-22D89AAD388B}" type="datetimeFigureOut">
               <a:rPr lang="en-US" smtClean="0"/>
-              <a:t>9/27/2021</a:t>
+              <a:t>10/4/2021</a:t>
             </a:fld>
             <a:endParaRPr lang="en-US"/>
           </a:p>
@@ -1325,7 +1318,7 @@
           <a:p>
             <a:fld id="{59197A79-E6B2-4AB0-908B-22D89AAD388B}" type="datetimeFigureOut">
               <a:rPr lang="en-US" smtClean="0"/>
-              <a:t>9/27/2021</a:t>
+              <a:t>10/4/2021</a:t>
             </a:fld>
             <a:endParaRPr lang="en-US"/>
           </a:p>
@@ -1565,7 +1558,7 @@
           <a:p>
             <a:fld id="{D088F999-7A4E-6B4F-9FED-EF75B73AD044}" type="datetimeFigureOut">
               <a:rPr lang="en-US" smtClean="0"/>
-              <a:t>9/27/2021</a:t>
+              <a:t>10/4/2021</a:t>
             </a:fld>
             <a:endParaRPr lang="en-US"/>
           </a:p>
@@ -1733,7 +1726,7 @@
           <a:p>
             <a:fld id="{D088F999-7A4E-6B4F-9FED-EF75B73AD044}" type="datetimeFigureOut">
               <a:rPr lang="en-US" smtClean="0"/>
-              <a:t>9/27/2021</a:t>
+              <a:t>10/4/2021</a:t>
             </a:fld>
             <a:endParaRPr lang="en-US"/>
           </a:p>
@@ -1978,7 +1971,7 @@
           <a:p>
             <a:fld id="{D088F999-7A4E-6B4F-9FED-EF75B73AD044}" type="datetimeFigureOut">
               <a:rPr lang="en-US" smtClean="0"/>
-              <a:t>9/27/2021</a:t>
+              <a:t>10/4/2021</a:t>
             </a:fld>
             <a:endParaRPr lang="en-US"/>
           </a:p>
@@ -2263,7 +2256,7 @@
           <a:p>
             <a:fld id="{D088F999-7A4E-6B4F-9FED-EF75B73AD044}" type="datetimeFigureOut">
               <a:rPr lang="en-US" smtClean="0"/>
-              <a:t>9/27/2021</a:t>
+              <a:t>10/4/2021</a:t>
             </a:fld>
             <a:endParaRPr lang="en-US"/>
           </a:p>
@@ -2682,7 +2675,7 @@
           <a:p>
             <a:fld id="{D088F999-7A4E-6B4F-9FED-EF75B73AD044}" type="datetimeFigureOut">
               <a:rPr lang="en-US" smtClean="0"/>
-              <a:t>9/27/2021</a:t>
+              <a:t>10/4/2021</a:t>
             </a:fld>
             <a:endParaRPr lang="en-US"/>
           </a:p>
@@ -2799,7 +2792,7 @@
           <a:p>
             <a:fld id="{D088F999-7A4E-6B4F-9FED-EF75B73AD044}" type="datetimeFigureOut">
               <a:rPr lang="en-US" smtClean="0"/>
-              <a:t>9/27/2021</a:t>
+              <a:t>10/4/2021</a:t>
             </a:fld>
             <a:endParaRPr lang="en-US"/>
           </a:p>
@@ -2894,7 +2887,7 @@
           <a:p>
             <a:fld id="{D088F999-7A4E-6B4F-9FED-EF75B73AD044}" type="datetimeFigureOut">
               <a:rPr lang="en-US" smtClean="0"/>
-              <a:t>9/27/2021</a:t>
+              <a:t>10/4/2021</a:t>
             </a:fld>
             <a:endParaRPr lang="en-US"/>
           </a:p>
@@ -3169,7 +3162,7 @@
           <a:p>
             <a:fld id="{D088F999-7A4E-6B4F-9FED-EF75B73AD044}" type="datetimeFigureOut">
               <a:rPr lang="en-US" smtClean="0"/>
-              <a:t>9/27/2021</a:t>
+              <a:t>10/4/2021</a:t>
             </a:fld>
             <a:endParaRPr lang="en-US"/>
           </a:p>
@@ -3339,7 +3332,7 @@
           <a:p>
             <a:fld id="{59197A79-E6B2-4AB0-908B-22D89AAD388B}" type="datetimeFigureOut">
               <a:rPr lang="en-US" smtClean="0"/>
-              <a:t>9/27/2021</a:t>
+              <a:t>10/4/2021</a:t>
             </a:fld>
             <a:endParaRPr lang="en-US"/>
           </a:p>
@@ -3591,7 +3584,7 @@
           <a:p>
             <a:fld id="{D088F999-7A4E-6B4F-9FED-EF75B73AD044}" type="datetimeFigureOut">
               <a:rPr lang="en-US" smtClean="0"/>
-              <a:t>9/27/2021</a:t>
+              <a:t>10/4/2021</a:t>
             </a:fld>
             <a:endParaRPr lang="en-US"/>
           </a:p>
@@ -3759,7 +3752,7 @@
           <a:p>
             <a:fld id="{D088F999-7A4E-6B4F-9FED-EF75B73AD044}" type="datetimeFigureOut">
               <a:rPr lang="en-US" smtClean="0"/>
-              <a:t>9/27/2021</a:t>
+              <a:t>10/4/2021</a:t>
             </a:fld>
             <a:endParaRPr lang="en-US"/>
           </a:p>
@@ -3937,7 +3930,7 @@
           <a:p>
             <a:fld id="{D088F999-7A4E-6B4F-9FED-EF75B73AD044}" type="datetimeFigureOut">
               <a:rPr lang="en-US" smtClean="0"/>
-              <a:t>9/27/2021</a:t>
+              <a:t>10/4/2021</a:t>
             </a:fld>
             <a:endParaRPr lang="en-US"/>
           </a:p>
@@ -4274,7 +4267,7 @@
           <a:p>
             <a:fld id="{59197A79-E6B2-4AB0-908B-22D89AAD388B}" type="datetimeFigureOut">
               <a:rPr lang="en-US" smtClean="0"/>
-              <a:t>9/27/2021</a:t>
+              <a:t>10/4/2021</a:t>
             </a:fld>
             <a:endParaRPr lang="en-US"/>
           </a:p>
@@ -4549,7 +4542,7 @@
           <a:p>
             <a:fld id="{59197A79-E6B2-4AB0-908B-22D89AAD388B}" type="datetimeFigureOut">
               <a:rPr lang="en-US" smtClean="0"/>
-              <a:t>9/27/2021</a:t>
+              <a:t>10/4/2021</a:t>
             </a:fld>
             <a:endParaRPr lang="en-US"/>
           </a:p>
@@ -4932,7 +4925,7 @@
           <a:p>
             <a:fld id="{59197A79-E6B2-4AB0-908B-22D89AAD388B}" type="datetimeFigureOut">
               <a:rPr lang="en-US" smtClean="0"/>
-              <a:t>9/27/2021</a:t>
+              <a:t>10/4/2021</a:t>
             </a:fld>
             <a:endParaRPr lang="en-US"/>
           </a:p>
@@ -5050,7 +5043,7 @@
           <a:p>
             <a:fld id="{59197A79-E6B2-4AB0-908B-22D89AAD388B}" type="datetimeFigureOut">
               <a:rPr lang="en-US" smtClean="0"/>
-              <a:t>9/27/2021</a:t>
+              <a:t>10/4/2021</a:t>
             </a:fld>
             <a:endParaRPr lang="en-US"/>
           </a:p>
@@ -5223,7 +5216,7 @@
           <a:p>
             <a:fld id="{59197A79-E6B2-4AB0-908B-22D89AAD388B}" type="datetimeFigureOut">
               <a:rPr lang="en-US" smtClean="0"/>
-              <a:t>9/27/2021</a:t>
+              <a:t>10/4/2021</a:t>
             </a:fld>
             <a:endParaRPr lang="en-US"/>
           </a:p>
@@ -5579,7 +5572,7 @@
           <a:p>
             <a:fld id="{59197A79-E6B2-4AB0-908B-22D89AAD388B}" type="datetimeFigureOut">
               <a:rPr lang="en-US" smtClean="0"/>
-              <a:t>9/27/2021</a:t>
+              <a:t>10/4/2021</a:t>
             </a:fld>
             <a:endParaRPr lang="en-US"/>
           </a:p>
@@ -5927,7 +5920,7 @@
           <a:p>
             <a:fld id="{59197A79-E6B2-4AB0-908B-22D89AAD388B}" type="datetimeFigureOut">
               <a:rPr lang="en-US" smtClean="0"/>
-              <a:t>9/27/2021</a:t>
+              <a:t>10/4/2021</a:t>
             </a:fld>
             <a:endParaRPr lang="en-US"/>
           </a:p>
@@ -6238,7 +6231,7 @@
           <a:p>
             <a:fld id="{59197A79-E6B2-4AB0-908B-22D89AAD388B}" type="datetimeFigureOut">
               <a:rPr lang="en-US" smtClean="0"/>
-              <a:t>9/27/2021</a:t>
+              <a:t>10/4/2021</a:t>
             </a:fld>
             <a:endParaRPr lang="en-US"/>
           </a:p>
@@ -6904,7 +6897,7 @@
           <a:p>
             <a:fld id="{D088F999-7A4E-6B4F-9FED-EF75B73AD044}" type="datetimeFigureOut">
               <a:rPr lang="en-US" smtClean="0"/>
-              <a:t>9/27/2021</a:t>
+              <a:t>10/4/2021</a:t>
             </a:fld>
             <a:endParaRPr lang="en-US"/>
           </a:p>
@@ -7679,2378 +7672,6 @@
 </p:sld>
 </file>
 
-<file path=ppt/slides/slide10.xml><?xml version="1.0" encoding="utf-8"?>
-<p:sld xmlns:a="http://schemas.openxmlformats.org/drawingml/2006/main" xmlns:r="http://schemas.openxmlformats.org/officeDocument/2006/relationships" xmlns:p="http://schemas.openxmlformats.org/presentationml/2006/main">
-  <p:cSld>
-    <p:spTree>
-      <p:nvGrpSpPr>
-        <p:cNvPr id="1" name=""/>
-        <p:cNvGrpSpPr/>
-        <p:nvPr/>
-      </p:nvGrpSpPr>
-      <p:grpSpPr>
-        <a:xfrm>
-          <a:off x="0" y="0"/>
-          <a:ext cx="0" cy="0"/>
-          <a:chOff x="0" y="0"/>
-          <a:chExt cx="0" cy="0"/>
-        </a:xfrm>
-      </p:grpSpPr>
-      <p:sp>
-        <p:nvSpPr>
-          <p:cNvPr id="2" name="Title 1">
-            <a:extLst>
-              <a:ext uri="{FF2B5EF4-FFF2-40B4-BE49-F238E27FC236}">
-                <a16:creationId xmlns:a16="http://schemas.microsoft.com/office/drawing/2014/main" id="{0E3DF703-5A53-4FB0-9214-8BCC099AD8DE}"/>
-              </a:ext>
-            </a:extLst>
-          </p:cNvPr>
-          <p:cNvSpPr>
-            <a:spLocks noGrp="1"/>
-          </p:cNvSpPr>
-          <p:nvPr>
-            <p:ph type="title"/>
-          </p:nvPr>
-        </p:nvSpPr>
-        <p:spPr/>
-        <p:txBody>
-          <a:bodyPr/>
-          <a:lstStyle/>
-          <a:p>
-            <a:r>
-              <a:rPr lang="en-US" dirty="0"/>
-              <a:t>CORS</a:t>
-            </a:r>
-          </a:p>
-        </p:txBody>
-      </p:sp>
-      <p:pic>
-        <p:nvPicPr>
-          <p:cNvPr id="5" name="Picture 4">
-            <a:extLst>
-              <a:ext uri="{FF2B5EF4-FFF2-40B4-BE49-F238E27FC236}">
-                <a16:creationId xmlns:a16="http://schemas.microsoft.com/office/drawing/2014/main" id="{F4E8F1CB-B81C-4337-9412-9F5487277C83}"/>
-              </a:ext>
-            </a:extLst>
-          </p:cNvPr>
-          <p:cNvPicPr>
-            <a:picLocks noChangeAspect="1"/>
-          </p:cNvPicPr>
-          <p:nvPr/>
-        </p:nvPicPr>
-        <p:blipFill>
-          <a:blip r:embed="rId2"/>
-          <a:stretch>
-            <a:fillRect/>
-          </a:stretch>
-        </p:blipFill>
-        <p:spPr>
-          <a:xfrm>
-            <a:off x="1097280" y="2025016"/>
-            <a:ext cx="10062726" cy="3433675"/>
-          </a:xfrm>
-          <a:prstGeom prst="rect">
-            <a:avLst/>
-          </a:prstGeom>
-        </p:spPr>
-      </p:pic>
-    </p:spTree>
-    <p:extLst>
-      <p:ext uri="{BB962C8B-B14F-4D97-AF65-F5344CB8AC3E}">
-        <p14:creationId xmlns:p14="http://schemas.microsoft.com/office/powerpoint/2010/main" val="4051259291"/>
-      </p:ext>
-    </p:extLst>
-  </p:cSld>
-  <p:clrMapOvr>
-    <a:masterClrMapping/>
-  </p:clrMapOvr>
-</p:sld>
-</file>
-
-<file path=ppt/slides/slide11.xml><?xml version="1.0" encoding="utf-8"?>
-<p:sld xmlns:a="http://schemas.openxmlformats.org/drawingml/2006/main" xmlns:r="http://schemas.openxmlformats.org/officeDocument/2006/relationships" xmlns:p="http://schemas.openxmlformats.org/presentationml/2006/main">
-  <p:cSld>
-    <p:spTree>
-      <p:nvGrpSpPr>
-        <p:cNvPr id="1" name=""/>
-        <p:cNvGrpSpPr/>
-        <p:nvPr/>
-      </p:nvGrpSpPr>
-      <p:grpSpPr>
-        <a:xfrm>
-          <a:off x="0" y="0"/>
-          <a:ext cx="0" cy="0"/>
-          <a:chOff x="0" y="0"/>
-          <a:chExt cx="0" cy="0"/>
-        </a:xfrm>
-      </p:grpSpPr>
-      <p:sp>
-        <p:nvSpPr>
-          <p:cNvPr id="2" name="Title 1">
-            <a:extLst>
-              <a:ext uri="{FF2B5EF4-FFF2-40B4-BE49-F238E27FC236}">
-                <a16:creationId xmlns:a16="http://schemas.microsoft.com/office/drawing/2014/main" id="{A20AC04D-A984-4F23-B555-92E74792A726}"/>
-              </a:ext>
-            </a:extLst>
-          </p:cNvPr>
-          <p:cNvSpPr>
-            <a:spLocks noGrp="1"/>
-          </p:cNvSpPr>
-          <p:nvPr>
-            <p:ph type="title"/>
-          </p:nvPr>
-        </p:nvSpPr>
-        <p:spPr/>
-        <p:txBody>
-          <a:bodyPr/>
-          <a:lstStyle/>
-          <a:p>
-            <a:r>
-              <a:rPr lang="en-US" dirty="0"/>
-              <a:t>CORS Preflight</a:t>
-            </a:r>
-          </a:p>
-        </p:txBody>
-      </p:sp>
-      <p:sp>
-        <p:nvSpPr>
-          <p:cNvPr id="4" name="Content Placeholder 3">
-            <a:extLst>
-              <a:ext uri="{FF2B5EF4-FFF2-40B4-BE49-F238E27FC236}">
-                <a16:creationId xmlns:a16="http://schemas.microsoft.com/office/drawing/2014/main" id="{787E22E6-1EAF-4259-8EC3-8882BB45A969}"/>
-              </a:ext>
-            </a:extLst>
-          </p:cNvPr>
-          <p:cNvSpPr>
-            <a:spLocks noGrp="1"/>
-          </p:cNvSpPr>
-          <p:nvPr>
-            <p:ph sz="half" idx="1"/>
-          </p:nvPr>
-        </p:nvSpPr>
-        <p:spPr>
-          <a:xfrm>
-            <a:off x="1097278" y="1845734"/>
-            <a:ext cx="10058400" cy="2230965"/>
-          </a:xfrm>
-        </p:spPr>
-        <p:txBody>
-          <a:bodyPr>
-            <a:normAutofit/>
-          </a:bodyPr>
-          <a:lstStyle/>
-          <a:p>
-            <a:r>
-              <a:rPr lang="en-US" b="0" i="0" dirty="0">
-                <a:solidFill>
-                  <a:srgbClr val="E6E6E6"/>
-                </a:solidFill>
-                <a:effectLst/>
-                <a:latin typeface="SFMono-Regular"/>
-              </a:rPr>
-              <a:t>OPTIONS https://localhost/api/Albums/1 HTTP/1.1</a:t>
-            </a:r>
-          </a:p>
-          <a:p>
-            <a:r>
-              <a:rPr lang="en-US" b="0" i="0" dirty="0">
-                <a:solidFill>
-                  <a:srgbClr val="E6E6E6"/>
-                </a:solidFill>
-                <a:effectLst/>
-                <a:latin typeface="SFMono-Regular"/>
-              </a:rPr>
-              <a:t>Host: localhost </a:t>
-            </a:r>
-          </a:p>
-          <a:p>
-            <a:r>
-              <a:rPr lang="en-US" b="0" i="0" dirty="0">
-                <a:solidFill>
-                  <a:srgbClr val="E6E6E6"/>
-                </a:solidFill>
-                <a:effectLst/>
-                <a:latin typeface="SFMono-Regular"/>
-              </a:rPr>
-              <a:t>Access-Control-Request-Method: PUT </a:t>
-            </a:r>
-          </a:p>
-          <a:p>
-            <a:r>
-              <a:rPr lang="en-US" b="0" i="0" dirty="0">
-                <a:solidFill>
-                  <a:srgbClr val="E6E6E6"/>
-                </a:solidFill>
-                <a:effectLst/>
-                <a:latin typeface="SFMono-Regular"/>
-              </a:rPr>
-              <a:t>Origin: https://localhost:55912 Access-Control-Request-Headers: content-type </a:t>
-            </a:r>
-          </a:p>
-          <a:p>
-            <a:r>
-              <a:rPr lang="en-US" b="0" i="0" dirty="0">
-                <a:solidFill>
-                  <a:srgbClr val="E6E6E6"/>
-                </a:solidFill>
-                <a:effectLst/>
-                <a:latin typeface="SFMono-Regular"/>
-              </a:rPr>
-              <a:t>Accept: */*</a:t>
-            </a:r>
-            <a:endParaRPr lang="en-US" dirty="0"/>
-          </a:p>
-        </p:txBody>
-      </p:sp>
-      <p:sp>
-        <p:nvSpPr>
-          <p:cNvPr id="5" name="Content Placeholder 4">
-            <a:extLst>
-              <a:ext uri="{FF2B5EF4-FFF2-40B4-BE49-F238E27FC236}">
-                <a16:creationId xmlns:a16="http://schemas.microsoft.com/office/drawing/2014/main" id="{FBE13464-85CA-4466-9C4E-92796CE97E8B}"/>
-              </a:ext>
-            </a:extLst>
-          </p:cNvPr>
-          <p:cNvSpPr>
-            <a:spLocks noGrp="1"/>
-          </p:cNvSpPr>
-          <p:nvPr>
-            <p:ph sz="half" idx="2"/>
-          </p:nvPr>
-        </p:nvSpPr>
-        <p:spPr>
-          <a:xfrm>
-            <a:off x="1097280" y="4429776"/>
-            <a:ext cx="9997440" cy="1450757"/>
-          </a:xfrm>
-        </p:spPr>
-        <p:txBody>
-          <a:bodyPr>
-            <a:normAutofit/>
-          </a:bodyPr>
-          <a:lstStyle/>
-          <a:p>
-            <a:r>
-              <a:rPr lang="en-US" b="1" i="0" dirty="0">
-                <a:solidFill>
-                  <a:srgbClr val="E6E6E6"/>
-                </a:solidFill>
-                <a:effectLst/>
-                <a:latin typeface="SFMono-Regular"/>
-              </a:rPr>
-              <a:t>HTTP/1.1 200 OK Access-Control-Allow-Origin: https://localhost:55912 </a:t>
-            </a:r>
-          </a:p>
-          <a:p>
-            <a:r>
-              <a:rPr lang="en-US" b="1" i="0" dirty="0">
-                <a:solidFill>
-                  <a:srgbClr val="E6E6E6"/>
-                </a:solidFill>
-                <a:effectLst/>
-                <a:latin typeface="SFMono-Regular"/>
-              </a:rPr>
-              <a:t>Access-Control-Allow-Methods: PUT </a:t>
-            </a:r>
-          </a:p>
-          <a:p>
-            <a:r>
-              <a:rPr lang="en-US" b="1" i="0" dirty="0">
-                <a:solidFill>
-                  <a:srgbClr val="E6E6E6"/>
-                </a:solidFill>
-                <a:effectLst/>
-                <a:latin typeface="SFMono-Regular"/>
-              </a:rPr>
-              <a:t>Access-Control-Allow-Headers: content-</a:t>
-            </a:r>
-            <a:r>
-              <a:rPr lang="en-US" b="1" i="0" dirty="0" err="1">
-                <a:solidFill>
-                  <a:srgbClr val="E6E6E6"/>
-                </a:solidFill>
-                <a:effectLst/>
-                <a:latin typeface="SFMono-Regular"/>
-              </a:rPr>
-              <a:t>typeAccess</a:t>
-            </a:r>
-            <a:r>
-              <a:rPr lang="en-US" b="1" i="0" dirty="0">
-                <a:solidFill>
-                  <a:srgbClr val="E6E6E6"/>
-                </a:solidFill>
-                <a:effectLst/>
-                <a:latin typeface="SFMono-Regular"/>
-              </a:rPr>
-              <a:t>-Control-Max-Age: 600</a:t>
-            </a:r>
-            <a:endParaRPr lang="en-US" b="1" dirty="0"/>
-          </a:p>
-        </p:txBody>
-      </p:sp>
-    </p:spTree>
-    <p:extLst>
-      <p:ext uri="{BB962C8B-B14F-4D97-AF65-F5344CB8AC3E}">
-        <p14:creationId xmlns:p14="http://schemas.microsoft.com/office/powerpoint/2010/main" val="874164791"/>
-      </p:ext>
-    </p:extLst>
-  </p:cSld>
-  <p:clrMapOvr>
-    <a:masterClrMapping/>
-  </p:clrMapOvr>
-  <p:timing>
-    <p:tnLst>
-      <p:par>
-        <p:cTn id="1" dur="indefinite" restart="never" nodeType="tmRoot">
-          <p:childTnLst>
-            <p:seq concurrent="1" nextAc="seek">
-              <p:cTn id="2" dur="indefinite" nodeType="mainSeq">
-                <p:childTnLst>
-                  <p:par>
-                    <p:cTn id="3" fill="hold">
-                      <p:stCondLst>
-                        <p:cond delay="indefinite"/>
-                      </p:stCondLst>
-                      <p:childTnLst>
-                        <p:par>
-                          <p:cTn id="4" fill="hold">
-                            <p:stCondLst>
-                              <p:cond delay="0"/>
-                            </p:stCondLst>
-                            <p:childTnLst>
-                              <p:par>
-                                <p:cTn id="5" presetID="1" presetClass="entr" presetSubtype="0" fill="hold" nodeType="clickEffect">
-                                  <p:stCondLst>
-                                    <p:cond delay="0"/>
-                                  </p:stCondLst>
-                                  <p:childTnLst>
-                                    <p:set>
-                                      <p:cBhvr>
-                                        <p:cTn id="6" dur="1" fill="hold">
-                                          <p:stCondLst>
-                                            <p:cond delay="0"/>
-                                          </p:stCondLst>
-                                        </p:cTn>
-                                        <p:tgtEl>
-                                          <p:spTgt spid="4">
-                                            <p:txEl>
-                                              <p:pRg st="0" end="0"/>
-                                            </p:txEl>
-                                          </p:spTgt>
-                                        </p:tgtEl>
-                                        <p:attrNameLst>
-                                          <p:attrName>style.visibility</p:attrName>
-                                        </p:attrNameLst>
-                                      </p:cBhvr>
-                                      <p:to>
-                                        <p:strVal val="visible"/>
-                                      </p:to>
-                                    </p:set>
-                                  </p:childTnLst>
-                                </p:cTn>
-                              </p:par>
-                              <p:par>
-                                <p:cTn id="7" presetID="1" presetClass="entr" presetSubtype="0" fill="hold" nodeType="withEffect">
-                                  <p:stCondLst>
-                                    <p:cond delay="0"/>
-                                  </p:stCondLst>
-                                  <p:childTnLst>
-                                    <p:set>
-                                      <p:cBhvr>
-                                        <p:cTn id="8" dur="1" fill="hold">
-                                          <p:stCondLst>
-                                            <p:cond delay="0"/>
-                                          </p:stCondLst>
-                                        </p:cTn>
-                                        <p:tgtEl>
-                                          <p:spTgt spid="4">
-                                            <p:txEl>
-                                              <p:pRg st="1" end="1"/>
-                                            </p:txEl>
-                                          </p:spTgt>
-                                        </p:tgtEl>
-                                        <p:attrNameLst>
-                                          <p:attrName>style.visibility</p:attrName>
-                                        </p:attrNameLst>
-                                      </p:cBhvr>
-                                      <p:to>
-                                        <p:strVal val="visible"/>
-                                      </p:to>
-                                    </p:set>
-                                  </p:childTnLst>
-                                </p:cTn>
-                              </p:par>
-                              <p:par>
-                                <p:cTn id="9" presetID="1" presetClass="entr" presetSubtype="0" fill="hold" nodeType="withEffect">
-                                  <p:stCondLst>
-                                    <p:cond delay="0"/>
-                                  </p:stCondLst>
-                                  <p:childTnLst>
-                                    <p:set>
-                                      <p:cBhvr>
-                                        <p:cTn id="10" dur="1" fill="hold">
-                                          <p:stCondLst>
-                                            <p:cond delay="0"/>
-                                          </p:stCondLst>
-                                        </p:cTn>
-                                        <p:tgtEl>
-                                          <p:spTgt spid="4">
-                                            <p:txEl>
-                                              <p:pRg st="2" end="2"/>
-                                            </p:txEl>
-                                          </p:spTgt>
-                                        </p:tgtEl>
-                                        <p:attrNameLst>
-                                          <p:attrName>style.visibility</p:attrName>
-                                        </p:attrNameLst>
-                                      </p:cBhvr>
-                                      <p:to>
-                                        <p:strVal val="visible"/>
-                                      </p:to>
-                                    </p:set>
-                                  </p:childTnLst>
-                                </p:cTn>
-                              </p:par>
-                              <p:par>
-                                <p:cTn id="11" presetID="1" presetClass="entr" presetSubtype="0" fill="hold" nodeType="withEffect">
-                                  <p:stCondLst>
-                                    <p:cond delay="0"/>
-                                  </p:stCondLst>
-                                  <p:childTnLst>
-                                    <p:set>
-                                      <p:cBhvr>
-                                        <p:cTn id="12" dur="1" fill="hold">
-                                          <p:stCondLst>
-                                            <p:cond delay="0"/>
-                                          </p:stCondLst>
-                                        </p:cTn>
-                                        <p:tgtEl>
-                                          <p:spTgt spid="4">
-                                            <p:txEl>
-                                              <p:pRg st="3" end="3"/>
-                                            </p:txEl>
-                                          </p:spTgt>
-                                        </p:tgtEl>
-                                        <p:attrNameLst>
-                                          <p:attrName>style.visibility</p:attrName>
-                                        </p:attrNameLst>
-                                      </p:cBhvr>
-                                      <p:to>
-                                        <p:strVal val="visible"/>
-                                      </p:to>
-                                    </p:set>
-                                  </p:childTnLst>
-                                </p:cTn>
-                              </p:par>
-                              <p:par>
-                                <p:cTn id="13" presetID="1" presetClass="entr" presetSubtype="0" fill="hold" nodeType="withEffect">
-                                  <p:stCondLst>
-                                    <p:cond delay="0"/>
-                                  </p:stCondLst>
-                                  <p:childTnLst>
-                                    <p:set>
-                                      <p:cBhvr>
-                                        <p:cTn id="14" dur="1" fill="hold">
-                                          <p:stCondLst>
-                                            <p:cond delay="0"/>
-                                          </p:stCondLst>
-                                        </p:cTn>
-                                        <p:tgtEl>
-                                          <p:spTgt spid="4">
-                                            <p:txEl>
-                                              <p:pRg st="4" end="4"/>
-                                            </p:txEl>
-                                          </p:spTgt>
-                                        </p:tgtEl>
-                                        <p:attrNameLst>
-                                          <p:attrName>style.visibility</p:attrName>
-                                        </p:attrNameLst>
-                                      </p:cBhvr>
-                                      <p:to>
-                                        <p:strVal val="visible"/>
-                                      </p:to>
-                                    </p:set>
-                                  </p:childTnLst>
-                                </p:cTn>
-                              </p:par>
-                            </p:childTnLst>
-                          </p:cTn>
-                        </p:par>
-                      </p:childTnLst>
-                    </p:cTn>
-                  </p:par>
-                  <p:par>
-                    <p:cTn id="15" fill="hold">
-                      <p:stCondLst>
-                        <p:cond delay="indefinite"/>
-                      </p:stCondLst>
-                      <p:childTnLst>
-                        <p:par>
-                          <p:cTn id="16" fill="hold">
-                            <p:stCondLst>
-                              <p:cond delay="0"/>
-                            </p:stCondLst>
-                            <p:childTnLst>
-                              <p:par>
-                                <p:cTn id="17" presetID="1" presetClass="entr" presetSubtype="0" fill="hold" nodeType="clickEffect">
-                                  <p:stCondLst>
-                                    <p:cond delay="0"/>
-                                  </p:stCondLst>
-                                  <p:childTnLst>
-                                    <p:set>
-                                      <p:cBhvr>
-                                        <p:cTn id="18" dur="1" fill="hold">
-                                          <p:stCondLst>
-                                            <p:cond delay="0"/>
-                                          </p:stCondLst>
-                                        </p:cTn>
-                                        <p:tgtEl>
-                                          <p:spTgt spid="5">
-                                            <p:txEl>
-                                              <p:pRg st="0" end="0"/>
-                                            </p:txEl>
-                                          </p:spTgt>
-                                        </p:tgtEl>
-                                        <p:attrNameLst>
-                                          <p:attrName>style.visibility</p:attrName>
-                                        </p:attrNameLst>
-                                      </p:cBhvr>
-                                      <p:to>
-                                        <p:strVal val="visible"/>
-                                      </p:to>
-                                    </p:set>
-                                  </p:childTnLst>
-                                </p:cTn>
-                              </p:par>
-                              <p:par>
-                                <p:cTn id="19" presetID="1" presetClass="entr" presetSubtype="0" fill="hold" nodeType="withEffect">
-                                  <p:stCondLst>
-                                    <p:cond delay="0"/>
-                                  </p:stCondLst>
-                                  <p:childTnLst>
-                                    <p:set>
-                                      <p:cBhvr>
-                                        <p:cTn id="20" dur="1" fill="hold">
-                                          <p:stCondLst>
-                                            <p:cond delay="0"/>
-                                          </p:stCondLst>
-                                        </p:cTn>
-                                        <p:tgtEl>
-                                          <p:spTgt spid="5">
-                                            <p:txEl>
-                                              <p:pRg st="1" end="1"/>
-                                            </p:txEl>
-                                          </p:spTgt>
-                                        </p:tgtEl>
-                                        <p:attrNameLst>
-                                          <p:attrName>style.visibility</p:attrName>
-                                        </p:attrNameLst>
-                                      </p:cBhvr>
-                                      <p:to>
-                                        <p:strVal val="visible"/>
-                                      </p:to>
-                                    </p:set>
-                                  </p:childTnLst>
-                                </p:cTn>
-                              </p:par>
-                              <p:par>
-                                <p:cTn id="21" presetID="1" presetClass="entr" presetSubtype="0" fill="hold" nodeType="withEffect">
-                                  <p:stCondLst>
-                                    <p:cond delay="0"/>
-                                  </p:stCondLst>
-                                  <p:childTnLst>
-                                    <p:set>
-                                      <p:cBhvr>
-                                        <p:cTn id="22" dur="1" fill="hold">
-                                          <p:stCondLst>
-                                            <p:cond delay="0"/>
-                                          </p:stCondLst>
-                                        </p:cTn>
-                                        <p:tgtEl>
-                                          <p:spTgt spid="5">
-                                            <p:txEl>
-                                              <p:pRg st="2" end="2"/>
-                                            </p:txEl>
-                                          </p:spTgt>
-                                        </p:tgtEl>
-                                        <p:attrNameLst>
-                                          <p:attrName>style.visibility</p:attrName>
-                                        </p:attrNameLst>
-                                      </p:cBhvr>
-                                      <p:to>
-                                        <p:strVal val="visible"/>
-                                      </p:to>
-                                    </p:set>
-                                  </p:childTnLst>
-                                </p:cTn>
-                              </p:par>
-                            </p:childTnLst>
-                          </p:cTn>
-                        </p:par>
-                      </p:childTnLst>
-                    </p:cTn>
-                  </p:par>
-                </p:childTnLst>
-              </p:cTn>
-              <p:prevCondLst>
-                <p:cond evt="onPrev" delay="0">
-                  <p:tgtEl>
-                    <p:sldTgt/>
-                  </p:tgtEl>
-                </p:cond>
-              </p:prevCondLst>
-              <p:nextCondLst>
-                <p:cond evt="onNext" delay="0">
-                  <p:tgtEl>
-                    <p:sldTgt/>
-                  </p:tgtEl>
-                </p:cond>
-              </p:nextCondLst>
-            </p:seq>
-          </p:childTnLst>
-        </p:cTn>
-      </p:par>
-    </p:tnLst>
-  </p:timing>
-</p:sld>
-</file>
-
-<file path=ppt/slides/slide12.xml><?xml version="1.0" encoding="utf-8"?>
-<p:sld xmlns:a="http://schemas.openxmlformats.org/drawingml/2006/main" xmlns:r="http://schemas.openxmlformats.org/officeDocument/2006/relationships" xmlns:p="http://schemas.openxmlformats.org/presentationml/2006/main">
-  <p:cSld>
-    <p:bg>
-      <p:bgPr>
-        <a:solidFill>
-          <a:schemeClr val="bg1">
-            <a:lumMod val="75000"/>
-            <a:lumOff val="25000"/>
-          </a:schemeClr>
-        </a:solidFill>
-        <a:effectLst/>
-      </p:bgPr>
-    </p:bg>
-    <p:spTree>
-      <p:nvGrpSpPr>
-        <p:cNvPr id="1" name=""/>
-        <p:cNvGrpSpPr/>
-        <p:nvPr/>
-      </p:nvGrpSpPr>
-      <p:grpSpPr>
-        <a:xfrm>
-          <a:off x="0" y="0"/>
-          <a:ext cx="0" cy="0"/>
-          <a:chOff x="0" y="0"/>
-          <a:chExt cx="0" cy="0"/>
-        </a:xfrm>
-      </p:grpSpPr>
-      <p:sp>
-        <p:nvSpPr>
-          <p:cNvPr id="24" name="Rectangle 9">
-            <a:extLst>
-              <a:ext uri="{FF2B5EF4-FFF2-40B4-BE49-F238E27FC236}">
-                <a16:creationId xmlns:a16="http://schemas.microsoft.com/office/drawing/2014/main" id="{36E6FEC8-170C-492C-84E0-54394629D120}"/>
-              </a:ext>
-              <a:ext uri="{C183D7F6-B498-43B3-948B-1728B52AA6E4}">
-                <adec:decorative xmlns:adec="http://schemas.microsoft.com/office/drawing/2017/decorative" val="1"/>
-              </a:ext>
-            </a:extLst>
-          </p:cNvPr>
-          <p:cNvSpPr>
-            <a:spLocks noGrp="1" noRot="1" noChangeAspect="1" noMove="1" noResize="1" noEditPoints="1" noAdjustHandles="1" noChangeArrowheads="1" noChangeShapeType="1" noTextEdit="1"/>
-          </p:cNvSpPr>
-          <p:nvPr>
-            <p:extLst>
-              <p:ext uri="{386F3935-93C4-4BCD-93E2-E3B085C9AB24}">
-                <p16:designElem xmlns:p16="http://schemas.microsoft.com/office/powerpoint/2015/main" val="1"/>
-              </p:ext>
-            </p:extLst>
-          </p:nvPr>
-        </p:nvSpPr>
-        <p:spPr>
-          <a:xfrm>
-            <a:off x="3175" y="6400800"/>
-            <a:ext cx="12188825" cy="457200"/>
-          </a:xfrm>
-          <a:prstGeom prst="rect">
-            <a:avLst/>
-          </a:prstGeom>
-          <a:solidFill>
-            <a:schemeClr val="accent1">
-              <a:lumMod val="75000"/>
-            </a:schemeClr>
-          </a:solidFill>
-          <a:ln>
-            <a:noFill/>
-          </a:ln>
-        </p:spPr>
-        <p:style>
-          <a:lnRef idx="2">
-            <a:schemeClr val="accent1">
-              <a:shade val="50000"/>
-            </a:schemeClr>
-          </a:lnRef>
-          <a:fillRef idx="1">
-            <a:schemeClr val="accent1"/>
-          </a:fillRef>
-          <a:effectRef idx="0">
-            <a:schemeClr val="accent1"/>
-          </a:effectRef>
-          <a:fontRef idx="minor">
-            <a:schemeClr val="lt1"/>
-          </a:fontRef>
-        </p:style>
-      </p:sp>
-      <p:sp>
-        <p:nvSpPr>
-          <p:cNvPr id="25" name="Rectangle 11">
-            <a:extLst>
-              <a:ext uri="{FF2B5EF4-FFF2-40B4-BE49-F238E27FC236}">
-                <a16:creationId xmlns:a16="http://schemas.microsoft.com/office/drawing/2014/main" id="{DEE940A1-B9E0-4C5D-A55E-B19742379C83}"/>
-              </a:ext>
-              <a:ext uri="{C183D7F6-B498-43B3-948B-1728B52AA6E4}">
-                <adec:decorative xmlns:adec="http://schemas.microsoft.com/office/drawing/2017/decorative" val="1"/>
-              </a:ext>
-            </a:extLst>
-          </p:cNvPr>
-          <p:cNvSpPr>
-            <a:spLocks noGrp="1" noRot="1" noChangeAspect="1" noMove="1" noResize="1" noEditPoints="1" noAdjustHandles="1" noChangeArrowheads="1" noChangeShapeType="1" noTextEdit="1"/>
-          </p:cNvSpPr>
-          <p:nvPr>
-            <p:extLst>
-              <p:ext uri="{386F3935-93C4-4BCD-93E2-E3B085C9AB24}">
-                <p16:designElem xmlns:p16="http://schemas.microsoft.com/office/powerpoint/2015/main" val="1"/>
-              </p:ext>
-            </p:extLst>
-          </p:nvPr>
-        </p:nvSpPr>
-        <p:spPr>
-          <a:xfrm>
-            <a:off x="15" y="6334316"/>
-            <a:ext cx="12188825" cy="64008"/>
-          </a:xfrm>
-          <a:prstGeom prst="rect">
-            <a:avLst/>
-          </a:prstGeom>
-          <a:solidFill>
-            <a:schemeClr val="accent1"/>
-          </a:solidFill>
-          <a:ln>
-            <a:noFill/>
-          </a:ln>
-        </p:spPr>
-        <p:style>
-          <a:lnRef idx="2">
-            <a:schemeClr val="accent1">
-              <a:shade val="50000"/>
-            </a:schemeClr>
-          </a:lnRef>
-          <a:fillRef idx="1">
-            <a:schemeClr val="accent1"/>
-          </a:fillRef>
-          <a:effectRef idx="0">
-            <a:schemeClr val="accent1"/>
-          </a:effectRef>
-          <a:fontRef idx="minor">
-            <a:schemeClr val="lt1"/>
-          </a:fontRef>
-        </p:style>
-      </p:sp>
-      <p:cxnSp>
-        <p:nvCxnSpPr>
-          <p:cNvPr id="26" name="Straight Connector 13">
-            <a:extLst>
-              <a:ext uri="{FF2B5EF4-FFF2-40B4-BE49-F238E27FC236}">
-                <a16:creationId xmlns:a16="http://schemas.microsoft.com/office/drawing/2014/main" id="{81C8E47B-A563-4B44-A9B0-9316605C2E4E}"/>
-              </a:ext>
-              <a:ext uri="{C183D7F6-B498-43B3-948B-1728B52AA6E4}">
-                <adec:decorative xmlns:adec="http://schemas.microsoft.com/office/drawing/2017/decorative" val="1"/>
-              </a:ext>
-            </a:extLst>
-          </p:cNvPr>
-          <p:cNvCxnSpPr>
-            <a:cxnSpLocks noGrp="1" noRot="1" noChangeAspect="1" noMove="1" noResize="1" noEditPoints="1" noAdjustHandles="1" noChangeArrowheads="1" noChangeShapeType="1"/>
-          </p:cNvCxnSpPr>
-          <p:nvPr>
-            <p:extLst>
-              <p:ext uri="{386F3935-93C4-4BCD-93E2-E3B085C9AB24}">
-                <p16:designElem xmlns:p16="http://schemas.microsoft.com/office/powerpoint/2015/main" val="1"/>
-              </p:ext>
-            </p:extLst>
-          </p:nvPr>
-        </p:nvCxnSpPr>
-        <p:spPr>
-          <a:xfrm>
-            <a:off x="1207658" y="4343400"/>
-            <a:ext cx="9875520" cy="0"/>
-          </a:xfrm>
-          <a:prstGeom prst="line">
-            <a:avLst/>
-          </a:prstGeom>
-          <a:ln w="6350">
-            <a:solidFill>
-              <a:schemeClr val="tx1">
-                <a:lumMod val="50000"/>
-                <a:lumOff val="50000"/>
-              </a:schemeClr>
-            </a:solidFill>
-          </a:ln>
-        </p:spPr>
-        <p:style>
-          <a:lnRef idx="1">
-            <a:schemeClr val="accent1"/>
-          </a:lnRef>
-          <a:fillRef idx="0">
-            <a:schemeClr val="accent1"/>
-          </a:fillRef>
-          <a:effectRef idx="0">
-            <a:schemeClr val="accent1"/>
-          </a:effectRef>
-          <a:fontRef idx="minor">
-            <a:schemeClr val="tx1"/>
-          </a:fontRef>
-        </p:style>
-      </p:cxnSp>
-      <p:sp>
-        <p:nvSpPr>
-          <p:cNvPr id="27" name="Rectangle 15">
-            <a:extLst>
-              <a:ext uri="{FF2B5EF4-FFF2-40B4-BE49-F238E27FC236}">
-                <a16:creationId xmlns:a16="http://schemas.microsoft.com/office/drawing/2014/main" id="{89CEF278-62C5-49CA-8BD9-BCDBE9977FF3}"/>
-              </a:ext>
-              <a:ext uri="{C183D7F6-B498-43B3-948B-1728B52AA6E4}">
-                <adec:decorative xmlns:adec="http://schemas.microsoft.com/office/drawing/2017/decorative" val="1"/>
-              </a:ext>
-            </a:extLst>
-          </p:cNvPr>
-          <p:cNvSpPr>
-            <a:spLocks noGrp="1" noRot="1" noChangeAspect="1" noMove="1" noResize="1" noEditPoints="1" noAdjustHandles="1" noChangeArrowheads="1" noChangeShapeType="1" noTextEdit="1"/>
-          </p:cNvSpPr>
-          <p:nvPr>
-            <p:extLst>
-              <p:ext uri="{386F3935-93C4-4BCD-93E2-E3B085C9AB24}">
-                <p16:designElem xmlns:p16="http://schemas.microsoft.com/office/powerpoint/2015/main" val="1"/>
-              </p:ext>
-            </p:extLst>
-          </p:nvPr>
-        </p:nvSpPr>
-        <p:spPr bwMode="white">
-          <a:xfrm>
-            <a:off x="16" y="0"/>
-            <a:ext cx="4584734" cy="6858000"/>
-          </a:xfrm>
-          <a:prstGeom prst="rect">
-            <a:avLst/>
-          </a:prstGeom>
-          <a:solidFill>
-            <a:schemeClr val="accent1">
-              <a:lumMod val="75000"/>
-            </a:schemeClr>
-          </a:solidFill>
-          <a:ln>
-            <a:noFill/>
-          </a:ln>
-        </p:spPr>
-        <p:style>
-          <a:lnRef idx="2">
-            <a:schemeClr val="accent1">
-              <a:shade val="50000"/>
-            </a:schemeClr>
-          </a:lnRef>
-          <a:fillRef idx="1">
-            <a:schemeClr val="accent1"/>
-          </a:fillRef>
-          <a:effectRef idx="0">
-            <a:schemeClr val="accent1"/>
-          </a:effectRef>
-          <a:fontRef idx="minor">
-            <a:schemeClr val="lt1"/>
-          </a:fontRef>
-        </p:style>
-      </p:sp>
-      <p:sp>
-        <p:nvSpPr>
-          <p:cNvPr id="2" name="Title 1">
-            <a:extLst>
-              <a:ext uri="{FF2B5EF4-FFF2-40B4-BE49-F238E27FC236}">
-                <a16:creationId xmlns:a16="http://schemas.microsoft.com/office/drawing/2014/main" id="{63950B4F-5F45-4EFE-877F-E487E96E3B06}"/>
-              </a:ext>
-            </a:extLst>
-          </p:cNvPr>
-          <p:cNvSpPr>
-            <a:spLocks noGrp="1"/>
-          </p:cNvSpPr>
-          <p:nvPr>
-            <p:ph type="title"/>
-          </p:nvPr>
-        </p:nvSpPr>
-        <p:spPr>
-          <a:xfrm>
-            <a:off x="457200" y="640080"/>
-            <a:ext cx="3659246" cy="2926080"/>
-          </a:xfrm>
-        </p:spPr>
-        <p:txBody>
-          <a:bodyPr vert="horz" lIns="91440" tIns="45720" rIns="91440" bIns="45720" rtlCol="0" anchor="b">
-            <a:normAutofit/>
-          </a:bodyPr>
-          <a:lstStyle/>
-          <a:p>
-            <a:r>
-              <a:rPr lang="en-US" sz="4400">
-                <a:solidFill>
-                  <a:srgbClr val="FFFFFF"/>
-                </a:solidFill>
-              </a:rPr>
-              <a:t>Controllers and Actions : Routing</a:t>
-            </a:r>
-          </a:p>
-        </p:txBody>
-      </p:sp>
-      <p:pic>
-        <p:nvPicPr>
-          <p:cNvPr id="5" name="Picture 4">
-            <a:extLst>
-              <a:ext uri="{FF2B5EF4-FFF2-40B4-BE49-F238E27FC236}">
-                <a16:creationId xmlns:a16="http://schemas.microsoft.com/office/drawing/2014/main" id="{3D38F9C3-0F20-4E62-BA55-8340E68FE522}"/>
-              </a:ext>
-            </a:extLst>
-          </p:cNvPr>
-          <p:cNvPicPr>
-            <a:picLocks noChangeAspect="1"/>
-          </p:cNvPicPr>
-          <p:nvPr/>
-        </p:nvPicPr>
-        <p:blipFill rotWithShape="1">
-          <a:blip r:embed="rId2"/>
-          <a:srcRect r="40809" b="1"/>
-          <a:stretch/>
-        </p:blipFill>
-        <p:spPr>
-          <a:xfrm>
-            <a:off x="4639733" y="10"/>
-            <a:ext cx="7552266" cy="6857990"/>
-          </a:xfrm>
-          <a:prstGeom prst="rect">
-            <a:avLst/>
-          </a:prstGeom>
-        </p:spPr>
-      </p:pic>
-      <p:sp>
-        <p:nvSpPr>
-          <p:cNvPr id="28" name="Rectangle 17">
-            <a:extLst>
-              <a:ext uri="{FF2B5EF4-FFF2-40B4-BE49-F238E27FC236}">
-                <a16:creationId xmlns:a16="http://schemas.microsoft.com/office/drawing/2014/main" id="{02E2466B-276C-423A-9377-78508D6A0764}"/>
-              </a:ext>
-              <a:ext uri="{C183D7F6-B498-43B3-948B-1728B52AA6E4}">
-                <adec:decorative xmlns:adec="http://schemas.microsoft.com/office/drawing/2017/decorative" val="1"/>
-              </a:ext>
-            </a:extLst>
-          </p:cNvPr>
-          <p:cNvSpPr>
-            <a:spLocks noGrp="1" noRot="1" noChangeAspect="1" noMove="1" noResize="1" noEditPoints="1" noAdjustHandles="1" noChangeArrowheads="1" noChangeShapeType="1" noTextEdit="1"/>
-          </p:cNvSpPr>
-          <p:nvPr>
-            <p:extLst>
-              <p:ext uri="{386F3935-93C4-4BCD-93E2-E3B085C9AB24}">
-                <p16:designElem xmlns:p16="http://schemas.microsoft.com/office/powerpoint/2015/main" val="1"/>
-              </p:ext>
-            </p:extLst>
-          </p:nvPr>
-        </p:nvSpPr>
-        <p:spPr>
-          <a:xfrm>
-            <a:off x="4584751" y="0"/>
-            <a:ext cx="64008" cy="6858000"/>
-          </a:xfrm>
-          <a:prstGeom prst="rect">
-            <a:avLst/>
-          </a:prstGeom>
-          <a:solidFill>
-            <a:schemeClr val="accent1"/>
-          </a:solidFill>
-          <a:ln>
-            <a:noFill/>
-          </a:ln>
-        </p:spPr>
-        <p:style>
-          <a:lnRef idx="2">
-            <a:schemeClr val="accent1">
-              <a:shade val="50000"/>
-            </a:schemeClr>
-          </a:lnRef>
-          <a:fillRef idx="1">
-            <a:schemeClr val="accent1"/>
-          </a:fillRef>
-          <a:effectRef idx="0">
-            <a:schemeClr val="accent1"/>
-          </a:effectRef>
-          <a:fontRef idx="minor">
-            <a:schemeClr val="lt1"/>
-          </a:fontRef>
-        </p:style>
-      </p:sp>
-    </p:spTree>
-    <p:extLst>
-      <p:ext uri="{BB962C8B-B14F-4D97-AF65-F5344CB8AC3E}">
-        <p14:creationId xmlns:p14="http://schemas.microsoft.com/office/powerpoint/2010/main" val="2202522606"/>
-      </p:ext>
-    </p:extLst>
-  </p:cSld>
-  <p:clrMapOvr>
-    <a:masterClrMapping/>
-  </p:clrMapOvr>
-</p:sld>
-</file>
-
-<file path=ppt/slides/slide13.xml><?xml version="1.0" encoding="utf-8"?>
-<p:sld xmlns:a="http://schemas.openxmlformats.org/drawingml/2006/main" xmlns:r="http://schemas.openxmlformats.org/officeDocument/2006/relationships" xmlns:p="http://schemas.openxmlformats.org/presentationml/2006/main">
-  <p:cSld>
-    <p:bg>
-      <p:bgPr>
-        <a:solidFill>
-          <a:schemeClr val="bg1">
-            <a:lumMod val="75000"/>
-            <a:lumOff val="25000"/>
-          </a:schemeClr>
-        </a:solidFill>
-        <a:effectLst/>
-      </p:bgPr>
-    </p:bg>
-    <p:spTree>
-      <p:nvGrpSpPr>
-        <p:cNvPr id="1" name=""/>
-        <p:cNvGrpSpPr/>
-        <p:nvPr/>
-      </p:nvGrpSpPr>
-      <p:grpSpPr>
-        <a:xfrm>
-          <a:off x="0" y="0"/>
-          <a:ext cx="0" cy="0"/>
-          <a:chOff x="0" y="0"/>
-          <a:chExt cx="0" cy="0"/>
-        </a:xfrm>
-      </p:grpSpPr>
-      <p:sp>
-        <p:nvSpPr>
-          <p:cNvPr id="9" name="Rectangle 8">
-            <a:extLst>
-              <a:ext uri="{FF2B5EF4-FFF2-40B4-BE49-F238E27FC236}">
-                <a16:creationId xmlns:a16="http://schemas.microsoft.com/office/drawing/2014/main" id="{36E6FEC8-170C-492C-84E0-54394629D120}"/>
-              </a:ext>
-              <a:ext uri="{C183D7F6-B498-43B3-948B-1728B52AA6E4}">
-                <adec:decorative xmlns:adec="http://schemas.microsoft.com/office/drawing/2017/decorative" val="1"/>
-              </a:ext>
-            </a:extLst>
-          </p:cNvPr>
-          <p:cNvSpPr>
-            <a:spLocks noGrp="1" noRot="1" noChangeAspect="1" noMove="1" noResize="1" noEditPoints="1" noAdjustHandles="1" noChangeArrowheads="1" noChangeShapeType="1" noTextEdit="1"/>
-          </p:cNvSpPr>
-          <p:nvPr>
-            <p:extLst>
-              <p:ext uri="{386F3935-93C4-4BCD-93E2-E3B085C9AB24}">
-                <p16:designElem xmlns:p16="http://schemas.microsoft.com/office/powerpoint/2015/main" val="1"/>
-              </p:ext>
-            </p:extLst>
-          </p:nvPr>
-        </p:nvSpPr>
-        <p:spPr>
-          <a:xfrm>
-            <a:off x="3175" y="6400800"/>
-            <a:ext cx="12188825" cy="457200"/>
-          </a:xfrm>
-          <a:prstGeom prst="rect">
-            <a:avLst/>
-          </a:prstGeom>
-          <a:solidFill>
-            <a:schemeClr val="accent1">
-              <a:lumMod val="75000"/>
-            </a:schemeClr>
-          </a:solidFill>
-          <a:ln>
-            <a:noFill/>
-          </a:ln>
-        </p:spPr>
-        <p:style>
-          <a:lnRef idx="2">
-            <a:schemeClr val="accent1">
-              <a:shade val="50000"/>
-            </a:schemeClr>
-          </a:lnRef>
-          <a:fillRef idx="1">
-            <a:schemeClr val="accent1"/>
-          </a:fillRef>
-          <a:effectRef idx="0">
-            <a:schemeClr val="accent1"/>
-          </a:effectRef>
-          <a:fontRef idx="minor">
-            <a:schemeClr val="lt1"/>
-          </a:fontRef>
-        </p:style>
-      </p:sp>
-      <p:sp>
-        <p:nvSpPr>
-          <p:cNvPr id="11" name="Rectangle 10">
-            <a:extLst>
-              <a:ext uri="{FF2B5EF4-FFF2-40B4-BE49-F238E27FC236}">
-                <a16:creationId xmlns:a16="http://schemas.microsoft.com/office/drawing/2014/main" id="{DEE940A1-B9E0-4C5D-A55E-B19742379C83}"/>
-              </a:ext>
-              <a:ext uri="{C183D7F6-B498-43B3-948B-1728B52AA6E4}">
-                <adec:decorative xmlns:adec="http://schemas.microsoft.com/office/drawing/2017/decorative" val="1"/>
-              </a:ext>
-            </a:extLst>
-          </p:cNvPr>
-          <p:cNvSpPr>
-            <a:spLocks noGrp="1" noRot="1" noChangeAspect="1" noMove="1" noResize="1" noEditPoints="1" noAdjustHandles="1" noChangeArrowheads="1" noChangeShapeType="1" noTextEdit="1"/>
-          </p:cNvSpPr>
-          <p:nvPr>
-            <p:extLst>
-              <p:ext uri="{386F3935-93C4-4BCD-93E2-E3B085C9AB24}">
-                <p16:designElem xmlns:p16="http://schemas.microsoft.com/office/powerpoint/2015/main" val="1"/>
-              </p:ext>
-            </p:extLst>
-          </p:nvPr>
-        </p:nvSpPr>
-        <p:spPr>
-          <a:xfrm>
-            <a:off x="15" y="6334316"/>
-            <a:ext cx="12188825" cy="64008"/>
-          </a:xfrm>
-          <a:prstGeom prst="rect">
-            <a:avLst/>
-          </a:prstGeom>
-          <a:solidFill>
-            <a:schemeClr val="accent1"/>
-          </a:solidFill>
-          <a:ln>
-            <a:noFill/>
-          </a:ln>
-        </p:spPr>
-        <p:style>
-          <a:lnRef idx="2">
-            <a:schemeClr val="accent1">
-              <a:shade val="50000"/>
-            </a:schemeClr>
-          </a:lnRef>
-          <a:fillRef idx="1">
-            <a:schemeClr val="accent1"/>
-          </a:fillRef>
-          <a:effectRef idx="0">
-            <a:schemeClr val="accent1"/>
-          </a:effectRef>
-          <a:fontRef idx="minor">
-            <a:schemeClr val="lt1"/>
-          </a:fontRef>
-        </p:style>
-      </p:sp>
-      <p:cxnSp>
-        <p:nvCxnSpPr>
-          <p:cNvPr id="13" name="Straight Connector 12">
-            <a:extLst>
-              <a:ext uri="{FF2B5EF4-FFF2-40B4-BE49-F238E27FC236}">
-                <a16:creationId xmlns:a16="http://schemas.microsoft.com/office/drawing/2014/main" id="{81C8E47B-A563-4B44-A9B0-9316605C2E4E}"/>
-              </a:ext>
-              <a:ext uri="{C183D7F6-B498-43B3-948B-1728B52AA6E4}">
-                <adec:decorative xmlns:adec="http://schemas.microsoft.com/office/drawing/2017/decorative" val="1"/>
-              </a:ext>
-            </a:extLst>
-          </p:cNvPr>
-          <p:cNvCxnSpPr>
-            <a:cxnSpLocks noGrp="1" noRot="1" noChangeAspect="1" noMove="1" noResize="1" noEditPoints="1" noAdjustHandles="1" noChangeArrowheads="1" noChangeShapeType="1"/>
-          </p:cNvCxnSpPr>
-          <p:nvPr>
-            <p:extLst>
-              <p:ext uri="{386F3935-93C4-4BCD-93E2-E3B085C9AB24}">
-                <p16:designElem xmlns:p16="http://schemas.microsoft.com/office/powerpoint/2015/main" val="1"/>
-              </p:ext>
-            </p:extLst>
-          </p:nvPr>
-        </p:nvCxnSpPr>
-        <p:spPr>
-          <a:xfrm>
-            <a:off x="1207658" y="4343400"/>
-            <a:ext cx="9875520" cy="0"/>
-          </a:xfrm>
-          <a:prstGeom prst="line">
-            <a:avLst/>
-          </a:prstGeom>
-          <a:ln w="6350">
-            <a:solidFill>
-              <a:schemeClr val="tx1">
-                <a:lumMod val="50000"/>
-                <a:lumOff val="50000"/>
-              </a:schemeClr>
-            </a:solidFill>
-          </a:ln>
-        </p:spPr>
-        <p:style>
-          <a:lnRef idx="1">
-            <a:schemeClr val="accent1"/>
-          </a:lnRef>
-          <a:fillRef idx="0">
-            <a:schemeClr val="accent1"/>
-          </a:fillRef>
-          <a:effectRef idx="0">
-            <a:schemeClr val="accent1"/>
-          </a:effectRef>
-          <a:fontRef idx="minor">
-            <a:schemeClr val="tx1"/>
-          </a:fontRef>
-        </p:style>
-      </p:cxnSp>
-      <p:pic>
-        <p:nvPicPr>
-          <p:cNvPr id="4" name="Picture 3">
-            <a:extLst>
-              <a:ext uri="{FF2B5EF4-FFF2-40B4-BE49-F238E27FC236}">
-                <a16:creationId xmlns:a16="http://schemas.microsoft.com/office/drawing/2014/main" id="{1CCF55AA-2D19-4768-8CAF-EC2CF895994E}"/>
-              </a:ext>
-            </a:extLst>
-          </p:cNvPr>
-          <p:cNvPicPr>
-            <a:picLocks noChangeAspect="1"/>
-          </p:cNvPicPr>
-          <p:nvPr/>
-        </p:nvPicPr>
-        <p:blipFill rotWithShape="1">
-          <a:blip r:embed="rId2"/>
-          <a:srcRect t="1334" b="11028"/>
-          <a:stretch/>
-        </p:blipFill>
-        <p:spPr>
-          <a:xfrm>
-            <a:off x="-32" y="10"/>
-            <a:ext cx="12192031" cy="4915066"/>
-          </a:xfrm>
-          <a:prstGeom prst="rect">
-            <a:avLst/>
-          </a:prstGeom>
-        </p:spPr>
-      </p:pic>
-      <p:sp>
-        <p:nvSpPr>
-          <p:cNvPr id="15" name="Rectangle 14">
-            <a:extLst>
-              <a:ext uri="{FF2B5EF4-FFF2-40B4-BE49-F238E27FC236}">
-                <a16:creationId xmlns:a16="http://schemas.microsoft.com/office/drawing/2014/main" id="{54BFABF9-7D43-458F-B85F-04FF279ACB81}"/>
-              </a:ext>
-              <a:ext uri="{C183D7F6-B498-43B3-948B-1728B52AA6E4}">
-                <adec:decorative xmlns:adec="http://schemas.microsoft.com/office/drawing/2017/decorative" val="1"/>
-              </a:ext>
-            </a:extLst>
-          </p:cNvPr>
-          <p:cNvSpPr>
-            <a:spLocks noGrp="1" noRot="1" noChangeAspect="1" noMove="1" noResize="1" noEditPoints="1" noAdjustHandles="1" noChangeArrowheads="1" noChangeShapeType="1" noTextEdit="1"/>
-          </p:cNvSpPr>
-          <p:nvPr>
-            <p:extLst>
-              <p:ext uri="{386F3935-93C4-4BCD-93E2-E3B085C9AB24}">
-                <p16:designElem xmlns:p16="http://schemas.microsoft.com/office/powerpoint/2015/main" val="1"/>
-              </p:ext>
-            </p:extLst>
-          </p:nvPr>
-        </p:nvSpPr>
-        <p:spPr bwMode="white">
-          <a:xfrm>
-            <a:off x="1507" y="4953000"/>
-            <a:ext cx="12188952" cy="1905000"/>
-          </a:xfrm>
-          <a:prstGeom prst="rect">
-            <a:avLst/>
-          </a:prstGeom>
-          <a:solidFill>
-            <a:schemeClr val="accent1">
-              <a:lumMod val="75000"/>
-            </a:schemeClr>
-          </a:solidFill>
-          <a:ln>
-            <a:noFill/>
-          </a:ln>
-        </p:spPr>
-        <p:style>
-          <a:lnRef idx="2">
-            <a:schemeClr val="accent1">
-              <a:shade val="50000"/>
-            </a:schemeClr>
-          </a:lnRef>
-          <a:fillRef idx="1">
-            <a:schemeClr val="accent1"/>
-          </a:fillRef>
-          <a:effectRef idx="0">
-            <a:schemeClr val="accent1"/>
-          </a:effectRef>
-          <a:fontRef idx="minor">
-            <a:schemeClr val="lt1"/>
-          </a:fontRef>
-        </p:style>
-      </p:sp>
-      <p:sp>
-        <p:nvSpPr>
-          <p:cNvPr id="2" name="Title 1">
-            <a:extLst>
-              <a:ext uri="{FF2B5EF4-FFF2-40B4-BE49-F238E27FC236}">
-                <a16:creationId xmlns:a16="http://schemas.microsoft.com/office/drawing/2014/main" id="{63950B4F-5F45-4EFE-877F-E487E96E3B06}"/>
-              </a:ext>
-            </a:extLst>
-          </p:cNvPr>
-          <p:cNvSpPr>
-            <a:spLocks noGrp="1"/>
-          </p:cNvSpPr>
-          <p:nvPr>
-            <p:ph type="title"/>
-          </p:nvPr>
-        </p:nvSpPr>
-        <p:spPr>
-          <a:xfrm>
-            <a:off x="1065197" y="5120640"/>
-            <a:ext cx="10058400" cy="822960"/>
-          </a:xfrm>
-        </p:spPr>
-        <p:txBody>
-          <a:bodyPr vert="horz" lIns="91440" tIns="45720" rIns="91440" bIns="45720" rtlCol="0" anchor="b">
-            <a:normAutofit/>
-          </a:bodyPr>
-          <a:lstStyle/>
-          <a:p>
-            <a:r>
-              <a:rPr lang="en-US" sz="3600">
-                <a:solidFill>
-                  <a:srgbClr val="FFFFFF"/>
-                </a:solidFill>
-              </a:rPr>
-              <a:t>Controllers and Actions : Routing</a:t>
-            </a:r>
-          </a:p>
-        </p:txBody>
-      </p:sp>
-      <p:sp>
-        <p:nvSpPr>
-          <p:cNvPr id="17" name="Rectangle 16">
-            <a:extLst>
-              <a:ext uri="{FF2B5EF4-FFF2-40B4-BE49-F238E27FC236}">
-                <a16:creationId xmlns:a16="http://schemas.microsoft.com/office/drawing/2014/main" id="{72E64342-BCC2-4FB3-B9DC-14B19B5D7E2B}"/>
-              </a:ext>
-              <a:ext uri="{C183D7F6-B498-43B3-948B-1728B52AA6E4}">
-                <adec:decorative xmlns:adec="http://schemas.microsoft.com/office/drawing/2017/decorative" val="1"/>
-              </a:ext>
-            </a:extLst>
-          </p:cNvPr>
-          <p:cNvSpPr>
-            <a:spLocks noGrp="1" noRot="1" noChangeAspect="1" noMove="1" noResize="1" noEditPoints="1" noAdjustHandles="1" noChangeArrowheads="1" noChangeShapeType="1" noTextEdit="1"/>
-          </p:cNvSpPr>
-          <p:nvPr>
-            <p:extLst>
-              <p:ext uri="{386F3935-93C4-4BCD-93E2-E3B085C9AB24}">
-                <p16:designElem xmlns:p16="http://schemas.microsoft.com/office/powerpoint/2015/main" val="1"/>
-              </p:ext>
-            </p:extLst>
-          </p:nvPr>
-        </p:nvSpPr>
-        <p:spPr>
-          <a:xfrm>
-            <a:off x="1507" y="4906176"/>
-            <a:ext cx="12188952" cy="64008"/>
-          </a:xfrm>
-          <a:prstGeom prst="rect">
-            <a:avLst/>
-          </a:prstGeom>
-          <a:solidFill>
-            <a:schemeClr val="accent1"/>
-          </a:solidFill>
-          <a:ln>
-            <a:noFill/>
-          </a:ln>
-        </p:spPr>
-        <p:style>
-          <a:lnRef idx="2">
-            <a:schemeClr val="accent1">
-              <a:shade val="50000"/>
-            </a:schemeClr>
-          </a:lnRef>
-          <a:fillRef idx="1">
-            <a:schemeClr val="accent1"/>
-          </a:fillRef>
-          <a:effectRef idx="0">
-            <a:schemeClr val="accent1"/>
-          </a:effectRef>
-          <a:fontRef idx="minor">
-            <a:schemeClr val="lt1"/>
-          </a:fontRef>
-        </p:style>
-      </p:sp>
-    </p:spTree>
-    <p:extLst>
-      <p:ext uri="{BB962C8B-B14F-4D97-AF65-F5344CB8AC3E}">
-        <p14:creationId xmlns:p14="http://schemas.microsoft.com/office/powerpoint/2010/main" val="4024183203"/>
-      </p:ext>
-    </p:extLst>
-  </p:cSld>
-  <p:clrMapOvr>
-    <a:masterClrMapping/>
-  </p:clrMapOvr>
-</p:sld>
-</file>
-
-<file path=ppt/slides/slide14.xml><?xml version="1.0" encoding="utf-8"?>
-<p:sld xmlns:a="http://schemas.openxmlformats.org/drawingml/2006/main" xmlns:r="http://schemas.openxmlformats.org/officeDocument/2006/relationships" xmlns:p="http://schemas.openxmlformats.org/presentationml/2006/main">
-  <p:cSld>
-    <p:bg>
-      <p:bgPr>
-        <a:solidFill>
-          <a:schemeClr val="bg1">
-            <a:lumMod val="75000"/>
-            <a:lumOff val="25000"/>
-          </a:schemeClr>
-        </a:solidFill>
-        <a:effectLst/>
-      </p:bgPr>
-    </p:bg>
-    <p:spTree>
-      <p:nvGrpSpPr>
-        <p:cNvPr id="1" name=""/>
-        <p:cNvGrpSpPr/>
-        <p:nvPr/>
-      </p:nvGrpSpPr>
-      <p:grpSpPr>
-        <a:xfrm>
-          <a:off x="0" y="0"/>
-          <a:ext cx="0" cy="0"/>
-          <a:chOff x="0" y="0"/>
-          <a:chExt cx="0" cy="0"/>
-        </a:xfrm>
-      </p:grpSpPr>
-      <p:sp>
-        <p:nvSpPr>
-          <p:cNvPr id="10" name="Rectangle 9">
-            <a:extLst>
-              <a:ext uri="{FF2B5EF4-FFF2-40B4-BE49-F238E27FC236}">
-                <a16:creationId xmlns:a16="http://schemas.microsoft.com/office/drawing/2014/main" id="{36E6FEC8-170C-492C-84E0-54394629D120}"/>
-              </a:ext>
-              <a:ext uri="{C183D7F6-B498-43B3-948B-1728B52AA6E4}">
-                <adec:decorative xmlns:adec="http://schemas.microsoft.com/office/drawing/2017/decorative" val="1"/>
-              </a:ext>
-            </a:extLst>
-          </p:cNvPr>
-          <p:cNvSpPr>
-            <a:spLocks noGrp="1" noRot="1" noChangeAspect="1" noMove="1" noResize="1" noEditPoints="1" noAdjustHandles="1" noChangeArrowheads="1" noChangeShapeType="1" noTextEdit="1"/>
-          </p:cNvSpPr>
-          <p:nvPr>
-            <p:extLst>
-              <p:ext uri="{386F3935-93C4-4BCD-93E2-E3B085C9AB24}">
-                <p16:designElem xmlns:p16="http://schemas.microsoft.com/office/powerpoint/2015/main" val="1"/>
-              </p:ext>
-            </p:extLst>
-          </p:nvPr>
-        </p:nvSpPr>
-        <p:spPr>
-          <a:xfrm>
-            <a:off x="3175" y="6400800"/>
-            <a:ext cx="12188825" cy="457200"/>
-          </a:xfrm>
-          <a:prstGeom prst="rect">
-            <a:avLst/>
-          </a:prstGeom>
-          <a:solidFill>
-            <a:schemeClr val="accent1">
-              <a:lumMod val="75000"/>
-            </a:schemeClr>
-          </a:solidFill>
-          <a:ln>
-            <a:noFill/>
-          </a:ln>
-        </p:spPr>
-        <p:style>
-          <a:lnRef idx="2">
-            <a:schemeClr val="accent1">
-              <a:shade val="50000"/>
-            </a:schemeClr>
-          </a:lnRef>
-          <a:fillRef idx="1">
-            <a:schemeClr val="accent1"/>
-          </a:fillRef>
-          <a:effectRef idx="0">
-            <a:schemeClr val="accent1"/>
-          </a:effectRef>
-          <a:fontRef idx="minor">
-            <a:schemeClr val="lt1"/>
-          </a:fontRef>
-        </p:style>
-      </p:sp>
-      <p:sp>
-        <p:nvSpPr>
-          <p:cNvPr id="12" name="Rectangle 11">
-            <a:extLst>
-              <a:ext uri="{FF2B5EF4-FFF2-40B4-BE49-F238E27FC236}">
-                <a16:creationId xmlns:a16="http://schemas.microsoft.com/office/drawing/2014/main" id="{DEE940A1-B9E0-4C5D-A55E-B19742379C83}"/>
-              </a:ext>
-              <a:ext uri="{C183D7F6-B498-43B3-948B-1728B52AA6E4}">
-                <adec:decorative xmlns:adec="http://schemas.microsoft.com/office/drawing/2017/decorative" val="1"/>
-              </a:ext>
-            </a:extLst>
-          </p:cNvPr>
-          <p:cNvSpPr>
-            <a:spLocks noGrp="1" noRot="1" noChangeAspect="1" noMove="1" noResize="1" noEditPoints="1" noAdjustHandles="1" noChangeArrowheads="1" noChangeShapeType="1" noTextEdit="1"/>
-          </p:cNvSpPr>
-          <p:nvPr>
-            <p:extLst>
-              <p:ext uri="{386F3935-93C4-4BCD-93E2-E3B085C9AB24}">
-                <p16:designElem xmlns:p16="http://schemas.microsoft.com/office/powerpoint/2015/main" val="1"/>
-              </p:ext>
-            </p:extLst>
-          </p:nvPr>
-        </p:nvSpPr>
-        <p:spPr>
-          <a:xfrm>
-            <a:off x="15" y="6334316"/>
-            <a:ext cx="12188825" cy="64008"/>
-          </a:xfrm>
-          <a:prstGeom prst="rect">
-            <a:avLst/>
-          </a:prstGeom>
-          <a:solidFill>
-            <a:schemeClr val="accent1"/>
-          </a:solidFill>
-          <a:ln>
-            <a:noFill/>
-          </a:ln>
-        </p:spPr>
-        <p:style>
-          <a:lnRef idx="2">
-            <a:schemeClr val="accent1">
-              <a:shade val="50000"/>
-            </a:schemeClr>
-          </a:lnRef>
-          <a:fillRef idx="1">
-            <a:schemeClr val="accent1"/>
-          </a:fillRef>
-          <a:effectRef idx="0">
-            <a:schemeClr val="accent1"/>
-          </a:effectRef>
-          <a:fontRef idx="minor">
-            <a:schemeClr val="lt1"/>
-          </a:fontRef>
-        </p:style>
-      </p:sp>
-      <p:cxnSp>
-        <p:nvCxnSpPr>
-          <p:cNvPr id="14" name="Straight Connector 13">
-            <a:extLst>
-              <a:ext uri="{FF2B5EF4-FFF2-40B4-BE49-F238E27FC236}">
-                <a16:creationId xmlns:a16="http://schemas.microsoft.com/office/drawing/2014/main" id="{81C8E47B-A563-4B44-A9B0-9316605C2E4E}"/>
-              </a:ext>
-              <a:ext uri="{C183D7F6-B498-43B3-948B-1728B52AA6E4}">
-                <adec:decorative xmlns:adec="http://schemas.microsoft.com/office/drawing/2017/decorative" val="1"/>
-              </a:ext>
-            </a:extLst>
-          </p:cNvPr>
-          <p:cNvCxnSpPr>
-            <a:cxnSpLocks noGrp="1" noRot="1" noChangeAspect="1" noMove="1" noResize="1" noEditPoints="1" noAdjustHandles="1" noChangeArrowheads="1" noChangeShapeType="1"/>
-          </p:cNvCxnSpPr>
-          <p:nvPr>
-            <p:extLst>
-              <p:ext uri="{386F3935-93C4-4BCD-93E2-E3B085C9AB24}">
-                <p16:designElem xmlns:p16="http://schemas.microsoft.com/office/powerpoint/2015/main" val="1"/>
-              </p:ext>
-            </p:extLst>
-          </p:nvPr>
-        </p:nvCxnSpPr>
-        <p:spPr>
-          <a:xfrm>
-            <a:off x="1207658" y="4343400"/>
-            <a:ext cx="9875520" cy="0"/>
-          </a:xfrm>
-          <a:prstGeom prst="line">
-            <a:avLst/>
-          </a:prstGeom>
-          <a:ln w="6350">
-            <a:solidFill>
-              <a:schemeClr val="tx1">
-                <a:lumMod val="50000"/>
-                <a:lumOff val="50000"/>
-              </a:schemeClr>
-            </a:solidFill>
-          </a:ln>
-        </p:spPr>
-        <p:style>
-          <a:lnRef idx="1">
-            <a:schemeClr val="accent1"/>
-          </a:lnRef>
-          <a:fillRef idx="0">
-            <a:schemeClr val="accent1"/>
-          </a:fillRef>
-          <a:effectRef idx="0">
-            <a:schemeClr val="accent1"/>
-          </a:effectRef>
-          <a:fontRef idx="minor">
-            <a:schemeClr val="tx1"/>
-          </a:fontRef>
-        </p:style>
-      </p:cxnSp>
-      <p:sp>
-        <p:nvSpPr>
-          <p:cNvPr id="16" name="Rectangle 15">
-            <a:extLst>
-              <a:ext uri="{FF2B5EF4-FFF2-40B4-BE49-F238E27FC236}">
-                <a16:creationId xmlns:a16="http://schemas.microsoft.com/office/drawing/2014/main" id="{89CEF278-62C5-49CA-8BD9-BCDBE9977FF3}"/>
-              </a:ext>
-              <a:ext uri="{C183D7F6-B498-43B3-948B-1728B52AA6E4}">
-                <adec:decorative xmlns:adec="http://schemas.microsoft.com/office/drawing/2017/decorative" val="1"/>
-              </a:ext>
-            </a:extLst>
-          </p:cNvPr>
-          <p:cNvSpPr>
-            <a:spLocks noGrp="1" noRot="1" noChangeAspect="1" noMove="1" noResize="1" noEditPoints="1" noAdjustHandles="1" noChangeArrowheads="1" noChangeShapeType="1" noTextEdit="1"/>
-          </p:cNvSpPr>
-          <p:nvPr>
-            <p:extLst>
-              <p:ext uri="{386F3935-93C4-4BCD-93E2-E3B085C9AB24}">
-                <p16:designElem xmlns:p16="http://schemas.microsoft.com/office/powerpoint/2015/main" val="1"/>
-              </p:ext>
-            </p:extLst>
-          </p:nvPr>
-        </p:nvSpPr>
-        <p:spPr bwMode="white">
-          <a:xfrm>
-            <a:off x="16" y="0"/>
-            <a:ext cx="4584734" cy="6858000"/>
-          </a:xfrm>
-          <a:prstGeom prst="rect">
-            <a:avLst/>
-          </a:prstGeom>
-          <a:solidFill>
-            <a:schemeClr val="accent1">
-              <a:lumMod val="75000"/>
-            </a:schemeClr>
-          </a:solidFill>
-          <a:ln>
-            <a:noFill/>
-          </a:ln>
-        </p:spPr>
-        <p:style>
-          <a:lnRef idx="2">
-            <a:schemeClr val="accent1">
-              <a:shade val="50000"/>
-            </a:schemeClr>
-          </a:lnRef>
-          <a:fillRef idx="1">
-            <a:schemeClr val="accent1"/>
-          </a:fillRef>
-          <a:effectRef idx="0">
-            <a:schemeClr val="accent1"/>
-          </a:effectRef>
-          <a:fontRef idx="minor">
-            <a:schemeClr val="lt1"/>
-          </a:fontRef>
-        </p:style>
-      </p:sp>
-      <p:sp>
-        <p:nvSpPr>
-          <p:cNvPr id="2" name="Title 1">
-            <a:extLst>
-              <a:ext uri="{FF2B5EF4-FFF2-40B4-BE49-F238E27FC236}">
-                <a16:creationId xmlns:a16="http://schemas.microsoft.com/office/drawing/2014/main" id="{63950B4F-5F45-4EFE-877F-E487E96E3B06}"/>
-              </a:ext>
-            </a:extLst>
-          </p:cNvPr>
-          <p:cNvSpPr>
-            <a:spLocks noGrp="1"/>
-          </p:cNvSpPr>
-          <p:nvPr>
-            <p:ph type="title"/>
-          </p:nvPr>
-        </p:nvSpPr>
-        <p:spPr>
-          <a:xfrm>
-            <a:off x="457200" y="640080"/>
-            <a:ext cx="3659246" cy="2926080"/>
-          </a:xfrm>
-        </p:spPr>
-        <p:txBody>
-          <a:bodyPr vert="horz" lIns="91440" tIns="45720" rIns="91440" bIns="45720" rtlCol="0" anchor="b">
-            <a:normAutofit/>
-          </a:bodyPr>
-          <a:lstStyle/>
-          <a:p>
-            <a:r>
-              <a:rPr lang="en-US" sz="4400">
-                <a:solidFill>
-                  <a:srgbClr val="FFFFFF"/>
-                </a:solidFill>
-              </a:rPr>
-              <a:t>Controllers and Actions: HTTP Verbs</a:t>
-            </a:r>
-          </a:p>
-        </p:txBody>
-      </p:sp>
-      <p:pic>
-        <p:nvPicPr>
-          <p:cNvPr id="5" name="Picture 4">
-            <a:extLst>
-              <a:ext uri="{FF2B5EF4-FFF2-40B4-BE49-F238E27FC236}">
-                <a16:creationId xmlns:a16="http://schemas.microsoft.com/office/drawing/2014/main" id="{12E7A4C0-D4FF-473E-BD1A-2D16A2D1B7C0}"/>
-              </a:ext>
-            </a:extLst>
-          </p:cNvPr>
-          <p:cNvPicPr>
-            <a:picLocks noChangeAspect="1"/>
-          </p:cNvPicPr>
-          <p:nvPr/>
-        </p:nvPicPr>
-        <p:blipFill rotWithShape="1">
-          <a:blip r:embed="rId2"/>
-          <a:srcRect r="34202" b="2"/>
-          <a:stretch/>
-        </p:blipFill>
-        <p:spPr>
-          <a:xfrm>
-            <a:off x="4639733" y="10"/>
-            <a:ext cx="7552266" cy="6857990"/>
-          </a:xfrm>
-          <a:prstGeom prst="rect">
-            <a:avLst/>
-          </a:prstGeom>
-        </p:spPr>
-      </p:pic>
-      <p:sp>
-        <p:nvSpPr>
-          <p:cNvPr id="18" name="Rectangle 17">
-            <a:extLst>
-              <a:ext uri="{FF2B5EF4-FFF2-40B4-BE49-F238E27FC236}">
-                <a16:creationId xmlns:a16="http://schemas.microsoft.com/office/drawing/2014/main" id="{02E2466B-276C-423A-9377-78508D6A0764}"/>
-              </a:ext>
-              <a:ext uri="{C183D7F6-B498-43B3-948B-1728B52AA6E4}">
-                <adec:decorative xmlns:adec="http://schemas.microsoft.com/office/drawing/2017/decorative" val="1"/>
-              </a:ext>
-            </a:extLst>
-          </p:cNvPr>
-          <p:cNvSpPr>
-            <a:spLocks noGrp="1" noRot="1" noChangeAspect="1" noMove="1" noResize="1" noEditPoints="1" noAdjustHandles="1" noChangeArrowheads="1" noChangeShapeType="1" noTextEdit="1"/>
-          </p:cNvSpPr>
-          <p:nvPr>
-            <p:extLst>
-              <p:ext uri="{386F3935-93C4-4BCD-93E2-E3B085C9AB24}">
-                <p16:designElem xmlns:p16="http://schemas.microsoft.com/office/powerpoint/2015/main" val="1"/>
-              </p:ext>
-            </p:extLst>
-          </p:nvPr>
-        </p:nvSpPr>
-        <p:spPr>
-          <a:xfrm>
-            <a:off x="4584751" y="0"/>
-            <a:ext cx="64008" cy="6858000"/>
-          </a:xfrm>
-          <a:prstGeom prst="rect">
-            <a:avLst/>
-          </a:prstGeom>
-          <a:solidFill>
-            <a:schemeClr val="accent1"/>
-          </a:solidFill>
-          <a:ln>
-            <a:noFill/>
-          </a:ln>
-        </p:spPr>
-        <p:style>
-          <a:lnRef idx="2">
-            <a:schemeClr val="accent1">
-              <a:shade val="50000"/>
-            </a:schemeClr>
-          </a:lnRef>
-          <a:fillRef idx="1">
-            <a:schemeClr val="accent1"/>
-          </a:fillRef>
-          <a:effectRef idx="0">
-            <a:schemeClr val="accent1"/>
-          </a:effectRef>
-          <a:fontRef idx="minor">
-            <a:schemeClr val="lt1"/>
-          </a:fontRef>
-        </p:style>
-      </p:sp>
-    </p:spTree>
-    <p:extLst>
-      <p:ext uri="{BB962C8B-B14F-4D97-AF65-F5344CB8AC3E}">
-        <p14:creationId xmlns:p14="http://schemas.microsoft.com/office/powerpoint/2010/main" val="875478547"/>
-      </p:ext>
-    </p:extLst>
-  </p:cSld>
-  <p:clrMapOvr>
-    <a:masterClrMapping/>
-  </p:clrMapOvr>
-  <p:timing>
-    <p:tnLst>
-      <p:par>
-        <p:cTn id="1" dur="indefinite" restart="never" nodeType="tmRoot">
-          <p:childTnLst>
-            <p:seq concurrent="1" nextAc="seek">
-              <p:cTn id="2" dur="indefinite" nodeType="mainSeq">
-                <p:childTnLst>
-                  <p:par>
-                    <p:cTn id="3" fill="hold">
-                      <p:stCondLst>
-                        <p:cond delay="indefinite"/>
-                        <p:cond evt="onBegin" delay="0">
-                          <p:tn val="2"/>
-                        </p:cond>
-                      </p:stCondLst>
-                      <p:childTnLst>
-                        <p:par>
-                          <p:cTn id="4" fill="hold">
-                            <p:stCondLst>
-                              <p:cond delay="0"/>
-                            </p:stCondLst>
-                            <p:childTnLst>
-                              <p:par>
-                                <p:cTn id="5" presetID="10" presetClass="entr" presetSubtype="0" fill="hold" grpId="0" nodeType="withEffect">
-                                  <p:stCondLst>
-                                    <p:cond delay="1000"/>
-                                  </p:stCondLst>
-                                  <p:iterate type="lt">
-                                    <p:tmPct val="10000"/>
-                                  </p:iterate>
-                                  <p:childTnLst>
-                                    <p:set>
-                                      <p:cBhvr>
-                                        <p:cTn id="6" dur="1" fill="hold">
-                                          <p:stCondLst>
-                                            <p:cond delay="0"/>
-                                          </p:stCondLst>
-                                        </p:cTn>
-                                        <p:tgtEl>
-                                          <p:spTgt spid="2"/>
-                                        </p:tgtEl>
-                                        <p:attrNameLst>
-                                          <p:attrName>style.visibility</p:attrName>
-                                        </p:attrNameLst>
-                                      </p:cBhvr>
-                                      <p:to>
-                                        <p:strVal val="visible"/>
-                                      </p:to>
-                                    </p:set>
-                                    <p:animEffect transition="in" filter="fade">
-                                      <p:cBhvr>
-                                        <p:cTn id="7" dur="400"/>
-                                        <p:tgtEl>
-                                          <p:spTgt spid="2"/>
-                                        </p:tgtEl>
-                                      </p:cBhvr>
-                                    </p:animEffect>
-                                  </p:childTnLst>
-                                </p:cTn>
-                              </p:par>
-                            </p:childTnLst>
-                          </p:cTn>
-                        </p:par>
-                      </p:childTnLst>
-                    </p:cTn>
-                  </p:par>
-                </p:childTnLst>
-              </p:cTn>
-              <p:prevCondLst>
-                <p:cond evt="onPrev" delay="0">
-                  <p:tgtEl>
-                    <p:sldTgt/>
-                  </p:tgtEl>
-                </p:cond>
-              </p:prevCondLst>
-              <p:nextCondLst>
-                <p:cond evt="onNext" delay="0">
-                  <p:tgtEl>
-                    <p:sldTgt/>
-                  </p:tgtEl>
-                </p:cond>
-              </p:nextCondLst>
-            </p:seq>
-          </p:childTnLst>
-        </p:cTn>
-      </p:par>
-    </p:tnLst>
-    <p:bldLst>
-      <p:bldP spid="2" grpId="0"/>
-    </p:bldLst>
-  </p:timing>
-</p:sld>
-</file>
-
-<file path=ppt/slides/slide15.xml><?xml version="1.0" encoding="utf-8"?>
-<p:sld xmlns:a="http://schemas.openxmlformats.org/drawingml/2006/main" xmlns:r="http://schemas.openxmlformats.org/officeDocument/2006/relationships" xmlns:p="http://schemas.openxmlformats.org/presentationml/2006/main">
-  <p:cSld>
-    <p:bg>
-      <p:bgPr>
-        <a:solidFill>
-          <a:schemeClr val="bg1">
-            <a:lumMod val="75000"/>
-            <a:lumOff val="25000"/>
-          </a:schemeClr>
-        </a:solidFill>
-        <a:effectLst/>
-      </p:bgPr>
-    </p:bg>
-    <p:spTree>
-      <p:nvGrpSpPr>
-        <p:cNvPr id="1" name=""/>
-        <p:cNvGrpSpPr/>
-        <p:nvPr/>
-      </p:nvGrpSpPr>
-      <p:grpSpPr>
-        <a:xfrm>
-          <a:off x="0" y="0"/>
-          <a:ext cx="0" cy="0"/>
-          <a:chOff x="0" y="0"/>
-          <a:chExt cx="0" cy="0"/>
-        </a:xfrm>
-      </p:grpSpPr>
-      <p:sp>
-        <p:nvSpPr>
-          <p:cNvPr id="20" name="Rectangle 9">
-            <a:extLst>
-              <a:ext uri="{FF2B5EF4-FFF2-40B4-BE49-F238E27FC236}">
-                <a16:creationId xmlns:a16="http://schemas.microsoft.com/office/drawing/2014/main" id="{36E6FEC8-170C-492C-84E0-54394629D120}"/>
-              </a:ext>
-              <a:ext uri="{C183D7F6-B498-43B3-948B-1728B52AA6E4}">
-                <adec:decorative xmlns:adec="http://schemas.microsoft.com/office/drawing/2017/decorative" val="1"/>
-              </a:ext>
-            </a:extLst>
-          </p:cNvPr>
-          <p:cNvSpPr>
-            <a:spLocks noGrp="1" noRot="1" noChangeAspect="1" noMove="1" noResize="1" noEditPoints="1" noAdjustHandles="1" noChangeArrowheads="1" noChangeShapeType="1" noTextEdit="1"/>
-          </p:cNvSpPr>
-          <p:nvPr>
-            <p:extLst>
-              <p:ext uri="{386F3935-93C4-4BCD-93E2-E3B085C9AB24}">
-                <p16:designElem xmlns:p16="http://schemas.microsoft.com/office/powerpoint/2015/main" val="1"/>
-              </p:ext>
-            </p:extLst>
-          </p:nvPr>
-        </p:nvSpPr>
-        <p:spPr>
-          <a:xfrm>
-            <a:off x="3175" y="6400800"/>
-            <a:ext cx="12188825" cy="457200"/>
-          </a:xfrm>
-          <a:prstGeom prst="rect">
-            <a:avLst/>
-          </a:prstGeom>
-          <a:solidFill>
-            <a:schemeClr val="accent1">
-              <a:lumMod val="75000"/>
-            </a:schemeClr>
-          </a:solidFill>
-          <a:ln>
-            <a:noFill/>
-          </a:ln>
-        </p:spPr>
-        <p:style>
-          <a:lnRef idx="2">
-            <a:schemeClr val="accent1">
-              <a:shade val="50000"/>
-            </a:schemeClr>
-          </a:lnRef>
-          <a:fillRef idx="1">
-            <a:schemeClr val="accent1"/>
-          </a:fillRef>
-          <a:effectRef idx="0">
-            <a:schemeClr val="accent1"/>
-          </a:effectRef>
-          <a:fontRef idx="minor">
-            <a:schemeClr val="lt1"/>
-          </a:fontRef>
-        </p:style>
-      </p:sp>
-      <p:sp>
-        <p:nvSpPr>
-          <p:cNvPr id="21" name="Rectangle 11">
-            <a:extLst>
-              <a:ext uri="{FF2B5EF4-FFF2-40B4-BE49-F238E27FC236}">
-                <a16:creationId xmlns:a16="http://schemas.microsoft.com/office/drawing/2014/main" id="{DEE940A1-B9E0-4C5D-A55E-B19742379C83}"/>
-              </a:ext>
-              <a:ext uri="{C183D7F6-B498-43B3-948B-1728B52AA6E4}">
-                <adec:decorative xmlns:adec="http://schemas.microsoft.com/office/drawing/2017/decorative" val="1"/>
-              </a:ext>
-            </a:extLst>
-          </p:cNvPr>
-          <p:cNvSpPr>
-            <a:spLocks noGrp="1" noRot="1" noChangeAspect="1" noMove="1" noResize="1" noEditPoints="1" noAdjustHandles="1" noChangeArrowheads="1" noChangeShapeType="1" noTextEdit="1"/>
-          </p:cNvSpPr>
-          <p:nvPr>
-            <p:extLst>
-              <p:ext uri="{386F3935-93C4-4BCD-93E2-E3B085C9AB24}">
-                <p16:designElem xmlns:p16="http://schemas.microsoft.com/office/powerpoint/2015/main" val="1"/>
-              </p:ext>
-            </p:extLst>
-          </p:nvPr>
-        </p:nvSpPr>
-        <p:spPr>
-          <a:xfrm>
-            <a:off x="15" y="6334316"/>
-            <a:ext cx="12188825" cy="64008"/>
-          </a:xfrm>
-          <a:prstGeom prst="rect">
-            <a:avLst/>
-          </a:prstGeom>
-          <a:solidFill>
-            <a:schemeClr val="accent1"/>
-          </a:solidFill>
-          <a:ln>
-            <a:noFill/>
-          </a:ln>
-        </p:spPr>
-        <p:style>
-          <a:lnRef idx="2">
-            <a:schemeClr val="accent1">
-              <a:shade val="50000"/>
-            </a:schemeClr>
-          </a:lnRef>
-          <a:fillRef idx="1">
-            <a:schemeClr val="accent1"/>
-          </a:fillRef>
-          <a:effectRef idx="0">
-            <a:schemeClr val="accent1"/>
-          </a:effectRef>
-          <a:fontRef idx="minor">
-            <a:schemeClr val="lt1"/>
-          </a:fontRef>
-        </p:style>
-      </p:sp>
-      <p:cxnSp>
-        <p:nvCxnSpPr>
-          <p:cNvPr id="22" name="Straight Connector 13">
-            <a:extLst>
-              <a:ext uri="{FF2B5EF4-FFF2-40B4-BE49-F238E27FC236}">
-                <a16:creationId xmlns:a16="http://schemas.microsoft.com/office/drawing/2014/main" id="{81C8E47B-A563-4B44-A9B0-9316605C2E4E}"/>
-              </a:ext>
-              <a:ext uri="{C183D7F6-B498-43B3-948B-1728B52AA6E4}">
-                <adec:decorative xmlns:adec="http://schemas.microsoft.com/office/drawing/2017/decorative" val="1"/>
-              </a:ext>
-            </a:extLst>
-          </p:cNvPr>
-          <p:cNvCxnSpPr>
-            <a:cxnSpLocks noGrp="1" noRot="1" noChangeAspect="1" noMove="1" noResize="1" noEditPoints="1" noAdjustHandles="1" noChangeArrowheads="1" noChangeShapeType="1"/>
-          </p:cNvCxnSpPr>
-          <p:nvPr>
-            <p:extLst>
-              <p:ext uri="{386F3935-93C4-4BCD-93E2-E3B085C9AB24}">
-                <p16:designElem xmlns:p16="http://schemas.microsoft.com/office/powerpoint/2015/main" val="1"/>
-              </p:ext>
-            </p:extLst>
-          </p:nvPr>
-        </p:nvCxnSpPr>
-        <p:spPr>
-          <a:xfrm>
-            <a:off x="1207658" y="4343400"/>
-            <a:ext cx="9875520" cy="0"/>
-          </a:xfrm>
-          <a:prstGeom prst="line">
-            <a:avLst/>
-          </a:prstGeom>
-          <a:ln w="6350">
-            <a:solidFill>
-              <a:schemeClr val="tx1">
-                <a:lumMod val="50000"/>
-                <a:lumOff val="50000"/>
-              </a:schemeClr>
-            </a:solidFill>
-          </a:ln>
-        </p:spPr>
-        <p:style>
-          <a:lnRef idx="1">
-            <a:schemeClr val="accent1"/>
-          </a:lnRef>
-          <a:fillRef idx="0">
-            <a:schemeClr val="accent1"/>
-          </a:fillRef>
-          <a:effectRef idx="0">
-            <a:schemeClr val="accent1"/>
-          </a:effectRef>
-          <a:fontRef idx="minor">
-            <a:schemeClr val="tx1"/>
-          </a:fontRef>
-        </p:style>
-      </p:cxnSp>
-      <p:pic>
-        <p:nvPicPr>
-          <p:cNvPr id="5" name="Picture 4">
-            <a:extLst>
-              <a:ext uri="{FF2B5EF4-FFF2-40B4-BE49-F238E27FC236}">
-                <a16:creationId xmlns:a16="http://schemas.microsoft.com/office/drawing/2014/main" id="{9B532AAF-7E8D-4F3B-AA22-6BA9F2F71976}"/>
-              </a:ext>
-            </a:extLst>
-          </p:cNvPr>
-          <p:cNvPicPr>
-            <a:picLocks noChangeAspect="1"/>
-          </p:cNvPicPr>
-          <p:nvPr/>
-        </p:nvPicPr>
-        <p:blipFill rotWithShape="1">
-          <a:blip r:embed="rId2"/>
-          <a:srcRect t="32529"/>
-          <a:stretch/>
-        </p:blipFill>
-        <p:spPr>
-          <a:xfrm>
-            <a:off x="-32" y="10"/>
-            <a:ext cx="12192031" cy="4915066"/>
-          </a:xfrm>
-          <a:prstGeom prst="rect">
-            <a:avLst/>
-          </a:prstGeom>
-        </p:spPr>
-      </p:pic>
-      <p:sp>
-        <p:nvSpPr>
-          <p:cNvPr id="23" name="Rectangle 15">
-            <a:extLst>
-              <a:ext uri="{FF2B5EF4-FFF2-40B4-BE49-F238E27FC236}">
-                <a16:creationId xmlns:a16="http://schemas.microsoft.com/office/drawing/2014/main" id="{54BFABF9-7D43-458F-B85F-04FF279ACB81}"/>
-              </a:ext>
-              <a:ext uri="{C183D7F6-B498-43B3-948B-1728B52AA6E4}">
-                <adec:decorative xmlns:adec="http://schemas.microsoft.com/office/drawing/2017/decorative" val="1"/>
-              </a:ext>
-            </a:extLst>
-          </p:cNvPr>
-          <p:cNvSpPr>
-            <a:spLocks noGrp="1" noRot="1" noChangeAspect="1" noMove="1" noResize="1" noEditPoints="1" noAdjustHandles="1" noChangeArrowheads="1" noChangeShapeType="1" noTextEdit="1"/>
-          </p:cNvSpPr>
-          <p:nvPr>
-            <p:extLst>
-              <p:ext uri="{386F3935-93C4-4BCD-93E2-E3B085C9AB24}">
-                <p16:designElem xmlns:p16="http://schemas.microsoft.com/office/powerpoint/2015/main" val="1"/>
-              </p:ext>
-            </p:extLst>
-          </p:nvPr>
-        </p:nvSpPr>
-        <p:spPr bwMode="white">
-          <a:xfrm>
-            <a:off x="1507" y="4953000"/>
-            <a:ext cx="12188952" cy="1905000"/>
-          </a:xfrm>
-          <a:prstGeom prst="rect">
-            <a:avLst/>
-          </a:prstGeom>
-          <a:solidFill>
-            <a:schemeClr val="accent1">
-              <a:lumMod val="75000"/>
-            </a:schemeClr>
-          </a:solidFill>
-          <a:ln>
-            <a:noFill/>
-          </a:ln>
-        </p:spPr>
-        <p:style>
-          <a:lnRef idx="2">
-            <a:schemeClr val="accent1">
-              <a:shade val="50000"/>
-            </a:schemeClr>
-          </a:lnRef>
-          <a:fillRef idx="1">
-            <a:schemeClr val="accent1"/>
-          </a:fillRef>
-          <a:effectRef idx="0">
-            <a:schemeClr val="accent1"/>
-          </a:effectRef>
-          <a:fontRef idx="minor">
-            <a:schemeClr val="lt1"/>
-          </a:fontRef>
-        </p:style>
-      </p:sp>
-      <p:sp>
-        <p:nvSpPr>
-          <p:cNvPr id="2" name="Title 1">
-            <a:extLst>
-              <a:ext uri="{FF2B5EF4-FFF2-40B4-BE49-F238E27FC236}">
-                <a16:creationId xmlns:a16="http://schemas.microsoft.com/office/drawing/2014/main" id="{63950B4F-5F45-4EFE-877F-E487E96E3B06}"/>
-              </a:ext>
-            </a:extLst>
-          </p:cNvPr>
-          <p:cNvSpPr>
-            <a:spLocks noGrp="1"/>
-          </p:cNvSpPr>
-          <p:nvPr>
-            <p:ph type="title"/>
-          </p:nvPr>
-        </p:nvSpPr>
-        <p:spPr>
-          <a:xfrm>
-            <a:off x="1065197" y="5120640"/>
-            <a:ext cx="10058400" cy="822960"/>
-          </a:xfrm>
-        </p:spPr>
-        <p:txBody>
-          <a:bodyPr vert="horz" lIns="91440" tIns="45720" rIns="91440" bIns="45720" rtlCol="0" anchor="b">
-            <a:normAutofit/>
-          </a:bodyPr>
-          <a:lstStyle/>
-          <a:p>
-            <a:r>
-              <a:rPr lang="en-US" sz="3600">
-                <a:solidFill>
-                  <a:srgbClr val="FFFFFF"/>
-                </a:solidFill>
-              </a:rPr>
-              <a:t>Controllers and Actions: Producing and Consuming</a:t>
-            </a:r>
-          </a:p>
-        </p:txBody>
-      </p:sp>
-      <p:sp>
-        <p:nvSpPr>
-          <p:cNvPr id="24" name="Rectangle 17">
-            <a:extLst>
-              <a:ext uri="{FF2B5EF4-FFF2-40B4-BE49-F238E27FC236}">
-                <a16:creationId xmlns:a16="http://schemas.microsoft.com/office/drawing/2014/main" id="{72E64342-BCC2-4FB3-B9DC-14B19B5D7E2B}"/>
-              </a:ext>
-              <a:ext uri="{C183D7F6-B498-43B3-948B-1728B52AA6E4}">
-                <adec:decorative xmlns:adec="http://schemas.microsoft.com/office/drawing/2017/decorative" val="1"/>
-              </a:ext>
-            </a:extLst>
-          </p:cNvPr>
-          <p:cNvSpPr>
-            <a:spLocks noGrp="1" noRot="1" noChangeAspect="1" noMove="1" noResize="1" noEditPoints="1" noAdjustHandles="1" noChangeArrowheads="1" noChangeShapeType="1" noTextEdit="1"/>
-          </p:cNvSpPr>
-          <p:nvPr>
-            <p:extLst>
-              <p:ext uri="{386F3935-93C4-4BCD-93E2-E3B085C9AB24}">
-                <p16:designElem xmlns:p16="http://schemas.microsoft.com/office/powerpoint/2015/main" val="1"/>
-              </p:ext>
-            </p:extLst>
-          </p:nvPr>
-        </p:nvSpPr>
-        <p:spPr>
-          <a:xfrm>
-            <a:off x="1507" y="4906176"/>
-            <a:ext cx="12188952" cy="64008"/>
-          </a:xfrm>
-          <a:prstGeom prst="rect">
-            <a:avLst/>
-          </a:prstGeom>
-          <a:solidFill>
-            <a:schemeClr val="accent1"/>
-          </a:solidFill>
-          <a:ln>
-            <a:noFill/>
-          </a:ln>
-        </p:spPr>
-        <p:style>
-          <a:lnRef idx="2">
-            <a:schemeClr val="accent1">
-              <a:shade val="50000"/>
-            </a:schemeClr>
-          </a:lnRef>
-          <a:fillRef idx="1">
-            <a:schemeClr val="accent1"/>
-          </a:fillRef>
-          <a:effectRef idx="0">
-            <a:schemeClr val="accent1"/>
-          </a:effectRef>
-          <a:fontRef idx="minor">
-            <a:schemeClr val="lt1"/>
-          </a:fontRef>
-        </p:style>
-      </p:sp>
-    </p:spTree>
-    <p:extLst>
-      <p:ext uri="{BB962C8B-B14F-4D97-AF65-F5344CB8AC3E}">
-        <p14:creationId xmlns:p14="http://schemas.microsoft.com/office/powerpoint/2010/main" val="2402502586"/>
-      </p:ext>
-    </p:extLst>
-  </p:cSld>
-  <p:clrMapOvr>
-    <a:masterClrMapping/>
-  </p:clrMapOvr>
-  <p:timing>
-    <p:tnLst>
-      <p:par>
-        <p:cTn id="1" dur="indefinite" restart="never" nodeType="tmRoot">
-          <p:childTnLst>
-            <p:seq concurrent="1" nextAc="seek">
-              <p:cTn id="2" dur="indefinite" nodeType="mainSeq">
-                <p:childTnLst>
-                  <p:par>
-                    <p:cTn id="3" fill="hold">
-                      <p:stCondLst>
-                        <p:cond delay="indefinite"/>
-                        <p:cond evt="onBegin" delay="0">
-                          <p:tn val="2"/>
-                        </p:cond>
-                      </p:stCondLst>
-                      <p:childTnLst>
-                        <p:par>
-                          <p:cTn id="4" fill="hold">
-                            <p:stCondLst>
-                              <p:cond delay="0"/>
-                            </p:stCondLst>
-                            <p:childTnLst>
-                              <p:par>
-                                <p:cTn id="5" presetID="10" presetClass="entr" presetSubtype="0" fill="hold" grpId="0" nodeType="withEffect">
-                                  <p:stCondLst>
-                                    <p:cond delay="1000"/>
-                                  </p:stCondLst>
-                                  <p:iterate>
-                                    <p:tmPct val="10000"/>
-                                  </p:iterate>
-                                  <p:childTnLst>
-                                    <p:set>
-                                      <p:cBhvr>
-                                        <p:cTn id="6" dur="1" fill="hold">
-                                          <p:stCondLst>
-                                            <p:cond delay="0"/>
-                                          </p:stCondLst>
-                                        </p:cTn>
-                                        <p:tgtEl>
-                                          <p:spTgt spid="2"/>
-                                        </p:tgtEl>
-                                        <p:attrNameLst>
-                                          <p:attrName>style.visibility</p:attrName>
-                                        </p:attrNameLst>
-                                      </p:cBhvr>
-                                      <p:to>
-                                        <p:strVal val="visible"/>
-                                      </p:to>
-                                    </p:set>
-                                    <p:animEffect transition="in" filter="fade">
-                                      <p:cBhvr>
-                                        <p:cTn id="7" dur="700"/>
-                                        <p:tgtEl>
-                                          <p:spTgt spid="2"/>
-                                        </p:tgtEl>
-                                      </p:cBhvr>
-                                    </p:animEffect>
-                                  </p:childTnLst>
-                                </p:cTn>
-                              </p:par>
-                            </p:childTnLst>
-                          </p:cTn>
-                        </p:par>
-                      </p:childTnLst>
-                    </p:cTn>
-                  </p:par>
-                </p:childTnLst>
-              </p:cTn>
-              <p:prevCondLst>
-                <p:cond evt="onPrev" delay="0">
-                  <p:tgtEl>
-                    <p:sldTgt/>
-                  </p:tgtEl>
-                </p:cond>
-              </p:prevCondLst>
-              <p:nextCondLst>
-                <p:cond evt="onNext" delay="0">
-                  <p:tgtEl>
-                    <p:sldTgt/>
-                  </p:tgtEl>
-                </p:cond>
-              </p:nextCondLst>
-            </p:seq>
-          </p:childTnLst>
-        </p:cTn>
-      </p:par>
-    </p:tnLst>
-    <p:bldLst>
-      <p:bldP spid="2" grpId="0"/>
-    </p:bldLst>
-  </p:timing>
-</p:sld>
-</file>
-
 <file path=ppt/slides/slide2.xml><?xml version="1.0" encoding="utf-8"?>
 <p:sld xmlns:a="http://schemas.openxmlformats.org/drawingml/2006/main" xmlns:r="http://schemas.openxmlformats.org/officeDocument/2006/relationships" xmlns:p="http://schemas.openxmlformats.org/presentationml/2006/main">
   <p:cSld>
@@ -11005,6 +8626,17 @@
 <file path=ppt/slides/slide5.xml><?xml version="1.0" encoding="utf-8"?>
 <p:sld xmlns:a="http://schemas.openxmlformats.org/drawingml/2006/main" xmlns:r="http://schemas.openxmlformats.org/officeDocument/2006/relationships" xmlns:p="http://schemas.openxmlformats.org/presentationml/2006/main">
   <p:cSld>
+    <p:bg>
+      <p:bgPr>
+        <a:solidFill>
+          <a:schemeClr val="bg1">
+            <a:lumMod val="75000"/>
+            <a:lumOff val="25000"/>
+          </a:schemeClr>
+        </a:solidFill>
+        <a:effectLst/>
+      </p:bgPr>
+    </p:bg>
     <p:spTree>
       <p:nvGrpSpPr>
         <p:cNvPr id="1" name=""/>
@@ -11021,10 +8653,234 @@
       </p:grpSpPr>
       <p:sp>
         <p:nvSpPr>
+          <p:cNvPr id="24" name="Rectangle 9">
+            <a:extLst>
+              <a:ext uri="{FF2B5EF4-FFF2-40B4-BE49-F238E27FC236}">
+                <a16:creationId xmlns:a16="http://schemas.microsoft.com/office/drawing/2014/main" id="{36E6FEC8-170C-492C-84E0-54394629D120}"/>
+              </a:ext>
+              <a:ext uri="{C183D7F6-B498-43B3-948B-1728B52AA6E4}">
+                <adec:decorative xmlns:adec="http://schemas.microsoft.com/office/drawing/2017/decorative" val="1"/>
+              </a:ext>
+            </a:extLst>
+          </p:cNvPr>
+          <p:cNvSpPr>
+            <a:spLocks noGrp="1" noRot="1" noChangeAspect="1" noMove="1" noResize="1" noEditPoints="1" noAdjustHandles="1" noChangeArrowheads="1" noChangeShapeType="1" noTextEdit="1"/>
+          </p:cNvSpPr>
+          <p:nvPr>
+            <p:extLst>
+              <p:ext uri="{386F3935-93C4-4BCD-93E2-E3B085C9AB24}">
+                <p16:designElem xmlns:p16="http://schemas.microsoft.com/office/powerpoint/2015/main" val="1"/>
+              </p:ext>
+            </p:extLst>
+          </p:nvPr>
+        </p:nvSpPr>
+        <p:spPr>
+          <a:xfrm>
+            <a:off x="3175" y="6400800"/>
+            <a:ext cx="12188825" cy="457200"/>
+          </a:xfrm>
+          <a:prstGeom prst="rect">
+            <a:avLst/>
+          </a:prstGeom>
+          <a:solidFill>
+            <a:schemeClr val="accent1">
+              <a:lumMod val="75000"/>
+            </a:schemeClr>
+          </a:solidFill>
+          <a:ln>
+            <a:noFill/>
+          </a:ln>
+        </p:spPr>
+        <p:style>
+          <a:lnRef idx="2">
+            <a:schemeClr val="accent1">
+              <a:shade val="50000"/>
+            </a:schemeClr>
+          </a:lnRef>
+          <a:fillRef idx="1">
+            <a:schemeClr val="accent1"/>
+          </a:fillRef>
+          <a:effectRef idx="0">
+            <a:schemeClr val="accent1"/>
+          </a:effectRef>
+          <a:fontRef idx="minor">
+            <a:schemeClr val="lt1"/>
+          </a:fontRef>
+        </p:style>
+      </p:sp>
+      <p:sp>
+        <p:nvSpPr>
+          <p:cNvPr id="25" name="Rectangle 11">
+            <a:extLst>
+              <a:ext uri="{FF2B5EF4-FFF2-40B4-BE49-F238E27FC236}">
+                <a16:creationId xmlns:a16="http://schemas.microsoft.com/office/drawing/2014/main" id="{DEE940A1-B9E0-4C5D-A55E-B19742379C83}"/>
+              </a:ext>
+              <a:ext uri="{C183D7F6-B498-43B3-948B-1728B52AA6E4}">
+                <adec:decorative xmlns:adec="http://schemas.microsoft.com/office/drawing/2017/decorative" val="1"/>
+              </a:ext>
+            </a:extLst>
+          </p:cNvPr>
+          <p:cNvSpPr>
+            <a:spLocks noGrp="1" noRot="1" noChangeAspect="1" noMove="1" noResize="1" noEditPoints="1" noAdjustHandles="1" noChangeArrowheads="1" noChangeShapeType="1" noTextEdit="1"/>
+          </p:cNvSpPr>
+          <p:nvPr>
+            <p:extLst>
+              <p:ext uri="{386F3935-93C4-4BCD-93E2-E3B085C9AB24}">
+                <p16:designElem xmlns:p16="http://schemas.microsoft.com/office/powerpoint/2015/main" val="1"/>
+              </p:ext>
+            </p:extLst>
+          </p:nvPr>
+        </p:nvSpPr>
+        <p:spPr>
+          <a:xfrm>
+            <a:off x="15" y="6334316"/>
+            <a:ext cx="12188825" cy="64008"/>
+          </a:xfrm>
+          <a:prstGeom prst="rect">
+            <a:avLst/>
+          </a:prstGeom>
+          <a:solidFill>
+            <a:schemeClr val="accent1"/>
+          </a:solidFill>
+          <a:ln>
+            <a:noFill/>
+          </a:ln>
+        </p:spPr>
+        <p:style>
+          <a:lnRef idx="2">
+            <a:schemeClr val="accent1">
+              <a:shade val="50000"/>
+            </a:schemeClr>
+          </a:lnRef>
+          <a:fillRef idx="1">
+            <a:schemeClr val="accent1"/>
+          </a:fillRef>
+          <a:effectRef idx="0">
+            <a:schemeClr val="accent1"/>
+          </a:effectRef>
+          <a:fontRef idx="minor">
+            <a:schemeClr val="lt1"/>
+          </a:fontRef>
+        </p:style>
+      </p:sp>
+      <p:cxnSp>
+        <p:nvCxnSpPr>
+          <p:cNvPr id="26" name="Straight Connector 13">
+            <a:extLst>
+              <a:ext uri="{FF2B5EF4-FFF2-40B4-BE49-F238E27FC236}">
+                <a16:creationId xmlns:a16="http://schemas.microsoft.com/office/drawing/2014/main" id="{81C8E47B-A563-4B44-A9B0-9316605C2E4E}"/>
+              </a:ext>
+              <a:ext uri="{C183D7F6-B498-43B3-948B-1728B52AA6E4}">
+                <adec:decorative xmlns:adec="http://schemas.microsoft.com/office/drawing/2017/decorative" val="1"/>
+              </a:ext>
+            </a:extLst>
+          </p:cNvPr>
+          <p:cNvCxnSpPr>
+            <a:cxnSpLocks noGrp="1" noRot="1" noChangeAspect="1" noMove="1" noResize="1" noEditPoints="1" noAdjustHandles="1" noChangeArrowheads="1" noChangeShapeType="1"/>
+          </p:cNvCxnSpPr>
+          <p:nvPr>
+            <p:extLst>
+              <p:ext uri="{386F3935-93C4-4BCD-93E2-E3B085C9AB24}">
+                <p16:designElem xmlns:p16="http://schemas.microsoft.com/office/powerpoint/2015/main" val="1"/>
+              </p:ext>
+            </p:extLst>
+          </p:nvPr>
+        </p:nvCxnSpPr>
+        <p:spPr>
+          <a:xfrm>
+            <a:off x="1207658" y="4343400"/>
+            <a:ext cx="9875520" cy="0"/>
+          </a:xfrm>
+          <a:prstGeom prst="line">
+            <a:avLst/>
+          </a:prstGeom>
+          <a:ln w="6350">
+            <a:solidFill>
+              <a:schemeClr val="tx1">
+                <a:lumMod val="50000"/>
+                <a:lumOff val="50000"/>
+              </a:schemeClr>
+            </a:solidFill>
+          </a:ln>
+        </p:spPr>
+        <p:style>
+          <a:lnRef idx="1">
+            <a:schemeClr val="accent1"/>
+          </a:lnRef>
+          <a:fillRef idx="0">
+            <a:schemeClr val="accent1"/>
+          </a:fillRef>
+          <a:effectRef idx="0">
+            <a:schemeClr val="accent1"/>
+          </a:effectRef>
+          <a:fontRef idx="minor">
+            <a:schemeClr val="tx1"/>
+          </a:fontRef>
+        </p:style>
+      </p:cxnSp>
+      <p:sp>
+        <p:nvSpPr>
+          <p:cNvPr id="27" name="Rectangle 15">
+            <a:extLst>
+              <a:ext uri="{FF2B5EF4-FFF2-40B4-BE49-F238E27FC236}">
+                <a16:creationId xmlns:a16="http://schemas.microsoft.com/office/drawing/2014/main" id="{89CEF278-62C5-49CA-8BD9-BCDBE9977FF3}"/>
+              </a:ext>
+              <a:ext uri="{C183D7F6-B498-43B3-948B-1728B52AA6E4}">
+                <adec:decorative xmlns:adec="http://schemas.microsoft.com/office/drawing/2017/decorative" val="1"/>
+              </a:ext>
+            </a:extLst>
+          </p:cNvPr>
+          <p:cNvSpPr>
+            <a:spLocks noGrp="1" noRot="1" noChangeAspect="1" noMove="1" noResize="1" noEditPoints="1" noAdjustHandles="1" noChangeArrowheads="1" noChangeShapeType="1" noTextEdit="1"/>
+          </p:cNvSpPr>
+          <p:nvPr>
+            <p:extLst>
+              <p:ext uri="{386F3935-93C4-4BCD-93E2-E3B085C9AB24}">
+                <p16:designElem xmlns:p16="http://schemas.microsoft.com/office/powerpoint/2015/main" val="1"/>
+              </p:ext>
+            </p:extLst>
+          </p:nvPr>
+        </p:nvSpPr>
+        <p:spPr bwMode="white">
+          <a:xfrm>
+            <a:off x="16" y="0"/>
+            <a:ext cx="4584734" cy="6858000"/>
+          </a:xfrm>
+          <a:prstGeom prst="rect">
+            <a:avLst/>
+          </a:prstGeom>
+          <a:solidFill>
+            <a:schemeClr val="accent1">
+              <a:lumMod val="75000"/>
+            </a:schemeClr>
+          </a:solidFill>
+          <a:ln>
+            <a:noFill/>
+          </a:ln>
+        </p:spPr>
+        <p:style>
+          <a:lnRef idx="2">
+            <a:schemeClr val="accent1">
+              <a:shade val="50000"/>
+            </a:schemeClr>
+          </a:lnRef>
+          <a:fillRef idx="1">
+            <a:schemeClr val="accent1"/>
+          </a:fillRef>
+          <a:effectRef idx="0">
+            <a:schemeClr val="accent1"/>
+          </a:effectRef>
+          <a:fontRef idx="minor">
+            <a:schemeClr val="lt1"/>
+          </a:fontRef>
+        </p:style>
+      </p:sp>
+      <p:sp>
+        <p:nvSpPr>
           <p:cNvPr id="2" name="Title 1">
             <a:extLst>
               <a:ext uri="{FF2B5EF4-FFF2-40B4-BE49-F238E27FC236}">
-                <a16:creationId xmlns:a16="http://schemas.microsoft.com/office/drawing/2014/main" id="{82E09C43-93CD-427C-B5C4-BF1AF2BF73EC}"/>
+                <a16:creationId xmlns:a16="http://schemas.microsoft.com/office/drawing/2014/main" id="{63950B4F-5F45-4EFE-877F-E487E96E3B06}"/>
               </a:ext>
             </a:extLst>
           </p:cNvPr>
@@ -11035,78 +8891,117 @@
             <p:ph type="title"/>
           </p:nvPr>
         </p:nvSpPr>
-        <p:spPr/>
-        <p:txBody>
-          <a:bodyPr/>
+        <p:spPr>
+          <a:xfrm>
+            <a:off x="457200" y="640080"/>
+            <a:ext cx="3659246" cy="2926080"/>
+          </a:xfrm>
+        </p:spPr>
+        <p:txBody>
+          <a:bodyPr vert="horz" lIns="91440" tIns="45720" rIns="91440" bIns="45720" rtlCol="0" anchor="b">
+            <a:normAutofit/>
+          </a:bodyPr>
           <a:lstStyle/>
           <a:p>
             <a:r>
-              <a:rPr lang="en-US" dirty="0"/>
-              <a:t>CORS</a:t>
-            </a:r>
-          </a:p>
-        </p:txBody>
-      </p:sp>
-      <p:sp>
-        <p:nvSpPr>
-          <p:cNvPr id="3" name="Content Placeholder 2">
+              <a:rPr lang="en-US" sz="4400">
+                <a:solidFill>
+                  <a:srgbClr val="FFFFFF"/>
+                </a:solidFill>
+              </a:rPr>
+              <a:t>Controllers and Actions : Routing</a:t>
+            </a:r>
+          </a:p>
+        </p:txBody>
+      </p:sp>
+      <p:pic>
+        <p:nvPicPr>
+          <p:cNvPr id="5" name="Picture 4">
             <a:extLst>
               <a:ext uri="{FF2B5EF4-FFF2-40B4-BE49-F238E27FC236}">
-                <a16:creationId xmlns:a16="http://schemas.microsoft.com/office/drawing/2014/main" id="{39FE521D-A643-4829-AEAA-7F1F49E58D01}"/>
+                <a16:creationId xmlns:a16="http://schemas.microsoft.com/office/drawing/2014/main" id="{3D38F9C3-0F20-4E62-BA55-8340E68FE522}"/>
               </a:ext>
             </a:extLst>
           </p:cNvPr>
-          <p:cNvSpPr>
-            <a:spLocks noGrp="1"/>
-          </p:cNvSpPr>
-          <p:nvPr>
-            <p:ph idx="1"/>
-          </p:nvPr>
-        </p:nvSpPr>
-        <p:spPr/>
-        <p:txBody>
-          <a:bodyPr>
-            <a:normAutofit/>
-          </a:bodyPr>
-          <a:lstStyle/>
-          <a:p>
-            <a:r>
-              <a:rPr lang="en-US" sz="4400" dirty="0"/>
-              <a:t>2 Ways to set up CORS in your Web API</a:t>
-            </a:r>
-          </a:p>
-          <a:p>
-            <a:r>
-              <a:rPr lang="en-US" sz="4400" dirty="0">
-                <a:solidFill>
-                  <a:schemeClr val="accent5"/>
-                </a:solidFill>
-              </a:rPr>
-              <a:t>Annotations in your Controllers or Actions</a:t>
-            </a:r>
-          </a:p>
-          <a:p>
-            <a:r>
-              <a:rPr lang="en-US" sz="4400" dirty="0"/>
-              <a:t>or</a:t>
-            </a:r>
-          </a:p>
-          <a:p>
-            <a:r>
-              <a:rPr lang="en-US" sz="4400" dirty="0">
-                <a:solidFill>
-                  <a:schemeClr val="accent2"/>
-                </a:solidFill>
-              </a:rPr>
-              <a:t>Set up a Policy in Startup and assign in Configure().</a:t>
-            </a:r>
-          </a:p>
-        </p:txBody>
+          <p:cNvPicPr>
+            <a:picLocks noChangeAspect="1"/>
+          </p:cNvPicPr>
+          <p:nvPr/>
+        </p:nvPicPr>
+        <p:blipFill rotWithShape="1">
+          <a:blip r:embed="rId2"/>
+          <a:srcRect r="40809" b="1"/>
+          <a:stretch/>
+        </p:blipFill>
+        <p:spPr>
+          <a:xfrm>
+            <a:off x="4639733" y="10"/>
+            <a:ext cx="7552266" cy="6857990"/>
+          </a:xfrm>
+          <a:prstGeom prst="rect">
+            <a:avLst/>
+          </a:prstGeom>
+        </p:spPr>
+      </p:pic>
+      <p:sp>
+        <p:nvSpPr>
+          <p:cNvPr id="28" name="Rectangle 17">
+            <a:extLst>
+              <a:ext uri="{FF2B5EF4-FFF2-40B4-BE49-F238E27FC236}">
+                <a16:creationId xmlns:a16="http://schemas.microsoft.com/office/drawing/2014/main" id="{02E2466B-276C-423A-9377-78508D6A0764}"/>
+              </a:ext>
+              <a:ext uri="{C183D7F6-B498-43B3-948B-1728B52AA6E4}">
+                <adec:decorative xmlns:adec="http://schemas.microsoft.com/office/drawing/2017/decorative" val="1"/>
+              </a:ext>
+            </a:extLst>
+          </p:cNvPr>
+          <p:cNvSpPr>
+            <a:spLocks noGrp="1" noRot="1" noChangeAspect="1" noMove="1" noResize="1" noEditPoints="1" noAdjustHandles="1" noChangeArrowheads="1" noChangeShapeType="1" noTextEdit="1"/>
+          </p:cNvSpPr>
+          <p:nvPr>
+            <p:extLst>
+              <p:ext uri="{386F3935-93C4-4BCD-93E2-E3B085C9AB24}">
+                <p16:designElem xmlns:p16="http://schemas.microsoft.com/office/powerpoint/2015/main" val="1"/>
+              </p:ext>
+            </p:extLst>
+          </p:nvPr>
+        </p:nvSpPr>
+        <p:spPr>
+          <a:xfrm>
+            <a:off x="4584751" y="0"/>
+            <a:ext cx="64008" cy="6858000"/>
+          </a:xfrm>
+          <a:prstGeom prst="rect">
+            <a:avLst/>
+          </a:prstGeom>
+          <a:solidFill>
+            <a:schemeClr val="accent1"/>
+          </a:solidFill>
+          <a:ln>
+            <a:noFill/>
+          </a:ln>
+        </p:spPr>
+        <p:style>
+          <a:lnRef idx="2">
+            <a:schemeClr val="accent1">
+              <a:shade val="50000"/>
+            </a:schemeClr>
+          </a:lnRef>
+          <a:fillRef idx="1">
+            <a:schemeClr val="accent1"/>
+          </a:fillRef>
+          <a:effectRef idx="0">
+            <a:schemeClr val="accent1"/>
+          </a:effectRef>
+          <a:fontRef idx="minor">
+            <a:schemeClr val="lt1"/>
+          </a:fontRef>
+        </p:style>
       </p:sp>
     </p:spTree>
     <p:extLst>
       <p:ext uri="{BB962C8B-B14F-4D97-AF65-F5344CB8AC3E}">
-        <p14:creationId xmlns:p14="http://schemas.microsoft.com/office/powerpoint/2010/main" val="299903193"/>
+        <p14:creationId xmlns:p14="http://schemas.microsoft.com/office/powerpoint/2010/main" val="2202522606"/>
       </p:ext>
     </p:extLst>
   </p:cSld>
@@ -11119,6 +9014,17 @@
 <file path=ppt/slides/slide6.xml><?xml version="1.0" encoding="utf-8"?>
 <p:sld xmlns:a="http://schemas.openxmlformats.org/drawingml/2006/main" xmlns:r="http://schemas.openxmlformats.org/officeDocument/2006/relationships" xmlns:p="http://schemas.openxmlformats.org/presentationml/2006/main">
   <p:cSld>
+    <p:bg>
+      <p:bgPr>
+        <a:solidFill>
+          <a:schemeClr val="bg1">
+            <a:lumMod val="75000"/>
+            <a:lumOff val="25000"/>
+          </a:schemeClr>
+        </a:solidFill>
+        <a:effectLst/>
+      </p:bgPr>
+    </p:bg>
     <p:spTree>
       <p:nvGrpSpPr>
         <p:cNvPr id="1" name=""/>
@@ -11135,10 +9041,263 @@
       </p:grpSpPr>
       <p:sp>
         <p:nvSpPr>
+          <p:cNvPr id="9" name="Rectangle 8">
+            <a:extLst>
+              <a:ext uri="{FF2B5EF4-FFF2-40B4-BE49-F238E27FC236}">
+                <a16:creationId xmlns:a16="http://schemas.microsoft.com/office/drawing/2014/main" id="{36E6FEC8-170C-492C-84E0-54394629D120}"/>
+              </a:ext>
+              <a:ext uri="{C183D7F6-B498-43B3-948B-1728B52AA6E4}">
+                <adec:decorative xmlns:adec="http://schemas.microsoft.com/office/drawing/2017/decorative" val="1"/>
+              </a:ext>
+            </a:extLst>
+          </p:cNvPr>
+          <p:cNvSpPr>
+            <a:spLocks noGrp="1" noRot="1" noChangeAspect="1" noMove="1" noResize="1" noEditPoints="1" noAdjustHandles="1" noChangeArrowheads="1" noChangeShapeType="1" noTextEdit="1"/>
+          </p:cNvSpPr>
+          <p:nvPr>
+            <p:extLst>
+              <p:ext uri="{386F3935-93C4-4BCD-93E2-E3B085C9AB24}">
+                <p16:designElem xmlns:p16="http://schemas.microsoft.com/office/powerpoint/2015/main" val="1"/>
+              </p:ext>
+            </p:extLst>
+          </p:nvPr>
+        </p:nvSpPr>
+        <p:spPr>
+          <a:xfrm>
+            <a:off x="3175" y="6400800"/>
+            <a:ext cx="12188825" cy="457200"/>
+          </a:xfrm>
+          <a:prstGeom prst="rect">
+            <a:avLst/>
+          </a:prstGeom>
+          <a:solidFill>
+            <a:schemeClr val="accent1">
+              <a:lumMod val="75000"/>
+            </a:schemeClr>
+          </a:solidFill>
+          <a:ln>
+            <a:noFill/>
+          </a:ln>
+        </p:spPr>
+        <p:style>
+          <a:lnRef idx="2">
+            <a:schemeClr val="accent1">
+              <a:shade val="50000"/>
+            </a:schemeClr>
+          </a:lnRef>
+          <a:fillRef idx="1">
+            <a:schemeClr val="accent1"/>
+          </a:fillRef>
+          <a:effectRef idx="0">
+            <a:schemeClr val="accent1"/>
+          </a:effectRef>
+          <a:fontRef idx="minor">
+            <a:schemeClr val="lt1"/>
+          </a:fontRef>
+        </p:style>
+      </p:sp>
+      <p:sp>
+        <p:nvSpPr>
+          <p:cNvPr id="11" name="Rectangle 10">
+            <a:extLst>
+              <a:ext uri="{FF2B5EF4-FFF2-40B4-BE49-F238E27FC236}">
+                <a16:creationId xmlns:a16="http://schemas.microsoft.com/office/drawing/2014/main" id="{DEE940A1-B9E0-4C5D-A55E-B19742379C83}"/>
+              </a:ext>
+              <a:ext uri="{C183D7F6-B498-43B3-948B-1728B52AA6E4}">
+                <adec:decorative xmlns:adec="http://schemas.microsoft.com/office/drawing/2017/decorative" val="1"/>
+              </a:ext>
+            </a:extLst>
+          </p:cNvPr>
+          <p:cNvSpPr>
+            <a:spLocks noGrp="1" noRot="1" noChangeAspect="1" noMove="1" noResize="1" noEditPoints="1" noAdjustHandles="1" noChangeArrowheads="1" noChangeShapeType="1" noTextEdit="1"/>
+          </p:cNvSpPr>
+          <p:nvPr>
+            <p:extLst>
+              <p:ext uri="{386F3935-93C4-4BCD-93E2-E3B085C9AB24}">
+                <p16:designElem xmlns:p16="http://schemas.microsoft.com/office/powerpoint/2015/main" val="1"/>
+              </p:ext>
+            </p:extLst>
+          </p:nvPr>
+        </p:nvSpPr>
+        <p:spPr>
+          <a:xfrm>
+            <a:off x="15" y="6334316"/>
+            <a:ext cx="12188825" cy="64008"/>
+          </a:xfrm>
+          <a:prstGeom prst="rect">
+            <a:avLst/>
+          </a:prstGeom>
+          <a:solidFill>
+            <a:schemeClr val="accent1"/>
+          </a:solidFill>
+          <a:ln>
+            <a:noFill/>
+          </a:ln>
+        </p:spPr>
+        <p:style>
+          <a:lnRef idx="2">
+            <a:schemeClr val="accent1">
+              <a:shade val="50000"/>
+            </a:schemeClr>
+          </a:lnRef>
+          <a:fillRef idx="1">
+            <a:schemeClr val="accent1"/>
+          </a:fillRef>
+          <a:effectRef idx="0">
+            <a:schemeClr val="accent1"/>
+          </a:effectRef>
+          <a:fontRef idx="minor">
+            <a:schemeClr val="lt1"/>
+          </a:fontRef>
+        </p:style>
+      </p:sp>
+      <p:cxnSp>
+        <p:nvCxnSpPr>
+          <p:cNvPr id="13" name="Straight Connector 12">
+            <a:extLst>
+              <a:ext uri="{FF2B5EF4-FFF2-40B4-BE49-F238E27FC236}">
+                <a16:creationId xmlns:a16="http://schemas.microsoft.com/office/drawing/2014/main" id="{81C8E47B-A563-4B44-A9B0-9316605C2E4E}"/>
+              </a:ext>
+              <a:ext uri="{C183D7F6-B498-43B3-948B-1728B52AA6E4}">
+                <adec:decorative xmlns:adec="http://schemas.microsoft.com/office/drawing/2017/decorative" val="1"/>
+              </a:ext>
+            </a:extLst>
+          </p:cNvPr>
+          <p:cNvCxnSpPr>
+            <a:cxnSpLocks noGrp="1" noRot="1" noChangeAspect="1" noMove="1" noResize="1" noEditPoints="1" noAdjustHandles="1" noChangeArrowheads="1" noChangeShapeType="1"/>
+          </p:cNvCxnSpPr>
+          <p:nvPr>
+            <p:extLst>
+              <p:ext uri="{386F3935-93C4-4BCD-93E2-E3B085C9AB24}">
+                <p16:designElem xmlns:p16="http://schemas.microsoft.com/office/powerpoint/2015/main" val="1"/>
+              </p:ext>
+            </p:extLst>
+          </p:nvPr>
+        </p:nvCxnSpPr>
+        <p:spPr>
+          <a:xfrm>
+            <a:off x="1207658" y="4343400"/>
+            <a:ext cx="9875520" cy="0"/>
+          </a:xfrm>
+          <a:prstGeom prst="line">
+            <a:avLst/>
+          </a:prstGeom>
+          <a:ln w="6350">
+            <a:solidFill>
+              <a:schemeClr val="tx1">
+                <a:lumMod val="50000"/>
+                <a:lumOff val="50000"/>
+              </a:schemeClr>
+            </a:solidFill>
+          </a:ln>
+        </p:spPr>
+        <p:style>
+          <a:lnRef idx="1">
+            <a:schemeClr val="accent1"/>
+          </a:lnRef>
+          <a:fillRef idx="0">
+            <a:schemeClr val="accent1"/>
+          </a:fillRef>
+          <a:effectRef idx="0">
+            <a:schemeClr val="accent1"/>
+          </a:effectRef>
+          <a:fontRef idx="minor">
+            <a:schemeClr val="tx1"/>
+          </a:fontRef>
+        </p:style>
+      </p:cxnSp>
+      <p:pic>
+        <p:nvPicPr>
+          <p:cNvPr id="4" name="Picture 3">
+            <a:extLst>
+              <a:ext uri="{FF2B5EF4-FFF2-40B4-BE49-F238E27FC236}">
+                <a16:creationId xmlns:a16="http://schemas.microsoft.com/office/drawing/2014/main" id="{1CCF55AA-2D19-4768-8CAF-EC2CF895994E}"/>
+              </a:ext>
+            </a:extLst>
+          </p:cNvPr>
+          <p:cNvPicPr>
+            <a:picLocks noChangeAspect="1"/>
+          </p:cNvPicPr>
+          <p:nvPr/>
+        </p:nvPicPr>
+        <p:blipFill rotWithShape="1">
+          <a:blip r:embed="rId2"/>
+          <a:srcRect t="1334" b="11028"/>
+          <a:stretch/>
+        </p:blipFill>
+        <p:spPr>
+          <a:xfrm>
+            <a:off x="-32" y="10"/>
+            <a:ext cx="12192031" cy="4915066"/>
+          </a:xfrm>
+          <a:prstGeom prst="rect">
+            <a:avLst/>
+          </a:prstGeom>
+        </p:spPr>
+      </p:pic>
+      <p:sp>
+        <p:nvSpPr>
+          <p:cNvPr id="15" name="Rectangle 14">
+            <a:extLst>
+              <a:ext uri="{FF2B5EF4-FFF2-40B4-BE49-F238E27FC236}">
+                <a16:creationId xmlns:a16="http://schemas.microsoft.com/office/drawing/2014/main" id="{54BFABF9-7D43-458F-B85F-04FF279ACB81}"/>
+              </a:ext>
+              <a:ext uri="{C183D7F6-B498-43B3-948B-1728B52AA6E4}">
+                <adec:decorative xmlns:adec="http://schemas.microsoft.com/office/drawing/2017/decorative" val="1"/>
+              </a:ext>
+            </a:extLst>
+          </p:cNvPr>
+          <p:cNvSpPr>
+            <a:spLocks noGrp="1" noRot="1" noChangeAspect="1" noMove="1" noResize="1" noEditPoints="1" noAdjustHandles="1" noChangeArrowheads="1" noChangeShapeType="1" noTextEdit="1"/>
+          </p:cNvSpPr>
+          <p:nvPr>
+            <p:extLst>
+              <p:ext uri="{386F3935-93C4-4BCD-93E2-E3B085C9AB24}">
+                <p16:designElem xmlns:p16="http://schemas.microsoft.com/office/powerpoint/2015/main" val="1"/>
+              </p:ext>
+            </p:extLst>
+          </p:nvPr>
+        </p:nvSpPr>
+        <p:spPr bwMode="white">
+          <a:xfrm>
+            <a:off x="1507" y="4953000"/>
+            <a:ext cx="12188952" cy="1905000"/>
+          </a:xfrm>
+          <a:prstGeom prst="rect">
+            <a:avLst/>
+          </a:prstGeom>
+          <a:solidFill>
+            <a:schemeClr val="accent1">
+              <a:lumMod val="75000"/>
+            </a:schemeClr>
+          </a:solidFill>
+          <a:ln>
+            <a:noFill/>
+          </a:ln>
+        </p:spPr>
+        <p:style>
+          <a:lnRef idx="2">
+            <a:schemeClr val="accent1">
+              <a:shade val="50000"/>
+            </a:schemeClr>
+          </a:lnRef>
+          <a:fillRef idx="1">
+            <a:schemeClr val="accent1"/>
+          </a:fillRef>
+          <a:effectRef idx="0">
+            <a:schemeClr val="accent1"/>
+          </a:effectRef>
+          <a:fontRef idx="minor">
+            <a:schemeClr val="lt1"/>
+          </a:fontRef>
+        </p:style>
+      </p:sp>
+      <p:sp>
+        <p:nvSpPr>
           <p:cNvPr id="2" name="Title 1">
             <a:extLst>
               <a:ext uri="{FF2B5EF4-FFF2-40B4-BE49-F238E27FC236}">
-                <a16:creationId xmlns:a16="http://schemas.microsoft.com/office/drawing/2014/main" id="{57804EDB-317F-4E5F-B0DB-F136E4785397}"/>
+                <a16:creationId xmlns:a16="http://schemas.microsoft.com/office/drawing/2014/main" id="{63950B4F-5F45-4EFE-877F-E487E96E3B06}"/>
               </a:ext>
             </a:extLst>
           </p:cNvPr>
@@ -11149,201 +9308,88 @@
             <p:ph type="title"/>
           </p:nvPr>
         </p:nvSpPr>
-        <p:spPr/>
-        <p:txBody>
-          <a:bodyPr/>
+        <p:spPr>
+          <a:xfrm>
+            <a:off x="1065197" y="5120640"/>
+            <a:ext cx="10058400" cy="822960"/>
+          </a:xfrm>
+        </p:spPr>
+        <p:txBody>
+          <a:bodyPr vert="horz" lIns="91440" tIns="45720" rIns="91440" bIns="45720" rtlCol="0" anchor="b">
+            <a:normAutofit/>
+          </a:bodyPr>
           <a:lstStyle/>
           <a:p>
             <a:r>
-              <a:rPr lang="en-US" dirty="0"/>
-              <a:t>CORS</a:t>
-            </a:r>
-          </a:p>
-        </p:txBody>
-      </p:sp>
-      <p:sp>
-        <p:nvSpPr>
-          <p:cNvPr id="3" name="Content Placeholder 2">
+              <a:rPr lang="en-US" sz="3600">
+                <a:solidFill>
+                  <a:srgbClr val="FFFFFF"/>
+                </a:solidFill>
+              </a:rPr>
+              <a:t>Controllers and Actions : Routing</a:t>
+            </a:r>
+          </a:p>
+        </p:txBody>
+      </p:sp>
+      <p:sp>
+        <p:nvSpPr>
+          <p:cNvPr id="17" name="Rectangle 16">
             <a:extLst>
               <a:ext uri="{FF2B5EF4-FFF2-40B4-BE49-F238E27FC236}">
-                <a16:creationId xmlns:a16="http://schemas.microsoft.com/office/drawing/2014/main" id="{A3B6E6D2-92B5-4942-A509-D48D995ACAE3}"/>
+                <a16:creationId xmlns:a16="http://schemas.microsoft.com/office/drawing/2014/main" id="{72E64342-BCC2-4FB3-B9DC-14B19B5D7E2B}"/>
+              </a:ext>
+              <a:ext uri="{C183D7F6-B498-43B3-948B-1728B52AA6E4}">
+                <adec:decorative xmlns:adec="http://schemas.microsoft.com/office/drawing/2017/decorative" val="1"/>
               </a:ext>
             </a:extLst>
           </p:cNvPr>
           <p:cNvSpPr>
-            <a:spLocks noGrp="1"/>
-          </p:cNvSpPr>
-          <p:nvPr>
-            <p:ph idx="1"/>
-          </p:nvPr>
-        </p:nvSpPr>
-        <p:spPr/>
-        <p:txBody>
-          <a:bodyPr>
-            <a:normAutofit fontScale="85000" lnSpcReduction="20000"/>
-          </a:bodyPr>
-          <a:lstStyle/>
-          <a:p>
-            <a:r>
-              <a:rPr lang="en-US" dirty="0"/>
-              <a:t>[Route("api/[controller]")]</a:t>
-            </a:r>
-          </a:p>
-          <a:p>
-            <a:r>
-              <a:rPr lang="en-US" dirty="0"/>
-              <a:t>[</a:t>
-            </a:r>
-            <a:r>
-              <a:rPr lang="en-US" dirty="0" err="1"/>
-              <a:t>ApiController</a:t>
-            </a:r>
-            <a:r>
-              <a:rPr lang="en-US" dirty="0"/>
-              <a:t>]</a:t>
-            </a:r>
-          </a:p>
-          <a:p>
-            <a:r>
-              <a:rPr lang="en-US" dirty="0"/>
-              <a:t>public class </a:t>
-            </a:r>
-            <a:r>
-              <a:rPr lang="en-US" dirty="0" err="1"/>
-              <a:t>WidgetController</a:t>
-            </a:r>
-            <a:r>
-              <a:rPr lang="en-US" dirty="0"/>
-              <a:t> : </a:t>
-            </a:r>
-            <a:r>
-              <a:rPr lang="en-US" dirty="0" err="1"/>
-              <a:t>ControllerBase</a:t>
-            </a:r>
-            <a:endParaRPr lang="en-US" dirty="0"/>
-          </a:p>
-          <a:p>
-            <a:r>
-              <a:rPr lang="en-US" dirty="0"/>
-              <a:t>{</a:t>
-            </a:r>
-          </a:p>
-          <a:p>
-            <a:r>
-              <a:rPr lang="en-US" dirty="0"/>
-              <a:t>    // GET api/values</a:t>
-            </a:r>
-          </a:p>
-          <a:p>
-            <a:r>
-              <a:rPr lang="en-US" dirty="0">
-                <a:highlight>
-                  <a:srgbClr val="800000"/>
-                </a:highlight>
-              </a:rPr>
-              <a:t>    [</a:t>
-            </a:r>
-            <a:r>
-              <a:rPr lang="en-US" dirty="0" err="1">
-                <a:highlight>
-                  <a:srgbClr val="800000"/>
-                </a:highlight>
-              </a:rPr>
-              <a:t>EnableCors</a:t>
-            </a:r>
-            <a:r>
-              <a:rPr lang="en-US" dirty="0">
-                <a:highlight>
-                  <a:srgbClr val="800000"/>
-                </a:highlight>
-              </a:rPr>
-              <a:t>("</a:t>
-            </a:r>
-            <a:r>
-              <a:rPr lang="en-US" sz="2000" dirty="0">
-                <a:highlight>
-                  <a:srgbClr val="800000"/>
-                </a:highlight>
-              </a:rPr>
-              <a:t> </a:t>
-            </a:r>
-            <a:r>
-              <a:rPr lang="en-US" sz="2000" dirty="0" err="1">
-                <a:highlight>
-                  <a:srgbClr val="800000"/>
-                </a:highlight>
-              </a:rPr>
-              <a:t>CorsPolicy</a:t>
-            </a:r>
-            <a:r>
-              <a:rPr lang="en-US" sz="2000" dirty="0">
-                <a:highlight>
-                  <a:srgbClr val="800000"/>
-                </a:highlight>
-              </a:rPr>
-              <a:t> </a:t>
-            </a:r>
-            <a:r>
-              <a:rPr lang="en-US" dirty="0">
-                <a:highlight>
-                  <a:srgbClr val="800000"/>
-                </a:highlight>
-              </a:rPr>
-              <a:t>")]</a:t>
-            </a:r>
-          </a:p>
-          <a:p>
-            <a:r>
-              <a:rPr lang="en-US" dirty="0"/>
-              <a:t>    [</a:t>
-            </a:r>
-            <a:r>
-              <a:rPr lang="en-US" dirty="0" err="1"/>
-              <a:t>HttpGet</a:t>
-            </a:r>
-            <a:r>
-              <a:rPr lang="en-US" dirty="0"/>
-              <a:t>]</a:t>
-            </a:r>
-          </a:p>
-          <a:p>
-            <a:r>
-              <a:rPr lang="en-US" dirty="0"/>
-              <a:t>    public </a:t>
-            </a:r>
-            <a:r>
-              <a:rPr lang="en-US" dirty="0" err="1"/>
-              <a:t>ActionResult</a:t>
-            </a:r>
-            <a:r>
-              <a:rPr lang="en-US" dirty="0"/>
-              <a:t>&lt;IEnumerable&lt;string&gt;&gt; Get()</a:t>
-            </a:r>
-          </a:p>
-          <a:p>
-            <a:r>
-              <a:rPr lang="en-US" dirty="0"/>
-              <a:t>    {</a:t>
-            </a:r>
-          </a:p>
-          <a:p>
-            <a:r>
-              <a:rPr lang="en-US" dirty="0"/>
-              <a:t>        return new string[] { "green widget", "red widget" };</a:t>
-            </a:r>
-          </a:p>
-          <a:p>
-            <a:r>
-              <a:rPr lang="en-US" dirty="0"/>
-              <a:t>    }</a:t>
-            </a:r>
-          </a:p>
-        </p:txBody>
+            <a:spLocks noGrp="1" noRot="1" noChangeAspect="1" noMove="1" noResize="1" noEditPoints="1" noAdjustHandles="1" noChangeArrowheads="1" noChangeShapeType="1" noTextEdit="1"/>
+          </p:cNvSpPr>
+          <p:nvPr>
+            <p:extLst>
+              <p:ext uri="{386F3935-93C4-4BCD-93E2-E3B085C9AB24}">
+                <p16:designElem xmlns:p16="http://schemas.microsoft.com/office/powerpoint/2015/main" val="1"/>
+              </p:ext>
+            </p:extLst>
+          </p:nvPr>
+        </p:nvSpPr>
+        <p:spPr>
+          <a:xfrm>
+            <a:off x="1507" y="4906176"/>
+            <a:ext cx="12188952" cy="64008"/>
+          </a:xfrm>
+          <a:prstGeom prst="rect">
+            <a:avLst/>
+          </a:prstGeom>
+          <a:solidFill>
+            <a:schemeClr val="accent1"/>
+          </a:solidFill>
+          <a:ln>
+            <a:noFill/>
+          </a:ln>
+        </p:spPr>
+        <p:style>
+          <a:lnRef idx="2">
+            <a:schemeClr val="accent1">
+              <a:shade val="50000"/>
+            </a:schemeClr>
+          </a:lnRef>
+          <a:fillRef idx="1">
+            <a:schemeClr val="accent1"/>
+          </a:fillRef>
+          <a:effectRef idx="0">
+            <a:schemeClr val="accent1"/>
+          </a:effectRef>
+          <a:fontRef idx="minor">
+            <a:schemeClr val="lt1"/>
+          </a:fontRef>
+        </p:style>
       </p:sp>
     </p:spTree>
     <p:extLst>
       <p:ext uri="{BB962C8B-B14F-4D97-AF65-F5344CB8AC3E}">
-        <p14:creationId xmlns:p14="http://schemas.microsoft.com/office/powerpoint/2010/main" val="3621990842"/>
+        <p14:creationId xmlns:p14="http://schemas.microsoft.com/office/powerpoint/2010/main" val="4024183203"/>
       </p:ext>
     </p:extLst>
   </p:cSld>
@@ -11356,6 +9402,17 @@
 <file path=ppt/slides/slide7.xml><?xml version="1.0" encoding="utf-8"?>
 <p:sld xmlns:a="http://schemas.openxmlformats.org/drawingml/2006/main" xmlns:r="http://schemas.openxmlformats.org/officeDocument/2006/relationships" xmlns:p="http://schemas.openxmlformats.org/presentationml/2006/main">
   <p:cSld>
+    <p:bg>
+      <p:bgPr>
+        <a:solidFill>
+          <a:schemeClr val="bg1">
+            <a:lumMod val="75000"/>
+            <a:lumOff val="25000"/>
+          </a:schemeClr>
+        </a:solidFill>
+        <a:effectLst/>
+      </p:bgPr>
+    </p:bg>
     <p:spTree>
       <p:nvGrpSpPr>
         <p:cNvPr id="1" name=""/>
@@ -11372,10 +9429,234 @@
       </p:grpSpPr>
       <p:sp>
         <p:nvSpPr>
+          <p:cNvPr id="10" name="Rectangle 9">
+            <a:extLst>
+              <a:ext uri="{FF2B5EF4-FFF2-40B4-BE49-F238E27FC236}">
+                <a16:creationId xmlns:a16="http://schemas.microsoft.com/office/drawing/2014/main" id="{36E6FEC8-170C-492C-84E0-54394629D120}"/>
+              </a:ext>
+              <a:ext uri="{C183D7F6-B498-43B3-948B-1728B52AA6E4}">
+                <adec:decorative xmlns:adec="http://schemas.microsoft.com/office/drawing/2017/decorative" val="1"/>
+              </a:ext>
+            </a:extLst>
+          </p:cNvPr>
+          <p:cNvSpPr>
+            <a:spLocks noGrp="1" noRot="1" noChangeAspect="1" noMove="1" noResize="1" noEditPoints="1" noAdjustHandles="1" noChangeArrowheads="1" noChangeShapeType="1" noTextEdit="1"/>
+          </p:cNvSpPr>
+          <p:nvPr>
+            <p:extLst>
+              <p:ext uri="{386F3935-93C4-4BCD-93E2-E3B085C9AB24}">
+                <p16:designElem xmlns:p16="http://schemas.microsoft.com/office/powerpoint/2015/main" val="1"/>
+              </p:ext>
+            </p:extLst>
+          </p:nvPr>
+        </p:nvSpPr>
+        <p:spPr>
+          <a:xfrm>
+            <a:off x="3175" y="6400800"/>
+            <a:ext cx="12188825" cy="457200"/>
+          </a:xfrm>
+          <a:prstGeom prst="rect">
+            <a:avLst/>
+          </a:prstGeom>
+          <a:solidFill>
+            <a:schemeClr val="accent1">
+              <a:lumMod val="75000"/>
+            </a:schemeClr>
+          </a:solidFill>
+          <a:ln>
+            <a:noFill/>
+          </a:ln>
+        </p:spPr>
+        <p:style>
+          <a:lnRef idx="2">
+            <a:schemeClr val="accent1">
+              <a:shade val="50000"/>
+            </a:schemeClr>
+          </a:lnRef>
+          <a:fillRef idx="1">
+            <a:schemeClr val="accent1"/>
+          </a:fillRef>
+          <a:effectRef idx="0">
+            <a:schemeClr val="accent1"/>
+          </a:effectRef>
+          <a:fontRef idx="minor">
+            <a:schemeClr val="lt1"/>
+          </a:fontRef>
+        </p:style>
+      </p:sp>
+      <p:sp>
+        <p:nvSpPr>
+          <p:cNvPr id="12" name="Rectangle 11">
+            <a:extLst>
+              <a:ext uri="{FF2B5EF4-FFF2-40B4-BE49-F238E27FC236}">
+                <a16:creationId xmlns:a16="http://schemas.microsoft.com/office/drawing/2014/main" id="{DEE940A1-B9E0-4C5D-A55E-B19742379C83}"/>
+              </a:ext>
+              <a:ext uri="{C183D7F6-B498-43B3-948B-1728B52AA6E4}">
+                <adec:decorative xmlns:adec="http://schemas.microsoft.com/office/drawing/2017/decorative" val="1"/>
+              </a:ext>
+            </a:extLst>
+          </p:cNvPr>
+          <p:cNvSpPr>
+            <a:spLocks noGrp="1" noRot="1" noChangeAspect="1" noMove="1" noResize="1" noEditPoints="1" noAdjustHandles="1" noChangeArrowheads="1" noChangeShapeType="1" noTextEdit="1"/>
+          </p:cNvSpPr>
+          <p:nvPr>
+            <p:extLst>
+              <p:ext uri="{386F3935-93C4-4BCD-93E2-E3B085C9AB24}">
+                <p16:designElem xmlns:p16="http://schemas.microsoft.com/office/powerpoint/2015/main" val="1"/>
+              </p:ext>
+            </p:extLst>
+          </p:nvPr>
+        </p:nvSpPr>
+        <p:spPr>
+          <a:xfrm>
+            <a:off x="15" y="6334316"/>
+            <a:ext cx="12188825" cy="64008"/>
+          </a:xfrm>
+          <a:prstGeom prst="rect">
+            <a:avLst/>
+          </a:prstGeom>
+          <a:solidFill>
+            <a:schemeClr val="accent1"/>
+          </a:solidFill>
+          <a:ln>
+            <a:noFill/>
+          </a:ln>
+        </p:spPr>
+        <p:style>
+          <a:lnRef idx="2">
+            <a:schemeClr val="accent1">
+              <a:shade val="50000"/>
+            </a:schemeClr>
+          </a:lnRef>
+          <a:fillRef idx="1">
+            <a:schemeClr val="accent1"/>
+          </a:fillRef>
+          <a:effectRef idx="0">
+            <a:schemeClr val="accent1"/>
+          </a:effectRef>
+          <a:fontRef idx="minor">
+            <a:schemeClr val="lt1"/>
+          </a:fontRef>
+        </p:style>
+      </p:sp>
+      <p:cxnSp>
+        <p:nvCxnSpPr>
+          <p:cNvPr id="14" name="Straight Connector 13">
+            <a:extLst>
+              <a:ext uri="{FF2B5EF4-FFF2-40B4-BE49-F238E27FC236}">
+                <a16:creationId xmlns:a16="http://schemas.microsoft.com/office/drawing/2014/main" id="{81C8E47B-A563-4B44-A9B0-9316605C2E4E}"/>
+              </a:ext>
+              <a:ext uri="{C183D7F6-B498-43B3-948B-1728B52AA6E4}">
+                <adec:decorative xmlns:adec="http://schemas.microsoft.com/office/drawing/2017/decorative" val="1"/>
+              </a:ext>
+            </a:extLst>
+          </p:cNvPr>
+          <p:cNvCxnSpPr>
+            <a:cxnSpLocks noGrp="1" noRot="1" noChangeAspect="1" noMove="1" noResize="1" noEditPoints="1" noAdjustHandles="1" noChangeArrowheads="1" noChangeShapeType="1"/>
+          </p:cNvCxnSpPr>
+          <p:nvPr>
+            <p:extLst>
+              <p:ext uri="{386F3935-93C4-4BCD-93E2-E3B085C9AB24}">
+                <p16:designElem xmlns:p16="http://schemas.microsoft.com/office/powerpoint/2015/main" val="1"/>
+              </p:ext>
+            </p:extLst>
+          </p:nvPr>
+        </p:nvCxnSpPr>
+        <p:spPr>
+          <a:xfrm>
+            <a:off x="1207658" y="4343400"/>
+            <a:ext cx="9875520" cy="0"/>
+          </a:xfrm>
+          <a:prstGeom prst="line">
+            <a:avLst/>
+          </a:prstGeom>
+          <a:ln w="6350">
+            <a:solidFill>
+              <a:schemeClr val="tx1">
+                <a:lumMod val="50000"/>
+                <a:lumOff val="50000"/>
+              </a:schemeClr>
+            </a:solidFill>
+          </a:ln>
+        </p:spPr>
+        <p:style>
+          <a:lnRef idx="1">
+            <a:schemeClr val="accent1"/>
+          </a:lnRef>
+          <a:fillRef idx="0">
+            <a:schemeClr val="accent1"/>
+          </a:fillRef>
+          <a:effectRef idx="0">
+            <a:schemeClr val="accent1"/>
+          </a:effectRef>
+          <a:fontRef idx="minor">
+            <a:schemeClr val="tx1"/>
+          </a:fontRef>
+        </p:style>
+      </p:cxnSp>
+      <p:sp>
+        <p:nvSpPr>
+          <p:cNvPr id="16" name="Rectangle 15">
+            <a:extLst>
+              <a:ext uri="{FF2B5EF4-FFF2-40B4-BE49-F238E27FC236}">
+                <a16:creationId xmlns:a16="http://schemas.microsoft.com/office/drawing/2014/main" id="{89CEF278-62C5-49CA-8BD9-BCDBE9977FF3}"/>
+              </a:ext>
+              <a:ext uri="{C183D7F6-B498-43B3-948B-1728B52AA6E4}">
+                <adec:decorative xmlns:adec="http://schemas.microsoft.com/office/drawing/2017/decorative" val="1"/>
+              </a:ext>
+            </a:extLst>
+          </p:cNvPr>
+          <p:cNvSpPr>
+            <a:spLocks noGrp="1" noRot="1" noChangeAspect="1" noMove="1" noResize="1" noEditPoints="1" noAdjustHandles="1" noChangeArrowheads="1" noChangeShapeType="1" noTextEdit="1"/>
+          </p:cNvSpPr>
+          <p:nvPr>
+            <p:extLst>
+              <p:ext uri="{386F3935-93C4-4BCD-93E2-E3B085C9AB24}">
+                <p16:designElem xmlns:p16="http://schemas.microsoft.com/office/powerpoint/2015/main" val="1"/>
+              </p:ext>
+            </p:extLst>
+          </p:nvPr>
+        </p:nvSpPr>
+        <p:spPr bwMode="white">
+          <a:xfrm>
+            <a:off x="16" y="0"/>
+            <a:ext cx="4584734" cy="6858000"/>
+          </a:xfrm>
+          <a:prstGeom prst="rect">
+            <a:avLst/>
+          </a:prstGeom>
+          <a:solidFill>
+            <a:schemeClr val="accent1">
+              <a:lumMod val="75000"/>
+            </a:schemeClr>
+          </a:solidFill>
+          <a:ln>
+            <a:noFill/>
+          </a:ln>
+        </p:spPr>
+        <p:style>
+          <a:lnRef idx="2">
+            <a:schemeClr val="accent1">
+              <a:shade val="50000"/>
+            </a:schemeClr>
+          </a:lnRef>
+          <a:fillRef idx="1">
+            <a:schemeClr val="accent1"/>
+          </a:fillRef>
+          <a:effectRef idx="0">
+            <a:schemeClr val="accent1"/>
+          </a:effectRef>
+          <a:fontRef idx="minor">
+            <a:schemeClr val="lt1"/>
+          </a:fontRef>
+        </p:style>
+      </p:sp>
+      <p:sp>
+        <p:nvSpPr>
           <p:cNvPr id="2" name="Title 1">
             <a:extLst>
               <a:ext uri="{FF2B5EF4-FFF2-40B4-BE49-F238E27FC236}">
-                <a16:creationId xmlns:a16="http://schemas.microsoft.com/office/drawing/2014/main" id="{B44793D8-FD6E-4A8C-8536-3B28DADC7AEF}"/>
+                <a16:creationId xmlns:a16="http://schemas.microsoft.com/office/drawing/2014/main" id="{63950B4F-5F45-4EFE-877F-E487E96E3B06}"/>
               </a:ext>
             </a:extLst>
           </p:cNvPr>
@@ -11386,148 +9667,232 @@
             <p:ph type="title"/>
           </p:nvPr>
         </p:nvSpPr>
-        <p:spPr/>
-        <p:txBody>
-          <a:bodyPr/>
+        <p:spPr>
+          <a:xfrm>
+            <a:off x="457200" y="640080"/>
+            <a:ext cx="3659246" cy="2926080"/>
+          </a:xfrm>
+        </p:spPr>
+        <p:txBody>
+          <a:bodyPr vert="horz" lIns="91440" tIns="45720" rIns="91440" bIns="45720" rtlCol="0" anchor="b">
+            <a:normAutofit/>
+          </a:bodyPr>
           <a:lstStyle/>
           <a:p>
             <a:r>
-              <a:rPr lang="en-US" dirty="0"/>
-              <a:t>CORS</a:t>
-            </a:r>
-          </a:p>
-        </p:txBody>
-      </p:sp>
-      <p:sp>
-        <p:nvSpPr>
-          <p:cNvPr id="3" name="Content Placeholder 2">
+              <a:rPr lang="en-US" sz="4400">
+                <a:solidFill>
+                  <a:srgbClr val="FFFFFF"/>
+                </a:solidFill>
+              </a:rPr>
+              <a:t>Controllers and Actions: HTTP Verbs</a:t>
+            </a:r>
+          </a:p>
+        </p:txBody>
+      </p:sp>
+      <p:pic>
+        <p:nvPicPr>
+          <p:cNvPr id="5" name="Picture 4">
             <a:extLst>
               <a:ext uri="{FF2B5EF4-FFF2-40B4-BE49-F238E27FC236}">
-                <a16:creationId xmlns:a16="http://schemas.microsoft.com/office/drawing/2014/main" id="{BBFFBDED-74CC-42AF-857B-A1ABEBDC2D7B}"/>
+                <a16:creationId xmlns:a16="http://schemas.microsoft.com/office/drawing/2014/main" id="{12E7A4C0-D4FF-473E-BD1A-2D16A2D1B7C0}"/>
               </a:ext>
             </a:extLst>
           </p:cNvPr>
-          <p:cNvSpPr>
-            <a:spLocks noGrp="1"/>
-          </p:cNvSpPr>
-          <p:nvPr>
-            <p:ph idx="1"/>
-          </p:nvPr>
-        </p:nvSpPr>
-        <p:spPr/>
-        <p:txBody>
-          <a:bodyPr>
-            <a:normAutofit/>
-          </a:bodyPr>
-          <a:lstStyle/>
-          <a:p>
-            <a:r>
-              <a:rPr lang="en-US" sz="2400" dirty="0"/>
-              <a:t> </a:t>
-            </a:r>
-            <a:r>
-              <a:rPr lang="en-US" sz="2400" dirty="0" err="1"/>
-              <a:t>services.AddCors</a:t>
-            </a:r>
-            <a:r>
-              <a:rPr lang="en-US" sz="2400" dirty="0"/>
-              <a:t>(options =&gt;</a:t>
-            </a:r>
-          </a:p>
-          <a:p>
-            <a:r>
-              <a:rPr lang="en-US" sz="2400" dirty="0"/>
-              <a:t>            {</a:t>
-            </a:r>
-          </a:p>
-          <a:p>
-            <a:r>
-              <a:rPr lang="en-US" sz="2400" dirty="0"/>
-              <a:t>                </a:t>
-            </a:r>
-            <a:r>
-              <a:rPr lang="en-US" sz="2400" dirty="0" err="1"/>
-              <a:t>options.AddPolicy</a:t>
-            </a:r>
-            <a:r>
-              <a:rPr lang="en-US" sz="2400" dirty="0"/>
-              <a:t>("</a:t>
-            </a:r>
-            <a:r>
-              <a:rPr lang="en-US" sz="2400" dirty="0" err="1"/>
-              <a:t>CorsPolicy</a:t>
-            </a:r>
-            <a:r>
-              <a:rPr lang="en-US" sz="2400" dirty="0"/>
-              <a:t>",</a:t>
-            </a:r>
-          </a:p>
-          <a:p>
-            <a:r>
-              <a:rPr lang="en-US" sz="2400" dirty="0"/>
-              <a:t>                    builder =&gt; </a:t>
-            </a:r>
-            <a:r>
-              <a:rPr lang="en-US" sz="2400" dirty="0" err="1"/>
-              <a:t>builder.AllowAnyOrigin</a:t>
-            </a:r>
-            <a:r>
-              <a:rPr lang="en-US" sz="2400" dirty="0"/>
-              <a:t>()</a:t>
-            </a:r>
-          </a:p>
-          <a:p>
-            <a:r>
-              <a:rPr lang="en-US" sz="2400" dirty="0"/>
-              <a:t>                        .</a:t>
-            </a:r>
-            <a:r>
-              <a:rPr lang="en-US" sz="2400" dirty="0" err="1"/>
-              <a:t>AllowAnyMethod</a:t>
-            </a:r>
-            <a:r>
-              <a:rPr lang="en-US" sz="2400" dirty="0"/>
-              <a:t>()</a:t>
-            </a:r>
-          </a:p>
-          <a:p>
-            <a:r>
-              <a:rPr lang="en-US" sz="2400" dirty="0"/>
-              <a:t>                        .</a:t>
-            </a:r>
-            <a:r>
-              <a:rPr lang="en-US" sz="2400" dirty="0" err="1"/>
-              <a:t>AllowAnyHeader</a:t>
-            </a:r>
-            <a:r>
-              <a:rPr lang="en-US" sz="2400" dirty="0"/>
-              <a:t>());</a:t>
-            </a:r>
-          </a:p>
-          <a:p>
-            <a:r>
-              <a:rPr lang="en-US" sz="2400" dirty="0"/>
-              <a:t>            });</a:t>
-            </a:r>
-          </a:p>
-        </p:txBody>
+          <p:cNvPicPr>
+            <a:picLocks noChangeAspect="1"/>
+          </p:cNvPicPr>
+          <p:nvPr/>
+        </p:nvPicPr>
+        <p:blipFill rotWithShape="1">
+          <a:blip r:embed="rId2"/>
+          <a:srcRect r="34202" b="2"/>
+          <a:stretch/>
+        </p:blipFill>
+        <p:spPr>
+          <a:xfrm>
+            <a:off x="4639733" y="10"/>
+            <a:ext cx="7552266" cy="6857990"/>
+          </a:xfrm>
+          <a:prstGeom prst="rect">
+            <a:avLst/>
+          </a:prstGeom>
+        </p:spPr>
+      </p:pic>
+      <p:sp>
+        <p:nvSpPr>
+          <p:cNvPr id="18" name="Rectangle 17">
+            <a:extLst>
+              <a:ext uri="{FF2B5EF4-FFF2-40B4-BE49-F238E27FC236}">
+                <a16:creationId xmlns:a16="http://schemas.microsoft.com/office/drawing/2014/main" id="{02E2466B-276C-423A-9377-78508D6A0764}"/>
+              </a:ext>
+              <a:ext uri="{C183D7F6-B498-43B3-948B-1728B52AA6E4}">
+                <adec:decorative xmlns:adec="http://schemas.microsoft.com/office/drawing/2017/decorative" val="1"/>
+              </a:ext>
+            </a:extLst>
+          </p:cNvPr>
+          <p:cNvSpPr>
+            <a:spLocks noGrp="1" noRot="1" noChangeAspect="1" noMove="1" noResize="1" noEditPoints="1" noAdjustHandles="1" noChangeArrowheads="1" noChangeShapeType="1" noTextEdit="1"/>
+          </p:cNvSpPr>
+          <p:nvPr>
+            <p:extLst>
+              <p:ext uri="{386F3935-93C4-4BCD-93E2-E3B085C9AB24}">
+                <p16:designElem xmlns:p16="http://schemas.microsoft.com/office/powerpoint/2015/main" val="1"/>
+              </p:ext>
+            </p:extLst>
+          </p:nvPr>
+        </p:nvSpPr>
+        <p:spPr>
+          <a:xfrm>
+            <a:off x="4584751" y="0"/>
+            <a:ext cx="64008" cy="6858000"/>
+          </a:xfrm>
+          <a:prstGeom prst="rect">
+            <a:avLst/>
+          </a:prstGeom>
+          <a:solidFill>
+            <a:schemeClr val="accent1"/>
+          </a:solidFill>
+          <a:ln>
+            <a:noFill/>
+          </a:ln>
+        </p:spPr>
+        <p:style>
+          <a:lnRef idx="2">
+            <a:schemeClr val="accent1">
+              <a:shade val="50000"/>
+            </a:schemeClr>
+          </a:lnRef>
+          <a:fillRef idx="1">
+            <a:schemeClr val="accent1"/>
+          </a:fillRef>
+          <a:effectRef idx="0">
+            <a:schemeClr val="accent1"/>
+          </a:effectRef>
+          <a:fontRef idx="minor">
+            <a:schemeClr val="lt1"/>
+          </a:fontRef>
+        </p:style>
       </p:sp>
     </p:spTree>
     <p:extLst>
       <p:ext uri="{BB962C8B-B14F-4D97-AF65-F5344CB8AC3E}">
-        <p14:creationId xmlns:p14="http://schemas.microsoft.com/office/powerpoint/2010/main" val="2277267245"/>
+        <p14:creationId xmlns:p14="http://schemas.microsoft.com/office/powerpoint/2010/main" val="875478547"/>
       </p:ext>
     </p:extLst>
   </p:cSld>
   <p:clrMapOvr>
     <a:masterClrMapping/>
   </p:clrMapOvr>
+  <p:timing>
+    <p:tnLst>
+      <p:par>
+        <p:cTn id="1" dur="indefinite" restart="never" nodeType="tmRoot">
+          <p:childTnLst>
+            <p:seq concurrent="1" nextAc="seek">
+              <p:cTn id="2" dur="indefinite" nodeType="mainSeq">
+                <p:childTnLst>
+                  <p:par>
+                    <p:cTn id="3" fill="hold">
+                      <p:stCondLst>
+                        <p:cond delay="indefinite"/>
+                        <p:cond evt="onBegin" delay="0">
+                          <p:tn val="2"/>
+                        </p:cond>
+                      </p:stCondLst>
+                      <p:childTnLst>
+                        <p:par>
+                          <p:cTn id="4" fill="hold">
+                            <p:stCondLst>
+                              <p:cond delay="0"/>
+                            </p:stCondLst>
+                            <p:childTnLst>
+                              <p:par>
+                                <p:cTn id="5" presetID="10" presetClass="entr" presetSubtype="0" fill="hold" grpId="0" nodeType="withEffect">
+                                  <p:stCondLst>
+                                    <p:cond delay="1000"/>
+                                  </p:stCondLst>
+                                  <p:iterate type="lt">
+                                    <p:tmPct val="10000"/>
+                                  </p:iterate>
+                                  <p:childTnLst>
+                                    <p:set>
+                                      <p:cBhvr>
+                                        <p:cTn id="6" dur="1" fill="hold">
+                                          <p:stCondLst>
+                                            <p:cond delay="0"/>
+                                          </p:stCondLst>
+                                        </p:cTn>
+                                        <p:tgtEl>
+                                          <p:spTgt spid="2"/>
+                                        </p:tgtEl>
+                                        <p:attrNameLst>
+                                          <p:attrName>style.visibility</p:attrName>
+                                        </p:attrNameLst>
+                                      </p:cBhvr>
+                                      <p:to>
+                                        <p:strVal val="visible"/>
+                                      </p:to>
+                                    </p:set>
+                                    <p:animEffect transition="in" filter="fade">
+                                      <p:cBhvr>
+                                        <p:cTn id="7" dur="400"/>
+                                        <p:tgtEl>
+                                          <p:spTgt spid="2"/>
+                                        </p:tgtEl>
+                                      </p:cBhvr>
+                                    </p:animEffect>
+                                  </p:childTnLst>
+                                </p:cTn>
+                              </p:par>
+                            </p:childTnLst>
+                          </p:cTn>
+                        </p:par>
+                      </p:childTnLst>
+                    </p:cTn>
+                  </p:par>
+                </p:childTnLst>
+              </p:cTn>
+              <p:prevCondLst>
+                <p:cond evt="onPrev" delay="0">
+                  <p:tgtEl>
+                    <p:sldTgt/>
+                  </p:tgtEl>
+                </p:cond>
+              </p:prevCondLst>
+              <p:nextCondLst>
+                <p:cond evt="onNext" delay="0">
+                  <p:tgtEl>
+                    <p:sldTgt/>
+                  </p:tgtEl>
+                </p:cond>
+              </p:nextCondLst>
+            </p:seq>
+          </p:childTnLst>
+        </p:cTn>
+      </p:par>
+    </p:tnLst>
+    <p:bldLst>
+      <p:bldP spid="2" grpId="0"/>
+    </p:bldLst>
+  </p:timing>
 </p:sld>
 </file>
 
 <file path=ppt/slides/slide8.xml><?xml version="1.0" encoding="utf-8"?>
 <p:sld xmlns:a="http://schemas.openxmlformats.org/drawingml/2006/main" xmlns:r="http://schemas.openxmlformats.org/officeDocument/2006/relationships" xmlns:p="http://schemas.openxmlformats.org/presentationml/2006/main">
   <p:cSld>
+    <p:bg>
+      <p:bgPr>
+        <a:solidFill>
+          <a:schemeClr val="bg1">
+            <a:lumMod val="75000"/>
+            <a:lumOff val="25000"/>
+          </a:schemeClr>
+        </a:solidFill>
+        <a:effectLst/>
+      </p:bgPr>
+    </p:bg>
     <p:spTree>
       <p:nvGrpSpPr>
         <p:cNvPr id="1" name=""/>
@@ -11544,10 +9909,263 @@
       </p:grpSpPr>
       <p:sp>
         <p:nvSpPr>
+          <p:cNvPr id="20" name="Rectangle 9">
+            <a:extLst>
+              <a:ext uri="{FF2B5EF4-FFF2-40B4-BE49-F238E27FC236}">
+                <a16:creationId xmlns:a16="http://schemas.microsoft.com/office/drawing/2014/main" id="{36E6FEC8-170C-492C-84E0-54394629D120}"/>
+              </a:ext>
+              <a:ext uri="{C183D7F6-B498-43B3-948B-1728B52AA6E4}">
+                <adec:decorative xmlns:adec="http://schemas.microsoft.com/office/drawing/2017/decorative" val="1"/>
+              </a:ext>
+            </a:extLst>
+          </p:cNvPr>
+          <p:cNvSpPr>
+            <a:spLocks noGrp="1" noRot="1" noChangeAspect="1" noMove="1" noResize="1" noEditPoints="1" noAdjustHandles="1" noChangeArrowheads="1" noChangeShapeType="1" noTextEdit="1"/>
+          </p:cNvSpPr>
+          <p:nvPr>
+            <p:extLst>
+              <p:ext uri="{386F3935-93C4-4BCD-93E2-E3B085C9AB24}">
+                <p16:designElem xmlns:p16="http://schemas.microsoft.com/office/powerpoint/2015/main" val="1"/>
+              </p:ext>
+            </p:extLst>
+          </p:nvPr>
+        </p:nvSpPr>
+        <p:spPr>
+          <a:xfrm>
+            <a:off x="3175" y="6400800"/>
+            <a:ext cx="12188825" cy="457200"/>
+          </a:xfrm>
+          <a:prstGeom prst="rect">
+            <a:avLst/>
+          </a:prstGeom>
+          <a:solidFill>
+            <a:schemeClr val="accent1">
+              <a:lumMod val="75000"/>
+            </a:schemeClr>
+          </a:solidFill>
+          <a:ln>
+            <a:noFill/>
+          </a:ln>
+        </p:spPr>
+        <p:style>
+          <a:lnRef idx="2">
+            <a:schemeClr val="accent1">
+              <a:shade val="50000"/>
+            </a:schemeClr>
+          </a:lnRef>
+          <a:fillRef idx="1">
+            <a:schemeClr val="accent1"/>
+          </a:fillRef>
+          <a:effectRef idx="0">
+            <a:schemeClr val="accent1"/>
+          </a:effectRef>
+          <a:fontRef idx="minor">
+            <a:schemeClr val="lt1"/>
+          </a:fontRef>
+        </p:style>
+      </p:sp>
+      <p:sp>
+        <p:nvSpPr>
+          <p:cNvPr id="21" name="Rectangle 11">
+            <a:extLst>
+              <a:ext uri="{FF2B5EF4-FFF2-40B4-BE49-F238E27FC236}">
+                <a16:creationId xmlns:a16="http://schemas.microsoft.com/office/drawing/2014/main" id="{DEE940A1-B9E0-4C5D-A55E-B19742379C83}"/>
+              </a:ext>
+              <a:ext uri="{C183D7F6-B498-43B3-948B-1728B52AA6E4}">
+                <adec:decorative xmlns:adec="http://schemas.microsoft.com/office/drawing/2017/decorative" val="1"/>
+              </a:ext>
+            </a:extLst>
+          </p:cNvPr>
+          <p:cNvSpPr>
+            <a:spLocks noGrp="1" noRot="1" noChangeAspect="1" noMove="1" noResize="1" noEditPoints="1" noAdjustHandles="1" noChangeArrowheads="1" noChangeShapeType="1" noTextEdit="1"/>
+          </p:cNvSpPr>
+          <p:nvPr>
+            <p:extLst>
+              <p:ext uri="{386F3935-93C4-4BCD-93E2-E3B085C9AB24}">
+                <p16:designElem xmlns:p16="http://schemas.microsoft.com/office/powerpoint/2015/main" val="1"/>
+              </p:ext>
+            </p:extLst>
+          </p:nvPr>
+        </p:nvSpPr>
+        <p:spPr>
+          <a:xfrm>
+            <a:off x="15" y="6334316"/>
+            <a:ext cx="12188825" cy="64008"/>
+          </a:xfrm>
+          <a:prstGeom prst="rect">
+            <a:avLst/>
+          </a:prstGeom>
+          <a:solidFill>
+            <a:schemeClr val="accent1"/>
+          </a:solidFill>
+          <a:ln>
+            <a:noFill/>
+          </a:ln>
+        </p:spPr>
+        <p:style>
+          <a:lnRef idx="2">
+            <a:schemeClr val="accent1">
+              <a:shade val="50000"/>
+            </a:schemeClr>
+          </a:lnRef>
+          <a:fillRef idx="1">
+            <a:schemeClr val="accent1"/>
+          </a:fillRef>
+          <a:effectRef idx="0">
+            <a:schemeClr val="accent1"/>
+          </a:effectRef>
+          <a:fontRef idx="minor">
+            <a:schemeClr val="lt1"/>
+          </a:fontRef>
+        </p:style>
+      </p:sp>
+      <p:cxnSp>
+        <p:nvCxnSpPr>
+          <p:cNvPr id="22" name="Straight Connector 13">
+            <a:extLst>
+              <a:ext uri="{FF2B5EF4-FFF2-40B4-BE49-F238E27FC236}">
+                <a16:creationId xmlns:a16="http://schemas.microsoft.com/office/drawing/2014/main" id="{81C8E47B-A563-4B44-A9B0-9316605C2E4E}"/>
+              </a:ext>
+              <a:ext uri="{C183D7F6-B498-43B3-948B-1728B52AA6E4}">
+                <adec:decorative xmlns:adec="http://schemas.microsoft.com/office/drawing/2017/decorative" val="1"/>
+              </a:ext>
+            </a:extLst>
+          </p:cNvPr>
+          <p:cNvCxnSpPr>
+            <a:cxnSpLocks noGrp="1" noRot="1" noChangeAspect="1" noMove="1" noResize="1" noEditPoints="1" noAdjustHandles="1" noChangeArrowheads="1" noChangeShapeType="1"/>
+          </p:cNvCxnSpPr>
+          <p:nvPr>
+            <p:extLst>
+              <p:ext uri="{386F3935-93C4-4BCD-93E2-E3B085C9AB24}">
+                <p16:designElem xmlns:p16="http://schemas.microsoft.com/office/powerpoint/2015/main" val="1"/>
+              </p:ext>
+            </p:extLst>
+          </p:nvPr>
+        </p:nvCxnSpPr>
+        <p:spPr>
+          <a:xfrm>
+            <a:off x="1207658" y="4343400"/>
+            <a:ext cx="9875520" cy="0"/>
+          </a:xfrm>
+          <a:prstGeom prst="line">
+            <a:avLst/>
+          </a:prstGeom>
+          <a:ln w="6350">
+            <a:solidFill>
+              <a:schemeClr val="tx1">
+                <a:lumMod val="50000"/>
+                <a:lumOff val="50000"/>
+              </a:schemeClr>
+            </a:solidFill>
+          </a:ln>
+        </p:spPr>
+        <p:style>
+          <a:lnRef idx="1">
+            <a:schemeClr val="accent1"/>
+          </a:lnRef>
+          <a:fillRef idx="0">
+            <a:schemeClr val="accent1"/>
+          </a:fillRef>
+          <a:effectRef idx="0">
+            <a:schemeClr val="accent1"/>
+          </a:effectRef>
+          <a:fontRef idx="minor">
+            <a:schemeClr val="tx1"/>
+          </a:fontRef>
+        </p:style>
+      </p:cxnSp>
+      <p:pic>
+        <p:nvPicPr>
+          <p:cNvPr id="5" name="Picture 4">
+            <a:extLst>
+              <a:ext uri="{FF2B5EF4-FFF2-40B4-BE49-F238E27FC236}">
+                <a16:creationId xmlns:a16="http://schemas.microsoft.com/office/drawing/2014/main" id="{9B532AAF-7E8D-4F3B-AA22-6BA9F2F71976}"/>
+              </a:ext>
+            </a:extLst>
+          </p:cNvPr>
+          <p:cNvPicPr>
+            <a:picLocks noChangeAspect="1"/>
+          </p:cNvPicPr>
+          <p:nvPr/>
+        </p:nvPicPr>
+        <p:blipFill rotWithShape="1">
+          <a:blip r:embed="rId2"/>
+          <a:srcRect t="32529"/>
+          <a:stretch/>
+        </p:blipFill>
+        <p:spPr>
+          <a:xfrm>
+            <a:off x="-32" y="10"/>
+            <a:ext cx="12192031" cy="4915066"/>
+          </a:xfrm>
+          <a:prstGeom prst="rect">
+            <a:avLst/>
+          </a:prstGeom>
+        </p:spPr>
+      </p:pic>
+      <p:sp>
+        <p:nvSpPr>
+          <p:cNvPr id="23" name="Rectangle 15">
+            <a:extLst>
+              <a:ext uri="{FF2B5EF4-FFF2-40B4-BE49-F238E27FC236}">
+                <a16:creationId xmlns:a16="http://schemas.microsoft.com/office/drawing/2014/main" id="{54BFABF9-7D43-458F-B85F-04FF279ACB81}"/>
+              </a:ext>
+              <a:ext uri="{C183D7F6-B498-43B3-948B-1728B52AA6E4}">
+                <adec:decorative xmlns:adec="http://schemas.microsoft.com/office/drawing/2017/decorative" val="1"/>
+              </a:ext>
+            </a:extLst>
+          </p:cNvPr>
+          <p:cNvSpPr>
+            <a:spLocks noGrp="1" noRot="1" noChangeAspect="1" noMove="1" noResize="1" noEditPoints="1" noAdjustHandles="1" noChangeArrowheads="1" noChangeShapeType="1" noTextEdit="1"/>
+          </p:cNvSpPr>
+          <p:nvPr>
+            <p:extLst>
+              <p:ext uri="{386F3935-93C4-4BCD-93E2-E3B085C9AB24}">
+                <p16:designElem xmlns:p16="http://schemas.microsoft.com/office/powerpoint/2015/main" val="1"/>
+              </p:ext>
+            </p:extLst>
+          </p:nvPr>
+        </p:nvSpPr>
+        <p:spPr bwMode="white">
+          <a:xfrm>
+            <a:off x="1507" y="4953000"/>
+            <a:ext cx="12188952" cy="1905000"/>
+          </a:xfrm>
+          <a:prstGeom prst="rect">
+            <a:avLst/>
+          </a:prstGeom>
+          <a:solidFill>
+            <a:schemeClr val="accent1">
+              <a:lumMod val="75000"/>
+            </a:schemeClr>
+          </a:solidFill>
+          <a:ln>
+            <a:noFill/>
+          </a:ln>
+        </p:spPr>
+        <p:style>
+          <a:lnRef idx="2">
+            <a:schemeClr val="accent1">
+              <a:shade val="50000"/>
+            </a:schemeClr>
+          </a:lnRef>
+          <a:fillRef idx="1">
+            <a:schemeClr val="accent1"/>
+          </a:fillRef>
+          <a:effectRef idx="0">
+            <a:schemeClr val="accent1"/>
+          </a:effectRef>
+          <a:fontRef idx="minor">
+            <a:schemeClr val="lt1"/>
+          </a:fontRef>
+        </p:style>
+      </p:sp>
+      <p:sp>
+        <p:nvSpPr>
           <p:cNvPr id="2" name="Title 1">
             <a:extLst>
               <a:ext uri="{FF2B5EF4-FFF2-40B4-BE49-F238E27FC236}">
-                <a16:creationId xmlns:a16="http://schemas.microsoft.com/office/drawing/2014/main" id="{A20AC04D-A984-4F23-B555-92E74792A726}"/>
+                <a16:creationId xmlns:a16="http://schemas.microsoft.com/office/drawing/2014/main" id="{63950B4F-5F45-4EFE-877F-E487E96E3B06}"/>
               </a:ext>
             </a:extLst>
           </p:cNvPr>
@@ -11558,256 +10176,186 @@
             <p:ph type="title"/>
           </p:nvPr>
         </p:nvSpPr>
-        <p:spPr/>
-        <p:txBody>
-          <a:bodyPr/>
+        <p:spPr>
+          <a:xfrm>
+            <a:off x="1065197" y="5120640"/>
+            <a:ext cx="10058400" cy="822960"/>
+          </a:xfrm>
+        </p:spPr>
+        <p:txBody>
+          <a:bodyPr vert="horz" lIns="91440" tIns="45720" rIns="91440" bIns="45720" rtlCol="0" anchor="b">
+            <a:normAutofit/>
+          </a:bodyPr>
           <a:lstStyle/>
           <a:p>
             <a:r>
-              <a:rPr lang="en-US" dirty="0"/>
-              <a:t>CORS</a:t>
-            </a:r>
-          </a:p>
-        </p:txBody>
-      </p:sp>
-      <p:sp>
-        <p:nvSpPr>
-          <p:cNvPr id="3" name="Content Placeholder 2">
+              <a:rPr lang="en-US" sz="3600">
+                <a:solidFill>
+                  <a:srgbClr val="FFFFFF"/>
+                </a:solidFill>
+              </a:rPr>
+              <a:t>Controllers and Actions: Producing and Consuming</a:t>
+            </a:r>
+          </a:p>
+        </p:txBody>
+      </p:sp>
+      <p:sp>
+        <p:nvSpPr>
+          <p:cNvPr id="24" name="Rectangle 17">
             <a:extLst>
               <a:ext uri="{FF2B5EF4-FFF2-40B4-BE49-F238E27FC236}">
-                <a16:creationId xmlns:a16="http://schemas.microsoft.com/office/drawing/2014/main" id="{70C9133A-28BF-4F05-8B71-F5AF24A86A1B}"/>
+                <a16:creationId xmlns:a16="http://schemas.microsoft.com/office/drawing/2014/main" id="{72E64342-BCC2-4FB3-B9DC-14B19B5D7E2B}"/>
+              </a:ext>
+              <a:ext uri="{C183D7F6-B498-43B3-948B-1728B52AA6E4}">
+                <adec:decorative xmlns:adec="http://schemas.microsoft.com/office/drawing/2017/decorative" val="1"/>
               </a:ext>
             </a:extLst>
           </p:cNvPr>
           <p:cNvSpPr>
-            <a:spLocks noGrp="1"/>
-          </p:cNvSpPr>
-          <p:nvPr>
-            <p:ph idx="1"/>
-          </p:nvPr>
-        </p:nvSpPr>
-        <p:spPr/>
-        <p:txBody>
-          <a:bodyPr/>
-          <a:lstStyle/>
-          <a:p>
-            <a:r>
-              <a:rPr lang="en-US" dirty="0"/>
-              <a:t>GET http://myserver.chinookmusicstore.net/api/test HTTP/1.1</a:t>
-            </a:r>
-          </a:p>
-          <a:p>
-            <a:r>
-              <a:rPr lang="en-US" dirty="0" err="1"/>
-              <a:t>Referer</a:t>
-            </a:r>
-            <a:r>
-              <a:rPr lang="en-US" dirty="0"/>
-              <a:t>: http://myclient. chinookmusicstore.net/</a:t>
-            </a:r>
-          </a:p>
-          <a:p>
-            <a:r>
-              <a:rPr lang="en-US" dirty="0"/>
-              <a:t>Accept: */*</a:t>
-            </a:r>
-          </a:p>
-          <a:p>
-            <a:r>
-              <a:rPr lang="en-US" dirty="0"/>
-              <a:t>Accept-Language: </a:t>
-            </a:r>
-            <a:r>
-              <a:rPr lang="en-US" dirty="0" err="1"/>
-              <a:t>en</a:t>
-            </a:r>
-            <a:r>
-              <a:rPr lang="en-US" dirty="0"/>
-              <a:t>-US</a:t>
-            </a:r>
-          </a:p>
-          <a:p>
-            <a:r>
-              <a:rPr lang="en-US" dirty="0">
-                <a:highlight>
-                  <a:srgbClr val="800000"/>
-                </a:highlight>
-              </a:rPr>
-              <a:t>Origin: http://myclient. chinookmusicstore.net</a:t>
-            </a:r>
-          </a:p>
-          <a:p>
-            <a:r>
-              <a:rPr lang="en-US" dirty="0"/>
-              <a:t>Accept-Encoding: </a:t>
-            </a:r>
-            <a:r>
-              <a:rPr lang="en-US" dirty="0" err="1"/>
-              <a:t>gzip</a:t>
-            </a:r>
-            <a:r>
-              <a:rPr lang="en-US" dirty="0"/>
-              <a:t>, deflate</a:t>
-            </a:r>
-          </a:p>
-          <a:p>
-            <a:r>
-              <a:rPr lang="en-US" dirty="0"/>
-              <a:t>User-Agent: Mozilla/5.0 (compatible; MSIE 10.0; Windows NT 6.2; WOW64; Trident/6.0)</a:t>
-            </a:r>
-          </a:p>
-          <a:p>
-            <a:r>
-              <a:rPr lang="en-US" dirty="0"/>
-              <a:t>Host: </a:t>
-            </a:r>
-            <a:r>
-              <a:rPr lang="en-US" dirty="0" err="1"/>
-              <a:t>myservice</a:t>
-            </a:r>
-            <a:r>
-              <a:rPr lang="en-US" dirty="0"/>
-              <a:t>. chinookmusicstore.net</a:t>
-            </a:r>
-          </a:p>
-        </p:txBody>
+            <a:spLocks noGrp="1" noRot="1" noChangeAspect="1" noMove="1" noResize="1" noEditPoints="1" noAdjustHandles="1" noChangeArrowheads="1" noChangeShapeType="1" noTextEdit="1"/>
+          </p:cNvSpPr>
+          <p:nvPr>
+            <p:extLst>
+              <p:ext uri="{386F3935-93C4-4BCD-93E2-E3B085C9AB24}">
+                <p16:designElem xmlns:p16="http://schemas.microsoft.com/office/powerpoint/2015/main" val="1"/>
+              </p:ext>
+            </p:extLst>
+          </p:nvPr>
+        </p:nvSpPr>
+        <p:spPr>
+          <a:xfrm>
+            <a:off x="1507" y="4906176"/>
+            <a:ext cx="12188952" cy="64008"/>
+          </a:xfrm>
+          <a:prstGeom prst="rect">
+            <a:avLst/>
+          </a:prstGeom>
+          <a:solidFill>
+            <a:schemeClr val="accent1"/>
+          </a:solidFill>
+          <a:ln>
+            <a:noFill/>
+          </a:ln>
+        </p:spPr>
+        <p:style>
+          <a:lnRef idx="2">
+            <a:schemeClr val="accent1">
+              <a:shade val="50000"/>
+            </a:schemeClr>
+          </a:lnRef>
+          <a:fillRef idx="1">
+            <a:schemeClr val="accent1"/>
+          </a:fillRef>
+          <a:effectRef idx="0">
+            <a:schemeClr val="accent1"/>
+          </a:effectRef>
+          <a:fontRef idx="minor">
+            <a:schemeClr val="lt1"/>
+          </a:fontRef>
+        </p:style>
       </p:sp>
     </p:spTree>
     <p:extLst>
       <p:ext uri="{BB962C8B-B14F-4D97-AF65-F5344CB8AC3E}">
-        <p14:creationId xmlns:p14="http://schemas.microsoft.com/office/powerpoint/2010/main" val="3983395679"/>
+        <p14:creationId xmlns:p14="http://schemas.microsoft.com/office/powerpoint/2010/main" val="2402502586"/>
       </p:ext>
     </p:extLst>
   </p:cSld>
   <p:clrMapOvr>
     <a:masterClrMapping/>
   </p:clrMapOvr>
-</p:sld>
-</file>
-
-<file path=ppt/slides/slide9.xml><?xml version="1.0" encoding="utf-8"?>
-<p:sld xmlns:a="http://schemas.openxmlformats.org/drawingml/2006/main" xmlns:r="http://schemas.openxmlformats.org/officeDocument/2006/relationships" xmlns:p="http://schemas.openxmlformats.org/presentationml/2006/main">
-  <p:cSld>
-    <p:spTree>
-      <p:nvGrpSpPr>
-        <p:cNvPr id="1" name=""/>
-        <p:cNvGrpSpPr/>
-        <p:nvPr/>
-      </p:nvGrpSpPr>
-      <p:grpSpPr>
-        <a:xfrm>
-          <a:off x="0" y="0"/>
-          <a:ext cx="0" cy="0"/>
-          <a:chOff x="0" y="0"/>
-          <a:chExt cx="0" cy="0"/>
-        </a:xfrm>
-      </p:grpSpPr>
-      <p:sp>
-        <p:nvSpPr>
-          <p:cNvPr id="2" name="Title 1">
-            <a:extLst>
-              <a:ext uri="{FF2B5EF4-FFF2-40B4-BE49-F238E27FC236}">
-                <a16:creationId xmlns:a16="http://schemas.microsoft.com/office/drawing/2014/main" id="{246FF8A7-F88B-4741-8309-0685A260EECE}"/>
-              </a:ext>
-            </a:extLst>
-          </p:cNvPr>
-          <p:cNvSpPr>
-            <a:spLocks noGrp="1"/>
-          </p:cNvSpPr>
-          <p:nvPr>
-            <p:ph type="title"/>
-          </p:nvPr>
-        </p:nvSpPr>
-        <p:spPr/>
-        <p:txBody>
-          <a:bodyPr/>
-          <a:lstStyle/>
-          <a:p>
-            <a:r>
-              <a:rPr lang="en-US" dirty="0"/>
-              <a:t>CORS</a:t>
-            </a:r>
-          </a:p>
-        </p:txBody>
-      </p:sp>
-      <p:sp>
-        <p:nvSpPr>
-          <p:cNvPr id="3" name="Content Placeholder 2">
-            <a:extLst>
-              <a:ext uri="{FF2B5EF4-FFF2-40B4-BE49-F238E27FC236}">
-                <a16:creationId xmlns:a16="http://schemas.microsoft.com/office/drawing/2014/main" id="{0A7A7162-44F8-4A70-8176-8DC015BDCCD8}"/>
-              </a:ext>
-            </a:extLst>
-          </p:cNvPr>
-          <p:cNvSpPr>
-            <a:spLocks noGrp="1"/>
-          </p:cNvSpPr>
-          <p:nvPr>
-            <p:ph idx="1"/>
-          </p:nvPr>
-        </p:nvSpPr>
-        <p:spPr/>
-        <p:txBody>
-          <a:bodyPr/>
-          <a:lstStyle/>
-          <a:p>
-            <a:r>
-              <a:rPr lang="en-US" dirty="0"/>
-              <a:t>HTTP/1.1 200 OK</a:t>
-            </a:r>
-          </a:p>
-          <a:p>
-            <a:r>
-              <a:rPr lang="en-US" dirty="0"/>
-              <a:t>Cache-Control: no-cache</a:t>
-            </a:r>
-          </a:p>
-          <a:p>
-            <a:r>
-              <a:rPr lang="en-US" dirty="0"/>
-              <a:t>Pragma: no-cache</a:t>
-            </a:r>
-          </a:p>
-          <a:p>
-            <a:r>
-              <a:rPr lang="en-US" dirty="0"/>
-              <a:t>Content-Type: text/plain; charset=utf-8</a:t>
-            </a:r>
-          </a:p>
-          <a:p>
-            <a:r>
-              <a:rPr lang="en-US" dirty="0">
-                <a:highlight>
-                  <a:srgbClr val="800000"/>
-                </a:highlight>
-              </a:rPr>
-              <a:t>Access-Control-Allow-Origin: http://myclient. chinookmusicstore.net</a:t>
-            </a:r>
-          </a:p>
-          <a:p>
-            <a:r>
-              <a:rPr lang="en-US" dirty="0"/>
-              <a:t>Date: Wed, 05 Jun 2013 06:27:30 GMT</a:t>
-            </a:r>
-          </a:p>
-          <a:p>
-            <a:r>
-              <a:rPr lang="en-US" dirty="0"/>
-              <a:t>Content-Length: 17</a:t>
-            </a:r>
-          </a:p>
-        </p:txBody>
-      </p:sp>
-    </p:spTree>
-    <p:extLst>
-      <p:ext uri="{BB962C8B-B14F-4D97-AF65-F5344CB8AC3E}">
-        <p14:creationId xmlns:p14="http://schemas.microsoft.com/office/powerpoint/2010/main" val="1956764379"/>
-      </p:ext>
-    </p:extLst>
-  </p:cSld>
-  <p:clrMapOvr>
-    <a:masterClrMapping/>
-  </p:clrMapOvr>
+  <p:timing>
+    <p:tnLst>
+      <p:par>
+        <p:cTn id="1" dur="indefinite" restart="never" nodeType="tmRoot">
+          <p:childTnLst>
+            <p:seq concurrent="1" nextAc="seek">
+              <p:cTn id="2" dur="indefinite" nodeType="mainSeq">
+                <p:childTnLst>
+                  <p:par>
+                    <p:cTn id="3" fill="hold">
+                      <p:stCondLst>
+                        <p:cond delay="indefinite"/>
+                        <p:cond evt="onBegin" delay="0">
+                          <p:tn val="2"/>
+                        </p:cond>
+                      </p:stCondLst>
+                      <p:childTnLst>
+                        <p:par>
+                          <p:cTn id="4" fill="hold">
+                            <p:stCondLst>
+                              <p:cond delay="0"/>
+                            </p:stCondLst>
+                            <p:childTnLst>
+                              <p:par>
+                                <p:cTn id="5" presetID="10" presetClass="entr" presetSubtype="0" fill="hold" grpId="0" nodeType="withEffect">
+                                  <p:stCondLst>
+                                    <p:cond delay="1000"/>
+                                  </p:stCondLst>
+                                  <p:iterate>
+                                    <p:tmPct val="10000"/>
+                                  </p:iterate>
+                                  <p:childTnLst>
+                                    <p:set>
+                                      <p:cBhvr>
+                                        <p:cTn id="6" dur="1" fill="hold">
+                                          <p:stCondLst>
+                                            <p:cond delay="0"/>
+                                          </p:stCondLst>
+                                        </p:cTn>
+                                        <p:tgtEl>
+                                          <p:spTgt spid="2"/>
+                                        </p:tgtEl>
+                                        <p:attrNameLst>
+                                          <p:attrName>style.visibility</p:attrName>
+                                        </p:attrNameLst>
+                                      </p:cBhvr>
+                                      <p:to>
+                                        <p:strVal val="visible"/>
+                                      </p:to>
+                                    </p:set>
+                                    <p:animEffect transition="in" filter="fade">
+                                      <p:cBhvr>
+                                        <p:cTn id="7" dur="700"/>
+                                        <p:tgtEl>
+                                          <p:spTgt spid="2"/>
+                                        </p:tgtEl>
+                                      </p:cBhvr>
+                                    </p:animEffect>
+                                  </p:childTnLst>
+                                </p:cTn>
+                              </p:par>
+                            </p:childTnLst>
+                          </p:cTn>
+                        </p:par>
+                      </p:childTnLst>
+                    </p:cTn>
+                  </p:par>
+                </p:childTnLst>
+              </p:cTn>
+              <p:prevCondLst>
+                <p:cond evt="onPrev" delay="0">
+                  <p:tgtEl>
+                    <p:sldTgt/>
+                  </p:tgtEl>
+                </p:cond>
+              </p:prevCondLst>
+              <p:nextCondLst>
+                <p:cond evt="onNext" delay="0">
+                  <p:tgtEl>
+                    <p:sldTgt/>
+                  </p:tgtEl>
+                </p:cond>
+              </p:nextCondLst>
+            </p:seq>
+          </p:childTnLst>
+        </p:cTn>
+      </p:par>
+    </p:tnLst>
+    <p:bldLst>
+      <p:bldP spid="2" grpId="0"/>
+    </p:bldLst>
+  </p:timing>
 </p:sld>
 </file>
 
